--- a/diagrams.pptx
+++ b/diagrams.pptx
@@ -6,11 +6,10 @@
   </p:sldMasterIdLst>
   <p:sldIdLst>
     <p:sldId id="256" r:id="rId2"/>
-    <p:sldId id="261" r:id="rId3"/>
-    <p:sldId id="257" r:id="rId4"/>
-    <p:sldId id="258" r:id="rId5"/>
+    <p:sldId id="257" r:id="rId3"/>
+    <p:sldId id="258" r:id="rId4"/>
+    <p:sldId id="260" r:id="rId5"/>
     <p:sldId id="259" r:id="rId6"/>
-    <p:sldId id="260" r:id="rId7"/>
   </p:sldIdLst>
   <p:sldSz cx="12192000" cy="6858000"/>
   <p:notesSz cx="6858000" cy="9144000"/>
@@ -264,7 +263,7 @@
           <a:p>
             <a:fld id="{EA228B7D-56B8-5848-9C59-6C63FE1FC0E6}" type="datetimeFigureOut">
               <a:rPr lang="en-US" smtClean="0"/>
-              <a:t>7/13/22</a:t>
+              <a:t>7/14/22</a:t>
             </a:fld>
             <a:endParaRPr lang="en-US"/>
           </a:p>
@@ -462,7 +461,7 @@
           <a:p>
             <a:fld id="{EA228B7D-56B8-5848-9C59-6C63FE1FC0E6}" type="datetimeFigureOut">
               <a:rPr lang="en-US" smtClean="0"/>
-              <a:t>7/13/22</a:t>
+              <a:t>7/14/22</a:t>
             </a:fld>
             <a:endParaRPr lang="en-US"/>
           </a:p>
@@ -670,7 +669,7 @@
           <a:p>
             <a:fld id="{EA228B7D-56B8-5848-9C59-6C63FE1FC0E6}" type="datetimeFigureOut">
               <a:rPr lang="en-US" smtClean="0"/>
-              <a:t>7/13/22</a:t>
+              <a:t>7/14/22</a:t>
             </a:fld>
             <a:endParaRPr lang="en-US"/>
           </a:p>
@@ -868,7 +867,7 @@
           <a:p>
             <a:fld id="{EA228B7D-56B8-5848-9C59-6C63FE1FC0E6}" type="datetimeFigureOut">
               <a:rPr lang="en-US" smtClean="0"/>
-              <a:t>7/13/22</a:t>
+              <a:t>7/14/22</a:t>
             </a:fld>
             <a:endParaRPr lang="en-US"/>
           </a:p>
@@ -1143,7 +1142,7 @@
           <a:p>
             <a:fld id="{EA228B7D-56B8-5848-9C59-6C63FE1FC0E6}" type="datetimeFigureOut">
               <a:rPr lang="en-US" smtClean="0"/>
-              <a:t>7/13/22</a:t>
+              <a:t>7/14/22</a:t>
             </a:fld>
             <a:endParaRPr lang="en-US"/>
           </a:p>
@@ -1408,7 +1407,7 @@
           <a:p>
             <a:fld id="{EA228B7D-56B8-5848-9C59-6C63FE1FC0E6}" type="datetimeFigureOut">
               <a:rPr lang="en-US" smtClean="0"/>
-              <a:t>7/13/22</a:t>
+              <a:t>7/14/22</a:t>
             </a:fld>
             <a:endParaRPr lang="en-US"/>
           </a:p>
@@ -1820,7 +1819,7 @@
           <a:p>
             <a:fld id="{EA228B7D-56B8-5848-9C59-6C63FE1FC0E6}" type="datetimeFigureOut">
               <a:rPr lang="en-US" smtClean="0"/>
-              <a:t>7/13/22</a:t>
+              <a:t>7/14/22</a:t>
             </a:fld>
             <a:endParaRPr lang="en-US"/>
           </a:p>
@@ -1961,7 +1960,7 @@
           <a:p>
             <a:fld id="{EA228B7D-56B8-5848-9C59-6C63FE1FC0E6}" type="datetimeFigureOut">
               <a:rPr lang="en-US" smtClean="0"/>
-              <a:t>7/13/22</a:t>
+              <a:t>7/14/22</a:t>
             </a:fld>
             <a:endParaRPr lang="en-US"/>
           </a:p>
@@ -2074,7 +2073,7 @@
           <a:p>
             <a:fld id="{EA228B7D-56B8-5848-9C59-6C63FE1FC0E6}" type="datetimeFigureOut">
               <a:rPr lang="en-US" smtClean="0"/>
-              <a:t>7/13/22</a:t>
+              <a:t>7/14/22</a:t>
             </a:fld>
             <a:endParaRPr lang="en-US"/>
           </a:p>
@@ -2385,7 +2384,7 @@
           <a:p>
             <a:fld id="{EA228B7D-56B8-5848-9C59-6C63FE1FC0E6}" type="datetimeFigureOut">
               <a:rPr lang="en-US" smtClean="0"/>
-              <a:t>7/13/22</a:t>
+              <a:t>7/14/22</a:t>
             </a:fld>
             <a:endParaRPr lang="en-US"/>
           </a:p>
@@ -2673,7 +2672,7 @@
           <a:p>
             <a:fld id="{EA228B7D-56B8-5848-9C59-6C63FE1FC0E6}" type="datetimeFigureOut">
               <a:rPr lang="en-US" smtClean="0"/>
-              <a:t>7/13/22</a:t>
+              <a:t>7/14/22</a:t>
             </a:fld>
             <a:endParaRPr lang="en-US"/>
           </a:p>
@@ -2914,7 +2913,7 @@
           <a:p>
             <a:fld id="{EA228B7D-56B8-5848-9C59-6C63FE1FC0E6}" type="datetimeFigureOut">
               <a:rPr lang="en-US" smtClean="0"/>
-              <a:t>7/13/22</a:t>
+              <a:t>7/14/22</a:t>
             </a:fld>
             <a:endParaRPr lang="en-US"/>
           </a:p>
@@ -5135,1714 +5134,6 @@
           <a:chExt cx="0" cy="0"/>
         </a:xfrm>
       </p:grpSpPr>
-      <p:grpSp>
-        <p:nvGrpSpPr>
-          <p:cNvPr id="115" name="Group 114">
-            <a:extLst>
-              <a:ext uri="{FF2B5EF4-FFF2-40B4-BE49-F238E27FC236}">
-                <a16:creationId xmlns:a16="http://schemas.microsoft.com/office/drawing/2014/main" id="{DE4214EC-3825-B118-ED94-8C7276522F8F}"/>
-              </a:ext>
-            </a:extLst>
-          </p:cNvPr>
-          <p:cNvGrpSpPr/>
-          <p:nvPr/>
-        </p:nvGrpSpPr>
-        <p:grpSpPr>
-          <a:xfrm>
-            <a:off x="3442101" y="1031507"/>
-            <a:ext cx="5279787" cy="5279787"/>
-            <a:chOff x="2809964" y="1101056"/>
-            <a:chExt cx="5279787" cy="5279787"/>
-          </a:xfrm>
-        </p:grpSpPr>
-        <p:grpSp>
-          <p:nvGrpSpPr>
-            <p:cNvPr id="88" name="Group 87">
-              <a:extLst>
-                <a:ext uri="{FF2B5EF4-FFF2-40B4-BE49-F238E27FC236}">
-                  <a16:creationId xmlns:a16="http://schemas.microsoft.com/office/drawing/2014/main" id="{8F7C41AA-5539-99E7-29E1-563EE37A34A9}"/>
-                </a:ext>
-              </a:extLst>
-            </p:cNvPr>
-            <p:cNvGrpSpPr/>
-            <p:nvPr/>
-          </p:nvGrpSpPr>
-          <p:grpSpPr>
-            <a:xfrm>
-              <a:off x="2809964" y="1101056"/>
-              <a:ext cx="5279787" cy="5279787"/>
-              <a:chOff x="2809964" y="1101056"/>
-              <a:chExt cx="5279787" cy="5279787"/>
-            </a:xfrm>
-          </p:grpSpPr>
-          <p:sp>
-            <p:nvSpPr>
-              <p:cNvPr id="86" name="Oval 85">
-                <a:extLst>
-                  <a:ext uri="{FF2B5EF4-FFF2-40B4-BE49-F238E27FC236}">
-                    <a16:creationId xmlns:a16="http://schemas.microsoft.com/office/drawing/2014/main" id="{38164E3A-9AD1-8E7A-E755-53CBBDF7F0E2}"/>
-                  </a:ext>
-                </a:extLst>
-              </p:cNvPr>
-              <p:cNvSpPr/>
-              <p:nvPr/>
-            </p:nvSpPr>
-            <p:spPr>
-              <a:xfrm>
-                <a:off x="2809964" y="1101056"/>
-                <a:ext cx="5279787" cy="5279787"/>
-              </a:xfrm>
-              <a:prstGeom prst="ellipse">
-                <a:avLst/>
-              </a:prstGeom>
-              <a:solidFill>
-                <a:schemeClr val="bg1"/>
-              </a:solidFill>
-            </p:spPr>
-            <p:style>
-              <a:lnRef idx="2">
-                <a:schemeClr val="accent1">
-                  <a:shade val="50000"/>
-                </a:schemeClr>
-              </a:lnRef>
-              <a:fillRef idx="1">
-                <a:schemeClr val="accent1"/>
-              </a:fillRef>
-              <a:effectRef idx="0">
-                <a:schemeClr val="accent1"/>
-              </a:effectRef>
-              <a:fontRef idx="minor">
-                <a:schemeClr val="lt1"/>
-              </a:fontRef>
-            </p:style>
-            <p:txBody>
-              <a:bodyPr rtlCol="0" anchor="ctr"/>
-              <a:lstStyle/>
-              <a:p>
-                <a:pPr algn="ctr"/>
-                <a:endParaRPr lang="en-US"/>
-              </a:p>
-            </p:txBody>
-          </p:sp>
-          <p:sp>
-            <p:nvSpPr>
-              <p:cNvPr id="87" name="5-Point Star 86">
-                <a:extLst>
-                  <a:ext uri="{FF2B5EF4-FFF2-40B4-BE49-F238E27FC236}">
-                    <a16:creationId xmlns:a16="http://schemas.microsoft.com/office/drawing/2014/main" id="{5F81800C-7F6D-618C-15AE-6006F4B92C28}"/>
-                  </a:ext>
-                </a:extLst>
-              </p:cNvPr>
-              <p:cNvSpPr/>
-              <p:nvPr/>
-            </p:nvSpPr>
-            <p:spPr>
-              <a:xfrm>
-                <a:off x="4533178" y="2860694"/>
-                <a:ext cx="1833358" cy="1760510"/>
-              </a:xfrm>
-              <a:prstGeom prst="star5">
-                <a:avLst>
-                  <a:gd name="adj" fmla="val 40653"/>
-                  <a:gd name="hf" fmla="val 105146"/>
-                  <a:gd name="vf" fmla="val 110557"/>
-                </a:avLst>
-              </a:prstGeom>
-              <a:solidFill>
-                <a:schemeClr val="bg1"/>
-              </a:solidFill>
-              <a:ln w="12700">
-                <a:solidFill>
-                  <a:schemeClr val="accent1">
-                    <a:shade val="50000"/>
-                  </a:schemeClr>
-                </a:solidFill>
-              </a:ln>
-            </p:spPr>
-            <p:style>
-              <a:lnRef idx="2">
-                <a:schemeClr val="accent1">
-                  <a:shade val="50000"/>
-                </a:schemeClr>
-              </a:lnRef>
-              <a:fillRef idx="1">
-                <a:schemeClr val="accent1"/>
-              </a:fillRef>
-              <a:effectRef idx="0">
-                <a:schemeClr val="accent1"/>
-              </a:effectRef>
-              <a:fontRef idx="minor">
-                <a:schemeClr val="lt1"/>
-              </a:fontRef>
-            </p:style>
-            <p:txBody>
-              <a:bodyPr rtlCol="0" anchor="ctr"/>
-              <a:lstStyle/>
-              <a:p>
-                <a:pPr algn="ctr"/>
-                <a:endParaRPr lang="en-US"/>
-              </a:p>
-            </p:txBody>
-          </p:sp>
-        </p:grpSp>
-        <p:cxnSp>
-          <p:nvCxnSpPr>
-            <p:cNvPr id="94" name="Straight Connector 93">
-              <a:extLst>
-                <a:ext uri="{FF2B5EF4-FFF2-40B4-BE49-F238E27FC236}">
-                  <a16:creationId xmlns:a16="http://schemas.microsoft.com/office/drawing/2014/main" id="{D5AD5CFF-1D92-7329-0C98-755E2FDAABBF}"/>
-                </a:ext>
-              </a:extLst>
-            </p:cNvPr>
-            <p:cNvCxnSpPr>
-              <a:cxnSpLocks/>
-              <a:stCxn id="86" idx="0"/>
-              <a:endCxn id="87" idx="0"/>
-            </p:cNvCxnSpPr>
-            <p:nvPr/>
-          </p:nvCxnSpPr>
-          <p:spPr>
-            <a:xfrm flipH="1">
-              <a:off x="5449857" y="1101056"/>
-              <a:ext cx="1" cy="1759638"/>
-            </a:xfrm>
-            <a:prstGeom prst="line">
-              <a:avLst/>
-            </a:prstGeom>
-          </p:spPr>
-          <p:style>
-            <a:lnRef idx="1">
-              <a:schemeClr val="accent1"/>
-            </a:lnRef>
-            <a:fillRef idx="0">
-              <a:schemeClr val="accent1"/>
-            </a:fillRef>
-            <a:effectRef idx="0">
-              <a:schemeClr val="accent1"/>
-            </a:effectRef>
-            <a:fontRef idx="minor">
-              <a:schemeClr val="tx1"/>
-            </a:fontRef>
-          </p:style>
-        </p:cxnSp>
-        <p:cxnSp>
-          <p:nvCxnSpPr>
-            <p:cNvPr id="95" name="Straight Connector 94">
-              <a:extLst>
-                <a:ext uri="{FF2B5EF4-FFF2-40B4-BE49-F238E27FC236}">
-                  <a16:creationId xmlns:a16="http://schemas.microsoft.com/office/drawing/2014/main" id="{C8D77E6F-9A28-DFC6-AE71-B848DC2D2E7B}"/>
-                </a:ext>
-              </a:extLst>
-            </p:cNvPr>
-            <p:cNvCxnSpPr>
-              <a:cxnSpLocks/>
-              <a:stCxn id="87" idx="3"/>
-            </p:cNvCxnSpPr>
-            <p:nvPr/>
-          </p:nvCxnSpPr>
-          <p:spPr>
-            <a:xfrm>
-              <a:off x="6016395" y="4621200"/>
-              <a:ext cx="935543" cy="1295506"/>
-            </a:xfrm>
-            <a:prstGeom prst="line">
-              <a:avLst/>
-            </a:prstGeom>
-          </p:spPr>
-          <p:style>
-            <a:lnRef idx="1">
-              <a:schemeClr val="accent1"/>
-            </a:lnRef>
-            <a:fillRef idx="0">
-              <a:schemeClr val="accent1"/>
-            </a:fillRef>
-            <a:effectRef idx="0">
-              <a:schemeClr val="accent1"/>
-            </a:effectRef>
-            <a:fontRef idx="minor">
-              <a:schemeClr val="tx1"/>
-            </a:fontRef>
-          </p:style>
-        </p:cxnSp>
-        <p:cxnSp>
-          <p:nvCxnSpPr>
-            <p:cNvPr id="101" name="Straight Connector 100">
-              <a:extLst>
-                <a:ext uri="{FF2B5EF4-FFF2-40B4-BE49-F238E27FC236}">
-                  <a16:creationId xmlns:a16="http://schemas.microsoft.com/office/drawing/2014/main" id="{6910D301-4C90-BEA8-183E-7E07F1CA3A8E}"/>
-                </a:ext>
-              </a:extLst>
-            </p:cNvPr>
-            <p:cNvCxnSpPr>
-              <a:cxnSpLocks/>
-              <a:endCxn id="87" idx="4"/>
-            </p:cNvCxnSpPr>
-            <p:nvPr/>
-          </p:nvCxnSpPr>
-          <p:spPr>
-            <a:xfrm flipH="1">
-              <a:off x="6366534" y="3003046"/>
-              <a:ext cx="1601340" cy="530101"/>
-            </a:xfrm>
-            <a:prstGeom prst="line">
-              <a:avLst/>
-            </a:prstGeom>
-          </p:spPr>
-          <p:style>
-            <a:lnRef idx="1">
-              <a:schemeClr val="accent1"/>
-            </a:lnRef>
-            <a:fillRef idx="0">
-              <a:schemeClr val="accent1"/>
-            </a:fillRef>
-            <a:effectRef idx="0">
-              <a:schemeClr val="accent1"/>
-            </a:effectRef>
-            <a:fontRef idx="minor">
-              <a:schemeClr val="tx1"/>
-            </a:fontRef>
-          </p:style>
-        </p:cxnSp>
-        <p:cxnSp>
-          <p:nvCxnSpPr>
-            <p:cNvPr id="113" name="Straight Connector 112">
-              <a:extLst>
-                <a:ext uri="{FF2B5EF4-FFF2-40B4-BE49-F238E27FC236}">
-                  <a16:creationId xmlns:a16="http://schemas.microsoft.com/office/drawing/2014/main" id="{D2C999CA-55A2-5FF7-9B51-07E35452FB33}"/>
-                </a:ext>
-              </a:extLst>
-            </p:cNvPr>
-            <p:cNvCxnSpPr>
-              <a:cxnSpLocks/>
-            </p:cNvCxnSpPr>
-            <p:nvPr/>
-          </p:nvCxnSpPr>
-          <p:spPr>
-            <a:xfrm flipH="1">
-              <a:off x="3941958" y="4622988"/>
-              <a:ext cx="935543" cy="1295506"/>
-            </a:xfrm>
-            <a:prstGeom prst="line">
-              <a:avLst/>
-            </a:prstGeom>
-          </p:spPr>
-          <p:style>
-            <a:lnRef idx="1">
-              <a:schemeClr val="accent1"/>
-            </a:lnRef>
-            <a:fillRef idx="0">
-              <a:schemeClr val="accent1"/>
-            </a:fillRef>
-            <a:effectRef idx="0">
-              <a:schemeClr val="accent1"/>
-            </a:effectRef>
-            <a:fontRef idx="minor">
-              <a:schemeClr val="tx1"/>
-            </a:fontRef>
-          </p:style>
-        </p:cxnSp>
-        <p:cxnSp>
-          <p:nvCxnSpPr>
-            <p:cNvPr id="114" name="Straight Connector 113">
-              <a:extLst>
-                <a:ext uri="{FF2B5EF4-FFF2-40B4-BE49-F238E27FC236}">
-                  <a16:creationId xmlns:a16="http://schemas.microsoft.com/office/drawing/2014/main" id="{2E181F20-2433-3E46-E41A-10E05C77D267}"/>
-                </a:ext>
-              </a:extLst>
-            </p:cNvPr>
-            <p:cNvCxnSpPr>
-              <a:cxnSpLocks/>
-            </p:cNvCxnSpPr>
-            <p:nvPr/>
-          </p:nvCxnSpPr>
-          <p:spPr>
-            <a:xfrm>
-              <a:off x="2936628" y="3016578"/>
-              <a:ext cx="1583367" cy="518357"/>
-            </a:xfrm>
-            <a:prstGeom prst="line">
-              <a:avLst/>
-            </a:prstGeom>
-          </p:spPr>
-          <p:style>
-            <a:lnRef idx="1">
-              <a:schemeClr val="accent1"/>
-            </a:lnRef>
-            <a:fillRef idx="0">
-              <a:schemeClr val="accent1"/>
-            </a:fillRef>
-            <a:effectRef idx="0">
-              <a:schemeClr val="accent1"/>
-            </a:effectRef>
-            <a:fontRef idx="minor">
-              <a:schemeClr val="tx1"/>
-            </a:fontRef>
-          </p:style>
-        </p:cxnSp>
-      </p:grpSp>
-      <p:pic>
-        <p:nvPicPr>
-          <p:cNvPr id="59" name="Graphic 58" descr="Head with gears outline">
-            <a:extLst>
-              <a:ext uri="{FF2B5EF4-FFF2-40B4-BE49-F238E27FC236}">
-                <a16:creationId xmlns:a16="http://schemas.microsoft.com/office/drawing/2014/main" id="{454FA4BA-D8A7-EC69-D04D-F58F66EDCA54}"/>
-              </a:ext>
-            </a:extLst>
-          </p:cNvPr>
-          <p:cNvPicPr>
-            <a:picLocks noChangeAspect="1"/>
-          </p:cNvPicPr>
-          <p:nvPr/>
-        </p:nvPicPr>
-        <p:blipFill>
-          <a:blip r:embed="rId2">
-            <a:extLst>
-              <a:ext uri="{96DAC541-7B7A-43D3-8B79-37D633B846F1}">
-                <asvg:svgBlip xmlns:asvg="http://schemas.microsoft.com/office/drawing/2016/SVG/main" r:embed="rId3"/>
-              </a:ext>
-            </a:extLst>
-          </a:blip>
-          <a:stretch>
-            <a:fillRect/>
-          </a:stretch>
-        </p:blipFill>
-        <p:spPr>
-          <a:xfrm flipH="1">
-            <a:off x="10837117" y="6000689"/>
-            <a:ext cx="627670" cy="627670"/>
-          </a:xfrm>
-          <a:prstGeom prst="rect">
-            <a:avLst/>
-          </a:prstGeom>
-        </p:spPr>
-      </p:pic>
-      <p:grpSp>
-        <p:nvGrpSpPr>
-          <p:cNvPr id="80" name="Group 79">
-            <a:extLst>
-              <a:ext uri="{FF2B5EF4-FFF2-40B4-BE49-F238E27FC236}">
-                <a16:creationId xmlns:a16="http://schemas.microsoft.com/office/drawing/2014/main" id="{55678357-2A36-1BAC-A76C-558F1B3B3884}"/>
-              </a:ext>
-            </a:extLst>
-          </p:cNvPr>
-          <p:cNvGrpSpPr/>
-          <p:nvPr/>
-        </p:nvGrpSpPr>
-        <p:grpSpPr>
-          <a:xfrm>
-            <a:off x="6190007" y="1342979"/>
-            <a:ext cx="1618147" cy="1839982"/>
-            <a:chOff x="3720381" y="1641157"/>
-            <a:chExt cx="1618147" cy="1839982"/>
-          </a:xfrm>
-        </p:grpSpPr>
-        <p:pic>
-          <p:nvPicPr>
-            <p:cNvPr id="25" name="Graphic 24" descr="Medicine outline">
-              <a:extLst>
-                <a:ext uri="{FF2B5EF4-FFF2-40B4-BE49-F238E27FC236}">
-                  <a16:creationId xmlns:a16="http://schemas.microsoft.com/office/drawing/2014/main" id="{96C62015-3CAA-7396-903F-533E70C10029}"/>
-                </a:ext>
-              </a:extLst>
-            </p:cNvPr>
-            <p:cNvPicPr>
-              <a:picLocks noChangeAspect="1"/>
-            </p:cNvPicPr>
-            <p:nvPr/>
-          </p:nvPicPr>
-          <p:blipFill>
-            <a:blip r:embed="rId4">
-              <a:extLst>
-                <a:ext uri="{96DAC541-7B7A-43D3-8B79-37D633B846F1}">
-                  <asvg:svgBlip xmlns:asvg="http://schemas.microsoft.com/office/drawing/2016/SVG/main" r:embed="rId5"/>
-                </a:ext>
-              </a:extLst>
-            </a:blip>
-            <a:stretch>
-              <a:fillRect/>
-            </a:stretch>
-          </p:blipFill>
-          <p:spPr>
-            <a:xfrm>
-              <a:off x="4266772" y="2848387"/>
-              <a:ext cx="632752" cy="632752"/>
-            </a:xfrm>
-            <a:prstGeom prst="rect">
-              <a:avLst/>
-            </a:prstGeom>
-          </p:spPr>
-        </p:pic>
-        <p:pic>
-          <p:nvPicPr>
-            <p:cNvPr id="51" name="Graphic 50" descr="Medical outline">
-              <a:extLst>
-                <a:ext uri="{FF2B5EF4-FFF2-40B4-BE49-F238E27FC236}">
-                  <a16:creationId xmlns:a16="http://schemas.microsoft.com/office/drawing/2014/main" id="{C3B9B582-8180-E0A2-F10D-59E8123FF40E}"/>
-                </a:ext>
-              </a:extLst>
-            </p:cNvPr>
-            <p:cNvPicPr>
-              <a:picLocks noChangeAspect="1"/>
-            </p:cNvPicPr>
-            <p:nvPr/>
-          </p:nvPicPr>
-          <p:blipFill>
-            <a:blip r:embed="rId6">
-              <a:extLst>
-                <a:ext uri="{96DAC541-7B7A-43D3-8B79-37D633B846F1}">
-                  <asvg:svgBlip xmlns:asvg="http://schemas.microsoft.com/office/drawing/2016/SVG/main" r:embed="rId7"/>
-                </a:ext>
-              </a:extLst>
-            </a:blip>
-            <a:stretch>
-              <a:fillRect/>
-            </a:stretch>
-          </p:blipFill>
-          <p:spPr>
-            <a:xfrm>
-              <a:off x="4232127" y="1641157"/>
-              <a:ext cx="632753" cy="632753"/>
-            </a:xfrm>
-            <a:prstGeom prst="rect">
-              <a:avLst/>
-            </a:prstGeom>
-          </p:spPr>
-        </p:pic>
-        <p:pic>
-          <p:nvPicPr>
-            <p:cNvPr id="53" name="Graphic 52" descr="Heart with pulse outline">
-              <a:extLst>
-                <a:ext uri="{FF2B5EF4-FFF2-40B4-BE49-F238E27FC236}">
-                  <a16:creationId xmlns:a16="http://schemas.microsoft.com/office/drawing/2014/main" id="{B4431002-9418-3A62-6470-B1E09BD7D647}"/>
-                </a:ext>
-              </a:extLst>
-            </p:cNvPr>
-            <p:cNvPicPr>
-              <a:picLocks noChangeAspect="1"/>
-            </p:cNvPicPr>
-            <p:nvPr/>
-          </p:nvPicPr>
-          <p:blipFill>
-            <a:blip r:embed="rId8">
-              <a:extLst>
-                <a:ext uri="{96DAC541-7B7A-43D3-8B79-37D633B846F1}">
-                  <asvg:svgBlip xmlns:asvg="http://schemas.microsoft.com/office/drawing/2016/SVG/main" r:embed="rId9"/>
-                </a:ext>
-              </a:extLst>
-            </a:blip>
-            <a:stretch>
-              <a:fillRect/>
-            </a:stretch>
-          </p:blipFill>
-          <p:spPr>
-            <a:xfrm>
-              <a:off x="3720381" y="2188466"/>
-              <a:ext cx="737670" cy="737670"/>
-            </a:xfrm>
-            <a:prstGeom prst="rect">
-              <a:avLst/>
-            </a:prstGeom>
-          </p:spPr>
-        </p:pic>
-        <p:pic>
-          <p:nvPicPr>
-            <p:cNvPr id="61" name="Graphic 60" descr="Needle outline">
-              <a:extLst>
-                <a:ext uri="{FF2B5EF4-FFF2-40B4-BE49-F238E27FC236}">
-                  <a16:creationId xmlns:a16="http://schemas.microsoft.com/office/drawing/2014/main" id="{0713AB2B-6494-9803-C7C6-890B64BDED53}"/>
-                </a:ext>
-              </a:extLst>
-            </p:cNvPr>
-            <p:cNvPicPr>
-              <a:picLocks noChangeAspect="1"/>
-            </p:cNvPicPr>
-            <p:nvPr/>
-          </p:nvPicPr>
-          <p:blipFill>
-            <a:blip r:embed="rId10">
-              <a:extLst>
-                <a:ext uri="{96DAC541-7B7A-43D3-8B79-37D633B846F1}">
-                  <asvg:svgBlip xmlns:asvg="http://schemas.microsoft.com/office/drawing/2016/SVG/main" r:embed="rId11"/>
-                </a:ext>
-              </a:extLst>
-            </a:blip>
-            <a:stretch>
-              <a:fillRect/>
-            </a:stretch>
-          </p:blipFill>
-          <p:spPr>
-            <a:xfrm>
-              <a:off x="4731861" y="2021883"/>
-              <a:ext cx="606667" cy="606667"/>
-            </a:xfrm>
-            <a:prstGeom prst="rect">
-              <a:avLst/>
-            </a:prstGeom>
-          </p:spPr>
-        </p:pic>
-      </p:grpSp>
-      <p:pic>
-        <p:nvPicPr>
-          <p:cNvPr id="63" name="Graphic 62" descr="Caret Up with solid fill">
-            <a:extLst>
-              <a:ext uri="{FF2B5EF4-FFF2-40B4-BE49-F238E27FC236}">
-                <a16:creationId xmlns:a16="http://schemas.microsoft.com/office/drawing/2014/main" id="{9DAE8ECE-6F87-9FA0-6DBF-203F83B1CC46}"/>
-              </a:ext>
-            </a:extLst>
-          </p:cNvPr>
-          <p:cNvPicPr>
-            <a:picLocks noChangeAspect="1"/>
-          </p:cNvPicPr>
-          <p:nvPr/>
-        </p:nvPicPr>
-        <p:blipFill>
-          <a:blip r:embed="rId12">
-            <a:extLst>
-              <a:ext uri="{96DAC541-7B7A-43D3-8B79-37D633B846F1}">
-                <asvg:svgBlip xmlns:asvg="http://schemas.microsoft.com/office/drawing/2016/SVG/main" r:embed="rId13"/>
-              </a:ext>
-            </a:extLst>
-          </a:blip>
-          <a:stretch>
-            <a:fillRect/>
-          </a:stretch>
-        </p:blipFill>
-        <p:spPr>
-          <a:xfrm>
-            <a:off x="404760" y="148382"/>
-            <a:ext cx="914400" cy="914400"/>
-          </a:xfrm>
-          <a:prstGeom prst="rect">
-            <a:avLst/>
-          </a:prstGeom>
-        </p:spPr>
-      </p:pic>
-      <p:pic>
-        <p:nvPicPr>
-          <p:cNvPr id="66" name="Graphic 65" descr="Caret Up with solid fill">
-            <a:extLst>
-              <a:ext uri="{FF2B5EF4-FFF2-40B4-BE49-F238E27FC236}">
-                <a16:creationId xmlns:a16="http://schemas.microsoft.com/office/drawing/2014/main" id="{86DE5B95-EB89-0C4E-DA75-6B36FE850027}"/>
-              </a:ext>
-            </a:extLst>
-          </p:cNvPr>
-          <p:cNvPicPr>
-            <a:picLocks noChangeAspect="1"/>
-          </p:cNvPicPr>
-          <p:nvPr/>
-        </p:nvPicPr>
-        <p:blipFill>
-          <a:blip r:embed="rId14">
-            <a:extLst>
-              <a:ext uri="{96DAC541-7B7A-43D3-8B79-37D633B846F1}">
-                <asvg:svgBlip xmlns:asvg="http://schemas.microsoft.com/office/drawing/2016/SVG/main" r:embed="rId15"/>
-              </a:ext>
-            </a:extLst>
-          </a:blip>
-          <a:stretch>
-            <a:fillRect/>
-          </a:stretch>
-        </p:blipFill>
-        <p:spPr>
-          <a:xfrm rot="10800000">
-            <a:off x="1078306" y="148382"/>
-            <a:ext cx="914400" cy="914400"/>
-          </a:xfrm>
-          <a:prstGeom prst="rect">
-            <a:avLst/>
-          </a:prstGeom>
-        </p:spPr>
-      </p:pic>
-      <p:pic>
-        <p:nvPicPr>
-          <p:cNvPr id="29" name="Graphic 28" descr="Female Profile outline">
-            <a:extLst>
-              <a:ext uri="{FF2B5EF4-FFF2-40B4-BE49-F238E27FC236}">
-                <a16:creationId xmlns:a16="http://schemas.microsoft.com/office/drawing/2014/main" id="{4E788C9A-02C2-29A7-4479-2CAFBAA099CB}"/>
-              </a:ext>
-            </a:extLst>
-          </p:cNvPr>
-          <p:cNvPicPr>
-            <a:picLocks noChangeAspect="1"/>
-          </p:cNvPicPr>
-          <p:nvPr/>
-        </p:nvPicPr>
-        <p:blipFill>
-          <a:blip r:embed="rId16">
-            <a:extLst>
-              <a:ext uri="{96DAC541-7B7A-43D3-8B79-37D633B846F1}">
-                <asvg:svgBlip xmlns:asvg="http://schemas.microsoft.com/office/drawing/2016/SVG/main" r:embed="rId17"/>
-              </a:ext>
-            </a:extLst>
-          </a:blip>
-          <a:stretch>
-            <a:fillRect/>
-          </a:stretch>
-        </p:blipFill>
-        <p:spPr>
-          <a:xfrm>
-            <a:off x="4136822" y="1695824"/>
-            <a:ext cx="773319" cy="746153"/>
-          </a:xfrm>
-          <a:prstGeom prst="rect">
-            <a:avLst/>
-          </a:prstGeom>
-        </p:spPr>
-      </p:pic>
-      <p:pic>
-        <p:nvPicPr>
-          <p:cNvPr id="31" name="Graphic 30" descr="Male profile outline">
-            <a:extLst>
-              <a:ext uri="{FF2B5EF4-FFF2-40B4-BE49-F238E27FC236}">
-                <a16:creationId xmlns:a16="http://schemas.microsoft.com/office/drawing/2014/main" id="{3518ED4E-4103-03D2-E358-332A19D4E993}"/>
-              </a:ext>
-            </a:extLst>
-          </p:cNvPr>
-          <p:cNvPicPr>
-            <a:picLocks noChangeAspect="1"/>
-          </p:cNvPicPr>
-          <p:nvPr/>
-        </p:nvPicPr>
-        <p:blipFill>
-          <a:blip r:embed="rId18">
-            <a:extLst>
-              <a:ext uri="{96DAC541-7B7A-43D3-8B79-37D633B846F1}">
-                <asvg:svgBlip xmlns:asvg="http://schemas.microsoft.com/office/drawing/2016/SVG/main" r:embed="rId19"/>
-              </a:ext>
-            </a:extLst>
-          </a:blip>
-          <a:stretch>
-            <a:fillRect/>
-          </a:stretch>
-        </p:blipFill>
-        <p:spPr>
-          <a:xfrm>
-            <a:off x="4855582" y="2198354"/>
-            <a:ext cx="844170" cy="814515"/>
-          </a:xfrm>
-          <a:prstGeom prst="rect">
-            <a:avLst/>
-          </a:prstGeom>
-        </p:spPr>
-      </p:pic>
-      <p:pic>
-        <p:nvPicPr>
-          <p:cNvPr id="70" name="Graphic 69" descr="Cat outline">
-            <a:extLst>
-              <a:ext uri="{FF2B5EF4-FFF2-40B4-BE49-F238E27FC236}">
-                <a16:creationId xmlns:a16="http://schemas.microsoft.com/office/drawing/2014/main" id="{535943A2-3F7B-C0B7-CD34-A2D260FECDD4}"/>
-              </a:ext>
-            </a:extLst>
-          </p:cNvPr>
-          <p:cNvPicPr>
-            <a:picLocks noChangeAspect="1"/>
-          </p:cNvPicPr>
-          <p:nvPr/>
-        </p:nvPicPr>
-        <p:blipFill>
-          <a:blip r:embed="rId20">
-            <a:extLst>
-              <a:ext uri="{96DAC541-7B7A-43D3-8B79-37D633B846F1}">
-                <asvg:svgBlip xmlns:asvg="http://schemas.microsoft.com/office/drawing/2016/SVG/main" r:embed="rId21"/>
-              </a:ext>
-            </a:extLst>
-          </a:blip>
-          <a:stretch>
-            <a:fillRect/>
-          </a:stretch>
-        </p:blipFill>
-        <p:spPr>
-          <a:xfrm>
-            <a:off x="4805152" y="1457925"/>
-            <a:ext cx="533550" cy="514807"/>
-          </a:xfrm>
-          <a:prstGeom prst="rect">
-            <a:avLst/>
-          </a:prstGeom>
-        </p:spPr>
-      </p:pic>
-      <p:pic>
-        <p:nvPicPr>
-          <p:cNvPr id="72" name="Graphic 71" descr="Dog outline">
-            <a:extLst>
-              <a:ext uri="{FF2B5EF4-FFF2-40B4-BE49-F238E27FC236}">
-                <a16:creationId xmlns:a16="http://schemas.microsoft.com/office/drawing/2014/main" id="{F5BB6E20-76F3-B840-8608-6F16C1AB387C}"/>
-              </a:ext>
-            </a:extLst>
-          </p:cNvPr>
-          <p:cNvPicPr>
-            <a:picLocks noChangeAspect="1"/>
-          </p:cNvPicPr>
-          <p:nvPr/>
-        </p:nvPicPr>
-        <p:blipFill>
-          <a:blip r:embed="rId22">
-            <a:extLst>
-              <a:ext uri="{96DAC541-7B7A-43D3-8B79-37D633B846F1}">
-                <asvg:svgBlip xmlns:asvg="http://schemas.microsoft.com/office/drawing/2016/SVG/main" r:embed="rId23"/>
-              </a:ext>
-            </a:extLst>
-          </a:blip>
-          <a:stretch>
-            <a:fillRect/>
-          </a:stretch>
-        </p:blipFill>
-        <p:spPr>
-          <a:xfrm flipH="1">
-            <a:off x="5225566" y="1621663"/>
-            <a:ext cx="688968" cy="664765"/>
-          </a:xfrm>
-          <a:prstGeom prst="rect">
-            <a:avLst/>
-          </a:prstGeom>
-        </p:spPr>
-      </p:pic>
-      <p:pic>
-        <p:nvPicPr>
-          <p:cNvPr id="74" name="Graphic 73" descr="Scroll outline">
-            <a:extLst>
-              <a:ext uri="{FF2B5EF4-FFF2-40B4-BE49-F238E27FC236}">
-                <a16:creationId xmlns:a16="http://schemas.microsoft.com/office/drawing/2014/main" id="{DFFEA3B4-B1FA-637F-83F3-786EAEE058CF}"/>
-              </a:ext>
-            </a:extLst>
-          </p:cNvPr>
-          <p:cNvPicPr>
-            <a:picLocks noChangeAspect="1"/>
-          </p:cNvPicPr>
-          <p:nvPr/>
-        </p:nvPicPr>
-        <p:blipFill>
-          <a:blip r:embed="rId24">
-            <a:extLst>
-              <a:ext uri="{96DAC541-7B7A-43D3-8B79-37D633B846F1}">
-                <asvg:svgBlip xmlns:asvg="http://schemas.microsoft.com/office/drawing/2016/SVG/main" r:embed="rId25"/>
-              </a:ext>
-            </a:extLst>
-          </a:blip>
-          <a:stretch>
-            <a:fillRect/>
-          </a:stretch>
-        </p:blipFill>
-        <p:spPr>
-          <a:xfrm>
-            <a:off x="11499080" y="6024052"/>
-            <a:ext cx="664671" cy="664671"/>
-          </a:xfrm>
-          <a:prstGeom prst="rect">
-            <a:avLst/>
-          </a:prstGeom>
-        </p:spPr>
-      </p:pic>
-      <p:pic>
-        <p:nvPicPr>
-          <p:cNvPr id="7" name="Graphic 6" descr="Monthly calendar outline">
-            <a:extLst>
-              <a:ext uri="{FF2B5EF4-FFF2-40B4-BE49-F238E27FC236}">
-                <a16:creationId xmlns:a16="http://schemas.microsoft.com/office/drawing/2014/main" id="{643DE1E1-FE09-FE97-805F-A88095AE2837}"/>
-              </a:ext>
-            </a:extLst>
-          </p:cNvPr>
-          <p:cNvPicPr>
-            <a:picLocks noChangeAspect="1"/>
-          </p:cNvPicPr>
-          <p:nvPr/>
-        </p:nvPicPr>
-        <p:blipFill>
-          <a:blip r:embed="rId26">
-            <a:extLst>
-              <a:ext uri="{96DAC541-7B7A-43D3-8B79-37D633B846F1}">
-                <asvg:svgBlip xmlns:asvg="http://schemas.microsoft.com/office/drawing/2016/SVG/main" r:embed="rId27"/>
-              </a:ext>
-            </a:extLst>
-          </a:blip>
-          <a:stretch>
-            <a:fillRect/>
-          </a:stretch>
-        </p:blipFill>
-        <p:spPr>
-          <a:xfrm>
-            <a:off x="3563552" y="3491672"/>
-            <a:ext cx="737669" cy="737669"/>
-          </a:xfrm>
-          <a:prstGeom prst="rect">
-            <a:avLst/>
-          </a:prstGeom>
-        </p:spPr>
-      </p:pic>
-      <p:pic>
-        <p:nvPicPr>
-          <p:cNvPr id="19" name="Graphic 18" descr="Cake outline">
-            <a:extLst>
-              <a:ext uri="{FF2B5EF4-FFF2-40B4-BE49-F238E27FC236}">
-                <a16:creationId xmlns:a16="http://schemas.microsoft.com/office/drawing/2014/main" id="{B9E0D206-5A1F-897C-693C-ADBF39DDADA7}"/>
-              </a:ext>
-            </a:extLst>
-          </p:cNvPr>
-          <p:cNvPicPr>
-            <a:picLocks noChangeAspect="1"/>
-          </p:cNvPicPr>
-          <p:nvPr/>
-        </p:nvPicPr>
-        <p:blipFill>
-          <a:blip r:embed="rId28">
-            <a:extLst>
-              <a:ext uri="{96DAC541-7B7A-43D3-8B79-37D633B846F1}">
-                <asvg:svgBlip xmlns:asvg="http://schemas.microsoft.com/office/drawing/2016/SVG/main" r:embed="rId29"/>
-              </a:ext>
-            </a:extLst>
-          </a:blip>
-          <a:stretch>
-            <a:fillRect/>
-          </a:stretch>
-        </p:blipFill>
-        <p:spPr>
-          <a:xfrm>
-            <a:off x="4384594" y="4105426"/>
-            <a:ext cx="807244" cy="807244"/>
-          </a:xfrm>
-          <a:prstGeom prst="rect">
-            <a:avLst/>
-          </a:prstGeom>
-        </p:spPr>
-      </p:pic>
-      <p:pic>
-        <p:nvPicPr>
-          <p:cNvPr id="47" name="Graphic 46" descr="Clock outline">
-            <a:extLst>
-              <a:ext uri="{FF2B5EF4-FFF2-40B4-BE49-F238E27FC236}">
-                <a16:creationId xmlns:a16="http://schemas.microsoft.com/office/drawing/2014/main" id="{F7B98F32-8C1F-095F-19CB-CF5461C895F5}"/>
-              </a:ext>
-            </a:extLst>
-          </p:cNvPr>
-          <p:cNvPicPr>
-            <a:picLocks noChangeAspect="1"/>
-          </p:cNvPicPr>
-          <p:nvPr/>
-        </p:nvPicPr>
-        <p:blipFill>
-          <a:blip r:embed="rId30">
-            <a:extLst>
-              <a:ext uri="{96DAC541-7B7A-43D3-8B79-37D633B846F1}">
-                <asvg:svgBlip xmlns:asvg="http://schemas.microsoft.com/office/drawing/2016/SVG/main" r:embed="rId31"/>
-              </a:ext>
-            </a:extLst>
-          </a:blip>
-          <a:stretch>
-            <a:fillRect/>
-          </a:stretch>
-        </p:blipFill>
-        <p:spPr>
-          <a:xfrm>
-            <a:off x="4389650" y="3373884"/>
-            <a:ext cx="632752" cy="632752"/>
-          </a:xfrm>
-          <a:prstGeom prst="rect">
-            <a:avLst/>
-          </a:prstGeom>
-        </p:spPr>
-      </p:pic>
-      <p:pic>
-        <p:nvPicPr>
-          <p:cNvPr id="75" name="Graphic 74" descr="Monthly calendar outline">
-            <a:extLst>
-              <a:ext uri="{FF2B5EF4-FFF2-40B4-BE49-F238E27FC236}">
-                <a16:creationId xmlns:a16="http://schemas.microsoft.com/office/drawing/2014/main" id="{0931DE85-8A34-C9E5-E12A-31FE497FE6A2}"/>
-              </a:ext>
-            </a:extLst>
-          </p:cNvPr>
-          <p:cNvPicPr>
-            <a:picLocks noChangeAspect="1"/>
-          </p:cNvPicPr>
-          <p:nvPr/>
-        </p:nvPicPr>
-        <p:blipFill>
-          <a:blip r:embed="rId26">
-            <a:extLst>
-              <a:ext uri="{96DAC541-7B7A-43D3-8B79-37D633B846F1}">
-                <asvg:svgBlip xmlns:asvg="http://schemas.microsoft.com/office/drawing/2016/SVG/main" r:embed="rId27"/>
-              </a:ext>
-            </a:extLst>
-          </a:blip>
-          <a:stretch>
-            <a:fillRect/>
-          </a:stretch>
-        </p:blipFill>
-        <p:spPr>
-          <a:xfrm rot="19625915">
-            <a:off x="3884389" y="4282285"/>
-            <a:ext cx="410715" cy="410715"/>
-          </a:xfrm>
-          <a:prstGeom prst="rect">
-            <a:avLst/>
-          </a:prstGeom>
-        </p:spPr>
-      </p:pic>
-      <p:pic>
-        <p:nvPicPr>
-          <p:cNvPr id="13" name="Graphic 12" descr="Bank outline">
-            <a:extLst>
-              <a:ext uri="{FF2B5EF4-FFF2-40B4-BE49-F238E27FC236}">
-                <a16:creationId xmlns:a16="http://schemas.microsoft.com/office/drawing/2014/main" id="{FD378578-03D7-0A03-D5C4-7C55F02E3FD0}"/>
-              </a:ext>
-            </a:extLst>
-          </p:cNvPr>
-          <p:cNvPicPr>
-            <a:picLocks noChangeAspect="1"/>
-          </p:cNvPicPr>
-          <p:nvPr/>
-        </p:nvPicPr>
-        <p:blipFill>
-          <a:blip r:embed="rId32">
-            <a:extLst>
-              <a:ext uri="{96DAC541-7B7A-43D3-8B79-37D633B846F1}">
-                <asvg:svgBlip xmlns:asvg="http://schemas.microsoft.com/office/drawing/2016/SVG/main" r:embed="rId33"/>
-              </a:ext>
-            </a:extLst>
-          </a:blip>
-          <a:stretch>
-            <a:fillRect/>
-          </a:stretch>
-        </p:blipFill>
-        <p:spPr>
-          <a:xfrm>
-            <a:off x="7923080" y="3209963"/>
-            <a:ext cx="679631" cy="679631"/>
-          </a:xfrm>
-          <a:prstGeom prst="rect">
-            <a:avLst/>
-          </a:prstGeom>
-        </p:spPr>
-      </p:pic>
-      <p:pic>
-        <p:nvPicPr>
-          <p:cNvPr id="35" name="Graphic 34" descr="Transfer1 outline">
-            <a:extLst>
-              <a:ext uri="{FF2B5EF4-FFF2-40B4-BE49-F238E27FC236}">
-                <a16:creationId xmlns:a16="http://schemas.microsoft.com/office/drawing/2014/main" id="{1D1DF4EB-3972-6287-92AB-6C86F9BC0FC8}"/>
-              </a:ext>
-            </a:extLst>
-          </p:cNvPr>
-          <p:cNvPicPr>
-            <a:picLocks noChangeAspect="1"/>
-          </p:cNvPicPr>
-          <p:nvPr/>
-        </p:nvPicPr>
-        <p:blipFill>
-          <a:blip r:embed="rId34">
-            <a:extLst>
-              <a:ext uri="{96DAC541-7B7A-43D3-8B79-37D633B846F1}">
-                <asvg:svgBlip xmlns:asvg="http://schemas.microsoft.com/office/drawing/2016/SVG/main" r:embed="rId35"/>
-              </a:ext>
-            </a:extLst>
-          </a:blip>
-          <a:stretch>
-            <a:fillRect/>
-          </a:stretch>
-        </p:blipFill>
-        <p:spPr>
-          <a:xfrm>
-            <a:off x="7012294" y="3562104"/>
-            <a:ext cx="679631" cy="679631"/>
-          </a:xfrm>
-          <a:prstGeom prst="rect">
-            <a:avLst/>
-          </a:prstGeom>
-        </p:spPr>
-      </p:pic>
-      <p:pic>
-        <p:nvPicPr>
-          <p:cNvPr id="57" name="Graphic 56" descr="Coins outline">
-            <a:extLst>
-              <a:ext uri="{FF2B5EF4-FFF2-40B4-BE49-F238E27FC236}">
-                <a16:creationId xmlns:a16="http://schemas.microsoft.com/office/drawing/2014/main" id="{F17BF9B8-79DF-9D7C-F4EB-4A854667EDC4}"/>
-              </a:ext>
-            </a:extLst>
-          </p:cNvPr>
-          <p:cNvPicPr>
-            <a:picLocks noChangeAspect="1"/>
-          </p:cNvPicPr>
-          <p:nvPr/>
-        </p:nvPicPr>
-        <p:blipFill>
-          <a:blip r:embed="rId36">
-            <a:extLst>
-              <a:ext uri="{96DAC541-7B7A-43D3-8B79-37D633B846F1}">
-                <asvg:svgBlip xmlns:asvg="http://schemas.microsoft.com/office/drawing/2016/SVG/main" r:embed="rId37"/>
-              </a:ext>
-            </a:extLst>
-          </a:blip>
-          <a:stretch>
-            <a:fillRect/>
-          </a:stretch>
-        </p:blipFill>
-        <p:spPr>
-          <a:xfrm>
-            <a:off x="6906115" y="4154939"/>
-            <a:ext cx="394928" cy="394928"/>
-          </a:xfrm>
-          <a:prstGeom prst="rect">
-            <a:avLst/>
-          </a:prstGeom>
-        </p:spPr>
-      </p:pic>
-      <p:pic>
-        <p:nvPicPr>
-          <p:cNvPr id="77" name="Graphic 76" descr="Open hand outline">
-            <a:extLst>
-              <a:ext uri="{FF2B5EF4-FFF2-40B4-BE49-F238E27FC236}">
-                <a16:creationId xmlns:a16="http://schemas.microsoft.com/office/drawing/2014/main" id="{32B2518E-BF6A-1405-4907-3CAB60B98A3D}"/>
-              </a:ext>
-            </a:extLst>
-          </p:cNvPr>
-          <p:cNvPicPr>
-            <a:picLocks noChangeAspect="1"/>
-          </p:cNvPicPr>
-          <p:nvPr/>
-        </p:nvPicPr>
-        <p:blipFill>
-          <a:blip r:embed="rId38">
-            <a:extLst>
-              <a:ext uri="{96DAC541-7B7A-43D3-8B79-37D633B846F1}">
-                <asvg:svgBlip xmlns:asvg="http://schemas.microsoft.com/office/drawing/2016/SVG/main" r:embed="rId39"/>
-              </a:ext>
-            </a:extLst>
-          </a:blip>
-          <a:stretch>
-            <a:fillRect/>
-          </a:stretch>
-        </p:blipFill>
-        <p:spPr>
-          <a:xfrm>
-            <a:off x="6818320" y="4297992"/>
-            <a:ext cx="598701" cy="598701"/>
-          </a:xfrm>
-          <a:prstGeom prst="rect">
-            <a:avLst/>
-          </a:prstGeom>
-        </p:spPr>
-      </p:pic>
-      <p:pic>
-        <p:nvPicPr>
-          <p:cNvPr id="5" name="Graphic 4" descr="Gantt Chart outline">
-            <a:extLst>
-              <a:ext uri="{FF2B5EF4-FFF2-40B4-BE49-F238E27FC236}">
-                <a16:creationId xmlns:a16="http://schemas.microsoft.com/office/drawing/2014/main" id="{60C8863D-54E9-A0D9-5CB2-0677D736CAAC}"/>
-              </a:ext>
-            </a:extLst>
-          </p:cNvPr>
-          <p:cNvPicPr>
-            <a:picLocks noChangeAspect="1"/>
-          </p:cNvPicPr>
-          <p:nvPr/>
-        </p:nvPicPr>
-        <p:blipFill>
-          <a:blip r:embed="rId40">
-            <a:extLst>
-              <a:ext uri="{96DAC541-7B7A-43D3-8B79-37D633B846F1}">
-                <asvg:svgBlip xmlns:asvg="http://schemas.microsoft.com/office/drawing/2016/SVG/main" r:embed="rId41"/>
-              </a:ext>
-            </a:extLst>
-          </a:blip>
-          <a:stretch>
-            <a:fillRect/>
-          </a:stretch>
-        </p:blipFill>
-        <p:spPr>
-          <a:xfrm>
-            <a:off x="1149423" y="3860506"/>
-            <a:ext cx="607294" cy="607294"/>
-          </a:xfrm>
-          <a:prstGeom prst="rect">
-            <a:avLst/>
-          </a:prstGeom>
-        </p:spPr>
-      </p:pic>
-      <p:pic>
-        <p:nvPicPr>
-          <p:cNvPr id="9" name="Graphic 8" descr="Checklist outline">
-            <a:extLst>
-              <a:ext uri="{FF2B5EF4-FFF2-40B4-BE49-F238E27FC236}">
-                <a16:creationId xmlns:a16="http://schemas.microsoft.com/office/drawing/2014/main" id="{958433A1-0725-D85A-C2C6-793994F0AD12}"/>
-              </a:ext>
-            </a:extLst>
-          </p:cNvPr>
-          <p:cNvPicPr>
-            <a:picLocks noChangeAspect="1"/>
-          </p:cNvPicPr>
-          <p:nvPr/>
-        </p:nvPicPr>
-        <p:blipFill>
-          <a:blip r:embed="rId42">
-            <a:extLst>
-              <a:ext uri="{96DAC541-7B7A-43D3-8B79-37D633B846F1}">
-                <asvg:svgBlip xmlns:asvg="http://schemas.microsoft.com/office/drawing/2016/SVG/main" r:embed="rId43"/>
-              </a:ext>
-            </a:extLst>
-          </a:blip>
-          <a:stretch>
-            <a:fillRect/>
-          </a:stretch>
-        </p:blipFill>
-        <p:spPr>
-          <a:xfrm>
-            <a:off x="913567" y="2143280"/>
-            <a:ext cx="652410" cy="652410"/>
-          </a:xfrm>
-          <a:prstGeom prst="rect">
-            <a:avLst/>
-          </a:prstGeom>
-        </p:spPr>
-      </p:pic>
-      <p:pic>
-        <p:nvPicPr>
-          <p:cNvPr id="79" name="Graphic 78" descr="Badge Question Mark outline">
-            <a:extLst>
-              <a:ext uri="{FF2B5EF4-FFF2-40B4-BE49-F238E27FC236}">
-                <a16:creationId xmlns:a16="http://schemas.microsoft.com/office/drawing/2014/main" id="{F227FC65-188F-9D7A-1976-7B5A5DEBC275}"/>
-              </a:ext>
-            </a:extLst>
-          </p:cNvPr>
-          <p:cNvPicPr>
-            <a:picLocks noChangeAspect="1"/>
-          </p:cNvPicPr>
-          <p:nvPr/>
-        </p:nvPicPr>
-        <p:blipFill>
-          <a:blip r:embed="rId44">
-            <a:extLst>
-              <a:ext uri="{96DAC541-7B7A-43D3-8B79-37D633B846F1}">
-                <asvg:svgBlip xmlns:asvg="http://schemas.microsoft.com/office/drawing/2016/SVG/main" r:embed="rId45"/>
-              </a:ext>
-            </a:extLst>
-          </a:blip>
-          <a:stretch>
-            <a:fillRect/>
-          </a:stretch>
-        </p:blipFill>
-        <p:spPr>
-          <a:xfrm>
-            <a:off x="5246055" y="2945766"/>
-            <a:ext cx="1659970" cy="1659972"/>
-          </a:xfrm>
-          <a:prstGeom prst="rect">
-            <a:avLst/>
-          </a:prstGeom>
-        </p:spPr>
-      </p:pic>
-      <p:grpSp>
-        <p:nvGrpSpPr>
-          <p:cNvPr id="119" name="Group 118">
-            <a:extLst>
-              <a:ext uri="{FF2B5EF4-FFF2-40B4-BE49-F238E27FC236}">
-                <a16:creationId xmlns:a16="http://schemas.microsoft.com/office/drawing/2014/main" id="{2A5558AF-F453-9E06-8051-05054D746267}"/>
-              </a:ext>
-            </a:extLst>
-          </p:cNvPr>
-          <p:cNvGrpSpPr/>
-          <p:nvPr/>
-        </p:nvGrpSpPr>
-        <p:grpSpPr>
-          <a:xfrm>
-            <a:off x="5081927" y="4814779"/>
-            <a:ext cx="2024237" cy="1320862"/>
-            <a:chOff x="5212242" y="4802419"/>
-            <a:chExt cx="2024237" cy="1320862"/>
-          </a:xfrm>
-        </p:grpSpPr>
-        <p:grpSp>
-          <p:nvGrpSpPr>
-            <p:cNvPr id="81" name="Group 80">
-              <a:extLst>
-                <a:ext uri="{FF2B5EF4-FFF2-40B4-BE49-F238E27FC236}">
-                  <a16:creationId xmlns:a16="http://schemas.microsoft.com/office/drawing/2014/main" id="{44E2D85C-F7D0-AE76-4C53-C57C4E97FE10}"/>
-                </a:ext>
-              </a:extLst>
-            </p:cNvPr>
-            <p:cNvGrpSpPr/>
-            <p:nvPr/>
-          </p:nvGrpSpPr>
-          <p:grpSpPr>
-            <a:xfrm>
-              <a:off x="5212242" y="4802419"/>
-              <a:ext cx="1560581" cy="1247483"/>
-              <a:chOff x="6011477" y="656478"/>
-              <a:chExt cx="1560581" cy="1247483"/>
-            </a:xfrm>
-          </p:grpSpPr>
-          <p:pic>
-            <p:nvPicPr>
-              <p:cNvPr id="15" name="Graphic 14" descr="House outline">
-                <a:extLst>
-                  <a:ext uri="{FF2B5EF4-FFF2-40B4-BE49-F238E27FC236}">
-                    <a16:creationId xmlns:a16="http://schemas.microsoft.com/office/drawing/2014/main" id="{9C99A4AF-4F47-B490-E3C1-4F53795E801E}"/>
-                  </a:ext>
-                </a:extLst>
-              </p:cNvPr>
-              <p:cNvPicPr>
-                <a:picLocks noChangeAspect="1"/>
-              </p:cNvPicPr>
-              <p:nvPr/>
-            </p:nvPicPr>
-            <p:blipFill>
-              <a:blip r:embed="rId46">
-                <a:extLst>
-                  <a:ext uri="{96DAC541-7B7A-43D3-8B79-37D633B846F1}">
-                    <asvg:svgBlip xmlns:asvg="http://schemas.microsoft.com/office/drawing/2016/SVG/main" r:embed="rId47"/>
-                  </a:ext>
-                </a:extLst>
-              </a:blip>
-              <a:stretch>
-                <a:fillRect/>
-              </a:stretch>
-            </p:blipFill>
-            <p:spPr>
-              <a:xfrm>
-                <a:off x="6542629" y="656478"/>
-                <a:ext cx="663416" cy="663416"/>
-              </a:xfrm>
-              <a:prstGeom prst="rect">
-                <a:avLst/>
-              </a:prstGeom>
-            </p:spPr>
-          </p:pic>
-          <p:pic>
-            <p:nvPicPr>
-              <p:cNvPr id="27" name="Graphic 26" descr="Car outline">
-                <a:extLst>
-                  <a:ext uri="{FF2B5EF4-FFF2-40B4-BE49-F238E27FC236}">
-                    <a16:creationId xmlns:a16="http://schemas.microsoft.com/office/drawing/2014/main" id="{9E8DD4B9-D5DA-6F6D-FCCD-3D9401E3C2CD}"/>
-                  </a:ext>
-                </a:extLst>
-              </p:cNvPr>
-              <p:cNvPicPr>
-                <a:picLocks noChangeAspect="1"/>
-              </p:cNvPicPr>
-              <p:nvPr/>
-            </p:nvPicPr>
-            <p:blipFill>
-              <a:blip r:embed="rId48">
-                <a:extLst>
-                  <a:ext uri="{96DAC541-7B7A-43D3-8B79-37D633B846F1}">
-                    <asvg:svgBlip xmlns:asvg="http://schemas.microsoft.com/office/drawing/2016/SVG/main" r:embed="rId49"/>
-                  </a:ext>
-                </a:extLst>
-              </a:blip>
-              <a:stretch>
-                <a:fillRect/>
-              </a:stretch>
-            </p:blipFill>
-            <p:spPr>
-              <a:xfrm>
-                <a:off x="6674886" y="1240545"/>
-                <a:ext cx="663416" cy="663416"/>
-              </a:xfrm>
-              <a:prstGeom prst="rect">
-                <a:avLst/>
-              </a:prstGeom>
-            </p:spPr>
-          </p:pic>
-          <p:pic>
-            <p:nvPicPr>
-              <p:cNvPr id="55" name="Graphic 54" descr="Building outline">
-                <a:extLst>
-                  <a:ext uri="{FF2B5EF4-FFF2-40B4-BE49-F238E27FC236}">
-                    <a16:creationId xmlns:a16="http://schemas.microsoft.com/office/drawing/2014/main" id="{FAECE68B-10A4-DC64-86BC-244FA1814BB3}"/>
-                  </a:ext>
-                </a:extLst>
-              </p:cNvPr>
-              <p:cNvPicPr>
-                <a:picLocks noChangeAspect="1"/>
-              </p:cNvPicPr>
-              <p:nvPr/>
-            </p:nvPicPr>
-            <p:blipFill>
-              <a:blip r:embed="rId50">
-                <a:extLst>
-                  <a:ext uri="{96DAC541-7B7A-43D3-8B79-37D633B846F1}">
-                    <asvg:svgBlip xmlns:asvg="http://schemas.microsoft.com/office/drawing/2016/SVG/main" r:embed="rId51"/>
-                  </a:ext>
-                </a:extLst>
-              </a:blip>
-              <a:stretch>
-                <a:fillRect/>
-              </a:stretch>
-            </p:blipFill>
-            <p:spPr>
-              <a:xfrm>
-                <a:off x="6011477" y="1059678"/>
-                <a:ext cx="764933" cy="764933"/>
-              </a:xfrm>
-              <a:prstGeom prst="rect">
-                <a:avLst/>
-              </a:prstGeom>
-            </p:spPr>
-          </p:pic>
-          <p:pic>
-            <p:nvPicPr>
-              <p:cNvPr id="68" name="Graphic 67" descr="Tools outline">
-                <a:extLst>
-                  <a:ext uri="{FF2B5EF4-FFF2-40B4-BE49-F238E27FC236}">
-                    <a16:creationId xmlns:a16="http://schemas.microsoft.com/office/drawing/2014/main" id="{443855CC-689A-66B9-DA01-1ABD939907A5}"/>
-                  </a:ext>
-                </a:extLst>
-              </p:cNvPr>
-              <p:cNvPicPr>
-                <a:picLocks noChangeAspect="1"/>
-              </p:cNvPicPr>
-              <p:nvPr/>
-            </p:nvPicPr>
-            <p:blipFill>
-              <a:blip r:embed="rId52">
-                <a:extLst>
-                  <a:ext uri="{96DAC541-7B7A-43D3-8B79-37D633B846F1}">
-                    <asvg:svgBlip xmlns:asvg="http://schemas.microsoft.com/office/drawing/2016/SVG/main" r:embed="rId53"/>
-                  </a:ext>
-                </a:extLst>
-              </a:blip>
-              <a:stretch>
-                <a:fillRect/>
-              </a:stretch>
-            </p:blipFill>
-            <p:spPr>
-              <a:xfrm>
-                <a:off x="7206045" y="1032571"/>
-                <a:ext cx="366013" cy="366013"/>
-              </a:xfrm>
-              <a:prstGeom prst="rect">
-                <a:avLst/>
-              </a:prstGeom>
-            </p:spPr>
-          </p:pic>
-        </p:grpSp>
-        <p:pic>
-          <p:nvPicPr>
-            <p:cNvPr id="118" name="Graphic 117" descr="Travel outline">
-              <a:extLst>
-                <a:ext uri="{FF2B5EF4-FFF2-40B4-BE49-F238E27FC236}">
-                  <a16:creationId xmlns:a16="http://schemas.microsoft.com/office/drawing/2014/main" id="{2C501110-D795-49C4-1B2D-D39E23F6B0E9}"/>
-                </a:ext>
-              </a:extLst>
-            </p:cNvPr>
-            <p:cNvPicPr>
-              <a:picLocks noChangeAspect="1"/>
-            </p:cNvPicPr>
-            <p:nvPr/>
-          </p:nvPicPr>
-          <p:blipFill>
-            <a:blip r:embed="rId54">
-              <a:extLst>
-                <a:ext uri="{96DAC541-7B7A-43D3-8B79-37D633B846F1}">
-                  <asvg:svgBlip xmlns:asvg="http://schemas.microsoft.com/office/drawing/2016/SVG/main" r:embed="rId55"/>
-                </a:ext>
-              </a:extLst>
-            </a:blip>
-            <a:stretch>
-              <a:fillRect/>
-            </a:stretch>
-          </p:blipFill>
-          <p:spPr>
-            <a:xfrm>
-              <a:off x="6573680" y="5460482"/>
-              <a:ext cx="662799" cy="662799"/>
-            </a:xfrm>
-            <a:prstGeom prst="rect">
-              <a:avLst/>
-            </a:prstGeom>
-          </p:spPr>
-        </p:pic>
-      </p:grpSp>
-      <p:pic>
-        <p:nvPicPr>
-          <p:cNvPr id="121" name="Graphic 120" descr="Connections outline">
-            <a:extLst>
-              <a:ext uri="{FF2B5EF4-FFF2-40B4-BE49-F238E27FC236}">
-                <a16:creationId xmlns:a16="http://schemas.microsoft.com/office/drawing/2014/main" id="{1128AA6B-EC6B-FFCF-DD8D-90A96C53F0CD}"/>
-              </a:ext>
-            </a:extLst>
-          </p:cNvPr>
-          <p:cNvPicPr>
-            <a:picLocks noChangeAspect="1"/>
-          </p:cNvPicPr>
-          <p:nvPr/>
-        </p:nvPicPr>
-        <p:blipFill>
-          <a:blip r:embed="rId56">
-            <a:extLst>
-              <a:ext uri="{96DAC541-7B7A-43D3-8B79-37D633B846F1}">
-                <asvg:svgBlip xmlns:asvg="http://schemas.microsoft.com/office/drawing/2016/SVG/main" r:embed="rId57"/>
-              </a:ext>
-            </a:extLst>
-          </a:blip>
-          <a:stretch>
-            <a:fillRect/>
-          </a:stretch>
-        </p:blipFill>
-        <p:spPr>
-          <a:xfrm>
-            <a:off x="4053092" y="2372915"/>
-            <a:ext cx="773319" cy="773319"/>
-          </a:xfrm>
-          <a:prstGeom prst="rect">
-            <a:avLst/>
-          </a:prstGeom>
-        </p:spPr>
-      </p:pic>
-      <p:pic>
-        <p:nvPicPr>
-          <p:cNvPr id="123" name="Graphic 122" descr="Stethoscope outline">
-            <a:extLst>
-              <a:ext uri="{FF2B5EF4-FFF2-40B4-BE49-F238E27FC236}">
-                <a16:creationId xmlns:a16="http://schemas.microsoft.com/office/drawing/2014/main" id="{E22AD97A-CB9D-C23D-2FF0-8BA1912C0702}"/>
-              </a:ext>
-            </a:extLst>
-          </p:cNvPr>
-          <p:cNvPicPr>
-            <a:picLocks noChangeAspect="1"/>
-          </p:cNvPicPr>
-          <p:nvPr/>
-        </p:nvPicPr>
-        <p:blipFill>
-          <a:blip r:embed="rId58">
-            <a:extLst>
-              <a:ext uri="{96DAC541-7B7A-43D3-8B79-37D633B846F1}">
-                <asvg:svgBlip xmlns:asvg="http://schemas.microsoft.com/office/drawing/2016/SVG/main" r:embed="rId59"/>
-              </a:ext>
-            </a:extLst>
-          </a:blip>
-          <a:stretch>
-            <a:fillRect/>
-          </a:stretch>
-        </p:blipFill>
-        <p:spPr>
-          <a:xfrm>
-            <a:off x="7405783" y="2342871"/>
-            <a:ext cx="596703" cy="596703"/>
-          </a:xfrm>
-          <a:prstGeom prst="rect">
-            <a:avLst/>
-          </a:prstGeom>
-        </p:spPr>
-      </p:pic>
-      <p:pic>
-        <p:nvPicPr>
-          <p:cNvPr id="125" name="Graphic 124" descr="Credit card outline">
-            <a:extLst>
-              <a:ext uri="{FF2B5EF4-FFF2-40B4-BE49-F238E27FC236}">
-                <a16:creationId xmlns:a16="http://schemas.microsoft.com/office/drawing/2014/main" id="{26AE0560-DD5D-8277-BD16-186EEB5F8156}"/>
-              </a:ext>
-            </a:extLst>
-          </p:cNvPr>
-          <p:cNvPicPr>
-            <a:picLocks noChangeAspect="1"/>
-          </p:cNvPicPr>
-          <p:nvPr/>
-        </p:nvPicPr>
-        <p:blipFill>
-          <a:blip r:embed="rId60">
-            <a:extLst>
-              <a:ext uri="{96DAC541-7B7A-43D3-8B79-37D633B846F1}">
-                <asvg:svgBlip xmlns:asvg="http://schemas.microsoft.com/office/drawing/2016/SVG/main" r:embed="rId61"/>
-              </a:ext>
-            </a:extLst>
-          </a:blip>
-          <a:stretch>
-            <a:fillRect/>
-          </a:stretch>
-        </p:blipFill>
-        <p:spPr>
-          <a:xfrm>
-            <a:off x="7273460" y="4508898"/>
-            <a:ext cx="914400" cy="914400"/>
-          </a:xfrm>
-          <a:prstGeom prst="rect">
-            <a:avLst/>
-          </a:prstGeom>
-        </p:spPr>
-      </p:pic>
-      <p:pic>
-        <p:nvPicPr>
-          <p:cNvPr id="127" name="Graphic 126" descr="Dollar outline">
-            <a:extLst>
-              <a:ext uri="{FF2B5EF4-FFF2-40B4-BE49-F238E27FC236}">
-                <a16:creationId xmlns:a16="http://schemas.microsoft.com/office/drawing/2014/main" id="{231D92DE-A25B-B4DB-4239-05BFB0BFBEB0}"/>
-              </a:ext>
-            </a:extLst>
-          </p:cNvPr>
-          <p:cNvPicPr>
-            <a:picLocks noChangeAspect="1"/>
-          </p:cNvPicPr>
-          <p:nvPr/>
-        </p:nvPicPr>
-        <p:blipFill>
-          <a:blip r:embed="rId62">
-            <a:extLst>
-              <a:ext uri="{96DAC541-7B7A-43D3-8B79-37D633B846F1}">
-                <asvg:svgBlip xmlns:asvg="http://schemas.microsoft.com/office/drawing/2016/SVG/main" r:embed="rId63"/>
-              </a:ext>
-            </a:extLst>
-          </a:blip>
-          <a:stretch>
-            <a:fillRect/>
-          </a:stretch>
-        </p:blipFill>
-        <p:spPr>
-          <a:xfrm>
-            <a:off x="7777698" y="3984874"/>
-            <a:ext cx="539155" cy="539155"/>
-          </a:xfrm>
-          <a:prstGeom prst="rect">
-            <a:avLst/>
-          </a:prstGeom>
-        </p:spPr>
-      </p:pic>
-      <p:pic>
-        <p:nvPicPr>
-          <p:cNvPr id="128" name="Graphic 127" descr="Monthly calendar outline">
-            <a:extLst>
-              <a:ext uri="{FF2B5EF4-FFF2-40B4-BE49-F238E27FC236}">
-                <a16:creationId xmlns:a16="http://schemas.microsoft.com/office/drawing/2014/main" id="{C5D860E3-EB29-9DBF-1F0B-960797B060F1}"/>
-              </a:ext>
-            </a:extLst>
-          </p:cNvPr>
-          <p:cNvPicPr>
-            <a:picLocks noChangeAspect="1"/>
-          </p:cNvPicPr>
-          <p:nvPr/>
-        </p:nvPicPr>
-        <p:blipFill>
-          <a:blip r:embed="rId26">
-            <a:extLst>
-              <a:ext uri="{96DAC541-7B7A-43D3-8B79-37D633B846F1}">
-                <asvg:svgBlip xmlns:asvg="http://schemas.microsoft.com/office/drawing/2016/SVG/main" r:embed="rId27"/>
-              </a:ext>
-            </a:extLst>
-          </a:blip>
-          <a:stretch>
-            <a:fillRect/>
-          </a:stretch>
-        </p:blipFill>
-        <p:spPr>
-          <a:xfrm rot="20999935">
-            <a:off x="3942894" y="4700364"/>
-            <a:ext cx="410715" cy="410715"/>
-          </a:xfrm>
-          <a:prstGeom prst="rect">
-            <a:avLst/>
-          </a:prstGeom>
-        </p:spPr>
-      </p:pic>
-      <p:pic>
-        <p:nvPicPr>
-          <p:cNvPr id="129" name="Graphic 128" descr="Monthly calendar outline">
-            <a:extLst>
-              <a:ext uri="{FF2B5EF4-FFF2-40B4-BE49-F238E27FC236}">
-                <a16:creationId xmlns:a16="http://schemas.microsoft.com/office/drawing/2014/main" id="{021DE511-7496-7FEF-9185-4BC9638FF59B}"/>
-              </a:ext>
-            </a:extLst>
-          </p:cNvPr>
-          <p:cNvPicPr>
-            <a:picLocks noChangeAspect="1"/>
-          </p:cNvPicPr>
-          <p:nvPr/>
-        </p:nvPicPr>
-        <p:blipFill>
-          <a:blip r:embed="rId26">
-            <a:extLst>
-              <a:ext uri="{96DAC541-7B7A-43D3-8B79-37D633B846F1}">
-                <asvg:svgBlip xmlns:asvg="http://schemas.microsoft.com/office/drawing/2016/SVG/main" r:embed="rId27"/>
-              </a:ext>
-            </a:extLst>
-          </a:blip>
-          <a:stretch>
-            <a:fillRect/>
-          </a:stretch>
-        </p:blipFill>
-        <p:spPr>
-          <a:xfrm rot="18581573">
-            <a:off x="4239313" y="4971811"/>
-            <a:ext cx="417026" cy="410715"/>
-          </a:xfrm>
-          <a:prstGeom prst="rect">
-            <a:avLst/>
-          </a:prstGeom>
-        </p:spPr>
-      </p:pic>
-      <p:sp>
-        <p:nvSpPr>
-          <p:cNvPr id="130" name="Oval 129">
-            <a:extLst>
-              <a:ext uri="{FF2B5EF4-FFF2-40B4-BE49-F238E27FC236}">
-                <a16:creationId xmlns:a16="http://schemas.microsoft.com/office/drawing/2014/main" id="{69FC0003-2714-F0DC-E277-303D0AE030EB}"/>
-              </a:ext>
-            </a:extLst>
-          </p:cNvPr>
-          <p:cNvSpPr/>
-          <p:nvPr/>
-        </p:nvSpPr>
-        <p:spPr>
-          <a:xfrm>
-            <a:off x="1839787" y="786899"/>
-            <a:ext cx="2013775" cy="2013775"/>
-          </a:xfrm>
-          <a:prstGeom prst="ellipse">
-            <a:avLst/>
-          </a:prstGeom>
-        </p:spPr>
-        <p:style>
-          <a:lnRef idx="2">
-            <a:schemeClr val="accent1">
-              <a:shade val="50000"/>
-            </a:schemeClr>
-          </a:lnRef>
-          <a:fillRef idx="1">
-            <a:schemeClr val="accent1"/>
-          </a:fillRef>
-          <a:effectRef idx="0">
-            <a:schemeClr val="accent1"/>
-          </a:effectRef>
-          <a:fontRef idx="minor">
-            <a:schemeClr val="lt1"/>
-          </a:fontRef>
-        </p:style>
-        <p:txBody>
-          <a:bodyPr rtlCol="0" anchor="ctr"/>
-          <a:lstStyle/>
-          <a:p>
-            <a:pPr algn="ctr"/>
-            <a:endParaRPr lang="en-US"/>
-          </a:p>
-        </p:txBody>
-      </p:sp>
-    </p:spTree>
-    <p:extLst>
-      <p:ext uri="{BB962C8B-B14F-4D97-AF65-F5344CB8AC3E}">
-        <p14:creationId xmlns:p14="http://schemas.microsoft.com/office/powerpoint/2010/main" val="1243840108"/>
-      </p:ext>
-    </p:extLst>
-  </p:cSld>
-  <p:clrMapOvr>
-    <a:masterClrMapping/>
-  </p:clrMapOvr>
-</p:sld>
-</file>
-
-<file path=ppt/slides/slide3.xml><?xml version="1.0" encoding="utf-8"?>
-<p:sld xmlns:a="http://schemas.openxmlformats.org/drawingml/2006/main" xmlns:r="http://schemas.openxmlformats.org/officeDocument/2006/relationships" xmlns:p="http://schemas.openxmlformats.org/presentationml/2006/main">
-  <p:cSld>
-    <p:spTree>
-      <p:nvGrpSpPr>
-        <p:cNvPr id="1" name=""/>
-        <p:cNvGrpSpPr/>
-        <p:nvPr/>
-      </p:nvGrpSpPr>
-      <p:grpSpPr>
-        <a:xfrm>
-          <a:off x="0" y="0"/>
-          <a:ext cx="0" cy="0"/>
-          <a:chOff x="0" y="0"/>
-          <a:chExt cx="0" cy="0"/>
-        </a:xfrm>
-      </p:grpSpPr>
       <p:sp>
         <p:nvSpPr>
           <p:cNvPr id="70" name="Rounded Rectangle 69">
@@ -8395,6 +6686,2947 @@
 </p:sld>
 </file>
 
+<file path=ppt/slides/slide3.xml><?xml version="1.0" encoding="utf-8"?>
+<p:sld xmlns:a="http://schemas.openxmlformats.org/drawingml/2006/main" xmlns:r="http://schemas.openxmlformats.org/officeDocument/2006/relationships" xmlns:p="http://schemas.openxmlformats.org/presentationml/2006/main">
+  <p:cSld>
+    <p:spTree>
+      <p:nvGrpSpPr>
+        <p:cNvPr id="1" name=""/>
+        <p:cNvGrpSpPr/>
+        <p:nvPr/>
+      </p:nvGrpSpPr>
+      <p:grpSpPr>
+        <a:xfrm>
+          <a:off x="0" y="0"/>
+          <a:ext cx="0" cy="0"/>
+          <a:chOff x="0" y="0"/>
+          <a:chExt cx="0" cy="0"/>
+        </a:xfrm>
+      </p:grpSpPr>
+      <p:sp>
+        <p:nvSpPr>
+          <p:cNvPr id="25" name="Rounded Rectangle 24">
+            <a:extLst>
+              <a:ext uri="{FF2B5EF4-FFF2-40B4-BE49-F238E27FC236}">
+                <a16:creationId xmlns:a16="http://schemas.microsoft.com/office/drawing/2014/main" id="{BBF79DD9-234A-DB34-EC7E-8454738C5505}"/>
+              </a:ext>
+            </a:extLst>
+          </p:cNvPr>
+          <p:cNvSpPr/>
+          <p:nvPr/>
+        </p:nvSpPr>
+        <p:spPr>
+          <a:xfrm>
+            <a:off x="373913" y="2690253"/>
+            <a:ext cx="1511057" cy="532899"/>
+          </a:xfrm>
+          <a:prstGeom prst="roundRect">
+            <a:avLst>
+              <a:gd name="adj" fmla="val 19245"/>
+            </a:avLst>
+          </a:prstGeom>
+          <a:solidFill>
+            <a:srgbClr val="ECE6FF"/>
+          </a:solidFill>
+          <a:ln w="25400">
+            <a:solidFill>
+              <a:schemeClr val="bg1">
+                <a:lumMod val="65000"/>
+              </a:schemeClr>
+            </a:solidFill>
+          </a:ln>
+        </p:spPr>
+        <p:style>
+          <a:lnRef idx="2">
+            <a:schemeClr val="accent1">
+              <a:shade val="50000"/>
+            </a:schemeClr>
+          </a:lnRef>
+          <a:fillRef idx="1">
+            <a:schemeClr val="accent1"/>
+          </a:fillRef>
+          <a:effectRef idx="0">
+            <a:schemeClr val="accent1"/>
+          </a:effectRef>
+          <a:fontRef idx="minor">
+            <a:schemeClr val="lt1"/>
+          </a:fontRef>
+        </p:style>
+        <p:txBody>
+          <a:bodyPr rtlCol="0" anchor="ctr"/>
+          <a:lstStyle/>
+          <a:p>
+            <a:pPr algn="ctr"/>
+            <a:r>
+              <a:rPr lang="en-US" sz="1400" dirty="0">
+                <a:solidFill>
+                  <a:schemeClr val="tx1">
+                    <a:lumMod val="75000"/>
+                    <a:lumOff val="25000"/>
+                  </a:schemeClr>
+                </a:solidFill>
+              </a:rPr>
+              <a:t>Annual Budget </a:t>
+            </a:r>
+          </a:p>
+          <a:p>
+            <a:pPr algn="ctr"/>
+            <a:r>
+              <a:rPr lang="en-US" sz="1400" dirty="0">
+                <a:solidFill>
+                  <a:schemeClr val="tx1">
+                    <a:lumMod val="75000"/>
+                    <a:lumOff val="25000"/>
+                  </a:schemeClr>
+                </a:solidFill>
+              </a:rPr>
+              <a:t>Total $</a:t>
+            </a:r>
+          </a:p>
+        </p:txBody>
+      </p:sp>
+      <p:sp>
+        <p:nvSpPr>
+          <p:cNvPr id="26" name="Rounded Rectangle 25">
+            <a:extLst>
+              <a:ext uri="{FF2B5EF4-FFF2-40B4-BE49-F238E27FC236}">
+                <a16:creationId xmlns:a16="http://schemas.microsoft.com/office/drawing/2014/main" id="{91342409-0C8D-A490-2C4D-B740056D2680}"/>
+              </a:ext>
+            </a:extLst>
+          </p:cNvPr>
+          <p:cNvSpPr/>
+          <p:nvPr/>
+        </p:nvSpPr>
+        <p:spPr>
+          <a:xfrm>
+            <a:off x="373913" y="3448120"/>
+            <a:ext cx="1511057" cy="681803"/>
+          </a:xfrm>
+          <a:prstGeom prst="roundRect">
+            <a:avLst>
+              <a:gd name="adj" fmla="val 19245"/>
+            </a:avLst>
+          </a:prstGeom>
+          <a:solidFill>
+            <a:srgbClr val="ECE6FF"/>
+          </a:solidFill>
+          <a:ln w="25400">
+            <a:solidFill>
+              <a:schemeClr val="bg1">
+                <a:lumMod val="65000"/>
+              </a:schemeClr>
+            </a:solidFill>
+          </a:ln>
+        </p:spPr>
+        <p:style>
+          <a:lnRef idx="2">
+            <a:schemeClr val="accent1">
+              <a:shade val="50000"/>
+            </a:schemeClr>
+          </a:lnRef>
+          <a:fillRef idx="1">
+            <a:schemeClr val="accent1"/>
+          </a:fillRef>
+          <a:effectRef idx="0">
+            <a:schemeClr val="accent1"/>
+          </a:effectRef>
+          <a:fontRef idx="minor">
+            <a:schemeClr val="lt1"/>
+          </a:fontRef>
+        </p:style>
+        <p:txBody>
+          <a:bodyPr rtlCol="0" anchor="ctr"/>
+          <a:lstStyle/>
+          <a:p>
+            <a:pPr algn="ctr"/>
+            <a:r>
+              <a:rPr lang="en-US" sz="1400" dirty="0">
+                <a:solidFill>
+                  <a:schemeClr val="tx1">
+                    <a:lumMod val="75000"/>
+                    <a:lumOff val="25000"/>
+                  </a:schemeClr>
+                </a:solidFill>
+              </a:rPr>
+              <a:t>Investment </a:t>
+            </a:r>
+          </a:p>
+          <a:p>
+            <a:pPr algn="ctr"/>
+            <a:r>
+              <a:rPr lang="en-US" sz="1400" dirty="0">
+                <a:solidFill>
+                  <a:schemeClr val="tx1">
+                    <a:lumMod val="75000"/>
+                    <a:lumOff val="25000"/>
+                  </a:schemeClr>
+                </a:solidFill>
+              </a:rPr>
+              <a:t>Before Tax</a:t>
+            </a:r>
+          </a:p>
+          <a:p>
+            <a:pPr algn="ctr"/>
+            <a:r>
+              <a:rPr lang="en-US" sz="1400" dirty="0">
+                <a:solidFill>
+                  <a:schemeClr val="tx1">
+                    <a:lumMod val="75000"/>
+                    <a:lumOff val="25000"/>
+                  </a:schemeClr>
+                </a:solidFill>
+              </a:rPr>
+              <a:t>Total $</a:t>
+            </a:r>
+          </a:p>
+        </p:txBody>
+      </p:sp>
+      <p:sp>
+        <p:nvSpPr>
+          <p:cNvPr id="27" name="Rounded Rectangle 26">
+            <a:extLst>
+              <a:ext uri="{FF2B5EF4-FFF2-40B4-BE49-F238E27FC236}">
+                <a16:creationId xmlns:a16="http://schemas.microsoft.com/office/drawing/2014/main" id="{18C59AB4-2DB1-C9BC-516A-176287535484}"/>
+              </a:ext>
+            </a:extLst>
+          </p:cNvPr>
+          <p:cNvSpPr/>
+          <p:nvPr/>
+        </p:nvSpPr>
+        <p:spPr>
+          <a:xfrm>
+            <a:off x="373913" y="4354890"/>
+            <a:ext cx="1511057" cy="681803"/>
+          </a:xfrm>
+          <a:prstGeom prst="roundRect">
+            <a:avLst>
+              <a:gd name="adj" fmla="val 19245"/>
+            </a:avLst>
+          </a:prstGeom>
+          <a:solidFill>
+            <a:srgbClr val="ECE6FF"/>
+          </a:solidFill>
+          <a:ln w="25400">
+            <a:solidFill>
+              <a:schemeClr val="bg1">
+                <a:lumMod val="65000"/>
+              </a:schemeClr>
+            </a:solidFill>
+          </a:ln>
+        </p:spPr>
+        <p:style>
+          <a:lnRef idx="2">
+            <a:schemeClr val="accent1">
+              <a:shade val="50000"/>
+            </a:schemeClr>
+          </a:lnRef>
+          <a:fillRef idx="1">
+            <a:schemeClr val="accent1"/>
+          </a:fillRef>
+          <a:effectRef idx="0">
+            <a:schemeClr val="accent1"/>
+          </a:effectRef>
+          <a:fontRef idx="minor">
+            <a:schemeClr val="lt1"/>
+          </a:fontRef>
+        </p:style>
+        <p:txBody>
+          <a:bodyPr rtlCol="0" anchor="ctr"/>
+          <a:lstStyle/>
+          <a:p>
+            <a:pPr algn="ctr"/>
+            <a:r>
+              <a:rPr lang="en-US" sz="1400" dirty="0">
+                <a:solidFill>
+                  <a:schemeClr val="tx1">
+                    <a:lumMod val="75000"/>
+                    <a:lumOff val="25000"/>
+                  </a:schemeClr>
+                </a:solidFill>
+              </a:rPr>
+              <a:t>Investment </a:t>
+            </a:r>
+          </a:p>
+          <a:p>
+            <a:pPr algn="ctr"/>
+            <a:r>
+              <a:rPr lang="en-US" sz="1400" dirty="0">
+                <a:solidFill>
+                  <a:schemeClr val="tx1">
+                    <a:lumMod val="75000"/>
+                    <a:lumOff val="25000"/>
+                  </a:schemeClr>
+                </a:solidFill>
+              </a:rPr>
+              <a:t>After Tax</a:t>
+            </a:r>
+          </a:p>
+          <a:p>
+            <a:pPr algn="ctr"/>
+            <a:r>
+              <a:rPr lang="en-US" sz="1400" dirty="0">
+                <a:solidFill>
+                  <a:schemeClr val="tx1">
+                    <a:lumMod val="75000"/>
+                    <a:lumOff val="25000"/>
+                  </a:schemeClr>
+                </a:solidFill>
+              </a:rPr>
+              <a:t>Total $</a:t>
+            </a:r>
+          </a:p>
+        </p:txBody>
+      </p:sp>
+      <p:cxnSp>
+        <p:nvCxnSpPr>
+          <p:cNvPr id="6" name="Straight Connector 5">
+            <a:extLst>
+              <a:ext uri="{FF2B5EF4-FFF2-40B4-BE49-F238E27FC236}">
+                <a16:creationId xmlns:a16="http://schemas.microsoft.com/office/drawing/2014/main" id="{2B5C5E4B-5E07-0629-2170-30A824CC966A}"/>
+              </a:ext>
+            </a:extLst>
+          </p:cNvPr>
+          <p:cNvCxnSpPr>
+            <a:cxnSpLocks/>
+          </p:cNvCxnSpPr>
+          <p:nvPr/>
+        </p:nvCxnSpPr>
+        <p:spPr>
+          <a:xfrm>
+            <a:off x="2119261" y="548469"/>
+            <a:ext cx="0" cy="5884604"/>
+          </a:xfrm>
+          <a:prstGeom prst="line">
+            <a:avLst/>
+          </a:prstGeom>
+          <a:ln>
+            <a:solidFill>
+              <a:schemeClr val="bg2">
+                <a:lumMod val="50000"/>
+              </a:schemeClr>
+            </a:solidFill>
+          </a:ln>
+        </p:spPr>
+        <p:style>
+          <a:lnRef idx="1">
+            <a:schemeClr val="accent1"/>
+          </a:lnRef>
+          <a:fillRef idx="0">
+            <a:schemeClr val="accent1"/>
+          </a:fillRef>
+          <a:effectRef idx="0">
+            <a:schemeClr val="accent1"/>
+          </a:effectRef>
+          <a:fontRef idx="minor">
+            <a:schemeClr val="tx1"/>
+          </a:fontRef>
+        </p:style>
+      </p:cxnSp>
+      <p:sp>
+        <p:nvSpPr>
+          <p:cNvPr id="9" name="TextBox 8">
+            <a:extLst>
+              <a:ext uri="{FF2B5EF4-FFF2-40B4-BE49-F238E27FC236}">
+                <a16:creationId xmlns:a16="http://schemas.microsoft.com/office/drawing/2014/main" id="{F87156C1-F280-9CEB-0910-AA75444B091E}"/>
+              </a:ext>
+            </a:extLst>
+          </p:cNvPr>
+          <p:cNvSpPr txBox="1"/>
+          <p:nvPr/>
+        </p:nvSpPr>
+        <p:spPr>
+          <a:xfrm>
+            <a:off x="422139" y="2092957"/>
+            <a:ext cx="1414604" cy="523220"/>
+          </a:xfrm>
+          <a:prstGeom prst="rect">
+            <a:avLst/>
+          </a:prstGeom>
+          <a:noFill/>
+        </p:spPr>
+        <p:txBody>
+          <a:bodyPr wrap="square" rtlCol="0">
+            <a:spAutoFit/>
+          </a:bodyPr>
+          <a:lstStyle/>
+          <a:p>
+            <a:pPr algn="ctr"/>
+            <a:r>
+              <a:rPr lang="en-US" sz="1400" dirty="0">
+                <a:solidFill>
+                  <a:schemeClr val="tx1">
+                    <a:lumMod val="75000"/>
+                    <a:lumOff val="25000"/>
+                  </a:schemeClr>
+                </a:solidFill>
+              </a:rPr>
+              <a:t>Use retirement start year values</a:t>
+            </a:r>
+          </a:p>
+        </p:txBody>
+      </p:sp>
+      <p:sp>
+        <p:nvSpPr>
+          <p:cNvPr id="28" name="TextBox 27">
+            <a:extLst>
+              <a:ext uri="{FF2B5EF4-FFF2-40B4-BE49-F238E27FC236}">
+                <a16:creationId xmlns:a16="http://schemas.microsoft.com/office/drawing/2014/main" id="{2B774553-20AB-D60E-DB3C-C22A5660F79F}"/>
+              </a:ext>
+            </a:extLst>
+          </p:cNvPr>
+          <p:cNvSpPr txBox="1"/>
+          <p:nvPr/>
+        </p:nvSpPr>
+        <p:spPr>
+          <a:xfrm>
+            <a:off x="5953417" y="363803"/>
+            <a:ext cx="3667286" cy="369332"/>
+          </a:xfrm>
+          <a:prstGeom prst="rect">
+            <a:avLst/>
+          </a:prstGeom>
+          <a:noFill/>
+        </p:spPr>
+        <p:txBody>
+          <a:bodyPr wrap="none" rtlCol="0">
+            <a:spAutoFit/>
+          </a:bodyPr>
+          <a:lstStyle/>
+          <a:p>
+            <a:r>
+              <a:rPr lang="en-US" dirty="0">
+                <a:solidFill>
+                  <a:schemeClr val="tx1">
+                    <a:lumMod val="75000"/>
+                    <a:lumOff val="25000"/>
+                  </a:schemeClr>
+                </a:solidFill>
+              </a:rPr>
+              <a:t>Calculate for each year of retirement</a:t>
+            </a:r>
+          </a:p>
+        </p:txBody>
+      </p:sp>
+      <p:sp>
+        <p:nvSpPr>
+          <p:cNvPr id="31" name="Rounded Rectangle 30">
+            <a:extLst>
+              <a:ext uri="{FF2B5EF4-FFF2-40B4-BE49-F238E27FC236}">
+                <a16:creationId xmlns:a16="http://schemas.microsoft.com/office/drawing/2014/main" id="{E690320B-CEC3-38E5-B659-2DA18988F2AB}"/>
+              </a:ext>
+            </a:extLst>
+          </p:cNvPr>
+          <p:cNvSpPr/>
+          <p:nvPr/>
+        </p:nvSpPr>
+        <p:spPr>
+          <a:xfrm>
+            <a:off x="3184273" y="4089383"/>
+            <a:ext cx="1324086" cy="590304"/>
+          </a:xfrm>
+          <a:prstGeom prst="roundRect">
+            <a:avLst>
+              <a:gd name="adj" fmla="val 19245"/>
+            </a:avLst>
+          </a:prstGeom>
+          <a:solidFill>
+            <a:srgbClr val="B8D8BE"/>
+          </a:solidFill>
+          <a:ln w="25400">
+            <a:solidFill>
+              <a:schemeClr val="bg1">
+                <a:lumMod val="65000"/>
+              </a:schemeClr>
+            </a:solidFill>
+          </a:ln>
+        </p:spPr>
+        <p:style>
+          <a:lnRef idx="2">
+            <a:schemeClr val="accent1">
+              <a:shade val="50000"/>
+            </a:schemeClr>
+          </a:lnRef>
+          <a:fillRef idx="1">
+            <a:schemeClr val="accent1"/>
+          </a:fillRef>
+          <a:effectRef idx="0">
+            <a:schemeClr val="accent1"/>
+          </a:effectRef>
+          <a:fontRef idx="minor">
+            <a:schemeClr val="lt1"/>
+          </a:fontRef>
+        </p:style>
+        <p:txBody>
+          <a:bodyPr rtlCol="0" anchor="ctr"/>
+          <a:lstStyle/>
+          <a:p>
+            <a:pPr algn="ctr"/>
+            <a:r>
+              <a:rPr lang="en-US" sz="1400" dirty="0">
+                <a:solidFill>
+                  <a:schemeClr val="tx1">
+                    <a:lumMod val="75000"/>
+                    <a:lumOff val="25000"/>
+                  </a:schemeClr>
+                </a:solidFill>
+              </a:rPr>
+              <a:t>Calculate</a:t>
+            </a:r>
+          </a:p>
+          <a:p>
+            <a:pPr algn="ctr"/>
+            <a:r>
+              <a:rPr lang="en-US" sz="1400" dirty="0">
+                <a:solidFill>
+                  <a:schemeClr val="tx1">
+                    <a:lumMod val="75000"/>
+                    <a:lumOff val="25000"/>
+                  </a:schemeClr>
+                </a:solidFill>
+              </a:rPr>
+              <a:t>income taxes</a:t>
+            </a:r>
+          </a:p>
+        </p:txBody>
+      </p:sp>
+      <p:sp>
+        <p:nvSpPr>
+          <p:cNvPr id="32" name="Rounded Rectangle 31">
+            <a:extLst>
+              <a:ext uri="{FF2B5EF4-FFF2-40B4-BE49-F238E27FC236}">
+                <a16:creationId xmlns:a16="http://schemas.microsoft.com/office/drawing/2014/main" id="{B6B28515-58E3-721C-3B88-5043066D1CCF}"/>
+              </a:ext>
+            </a:extLst>
+          </p:cNvPr>
+          <p:cNvSpPr/>
+          <p:nvPr/>
+        </p:nvSpPr>
+        <p:spPr>
+          <a:xfrm>
+            <a:off x="3184273" y="3138541"/>
+            <a:ext cx="1324086" cy="590304"/>
+          </a:xfrm>
+          <a:prstGeom prst="roundRect">
+            <a:avLst>
+              <a:gd name="adj" fmla="val 19245"/>
+            </a:avLst>
+          </a:prstGeom>
+          <a:solidFill>
+            <a:srgbClr val="B8D8BE"/>
+          </a:solidFill>
+          <a:ln w="25400">
+            <a:solidFill>
+              <a:schemeClr val="bg1">
+                <a:lumMod val="65000"/>
+              </a:schemeClr>
+            </a:solidFill>
+          </a:ln>
+        </p:spPr>
+        <p:style>
+          <a:lnRef idx="2">
+            <a:schemeClr val="accent1">
+              <a:shade val="50000"/>
+            </a:schemeClr>
+          </a:lnRef>
+          <a:fillRef idx="1">
+            <a:schemeClr val="accent1"/>
+          </a:fillRef>
+          <a:effectRef idx="0">
+            <a:schemeClr val="accent1"/>
+          </a:effectRef>
+          <a:fontRef idx="minor">
+            <a:schemeClr val="lt1"/>
+          </a:fontRef>
+        </p:style>
+        <p:txBody>
+          <a:bodyPr rtlCol="0" anchor="ctr"/>
+          <a:lstStyle/>
+          <a:p>
+            <a:pPr algn="ctr"/>
+            <a:r>
+              <a:rPr lang="en-US" sz="1400" dirty="0">
+                <a:solidFill>
+                  <a:schemeClr val="tx1">
+                    <a:lumMod val="75000"/>
+                    <a:lumOff val="25000"/>
+                  </a:schemeClr>
+                </a:solidFill>
+              </a:rPr>
+              <a:t>Calculate</a:t>
+            </a:r>
+          </a:p>
+          <a:p>
+            <a:pPr algn="ctr"/>
+            <a:r>
+              <a:rPr lang="en-US" sz="1400" dirty="0">
+                <a:solidFill>
+                  <a:schemeClr val="tx1">
+                    <a:lumMod val="75000"/>
+                    <a:lumOff val="25000"/>
+                  </a:schemeClr>
+                </a:solidFill>
+              </a:rPr>
+              <a:t>withdrawal</a:t>
+            </a:r>
+          </a:p>
+        </p:txBody>
+      </p:sp>
+      <p:sp>
+        <p:nvSpPr>
+          <p:cNvPr id="33" name="Rounded Rectangle 32">
+            <a:extLst>
+              <a:ext uri="{FF2B5EF4-FFF2-40B4-BE49-F238E27FC236}">
+                <a16:creationId xmlns:a16="http://schemas.microsoft.com/office/drawing/2014/main" id="{06C434A7-615D-0D5E-761F-40FF4F8E41D7}"/>
+              </a:ext>
+            </a:extLst>
+          </p:cNvPr>
+          <p:cNvSpPr/>
+          <p:nvPr/>
+        </p:nvSpPr>
+        <p:spPr>
+          <a:xfrm>
+            <a:off x="3184274" y="1226308"/>
+            <a:ext cx="1324086" cy="590304"/>
+          </a:xfrm>
+          <a:prstGeom prst="roundRect">
+            <a:avLst>
+              <a:gd name="adj" fmla="val 19245"/>
+            </a:avLst>
+          </a:prstGeom>
+          <a:solidFill>
+            <a:srgbClr val="B8D8BE"/>
+          </a:solidFill>
+          <a:ln w="25400">
+            <a:solidFill>
+              <a:schemeClr val="bg1">
+                <a:lumMod val="65000"/>
+              </a:schemeClr>
+            </a:solidFill>
+          </a:ln>
+        </p:spPr>
+        <p:style>
+          <a:lnRef idx="2">
+            <a:schemeClr val="accent1">
+              <a:shade val="50000"/>
+            </a:schemeClr>
+          </a:lnRef>
+          <a:fillRef idx="1">
+            <a:schemeClr val="accent1"/>
+          </a:fillRef>
+          <a:effectRef idx="0">
+            <a:schemeClr val="accent1"/>
+          </a:effectRef>
+          <a:fontRef idx="minor">
+            <a:schemeClr val="lt1"/>
+          </a:fontRef>
+        </p:style>
+        <p:txBody>
+          <a:bodyPr rtlCol="0" anchor="ctr"/>
+          <a:lstStyle/>
+          <a:p>
+            <a:pPr algn="ctr"/>
+            <a:r>
+              <a:rPr lang="en-US" sz="1400" dirty="0">
+                <a:solidFill>
+                  <a:schemeClr val="tx1">
+                    <a:lumMod val="75000"/>
+                    <a:lumOff val="25000"/>
+                  </a:schemeClr>
+                </a:solidFill>
+              </a:rPr>
+              <a:t>Calculate</a:t>
+            </a:r>
+          </a:p>
+          <a:p>
+            <a:pPr algn="ctr"/>
+            <a:r>
+              <a:rPr lang="en-US" sz="1400" dirty="0">
+                <a:solidFill>
+                  <a:schemeClr val="tx1">
+                    <a:lumMod val="75000"/>
+                    <a:lumOff val="25000"/>
+                  </a:schemeClr>
+                </a:solidFill>
+              </a:rPr>
+              <a:t>income</a:t>
+            </a:r>
+          </a:p>
+        </p:txBody>
+      </p:sp>
+      <p:sp>
+        <p:nvSpPr>
+          <p:cNvPr id="34" name="Rounded Rectangle 33">
+            <a:extLst>
+              <a:ext uri="{FF2B5EF4-FFF2-40B4-BE49-F238E27FC236}">
+                <a16:creationId xmlns:a16="http://schemas.microsoft.com/office/drawing/2014/main" id="{1DB9B9F1-D77F-86BA-6C0E-B49D949CE354}"/>
+              </a:ext>
+            </a:extLst>
+          </p:cNvPr>
+          <p:cNvSpPr/>
+          <p:nvPr/>
+        </p:nvSpPr>
+        <p:spPr>
+          <a:xfrm>
+            <a:off x="3184274" y="2155641"/>
+            <a:ext cx="1324086" cy="590304"/>
+          </a:xfrm>
+          <a:prstGeom prst="roundRect">
+            <a:avLst>
+              <a:gd name="adj" fmla="val 19245"/>
+            </a:avLst>
+          </a:prstGeom>
+          <a:solidFill>
+            <a:srgbClr val="B8D8BE"/>
+          </a:solidFill>
+          <a:ln w="25400">
+            <a:solidFill>
+              <a:schemeClr val="bg1">
+                <a:lumMod val="65000"/>
+              </a:schemeClr>
+            </a:solidFill>
+          </a:ln>
+        </p:spPr>
+        <p:style>
+          <a:lnRef idx="2">
+            <a:schemeClr val="accent1">
+              <a:shade val="50000"/>
+            </a:schemeClr>
+          </a:lnRef>
+          <a:fillRef idx="1">
+            <a:schemeClr val="accent1"/>
+          </a:fillRef>
+          <a:effectRef idx="0">
+            <a:schemeClr val="accent1"/>
+          </a:effectRef>
+          <a:fontRef idx="minor">
+            <a:schemeClr val="lt1"/>
+          </a:fontRef>
+        </p:style>
+        <p:txBody>
+          <a:bodyPr rtlCol="0" anchor="ctr"/>
+          <a:lstStyle/>
+          <a:p>
+            <a:pPr algn="ctr"/>
+            <a:r>
+              <a:rPr lang="en-US" sz="1400" dirty="0">
+                <a:solidFill>
+                  <a:schemeClr val="tx1">
+                    <a:lumMod val="75000"/>
+                    <a:lumOff val="25000"/>
+                  </a:schemeClr>
+                </a:solidFill>
+              </a:rPr>
+              <a:t>Calculate</a:t>
+            </a:r>
+          </a:p>
+          <a:p>
+            <a:pPr algn="ctr"/>
+            <a:r>
+              <a:rPr lang="en-US" sz="1400" dirty="0">
+                <a:solidFill>
+                  <a:schemeClr val="tx1">
+                    <a:lumMod val="75000"/>
+                    <a:lumOff val="25000"/>
+                  </a:schemeClr>
+                </a:solidFill>
+              </a:rPr>
+              <a:t>budget</a:t>
+            </a:r>
+          </a:p>
+        </p:txBody>
+      </p:sp>
+      <p:cxnSp>
+        <p:nvCxnSpPr>
+          <p:cNvPr id="36" name="Straight Connector 35">
+            <a:extLst>
+              <a:ext uri="{FF2B5EF4-FFF2-40B4-BE49-F238E27FC236}">
+                <a16:creationId xmlns:a16="http://schemas.microsoft.com/office/drawing/2014/main" id="{C80AF081-41C7-3DF7-E714-B319AD899B26}"/>
+              </a:ext>
+            </a:extLst>
+          </p:cNvPr>
+          <p:cNvCxnSpPr>
+            <a:cxnSpLocks/>
+          </p:cNvCxnSpPr>
+          <p:nvPr/>
+        </p:nvCxnSpPr>
+        <p:spPr>
+          <a:xfrm>
+            <a:off x="7565546" y="1981363"/>
+            <a:ext cx="0" cy="1640444"/>
+          </a:xfrm>
+          <a:prstGeom prst="line">
+            <a:avLst/>
+          </a:prstGeom>
+          <a:ln>
+            <a:solidFill>
+              <a:schemeClr val="bg2">
+                <a:lumMod val="50000"/>
+              </a:schemeClr>
+            </a:solidFill>
+          </a:ln>
+        </p:spPr>
+        <p:style>
+          <a:lnRef idx="1">
+            <a:schemeClr val="accent1"/>
+          </a:lnRef>
+          <a:fillRef idx="0">
+            <a:schemeClr val="accent1"/>
+          </a:fillRef>
+          <a:effectRef idx="0">
+            <a:schemeClr val="accent1"/>
+          </a:effectRef>
+          <a:fontRef idx="minor">
+            <a:schemeClr val="tx1"/>
+          </a:fontRef>
+        </p:style>
+      </p:cxnSp>
+      <p:sp>
+        <p:nvSpPr>
+          <p:cNvPr id="38" name="TextBox 37">
+            <a:extLst>
+              <a:ext uri="{FF2B5EF4-FFF2-40B4-BE49-F238E27FC236}">
+                <a16:creationId xmlns:a16="http://schemas.microsoft.com/office/drawing/2014/main" id="{5FE43BAC-9AB7-F8B0-BBDB-4EC829239285}"/>
+              </a:ext>
+            </a:extLst>
+          </p:cNvPr>
+          <p:cNvSpPr txBox="1"/>
+          <p:nvPr/>
+        </p:nvSpPr>
+        <p:spPr>
+          <a:xfrm>
+            <a:off x="3136315" y="5838021"/>
+            <a:ext cx="1485889" cy="738664"/>
+          </a:xfrm>
+          <a:prstGeom prst="rect">
+            <a:avLst/>
+          </a:prstGeom>
+          <a:noFill/>
+        </p:spPr>
+        <p:txBody>
+          <a:bodyPr wrap="square" rtlCol="0">
+            <a:spAutoFit/>
+          </a:bodyPr>
+          <a:lstStyle/>
+          <a:p>
+            <a:pPr algn="ctr"/>
+            <a:r>
+              <a:rPr lang="en-US" sz="1400" dirty="0">
+                <a:solidFill>
+                  <a:schemeClr val="tx1">
+                    <a:lumMod val="75000"/>
+                    <a:lumOff val="25000"/>
+                  </a:schemeClr>
+                </a:solidFill>
+              </a:rPr>
+              <a:t>Does income plus withdrawal satisfy budget?</a:t>
+            </a:r>
+          </a:p>
+        </p:txBody>
+      </p:sp>
+      <p:sp>
+        <p:nvSpPr>
+          <p:cNvPr id="40" name="Diamond 39">
+            <a:extLst>
+              <a:ext uri="{FF2B5EF4-FFF2-40B4-BE49-F238E27FC236}">
+                <a16:creationId xmlns:a16="http://schemas.microsoft.com/office/drawing/2014/main" id="{4649B3AE-E695-9891-453D-75910FB29D71}"/>
+              </a:ext>
+            </a:extLst>
+          </p:cNvPr>
+          <p:cNvSpPr/>
+          <p:nvPr/>
+        </p:nvSpPr>
+        <p:spPr>
+          <a:xfrm>
+            <a:off x="3448277" y="5040665"/>
+            <a:ext cx="796066" cy="753036"/>
+          </a:xfrm>
+          <a:prstGeom prst="diamond">
+            <a:avLst/>
+          </a:prstGeom>
+          <a:solidFill>
+            <a:schemeClr val="bg1">
+              <a:lumMod val="95000"/>
+            </a:schemeClr>
+          </a:solidFill>
+        </p:spPr>
+        <p:style>
+          <a:lnRef idx="2">
+            <a:schemeClr val="accent1">
+              <a:shade val="50000"/>
+            </a:schemeClr>
+          </a:lnRef>
+          <a:fillRef idx="1">
+            <a:schemeClr val="accent1"/>
+          </a:fillRef>
+          <a:effectRef idx="0">
+            <a:schemeClr val="accent1"/>
+          </a:effectRef>
+          <a:fontRef idx="minor">
+            <a:schemeClr val="lt1"/>
+          </a:fontRef>
+        </p:style>
+        <p:txBody>
+          <a:bodyPr rtlCol="0" anchor="ctr"/>
+          <a:lstStyle/>
+          <a:p>
+            <a:pPr algn="ctr"/>
+            <a:r>
+              <a:rPr lang="en-US" sz="2400" dirty="0">
+                <a:solidFill>
+                  <a:schemeClr val="tx1">
+                    <a:lumMod val="75000"/>
+                    <a:lumOff val="25000"/>
+                  </a:schemeClr>
+                </a:solidFill>
+              </a:rPr>
+              <a:t>?</a:t>
+            </a:r>
+          </a:p>
+        </p:txBody>
+      </p:sp>
+      <p:sp>
+        <p:nvSpPr>
+          <p:cNvPr id="41" name="TextBox 40">
+            <a:extLst>
+              <a:ext uri="{FF2B5EF4-FFF2-40B4-BE49-F238E27FC236}">
+                <a16:creationId xmlns:a16="http://schemas.microsoft.com/office/drawing/2014/main" id="{22EE7008-43A1-6CCE-51D2-9449C976CAA7}"/>
+              </a:ext>
+            </a:extLst>
+          </p:cNvPr>
+          <p:cNvSpPr txBox="1"/>
+          <p:nvPr/>
+        </p:nvSpPr>
+        <p:spPr>
+          <a:xfrm>
+            <a:off x="4288512" y="5478153"/>
+            <a:ext cx="516802" cy="307777"/>
+          </a:xfrm>
+          <a:prstGeom prst="rect">
+            <a:avLst/>
+          </a:prstGeom>
+          <a:noFill/>
+        </p:spPr>
+        <p:txBody>
+          <a:bodyPr wrap="square" rtlCol="0">
+            <a:spAutoFit/>
+          </a:bodyPr>
+          <a:lstStyle/>
+          <a:p>
+            <a:pPr algn="ctr"/>
+            <a:r>
+              <a:rPr lang="en-US" sz="1400" dirty="0">
+                <a:solidFill>
+                  <a:schemeClr val="tx1">
+                    <a:lumMod val="75000"/>
+                    <a:lumOff val="25000"/>
+                  </a:schemeClr>
+                </a:solidFill>
+              </a:rPr>
+              <a:t>YES</a:t>
+            </a:r>
+          </a:p>
+        </p:txBody>
+      </p:sp>
+      <p:sp>
+        <p:nvSpPr>
+          <p:cNvPr id="42" name="TextBox 41">
+            <a:extLst>
+              <a:ext uri="{FF2B5EF4-FFF2-40B4-BE49-F238E27FC236}">
+                <a16:creationId xmlns:a16="http://schemas.microsoft.com/office/drawing/2014/main" id="{D696F909-E8F2-223B-7F34-32832F83AA3E}"/>
+              </a:ext>
+            </a:extLst>
+          </p:cNvPr>
+          <p:cNvSpPr txBox="1"/>
+          <p:nvPr/>
+        </p:nvSpPr>
+        <p:spPr>
+          <a:xfrm>
+            <a:off x="2970258" y="5470202"/>
+            <a:ext cx="516802" cy="307777"/>
+          </a:xfrm>
+          <a:prstGeom prst="rect">
+            <a:avLst/>
+          </a:prstGeom>
+          <a:noFill/>
+        </p:spPr>
+        <p:txBody>
+          <a:bodyPr wrap="square" rtlCol="0">
+            <a:spAutoFit/>
+          </a:bodyPr>
+          <a:lstStyle/>
+          <a:p>
+            <a:pPr algn="ctr"/>
+            <a:r>
+              <a:rPr lang="en-US" sz="1400" dirty="0">
+                <a:solidFill>
+                  <a:schemeClr val="tx1">
+                    <a:lumMod val="75000"/>
+                    <a:lumOff val="25000"/>
+                  </a:schemeClr>
+                </a:solidFill>
+              </a:rPr>
+              <a:t>NO</a:t>
+            </a:r>
+          </a:p>
+        </p:txBody>
+      </p:sp>
+      <p:cxnSp>
+        <p:nvCxnSpPr>
+          <p:cNvPr id="45" name="Elbow Connector 44">
+            <a:extLst>
+              <a:ext uri="{FF2B5EF4-FFF2-40B4-BE49-F238E27FC236}">
+                <a16:creationId xmlns:a16="http://schemas.microsoft.com/office/drawing/2014/main" id="{72331EC4-C885-A0D9-5B66-BFF37EE3C1D2}"/>
+              </a:ext>
+            </a:extLst>
+          </p:cNvPr>
+          <p:cNvCxnSpPr>
+            <a:cxnSpLocks/>
+            <a:stCxn id="40" idx="1"/>
+            <a:endCxn id="32" idx="1"/>
+          </p:cNvCxnSpPr>
+          <p:nvPr/>
+        </p:nvCxnSpPr>
+        <p:spPr>
+          <a:xfrm rot="10800000">
+            <a:off x="3184273" y="3433693"/>
+            <a:ext cx="264004" cy="1983490"/>
+          </a:xfrm>
+          <a:prstGeom prst="bentConnector3">
+            <a:avLst>
+              <a:gd name="adj1" fmla="val 186590"/>
+            </a:avLst>
+          </a:prstGeom>
+          <a:ln>
+            <a:solidFill>
+              <a:schemeClr val="tx1">
+                <a:lumMod val="75000"/>
+                <a:lumOff val="25000"/>
+              </a:schemeClr>
+            </a:solidFill>
+            <a:tailEnd type="triangle"/>
+          </a:ln>
+        </p:spPr>
+        <p:style>
+          <a:lnRef idx="1">
+            <a:schemeClr val="accent1"/>
+          </a:lnRef>
+          <a:fillRef idx="0">
+            <a:schemeClr val="accent1"/>
+          </a:fillRef>
+          <a:effectRef idx="0">
+            <a:schemeClr val="accent1"/>
+          </a:effectRef>
+          <a:fontRef idx="minor">
+            <a:schemeClr val="tx1"/>
+          </a:fontRef>
+        </p:style>
+      </p:cxnSp>
+      <p:cxnSp>
+        <p:nvCxnSpPr>
+          <p:cNvPr id="48" name="Straight Connector 47">
+            <a:extLst>
+              <a:ext uri="{FF2B5EF4-FFF2-40B4-BE49-F238E27FC236}">
+                <a16:creationId xmlns:a16="http://schemas.microsoft.com/office/drawing/2014/main" id="{23C30A22-C44D-7BBA-53DF-C46C45416FA0}"/>
+              </a:ext>
+            </a:extLst>
+          </p:cNvPr>
+          <p:cNvCxnSpPr>
+            <a:cxnSpLocks/>
+            <a:stCxn id="32" idx="2"/>
+            <a:endCxn id="31" idx="0"/>
+          </p:cNvCxnSpPr>
+          <p:nvPr/>
+        </p:nvCxnSpPr>
+        <p:spPr>
+          <a:xfrm>
+            <a:off x="3846316" y="3728845"/>
+            <a:ext cx="0" cy="360538"/>
+          </a:xfrm>
+          <a:prstGeom prst="line">
+            <a:avLst/>
+          </a:prstGeom>
+          <a:ln>
+            <a:solidFill>
+              <a:schemeClr val="tx1">
+                <a:lumMod val="75000"/>
+                <a:lumOff val="25000"/>
+              </a:schemeClr>
+            </a:solidFill>
+            <a:tailEnd type="triangle"/>
+          </a:ln>
+        </p:spPr>
+        <p:style>
+          <a:lnRef idx="1">
+            <a:schemeClr val="accent1"/>
+          </a:lnRef>
+          <a:fillRef idx="0">
+            <a:schemeClr val="accent1"/>
+          </a:fillRef>
+          <a:effectRef idx="0">
+            <a:schemeClr val="accent1"/>
+          </a:effectRef>
+          <a:fontRef idx="minor">
+            <a:schemeClr val="tx1"/>
+          </a:fontRef>
+        </p:style>
+      </p:cxnSp>
+      <p:cxnSp>
+        <p:nvCxnSpPr>
+          <p:cNvPr id="54" name="Straight Connector 53">
+            <a:extLst>
+              <a:ext uri="{FF2B5EF4-FFF2-40B4-BE49-F238E27FC236}">
+                <a16:creationId xmlns:a16="http://schemas.microsoft.com/office/drawing/2014/main" id="{2AF86C14-F408-14A5-C3DB-A38C02D5EBBA}"/>
+              </a:ext>
+            </a:extLst>
+          </p:cNvPr>
+          <p:cNvCxnSpPr>
+            <a:cxnSpLocks/>
+            <a:stCxn id="31" idx="2"/>
+            <a:endCxn id="40" idx="0"/>
+          </p:cNvCxnSpPr>
+          <p:nvPr/>
+        </p:nvCxnSpPr>
+        <p:spPr>
+          <a:xfrm flipH="1">
+            <a:off x="3846310" y="4679687"/>
+            <a:ext cx="6" cy="360978"/>
+          </a:xfrm>
+          <a:prstGeom prst="line">
+            <a:avLst/>
+          </a:prstGeom>
+          <a:ln>
+            <a:solidFill>
+              <a:schemeClr val="tx1">
+                <a:lumMod val="75000"/>
+                <a:lumOff val="25000"/>
+              </a:schemeClr>
+            </a:solidFill>
+            <a:tailEnd type="triangle"/>
+          </a:ln>
+        </p:spPr>
+        <p:style>
+          <a:lnRef idx="1">
+            <a:schemeClr val="accent1"/>
+          </a:lnRef>
+          <a:fillRef idx="0">
+            <a:schemeClr val="accent1"/>
+          </a:fillRef>
+          <a:effectRef idx="0">
+            <a:schemeClr val="accent1"/>
+          </a:effectRef>
+          <a:fontRef idx="minor">
+            <a:schemeClr val="tx1"/>
+          </a:fontRef>
+        </p:style>
+      </p:cxnSp>
+      <p:cxnSp>
+        <p:nvCxnSpPr>
+          <p:cNvPr id="57" name="Straight Connector 56">
+            <a:extLst>
+              <a:ext uri="{FF2B5EF4-FFF2-40B4-BE49-F238E27FC236}">
+                <a16:creationId xmlns:a16="http://schemas.microsoft.com/office/drawing/2014/main" id="{B8095C7B-0E7B-C65D-A4DD-F21D732EBFF8}"/>
+              </a:ext>
+            </a:extLst>
+          </p:cNvPr>
+          <p:cNvCxnSpPr>
+            <a:cxnSpLocks/>
+            <a:stCxn id="33" idx="2"/>
+            <a:endCxn id="34" idx="0"/>
+          </p:cNvCxnSpPr>
+          <p:nvPr/>
+        </p:nvCxnSpPr>
+        <p:spPr>
+          <a:xfrm>
+            <a:off x="3846317" y="1816612"/>
+            <a:ext cx="0" cy="339029"/>
+          </a:xfrm>
+          <a:prstGeom prst="line">
+            <a:avLst/>
+          </a:prstGeom>
+          <a:ln>
+            <a:solidFill>
+              <a:schemeClr val="tx1">
+                <a:lumMod val="75000"/>
+                <a:lumOff val="25000"/>
+              </a:schemeClr>
+            </a:solidFill>
+            <a:tailEnd type="triangle"/>
+          </a:ln>
+        </p:spPr>
+        <p:style>
+          <a:lnRef idx="1">
+            <a:schemeClr val="accent1"/>
+          </a:lnRef>
+          <a:fillRef idx="0">
+            <a:schemeClr val="accent1"/>
+          </a:fillRef>
+          <a:effectRef idx="0">
+            <a:schemeClr val="accent1"/>
+          </a:effectRef>
+          <a:fontRef idx="minor">
+            <a:schemeClr val="tx1"/>
+          </a:fontRef>
+        </p:style>
+      </p:cxnSp>
+      <p:cxnSp>
+        <p:nvCxnSpPr>
+          <p:cNvPr id="60" name="Straight Connector 59">
+            <a:extLst>
+              <a:ext uri="{FF2B5EF4-FFF2-40B4-BE49-F238E27FC236}">
+                <a16:creationId xmlns:a16="http://schemas.microsoft.com/office/drawing/2014/main" id="{F9D47658-74C7-9513-743D-77A01DED68F1}"/>
+              </a:ext>
+            </a:extLst>
+          </p:cNvPr>
+          <p:cNvCxnSpPr>
+            <a:cxnSpLocks/>
+            <a:stCxn id="34" idx="2"/>
+            <a:endCxn id="32" idx="0"/>
+          </p:cNvCxnSpPr>
+          <p:nvPr/>
+        </p:nvCxnSpPr>
+        <p:spPr>
+          <a:xfrm flipH="1">
+            <a:off x="3846316" y="2745945"/>
+            <a:ext cx="1" cy="392596"/>
+          </a:xfrm>
+          <a:prstGeom prst="line">
+            <a:avLst/>
+          </a:prstGeom>
+          <a:ln>
+            <a:solidFill>
+              <a:schemeClr val="tx1">
+                <a:lumMod val="75000"/>
+                <a:lumOff val="25000"/>
+              </a:schemeClr>
+            </a:solidFill>
+            <a:tailEnd type="triangle"/>
+          </a:ln>
+        </p:spPr>
+        <p:style>
+          <a:lnRef idx="1">
+            <a:schemeClr val="accent1"/>
+          </a:lnRef>
+          <a:fillRef idx="0">
+            <a:schemeClr val="accent1"/>
+          </a:fillRef>
+          <a:effectRef idx="0">
+            <a:schemeClr val="accent1"/>
+          </a:effectRef>
+          <a:fontRef idx="minor">
+            <a:schemeClr val="tx1"/>
+          </a:fontRef>
+        </p:style>
+      </p:cxnSp>
+      <p:sp>
+        <p:nvSpPr>
+          <p:cNvPr id="63" name="Rounded Rectangle 62">
+            <a:extLst>
+              <a:ext uri="{FF2B5EF4-FFF2-40B4-BE49-F238E27FC236}">
+                <a16:creationId xmlns:a16="http://schemas.microsoft.com/office/drawing/2014/main" id="{8A257E54-3E25-FC17-D406-B95D4E69A7F1}"/>
+              </a:ext>
+            </a:extLst>
+          </p:cNvPr>
+          <p:cNvSpPr/>
+          <p:nvPr/>
+        </p:nvSpPr>
+        <p:spPr>
+          <a:xfrm>
+            <a:off x="5365148" y="2846789"/>
+            <a:ext cx="1324086" cy="590304"/>
+          </a:xfrm>
+          <a:prstGeom prst="roundRect">
+            <a:avLst>
+              <a:gd name="adj" fmla="val 19245"/>
+            </a:avLst>
+          </a:prstGeom>
+          <a:solidFill>
+            <a:srgbClr val="B8D8BE"/>
+          </a:solidFill>
+          <a:ln w="25400">
+            <a:solidFill>
+              <a:schemeClr val="bg1">
+                <a:lumMod val="65000"/>
+              </a:schemeClr>
+            </a:solidFill>
+          </a:ln>
+        </p:spPr>
+        <p:style>
+          <a:lnRef idx="2">
+            <a:schemeClr val="accent1">
+              <a:shade val="50000"/>
+            </a:schemeClr>
+          </a:lnRef>
+          <a:fillRef idx="1">
+            <a:schemeClr val="accent1"/>
+          </a:fillRef>
+          <a:effectRef idx="0">
+            <a:schemeClr val="accent1"/>
+          </a:effectRef>
+          <a:fontRef idx="minor">
+            <a:schemeClr val="lt1"/>
+          </a:fontRef>
+        </p:style>
+        <p:txBody>
+          <a:bodyPr rtlCol="0" anchor="ctr"/>
+          <a:lstStyle/>
+          <a:p>
+            <a:pPr algn="ctr"/>
+            <a:r>
+              <a:rPr lang="en-US" sz="1400" dirty="0">
+                <a:solidFill>
+                  <a:schemeClr val="tx1">
+                    <a:lumMod val="75000"/>
+                    <a:lumOff val="25000"/>
+                  </a:schemeClr>
+                </a:solidFill>
+              </a:rPr>
+              <a:t>Calculate</a:t>
+            </a:r>
+          </a:p>
+          <a:p>
+            <a:pPr algn="ctr"/>
+            <a:r>
+              <a:rPr lang="en-US" sz="1400" dirty="0">
+                <a:solidFill>
+                  <a:schemeClr val="tx1">
+                    <a:lumMod val="75000"/>
+                    <a:lumOff val="25000"/>
+                  </a:schemeClr>
+                </a:solidFill>
+              </a:rPr>
+              <a:t>RMD </a:t>
+            </a:r>
+          </a:p>
+        </p:txBody>
+      </p:sp>
+      <p:sp>
+        <p:nvSpPr>
+          <p:cNvPr id="64" name="Diamond 63">
+            <a:extLst>
+              <a:ext uri="{FF2B5EF4-FFF2-40B4-BE49-F238E27FC236}">
+                <a16:creationId xmlns:a16="http://schemas.microsoft.com/office/drawing/2014/main" id="{0FB07181-D55D-9B7E-5293-31B6BB68B2B6}"/>
+              </a:ext>
+            </a:extLst>
+          </p:cNvPr>
+          <p:cNvSpPr/>
+          <p:nvPr/>
+        </p:nvSpPr>
+        <p:spPr>
+          <a:xfrm>
+            <a:off x="5635655" y="1764195"/>
+            <a:ext cx="796066" cy="753036"/>
+          </a:xfrm>
+          <a:prstGeom prst="diamond">
+            <a:avLst/>
+          </a:prstGeom>
+          <a:solidFill>
+            <a:schemeClr val="bg1">
+              <a:lumMod val="95000"/>
+            </a:schemeClr>
+          </a:solidFill>
+        </p:spPr>
+        <p:style>
+          <a:lnRef idx="2">
+            <a:schemeClr val="accent1">
+              <a:shade val="50000"/>
+            </a:schemeClr>
+          </a:lnRef>
+          <a:fillRef idx="1">
+            <a:schemeClr val="accent1"/>
+          </a:fillRef>
+          <a:effectRef idx="0">
+            <a:schemeClr val="accent1"/>
+          </a:effectRef>
+          <a:fontRef idx="minor">
+            <a:schemeClr val="lt1"/>
+          </a:fontRef>
+        </p:style>
+        <p:txBody>
+          <a:bodyPr rtlCol="0" anchor="ctr"/>
+          <a:lstStyle/>
+          <a:p>
+            <a:pPr algn="ctr"/>
+            <a:r>
+              <a:rPr lang="en-US" sz="2400" dirty="0">
+                <a:solidFill>
+                  <a:schemeClr val="tx1">
+                    <a:lumMod val="75000"/>
+                    <a:lumOff val="25000"/>
+                  </a:schemeClr>
+                </a:solidFill>
+              </a:rPr>
+              <a:t>?</a:t>
+            </a:r>
+          </a:p>
+        </p:txBody>
+      </p:sp>
+      <p:sp>
+        <p:nvSpPr>
+          <p:cNvPr id="65" name="TextBox 64">
+            <a:extLst>
+              <a:ext uri="{FF2B5EF4-FFF2-40B4-BE49-F238E27FC236}">
+                <a16:creationId xmlns:a16="http://schemas.microsoft.com/office/drawing/2014/main" id="{3FEDD8C4-A3AA-90EC-7BB2-2B799EDB8EF7}"/>
+              </a:ext>
+            </a:extLst>
+          </p:cNvPr>
+          <p:cNvSpPr txBox="1"/>
+          <p:nvPr/>
+        </p:nvSpPr>
+        <p:spPr>
+          <a:xfrm>
+            <a:off x="5238424" y="1014686"/>
+            <a:ext cx="1485889" cy="738664"/>
+          </a:xfrm>
+          <a:prstGeom prst="rect">
+            <a:avLst/>
+          </a:prstGeom>
+          <a:noFill/>
+        </p:spPr>
+        <p:txBody>
+          <a:bodyPr wrap="square" rtlCol="0">
+            <a:spAutoFit/>
+          </a:bodyPr>
+          <a:lstStyle/>
+          <a:p>
+            <a:pPr algn="ctr"/>
+            <a:r>
+              <a:rPr lang="en-US" sz="1400" dirty="0">
+                <a:solidFill>
+                  <a:schemeClr val="tx1">
+                    <a:lumMod val="75000"/>
+                    <a:lumOff val="25000"/>
+                  </a:schemeClr>
+                </a:solidFill>
+              </a:rPr>
+              <a:t>Does withdrawal meet RMD amount?</a:t>
+            </a:r>
+          </a:p>
+        </p:txBody>
+      </p:sp>
+      <p:sp>
+        <p:nvSpPr>
+          <p:cNvPr id="66" name="TextBox 65">
+            <a:extLst>
+              <a:ext uri="{FF2B5EF4-FFF2-40B4-BE49-F238E27FC236}">
+                <a16:creationId xmlns:a16="http://schemas.microsoft.com/office/drawing/2014/main" id="{A90DA50C-5ACC-149A-05DE-95F5C2188805}"/>
+              </a:ext>
+            </a:extLst>
+          </p:cNvPr>
+          <p:cNvSpPr txBox="1"/>
+          <p:nvPr/>
+        </p:nvSpPr>
+        <p:spPr>
+          <a:xfrm>
+            <a:off x="6651147" y="2140713"/>
+            <a:ext cx="516802" cy="307777"/>
+          </a:xfrm>
+          <a:prstGeom prst="rect">
+            <a:avLst/>
+          </a:prstGeom>
+          <a:noFill/>
+        </p:spPr>
+        <p:txBody>
+          <a:bodyPr wrap="square" rtlCol="0">
+            <a:spAutoFit/>
+          </a:bodyPr>
+          <a:lstStyle/>
+          <a:p>
+            <a:pPr algn="ctr"/>
+            <a:r>
+              <a:rPr lang="en-US" sz="1400" dirty="0">
+                <a:solidFill>
+                  <a:schemeClr val="tx1">
+                    <a:lumMod val="75000"/>
+                    <a:lumOff val="25000"/>
+                  </a:schemeClr>
+                </a:solidFill>
+              </a:rPr>
+              <a:t>YES</a:t>
+            </a:r>
+          </a:p>
+        </p:txBody>
+      </p:sp>
+      <p:sp>
+        <p:nvSpPr>
+          <p:cNvPr id="67" name="TextBox 66">
+            <a:extLst>
+              <a:ext uri="{FF2B5EF4-FFF2-40B4-BE49-F238E27FC236}">
+                <a16:creationId xmlns:a16="http://schemas.microsoft.com/office/drawing/2014/main" id="{D6FF5438-5BBF-2222-4FE2-5BA18F8C85F7}"/>
+              </a:ext>
+            </a:extLst>
+          </p:cNvPr>
+          <p:cNvSpPr txBox="1"/>
+          <p:nvPr/>
+        </p:nvSpPr>
+        <p:spPr>
+          <a:xfrm>
+            <a:off x="5516878" y="2481099"/>
+            <a:ext cx="516802" cy="307777"/>
+          </a:xfrm>
+          <a:prstGeom prst="rect">
+            <a:avLst/>
+          </a:prstGeom>
+          <a:noFill/>
+        </p:spPr>
+        <p:txBody>
+          <a:bodyPr wrap="square" rtlCol="0">
+            <a:spAutoFit/>
+          </a:bodyPr>
+          <a:lstStyle/>
+          <a:p>
+            <a:pPr algn="ctr"/>
+            <a:r>
+              <a:rPr lang="en-US" sz="1400" dirty="0">
+                <a:solidFill>
+                  <a:schemeClr val="tx1">
+                    <a:lumMod val="75000"/>
+                    <a:lumOff val="25000"/>
+                  </a:schemeClr>
+                </a:solidFill>
+              </a:rPr>
+              <a:t>NO</a:t>
+            </a:r>
+          </a:p>
+        </p:txBody>
+      </p:sp>
+      <p:cxnSp>
+        <p:nvCxnSpPr>
+          <p:cNvPr id="68" name="Elbow Connector 67">
+            <a:extLst>
+              <a:ext uri="{FF2B5EF4-FFF2-40B4-BE49-F238E27FC236}">
+                <a16:creationId xmlns:a16="http://schemas.microsoft.com/office/drawing/2014/main" id="{4D947F34-2B89-F6B5-0969-3E821760E454}"/>
+              </a:ext>
+            </a:extLst>
+          </p:cNvPr>
+          <p:cNvCxnSpPr>
+            <a:cxnSpLocks/>
+            <a:stCxn id="40" idx="3"/>
+            <a:endCxn id="64" idx="1"/>
+          </p:cNvCxnSpPr>
+          <p:nvPr/>
+        </p:nvCxnSpPr>
+        <p:spPr>
+          <a:xfrm flipV="1">
+            <a:off x="4244343" y="2140713"/>
+            <a:ext cx="1391312" cy="3276470"/>
+          </a:xfrm>
+          <a:prstGeom prst="bentConnector3">
+            <a:avLst>
+              <a:gd name="adj1" fmla="val 50000"/>
+            </a:avLst>
+          </a:prstGeom>
+          <a:ln>
+            <a:solidFill>
+              <a:schemeClr val="tx1">
+                <a:lumMod val="75000"/>
+                <a:lumOff val="25000"/>
+              </a:schemeClr>
+            </a:solidFill>
+            <a:tailEnd type="triangle"/>
+          </a:ln>
+        </p:spPr>
+        <p:style>
+          <a:lnRef idx="1">
+            <a:schemeClr val="accent1"/>
+          </a:lnRef>
+          <a:fillRef idx="0">
+            <a:schemeClr val="accent1"/>
+          </a:fillRef>
+          <a:effectRef idx="0">
+            <a:schemeClr val="accent1"/>
+          </a:effectRef>
+          <a:fontRef idx="minor">
+            <a:schemeClr val="tx1"/>
+          </a:fontRef>
+        </p:style>
+      </p:cxnSp>
+      <p:sp>
+        <p:nvSpPr>
+          <p:cNvPr id="72" name="Rounded Rectangle 71">
+            <a:extLst>
+              <a:ext uri="{FF2B5EF4-FFF2-40B4-BE49-F238E27FC236}">
+                <a16:creationId xmlns:a16="http://schemas.microsoft.com/office/drawing/2014/main" id="{CE5C0DE1-9CA4-0EF6-9B91-98577E7AB875}"/>
+              </a:ext>
+            </a:extLst>
+          </p:cNvPr>
+          <p:cNvSpPr/>
+          <p:nvPr/>
+        </p:nvSpPr>
+        <p:spPr>
+          <a:xfrm>
+            <a:off x="5365148" y="3806522"/>
+            <a:ext cx="1324086" cy="590304"/>
+          </a:xfrm>
+          <a:prstGeom prst="roundRect">
+            <a:avLst>
+              <a:gd name="adj" fmla="val 19245"/>
+            </a:avLst>
+          </a:prstGeom>
+          <a:solidFill>
+            <a:srgbClr val="B8D8BE"/>
+          </a:solidFill>
+          <a:ln w="25400">
+            <a:solidFill>
+              <a:schemeClr val="bg1">
+                <a:lumMod val="65000"/>
+              </a:schemeClr>
+            </a:solidFill>
+          </a:ln>
+        </p:spPr>
+        <p:style>
+          <a:lnRef idx="2">
+            <a:schemeClr val="accent1">
+              <a:shade val="50000"/>
+            </a:schemeClr>
+          </a:lnRef>
+          <a:fillRef idx="1">
+            <a:schemeClr val="accent1"/>
+          </a:fillRef>
+          <a:effectRef idx="0">
+            <a:schemeClr val="accent1"/>
+          </a:effectRef>
+          <a:fontRef idx="minor">
+            <a:schemeClr val="lt1"/>
+          </a:fontRef>
+        </p:style>
+        <p:txBody>
+          <a:bodyPr rtlCol="0" anchor="ctr"/>
+          <a:lstStyle/>
+          <a:p>
+            <a:pPr algn="ctr"/>
+            <a:r>
+              <a:rPr lang="en-US" sz="1400" dirty="0">
+                <a:solidFill>
+                  <a:schemeClr val="tx1">
+                    <a:lumMod val="75000"/>
+                    <a:lumOff val="25000"/>
+                  </a:schemeClr>
+                </a:solidFill>
+              </a:rPr>
+              <a:t>Adjust budget</a:t>
+            </a:r>
+          </a:p>
+        </p:txBody>
+      </p:sp>
+      <p:sp>
+        <p:nvSpPr>
+          <p:cNvPr id="73" name="Rounded Rectangle 72">
+            <a:extLst>
+              <a:ext uri="{FF2B5EF4-FFF2-40B4-BE49-F238E27FC236}">
+                <a16:creationId xmlns:a16="http://schemas.microsoft.com/office/drawing/2014/main" id="{AB1A9409-41CE-F7ED-6E8C-67BA669029AE}"/>
+              </a:ext>
+            </a:extLst>
+          </p:cNvPr>
+          <p:cNvSpPr/>
+          <p:nvPr/>
+        </p:nvSpPr>
+        <p:spPr>
+          <a:xfrm>
+            <a:off x="5365148" y="5716135"/>
+            <a:ext cx="1324086" cy="590304"/>
+          </a:xfrm>
+          <a:prstGeom prst="roundRect">
+            <a:avLst>
+              <a:gd name="adj" fmla="val 19245"/>
+            </a:avLst>
+          </a:prstGeom>
+          <a:solidFill>
+            <a:srgbClr val="B8D8BE"/>
+          </a:solidFill>
+          <a:ln w="25400">
+            <a:solidFill>
+              <a:schemeClr val="bg1">
+                <a:lumMod val="65000"/>
+              </a:schemeClr>
+            </a:solidFill>
+          </a:ln>
+        </p:spPr>
+        <p:style>
+          <a:lnRef idx="2">
+            <a:schemeClr val="accent1">
+              <a:shade val="50000"/>
+            </a:schemeClr>
+          </a:lnRef>
+          <a:fillRef idx="1">
+            <a:schemeClr val="accent1"/>
+          </a:fillRef>
+          <a:effectRef idx="0">
+            <a:schemeClr val="accent1"/>
+          </a:effectRef>
+          <a:fontRef idx="minor">
+            <a:schemeClr val="lt1"/>
+          </a:fontRef>
+        </p:style>
+        <p:txBody>
+          <a:bodyPr rtlCol="0" anchor="ctr"/>
+          <a:lstStyle/>
+          <a:p>
+            <a:pPr algn="ctr"/>
+            <a:r>
+              <a:rPr lang="en-US" sz="1400" dirty="0">
+                <a:solidFill>
+                  <a:schemeClr val="tx1">
+                    <a:lumMod val="75000"/>
+                    <a:lumOff val="25000"/>
+                  </a:schemeClr>
+                </a:solidFill>
+              </a:rPr>
+              <a:t>Calculate</a:t>
+            </a:r>
+          </a:p>
+          <a:p>
+            <a:pPr algn="ctr"/>
+            <a:r>
+              <a:rPr lang="en-US" sz="1400" dirty="0">
+                <a:solidFill>
+                  <a:schemeClr val="tx1">
+                    <a:lumMod val="75000"/>
+                    <a:lumOff val="25000"/>
+                  </a:schemeClr>
+                </a:solidFill>
+              </a:rPr>
+              <a:t>income taxes</a:t>
+            </a:r>
+          </a:p>
+        </p:txBody>
+      </p:sp>
+      <p:sp>
+        <p:nvSpPr>
+          <p:cNvPr id="74" name="Rounded Rectangle 73">
+            <a:extLst>
+              <a:ext uri="{FF2B5EF4-FFF2-40B4-BE49-F238E27FC236}">
+                <a16:creationId xmlns:a16="http://schemas.microsoft.com/office/drawing/2014/main" id="{207019B4-1661-12A0-8265-58CFE613237B}"/>
+              </a:ext>
+            </a:extLst>
+          </p:cNvPr>
+          <p:cNvSpPr/>
+          <p:nvPr/>
+        </p:nvSpPr>
+        <p:spPr>
+          <a:xfrm>
+            <a:off x="5365148" y="4765293"/>
+            <a:ext cx="1324086" cy="590304"/>
+          </a:xfrm>
+          <a:prstGeom prst="roundRect">
+            <a:avLst>
+              <a:gd name="adj" fmla="val 19245"/>
+            </a:avLst>
+          </a:prstGeom>
+          <a:solidFill>
+            <a:srgbClr val="B8D8BE"/>
+          </a:solidFill>
+          <a:ln w="25400">
+            <a:solidFill>
+              <a:schemeClr val="bg1">
+                <a:lumMod val="65000"/>
+              </a:schemeClr>
+            </a:solidFill>
+          </a:ln>
+        </p:spPr>
+        <p:style>
+          <a:lnRef idx="2">
+            <a:schemeClr val="accent1">
+              <a:shade val="50000"/>
+            </a:schemeClr>
+          </a:lnRef>
+          <a:fillRef idx="1">
+            <a:schemeClr val="accent1"/>
+          </a:fillRef>
+          <a:effectRef idx="0">
+            <a:schemeClr val="accent1"/>
+          </a:effectRef>
+          <a:fontRef idx="minor">
+            <a:schemeClr val="lt1"/>
+          </a:fontRef>
+        </p:style>
+        <p:txBody>
+          <a:bodyPr rtlCol="0" anchor="ctr"/>
+          <a:lstStyle/>
+          <a:p>
+            <a:pPr algn="ctr"/>
+            <a:r>
+              <a:rPr lang="en-US" sz="1400" dirty="0">
+                <a:solidFill>
+                  <a:schemeClr val="tx1">
+                    <a:lumMod val="75000"/>
+                    <a:lumOff val="25000"/>
+                  </a:schemeClr>
+                </a:solidFill>
+              </a:rPr>
+              <a:t>Calculate</a:t>
+            </a:r>
+          </a:p>
+          <a:p>
+            <a:pPr algn="ctr"/>
+            <a:r>
+              <a:rPr lang="en-US" sz="1400" dirty="0">
+                <a:solidFill>
+                  <a:schemeClr val="tx1">
+                    <a:lumMod val="75000"/>
+                    <a:lumOff val="25000"/>
+                  </a:schemeClr>
+                </a:solidFill>
+              </a:rPr>
+              <a:t>withdrawal</a:t>
+            </a:r>
+          </a:p>
+        </p:txBody>
+      </p:sp>
+      <p:cxnSp>
+        <p:nvCxnSpPr>
+          <p:cNvPr id="75" name="Straight Connector 74">
+            <a:extLst>
+              <a:ext uri="{FF2B5EF4-FFF2-40B4-BE49-F238E27FC236}">
+                <a16:creationId xmlns:a16="http://schemas.microsoft.com/office/drawing/2014/main" id="{896683DF-7BA2-D650-F3B7-6762565F75B8}"/>
+              </a:ext>
+            </a:extLst>
+          </p:cNvPr>
+          <p:cNvCxnSpPr>
+            <a:cxnSpLocks/>
+          </p:cNvCxnSpPr>
+          <p:nvPr/>
+        </p:nvCxnSpPr>
+        <p:spPr>
+          <a:xfrm>
+            <a:off x="6027191" y="5355597"/>
+            <a:ext cx="0" cy="360538"/>
+          </a:xfrm>
+          <a:prstGeom prst="line">
+            <a:avLst/>
+          </a:prstGeom>
+          <a:ln>
+            <a:solidFill>
+              <a:schemeClr val="tx1">
+                <a:lumMod val="75000"/>
+                <a:lumOff val="25000"/>
+              </a:schemeClr>
+            </a:solidFill>
+            <a:tailEnd type="triangle"/>
+          </a:ln>
+        </p:spPr>
+        <p:style>
+          <a:lnRef idx="1">
+            <a:schemeClr val="accent1"/>
+          </a:lnRef>
+          <a:fillRef idx="0">
+            <a:schemeClr val="accent1"/>
+          </a:fillRef>
+          <a:effectRef idx="0">
+            <a:schemeClr val="accent1"/>
+          </a:effectRef>
+          <a:fontRef idx="minor">
+            <a:schemeClr val="tx1"/>
+          </a:fontRef>
+        </p:style>
+      </p:cxnSp>
+      <p:cxnSp>
+        <p:nvCxnSpPr>
+          <p:cNvPr id="76" name="Straight Connector 75">
+            <a:extLst>
+              <a:ext uri="{FF2B5EF4-FFF2-40B4-BE49-F238E27FC236}">
+                <a16:creationId xmlns:a16="http://schemas.microsoft.com/office/drawing/2014/main" id="{87139CD7-2F25-943F-BA68-A660429E5AD6}"/>
+              </a:ext>
+            </a:extLst>
+          </p:cNvPr>
+          <p:cNvCxnSpPr>
+            <a:cxnSpLocks/>
+            <a:stCxn id="64" idx="2"/>
+            <a:endCxn id="63" idx="0"/>
+          </p:cNvCxnSpPr>
+          <p:nvPr/>
+        </p:nvCxnSpPr>
+        <p:spPr>
+          <a:xfrm flipH="1">
+            <a:off x="6027191" y="2517231"/>
+            <a:ext cx="6497" cy="329558"/>
+          </a:xfrm>
+          <a:prstGeom prst="line">
+            <a:avLst/>
+          </a:prstGeom>
+          <a:ln>
+            <a:solidFill>
+              <a:schemeClr val="tx1">
+                <a:lumMod val="75000"/>
+                <a:lumOff val="25000"/>
+              </a:schemeClr>
+            </a:solidFill>
+            <a:tailEnd type="triangle"/>
+          </a:ln>
+        </p:spPr>
+        <p:style>
+          <a:lnRef idx="1">
+            <a:schemeClr val="accent1"/>
+          </a:lnRef>
+          <a:fillRef idx="0">
+            <a:schemeClr val="accent1"/>
+          </a:fillRef>
+          <a:effectRef idx="0">
+            <a:schemeClr val="accent1"/>
+          </a:effectRef>
+          <a:fontRef idx="minor">
+            <a:schemeClr val="tx1"/>
+          </a:fontRef>
+        </p:style>
+      </p:cxnSp>
+      <p:cxnSp>
+        <p:nvCxnSpPr>
+          <p:cNvPr id="79" name="Straight Connector 78">
+            <a:extLst>
+              <a:ext uri="{FF2B5EF4-FFF2-40B4-BE49-F238E27FC236}">
+                <a16:creationId xmlns:a16="http://schemas.microsoft.com/office/drawing/2014/main" id="{939D0C88-968E-5186-90D5-6AAA26E8D65F}"/>
+              </a:ext>
+            </a:extLst>
+          </p:cNvPr>
+          <p:cNvCxnSpPr>
+            <a:cxnSpLocks/>
+          </p:cNvCxnSpPr>
+          <p:nvPr/>
+        </p:nvCxnSpPr>
+        <p:spPr>
+          <a:xfrm>
+            <a:off x="6027191" y="3437093"/>
+            <a:ext cx="0" cy="369429"/>
+          </a:xfrm>
+          <a:prstGeom prst="line">
+            <a:avLst/>
+          </a:prstGeom>
+          <a:ln>
+            <a:solidFill>
+              <a:schemeClr val="tx1">
+                <a:lumMod val="75000"/>
+                <a:lumOff val="25000"/>
+              </a:schemeClr>
+            </a:solidFill>
+            <a:tailEnd type="triangle"/>
+          </a:ln>
+        </p:spPr>
+        <p:style>
+          <a:lnRef idx="1">
+            <a:schemeClr val="accent1"/>
+          </a:lnRef>
+          <a:fillRef idx="0">
+            <a:schemeClr val="accent1"/>
+          </a:fillRef>
+          <a:effectRef idx="0">
+            <a:schemeClr val="accent1"/>
+          </a:effectRef>
+          <a:fontRef idx="minor">
+            <a:schemeClr val="tx1"/>
+          </a:fontRef>
+        </p:style>
+      </p:cxnSp>
+      <p:cxnSp>
+        <p:nvCxnSpPr>
+          <p:cNvPr id="82" name="Straight Connector 81">
+            <a:extLst>
+              <a:ext uri="{FF2B5EF4-FFF2-40B4-BE49-F238E27FC236}">
+                <a16:creationId xmlns:a16="http://schemas.microsoft.com/office/drawing/2014/main" id="{DBA1F7E4-9FF6-D043-9994-E47F83F14A97}"/>
+              </a:ext>
+            </a:extLst>
+          </p:cNvPr>
+          <p:cNvCxnSpPr>
+            <a:cxnSpLocks/>
+          </p:cNvCxnSpPr>
+          <p:nvPr/>
+        </p:nvCxnSpPr>
+        <p:spPr>
+          <a:xfrm flipH="1">
+            <a:off x="6027191" y="4422868"/>
+            <a:ext cx="6489" cy="342425"/>
+          </a:xfrm>
+          <a:prstGeom prst="line">
+            <a:avLst/>
+          </a:prstGeom>
+          <a:ln>
+            <a:solidFill>
+              <a:schemeClr val="tx1">
+                <a:lumMod val="75000"/>
+                <a:lumOff val="25000"/>
+              </a:schemeClr>
+            </a:solidFill>
+            <a:tailEnd type="triangle"/>
+          </a:ln>
+        </p:spPr>
+        <p:style>
+          <a:lnRef idx="1">
+            <a:schemeClr val="accent1"/>
+          </a:lnRef>
+          <a:fillRef idx="0">
+            <a:schemeClr val="accent1"/>
+          </a:fillRef>
+          <a:effectRef idx="0">
+            <a:schemeClr val="accent1"/>
+          </a:effectRef>
+          <a:fontRef idx="minor">
+            <a:schemeClr val="tx1"/>
+          </a:fontRef>
+        </p:style>
+      </p:cxnSp>
+      <p:sp>
+        <p:nvSpPr>
+          <p:cNvPr id="85" name="Diamond 84">
+            <a:extLst>
+              <a:ext uri="{FF2B5EF4-FFF2-40B4-BE49-F238E27FC236}">
+                <a16:creationId xmlns:a16="http://schemas.microsoft.com/office/drawing/2014/main" id="{D2ED4E96-7F4D-CDE4-6288-8C4072820A5C}"/>
+              </a:ext>
+            </a:extLst>
+          </p:cNvPr>
+          <p:cNvSpPr/>
+          <p:nvPr/>
+        </p:nvSpPr>
+        <p:spPr>
+          <a:xfrm>
+            <a:off x="8152272" y="2423115"/>
+            <a:ext cx="796066" cy="753036"/>
+          </a:xfrm>
+          <a:prstGeom prst="diamond">
+            <a:avLst/>
+          </a:prstGeom>
+          <a:solidFill>
+            <a:schemeClr val="bg1">
+              <a:lumMod val="95000"/>
+            </a:schemeClr>
+          </a:solidFill>
+        </p:spPr>
+        <p:style>
+          <a:lnRef idx="2">
+            <a:schemeClr val="accent1">
+              <a:shade val="50000"/>
+            </a:schemeClr>
+          </a:lnRef>
+          <a:fillRef idx="1">
+            <a:schemeClr val="accent1"/>
+          </a:fillRef>
+          <a:effectRef idx="0">
+            <a:schemeClr val="accent1"/>
+          </a:effectRef>
+          <a:fontRef idx="minor">
+            <a:schemeClr val="lt1"/>
+          </a:fontRef>
+        </p:style>
+        <p:txBody>
+          <a:bodyPr rtlCol="0" anchor="ctr"/>
+          <a:lstStyle/>
+          <a:p>
+            <a:pPr algn="ctr"/>
+            <a:r>
+              <a:rPr lang="en-US" sz="2400" dirty="0">
+                <a:solidFill>
+                  <a:schemeClr val="tx1">
+                    <a:lumMod val="75000"/>
+                    <a:lumOff val="25000"/>
+                  </a:schemeClr>
+                </a:solidFill>
+              </a:rPr>
+              <a:t>?</a:t>
+            </a:r>
+          </a:p>
+        </p:txBody>
+      </p:sp>
+      <p:sp>
+        <p:nvSpPr>
+          <p:cNvPr id="86" name="TextBox 85">
+            <a:extLst>
+              <a:ext uri="{FF2B5EF4-FFF2-40B4-BE49-F238E27FC236}">
+                <a16:creationId xmlns:a16="http://schemas.microsoft.com/office/drawing/2014/main" id="{AFDBBF5F-D89E-06E4-3F8D-1A0DD3CB31DE}"/>
+              </a:ext>
+            </a:extLst>
+          </p:cNvPr>
+          <p:cNvSpPr txBox="1"/>
+          <p:nvPr/>
+        </p:nvSpPr>
+        <p:spPr>
+          <a:xfrm>
+            <a:off x="7955181" y="1014686"/>
+            <a:ext cx="1210344" cy="1169551"/>
+          </a:xfrm>
+          <a:prstGeom prst="rect">
+            <a:avLst/>
+          </a:prstGeom>
+          <a:noFill/>
+        </p:spPr>
+        <p:txBody>
+          <a:bodyPr wrap="square" rtlCol="0">
+            <a:spAutoFit/>
+          </a:bodyPr>
+          <a:lstStyle/>
+          <a:p>
+            <a:pPr algn="ctr"/>
+            <a:r>
+              <a:rPr lang="en-US" sz="1400" dirty="0">
+                <a:solidFill>
+                  <a:schemeClr val="tx1">
+                    <a:lumMod val="75000"/>
+                    <a:lumOff val="25000"/>
+                  </a:schemeClr>
+                </a:solidFill>
+              </a:rPr>
+              <a:t>Does withdrawal exceed investment balance?</a:t>
+            </a:r>
+          </a:p>
+        </p:txBody>
+      </p:sp>
+      <p:cxnSp>
+        <p:nvCxnSpPr>
+          <p:cNvPr id="104" name="Straight Arrow Connector 103">
+            <a:extLst>
+              <a:ext uri="{FF2B5EF4-FFF2-40B4-BE49-F238E27FC236}">
+                <a16:creationId xmlns:a16="http://schemas.microsoft.com/office/drawing/2014/main" id="{D3108B98-8E5A-67D6-1135-CBECEC89B17C}"/>
+              </a:ext>
+            </a:extLst>
+          </p:cNvPr>
+          <p:cNvCxnSpPr>
+            <a:cxnSpLocks/>
+            <a:stCxn id="64" idx="3"/>
+          </p:cNvCxnSpPr>
+          <p:nvPr/>
+        </p:nvCxnSpPr>
+        <p:spPr>
+          <a:xfrm>
+            <a:off x="6431721" y="2140713"/>
+            <a:ext cx="1133825" cy="0"/>
+          </a:xfrm>
+          <a:prstGeom prst="straightConnector1">
+            <a:avLst/>
+          </a:prstGeom>
+          <a:ln>
+            <a:solidFill>
+              <a:schemeClr val="tx1">
+                <a:lumMod val="75000"/>
+                <a:lumOff val="25000"/>
+              </a:schemeClr>
+            </a:solidFill>
+            <a:tailEnd type="triangle"/>
+          </a:ln>
+        </p:spPr>
+        <p:style>
+          <a:lnRef idx="1">
+            <a:schemeClr val="accent1"/>
+          </a:lnRef>
+          <a:fillRef idx="0">
+            <a:schemeClr val="accent1"/>
+          </a:fillRef>
+          <a:effectRef idx="0">
+            <a:schemeClr val="accent1"/>
+          </a:effectRef>
+          <a:fontRef idx="minor">
+            <a:schemeClr val="tx1"/>
+          </a:fontRef>
+        </p:style>
+      </p:cxnSp>
+      <p:cxnSp>
+        <p:nvCxnSpPr>
+          <p:cNvPr id="105" name="Straight Arrow Connector 104">
+            <a:extLst>
+              <a:ext uri="{FF2B5EF4-FFF2-40B4-BE49-F238E27FC236}">
+                <a16:creationId xmlns:a16="http://schemas.microsoft.com/office/drawing/2014/main" id="{D184DC4D-1ACB-4391-218B-6B365C49419E}"/>
+              </a:ext>
+            </a:extLst>
+          </p:cNvPr>
+          <p:cNvCxnSpPr>
+            <a:cxnSpLocks/>
+          </p:cNvCxnSpPr>
+          <p:nvPr/>
+        </p:nvCxnSpPr>
+        <p:spPr>
+          <a:xfrm>
+            <a:off x="2119261" y="1488907"/>
+            <a:ext cx="850997" cy="0"/>
+          </a:xfrm>
+          <a:prstGeom prst="straightConnector1">
+            <a:avLst/>
+          </a:prstGeom>
+          <a:ln>
+            <a:solidFill>
+              <a:schemeClr val="tx1">
+                <a:lumMod val="75000"/>
+                <a:lumOff val="25000"/>
+              </a:schemeClr>
+            </a:solidFill>
+            <a:tailEnd type="triangle"/>
+          </a:ln>
+        </p:spPr>
+        <p:style>
+          <a:lnRef idx="1">
+            <a:schemeClr val="accent1"/>
+          </a:lnRef>
+          <a:fillRef idx="0">
+            <a:schemeClr val="accent1"/>
+          </a:fillRef>
+          <a:effectRef idx="0">
+            <a:schemeClr val="accent1"/>
+          </a:effectRef>
+          <a:fontRef idx="minor">
+            <a:schemeClr val="tx1"/>
+          </a:fontRef>
+        </p:style>
+      </p:cxnSp>
+      <p:cxnSp>
+        <p:nvCxnSpPr>
+          <p:cNvPr id="108" name="Straight Arrow Connector 107">
+            <a:extLst>
+              <a:ext uri="{FF2B5EF4-FFF2-40B4-BE49-F238E27FC236}">
+                <a16:creationId xmlns:a16="http://schemas.microsoft.com/office/drawing/2014/main" id="{88582AD9-A44F-0161-0E52-DE7BF1C285F2}"/>
+              </a:ext>
+            </a:extLst>
+          </p:cNvPr>
+          <p:cNvCxnSpPr>
+            <a:cxnSpLocks/>
+          </p:cNvCxnSpPr>
+          <p:nvPr/>
+        </p:nvCxnSpPr>
+        <p:spPr>
+          <a:xfrm>
+            <a:off x="7038063" y="3458609"/>
+            <a:ext cx="527483" cy="5333"/>
+          </a:xfrm>
+          <a:prstGeom prst="straightConnector1">
+            <a:avLst/>
+          </a:prstGeom>
+          <a:ln>
+            <a:solidFill>
+              <a:schemeClr val="tx1">
+                <a:lumMod val="75000"/>
+                <a:lumOff val="25000"/>
+              </a:schemeClr>
+            </a:solidFill>
+            <a:tailEnd type="triangle"/>
+          </a:ln>
+        </p:spPr>
+        <p:style>
+          <a:lnRef idx="1">
+            <a:schemeClr val="accent1"/>
+          </a:lnRef>
+          <a:fillRef idx="0">
+            <a:schemeClr val="accent1"/>
+          </a:fillRef>
+          <a:effectRef idx="0">
+            <a:schemeClr val="accent1"/>
+          </a:effectRef>
+          <a:fontRef idx="minor">
+            <a:schemeClr val="tx1"/>
+          </a:fontRef>
+        </p:style>
+      </p:cxnSp>
+      <p:cxnSp>
+        <p:nvCxnSpPr>
+          <p:cNvPr id="112" name="Elbow Connector 111">
+            <a:extLst>
+              <a:ext uri="{FF2B5EF4-FFF2-40B4-BE49-F238E27FC236}">
+                <a16:creationId xmlns:a16="http://schemas.microsoft.com/office/drawing/2014/main" id="{334480F1-A5BB-29DA-C20A-82F0207C305C}"/>
+              </a:ext>
+            </a:extLst>
+          </p:cNvPr>
+          <p:cNvCxnSpPr>
+            <a:cxnSpLocks/>
+            <a:stCxn id="73" idx="2"/>
+          </p:cNvCxnSpPr>
+          <p:nvPr/>
+        </p:nvCxnSpPr>
+        <p:spPr>
+          <a:xfrm rot="5400000" flipH="1" flipV="1">
+            <a:off x="5111378" y="4379754"/>
+            <a:ext cx="2842497" cy="1010873"/>
+          </a:xfrm>
+          <a:prstGeom prst="bentConnector3">
+            <a:avLst>
+              <a:gd name="adj1" fmla="val -8042"/>
+            </a:avLst>
+          </a:prstGeom>
+          <a:ln>
+            <a:solidFill>
+              <a:schemeClr val="tx1">
+                <a:lumMod val="75000"/>
+                <a:lumOff val="25000"/>
+              </a:schemeClr>
+            </a:solidFill>
+          </a:ln>
+        </p:spPr>
+        <p:style>
+          <a:lnRef idx="1">
+            <a:schemeClr val="accent1"/>
+          </a:lnRef>
+          <a:fillRef idx="0">
+            <a:schemeClr val="accent1"/>
+          </a:fillRef>
+          <a:effectRef idx="0">
+            <a:schemeClr val="accent1"/>
+          </a:effectRef>
+          <a:fontRef idx="minor">
+            <a:schemeClr val="tx1"/>
+          </a:fontRef>
+        </p:style>
+      </p:cxnSp>
+      <p:cxnSp>
+        <p:nvCxnSpPr>
+          <p:cNvPr id="115" name="Straight Arrow Connector 114">
+            <a:extLst>
+              <a:ext uri="{FF2B5EF4-FFF2-40B4-BE49-F238E27FC236}">
+                <a16:creationId xmlns:a16="http://schemas.microsoft.com/office/drawing/2014/main" id="{C129A787-4DE2-C4D5-4FEA-838C171F2D76}"/>
+              </a:ext>
+            </a:extLst>
+          </p:cNvPr>
+          <p:cNvCxnSpPr>
+            <a:cxnSpLocks/>
+          </p:cNvCxnSpPr>
+          <p:nvPr/>
+        </p:nvCxnSpPr>
+        <p:spPr>
+          <a:xfrm flipV="1">
+            <a:off x="7565546" y="2792066"/>
+            <a:ext cx="585185" cy="5049"/>
+          </a:xfrm>
+          <a:prstGeom prst="straightConnector1">
+            <a:avLst/>
+          </a:prstGeom>
+          <a:ln>
+            <a:solidFill>
+              <a:schemeClr val="tx1">
+                <a:lumMod val="75000"/>
+                <a:lumOff val="25000"/>
+              </a:schemeClr>
+            </a:solidFill>
+            <a:tailEnd type="triangle"/>
+          </a:ln>
+        </p:spPr>
+        <p:style>
+          <a:lnRef idx="1">
+            <a:schemeClr val="accent1"/>
+          </a:lnRef>
+          <a:fillRef idx="0">
+            <a:schemeClr val="accent1"/>
+          </a:fillRef>
+          <a:effectRef idx="0">
+            <a:schemeClr val="accent1"/>
+          </a:effectRef>
+          <a:fontRef idx="minor">
+            <a:schemeClr val="tx1"/>
+          </a:fontRef>
+        </p:style>
+      </p:cxnSp>
+      <p:sp>
+        <p:nvSpPr>
+          <p:cNvPr id="121" name="TextBox 120">
+            <a:extLst>
+              <a:ext uri="{FF2B5EF4-FFF2-40B4-BE49-F238E27FC236}">
+                <a16:creationId xmlns:a16="http://schemas.microsoft.com/office/drawing/2014/main" id="{F44F74E6-06AF-7EAE-EC70-AAB6AFA78B4F}"/>
+              </a:ext>
+            </a:extLst>
+          </p:cNvPr>
+          <p:cNvSpPr txBox="1"/>
+          <p:nvPr/>
+        </p:nvSpPr>
+        <p:spPr>
+          <a:xfrm>
+            <a:off x="8043551" y="3251055"/>
+            <a:ext cx="516802" cy="307777"/>
+          </a:xfrm>
+          <a:prstGeom prst="rect">
+            <a:avLst/>
+          </a:prstGeom>
+          <a:noFill/>
+        </p:spPr>
+        <p:txBody>
+          <a:bodyPr wrap="square" rtlCol="0">
+            <a:spAutoFit/>
+          </a:bodyPr>
+          <a:lstStyle/>
+          <a:p>
+            <a:pPr algn="ctr"/>
+            <a:r>
+              <a:rPr lang="en-US" sz="1400" dirty="0">
+                <a:solidFill>
+                  <a:schemeClr val="tx1">
+                    <a:lumMod val="75000"/>
+                    <a:lumOff val="25000"/>
+                  </a:schemeClr>
+                </a:solidFill>
+              </a:rPr>
+              <a:t>YES</a:t>
+            </a:r>
+          </a:p>
+        </p:txBody>
+      </p:sp>
+      <p:cxnSp>
+        <p:nvCxnSpPr>
+          <p:cNvPr id="122" name="Straight Arrow Connector 121">
+            <a:extLst>
+              <a:ext uri="{FF2B5EF4-FFF2-40B4-BE49-F238E27FC236}">
+                <a16:creationId xmlns:a16="http://schemas.microsoft.com/office/drawing/2014/main" id="{95A513CB-E4E5-9562-616D-64C508F7F6ED}"/>
+              </a:ext>
+            </a:extLst>
+          </p:cNvPr>
+          <p:cNvCxnSpPr>
+            <a:cxnSpLocks/>
+          </p:cNvCxnSpPr>
+          <p:nvPr/>
+        </p:nvCxnSpPr>
+        <p:spPr>
+          <a:xfrm>
+            <a:off x="8934324" y="2797115"/>
+            <a:ext cx="950945" cy="0"/>
+          </a:xfrm>
+          <a:prstGeom prst="straightConnector1">
+            <a:avLst/>
+          </a:prstGeom>
+          <a:ln>
+            <a:solidFill>
+              <a:schemeClr val="tx1">
+                <a:lumMod val="75000"/>
+                <a:lumOff val="25000"/>
+              </a:schemeClr>
+            </a:solidFill>
+            <a:tailEnd type="triangle"/>
+          </a:ln>
+        </p:spPr>
+        <p:style>
+          <a:lnRef idx="1">
+            <a:schemeClr val="accent1"/>
+          </a:lnRef>
+          <a:fillRef idx="0">
+            <a:schemeClr val="accent1"/>
+          </a:fillRef>
+          <a:effectRef idx="0">
+            <a:schemeClr val="accent1"/>
+          </a:effectRef>
+          <a:fontRef idx="minor">
+            <a:schemeClr val="tx1"/>
+          </a:fontRef>
+        </p:style>
+      </p:cxnSp>
+      <p:sp>
+        <p:nvSpPr>
+          <p:cNvPr id="123" name="TextBox 122">
+            <a:extLst>
+              <a:ext uri="{FF2B5EF4-FFF2-40B4-BE49-F238E27FC236}">
+                <a16:creationId xmlns:a16="http://schemas.microsoft.com/office/drawing/2014/main" id="{34389312-315B-6617-B200-0A0D7DFE382F}"/>
+              </a:ext>
+            </a:extLst>
+          </p:cNvPr>
+          <p:cNvSpPr txBox="1"/>
+          <p:nvPr/>
+        </p:nvSpPr>
+        <p:spPr>
+          <a:xfrm>
+            <a:off x="9103901" y="2803614"/>
+            <a:ext cx="516802" cy="307777"/>
+          </a:xfrm>
+          <a:prstGeom prst="rect">
+            <a:avLst/>
+          </a:prstGeom>
+          <a:noFill/>
+        </p:spPr>
+        <p:txBody>
+          <a:bodyPr wrap="square" rtlCol="0">
+            <a:spAutoFit/>
+          </a:bodyPr>
+          <a:lstStyle/>
+          <a:p>
+            <a:pPr algn="ctr"/>
+            <a:r>
+              <a:rPr lang="en-US" sz="1400" dirty="0">
+                <a:solidFill>
+                  <a:schemeClr val="tx1">
+                    <a:lumMod val="75000"/>
+                    <a:lumOff val="25000"/>
+                  </a:schemeClr>
+                </a:solidFill>
+              </a:rPr>
+              <a:t>NO</a:t>
+            </a:r>
+          </a:p>
+        </p:txBody>
+      </p:sp>
+      <p:cxnSp>
+        <p:nvCxnSpPr>
+          <p:cNvPr id="124" name="Straight Connector 123">
+            <a:extLst>
+              <a:ext uri="{FF2B5EF4-FFF2-40B4-BE49-F238E27FC236}">
+                <a16:creationId xmlns:a16="http://schemas.microsoft.com/office/drawing/2014/main" id="{B53483C3-17F6-8993-778C-CC0944AA715C}"/>
+              </a:ext>
+            </a:extLst>
+          </p:cNvPr>
+          <p:cNvCxnSpPr>
+            <a:cxnSpLocks/>
+            <a:stCxn id="85" idx="2"/>
+            <a:endCxn id="135" idx="0"/>
+          </p:cNvCxnSpPr>
+          <p:nvPr/>
+        </p:nvCxnSpPr>
+        <p:spPr>
+          <a:xfrm>
+            <a:off x="8550305" y="3176151"/>
+            <a:ext cx="4335" cy="751865"/>
+          </a:xfrm>
+          <a:prstGeom prst="line">
+            <a:avLst/>
+          </a:prstGeom>
+          <a:ln>
+            <a:solidFill>
+              <a:schemeClr val="tx1">
+                <a:lumMod val="75000"/>
+                <a:lumOff val="25000"/>
+              </a:schemeClr>
+            </a:solidFill>
+            <a:tailEnd type="triangle"/>
+          </a:ln>
+        </p:spPr>
+        <p:style>
+          <a:lnRef idx="1">
+            <a:schemeClr val="accent1"/>
+          </a:lnRef>
+          <a:fillRef idx="0">
+            <a:schemeClr val="accent1"/>
+          </a:fillRef>
+          <a:effectRef idx="0">
+            <a:schemeClr val="accent1"/>
+          </a:effectRef>
+          <a:fontRef idx="minor">
+            <a:schemeClr val="tx1"/>
+          </a:fontRef>
+        </p:style>
+      </p:cxnSp>
+      <p:pic>
+        <p:nvPicPr>
+          <p:cNvPr id="135" name="Picture 134">
+            <a:extLst>
+              <a:ext uri="{FF2B5EF4-FFF2-40B4-BE49-F238E27FC236}">
+                <a16:creationId xmlns:a16="http://schemas.microsoft.com/office/drawing/2014/main" id="{57938DCB-17AA-5A67-30EE-5980AD100EB2}"/>
+              </a:ext>
+            </a:extLst>
+          </p:cNvPr>
+          <p:cNvPicPr>
+            <a:picLocks noChangeAspect="1"/>
+          </p:cNvPicPr>
+          <p:nvPr/>
+        </p:nvPicPr>
+        <p:blipFill>
+          <a:blip r:embed="rId2"/>
+          <a:stretch>
+            <a:fillRect/>
+          </a:stretch>
+        </p:blipFill>
+        <p:spPr>
+          <a:xfrm>
+            <a:off x="7730311" y="3928016"/>
+            <a:ext cx="1648657" cy="1086265"/>
+          </a:xfrm>
+          <a:prstGeom prst="rect">
+            <a:avLst/>
+          </a:prstGeom>
+          <a:ln>
+            <a:solidFill>
+              <a:schemeClr val="bg2">
+                <a:lumMod val="50000"/>
+              </a:schemeClr>
+            </a:solidFill>
+          </a:ln>
+        </p:spPr>
+      </p:pic>
+      <p:sp>
+        <p:nvSpPr>
+          <p:cNvPr id="139" name="TextBox 138">
+            <a:extLst>
+              <a:ext uri="{FF2B5EF4-FFF2-40B4-BE49-F238E27FC236}">
+                <a16:creationId xmlns:a16="http://schemas.microsoft.com/office/drawing/2014/main" id="{4EF2CBFC-D420-8460-70D3-ED33316EDEFD}"/>
+              </a:ext>
+            </a:extLst>
+          </p:cNvPr>
+          <p:cNvSpPr txBox="1"/>
+          <p:nvPr/>
+        </p:nvSpPr>
+        <p:spPr>
+          <a:xfrm>
+            <a:off x="7611458" y="5116805"/>
+            <a:ext cx="1897790" cy="523220"/>
+          </a:xfrm>
+          <a:prstGeom prst="rect">
+            <a:avLst/>
+          </a:prstGeom>
+          <a:noFill/>
+        </p:spPr>
+        <p:txBody>
+          <a:bodyPr wrap="square" rtlCol="0">
+            <a:spAutoFit/>
+          </a:bodyPr>
+          <a:lstStyle/>
+          <a:p>
+            <a:pPr algn="ctr"/>
+            <a:r>
+              <a:rPr lang="en-US" sz="1400" dirty="0">
+                <a:solidFill>
+                  <a:schemeClr val="tx1">
+                    <a:lumMod val="75000"/>
+                    <a:lumOff val="25000"/>
+                  </a:schemeClr>
+                </a:solidFill>
+              </a:rPr>
+              <a:t>Display message and stop calculations?</a:t>
+            </a:r>
+          </a:p>
+        </p:txBody>
+      </p:sp>
+      <p:sp>
+        <p:nvSpPr>
+          <p:cNvPr id="140" name="Rounded Rectangle 139">
+            <a:extLst>
+              <a:ext uri="{FF2B5EF4-FFF2-40B4-BE49-F238E27FC236}">
+                <a16:creationId xmlns:a16="http://schemas.microsoft.com/office/drawing/2014/main" id="{F3A8ABA6-CAA7-5B3C-D9CC-345DC189F35A}"/>
+              </a:ext>
+            </a:extLst>
+          </p:cNvPr>
+          <p:cNvSpPr/>
+          <p:nvPr/>
+        </p:nvSpPr>
+        <p:spPr>
+          <a:xfrm>
+            <a:off x="9943660" y="2503086"/>
+            <a:ext cx="1754463" cy="590304"/>
+          </a:xfrm>
+          <a:prstGeom prst="roundRect">
+            <a:avLst>
+              <a:gd name="adj" fmla="val 19245"/>
+            </a:avLst>
+          </a:prstGeom>
+          <a:solidFill>
+            <a:srgbClr val="B8D8BE"/>
+          </a:solidFill>
+          <a:ln w="25400">
+            <a:solidFill>
+              <a:schemeClr val="bg1">
+                <a:lumMod val="65000"/>
+              </a:schemeClr>
+            </a:solidFill>
+          </a:ln>
+        </p:spPr>
+        <p:style>
+          <a:lnRef idx="2">
+            <a:schemeClr val="accent1">
+              <a:shade val="50000"/>
+            </a:schemeClr>
+          </a:lnRef>
+          <a:fillRef idx="1">
+            <a:schemeClr val="accent1"/>
+          </a:fillRef>
+          <a:effectRef idx="0">
+            <a:schemeClr val="accent1"/>
+          </a:effectRef>
+          <a:fontRef idx="minor">
+            <a:schemeClr val="lt1"/>
+          </a:fontRef>
+        </p:style>
+        <p:txBody>
+          <a:bodyPr rtlCol="0" anchor="ctr"/>
+          <a:lstStyle/>
+          <a:p>
+            <a:pPr algn="ctr"/>
+            <a:r>
+              <a:rPr lang="en-US" sz="1400" dirty="0">
+                <a:solidFill>
+                  <a:schemeClr val="tx1">
+                    <a:lumMod val="75000"/>
+                    <a:lumOff val="25000"/>
+                  </a:schemeClr>
+                </a:solidFill>
+              </a:rPr>
+              <a:t>Update retirement plan </a:t>
+            </a:r>
+          </a:p>
+        </p:txBody>
+      </p:sp>
+      <p:sp>
+        <p:nvSpPr>
+          <p:cNvPr id="141" name="Rounded Rectangle 140">
+            <a:extLst>
+              <a:ext uri="{FF2B5EF4-FFF2-40B4-BE49-F238E27FC236}">
+                <a16:creationId xmlns:a16="http://schemas.microsoft.com/office/drawing/2014/main" id="{99C4E8BD-CF58-7AFF-DA64-44077054D87D}"/>
+              </a:ext>
+            </a:extLst>
+          </p:cNvPr>
+          <p:cNvSpPr/>
+          <p:nvPr/>
+        </p:nvSpPr>
+        <p:spPr>
+          <a:xfrm>
+            <a:off x="9937277" y="3460303"/>
+            <a:ext cx="1754463" cy="1219365"/>
+          </a:xfrm>
+          <a:prstGeom prst="roundRect">
+            <a:avLst>
+              <a:gd name="adj" fmla="val 9540"/>
+            </a:avLst>
+          </a:prstGeom>
+          <a:solidFill>
+            <a:srgbClr val="B8D8BE"/>
+          </a:solidFill>
+          <a:ln w="25400">
+            <a:solidFill>
+              <a:schemeClr val="bg1">
+                <a:lumMod val="65000"/>
+              </a:schemeClr>
+            </a:solidFill>
+          </a:ln>
+        </p:spPr>
+        <p:style>
+          <a:lnRef idx="2">
+            <a:schemeClr val="accent1">
+              <a:shade val="50000"/>
+            </a:schemeClr>
+          </a:lnRef>
+          <a:fillRef idx="1">
+            <a:schemeClr val="accent1"/>
+          </a:fillRef>
+          <a:effectRef idx="0">
+            <a:schemeClr val="accent1"/>
+          </a:effectRef>
+          <a:fontRef idx="minor">
+            <a:schemeClr val="lt1"/>
+          </a:fontRef>
+        </p:style>
+        <p:txBody>
+          <a:bodyPr rtlCol="0" anchor="ctr"/>
+          <a:lstStyle/>
+          <a:p>
+            <a:r>
+              <a:rPr lang="en-US" sz="1400" dirty="0">
+                <a:solidFill>
+                  <a:schemeClr val="tx1">
+                    <a:lumMod val="75000"/>
+                    <a:lumOff val="25000"/>
+                  </a:schemeClr>
+                </a:solidFill>
+              </a:rPr>
+              <a:t>* Increment year </a:t>
+            </a:r>
+          </a:p>
+          <a:p>
+            <a:r>
+              <a:rPr lang="en-US" sz="1400" dirty="0">
+                <a:solidFill>
+                  <a:schemeClr val="tx1">
+                    <a:lumMod val="75000"/>
+                    <a:lumOff val="25000"/>
+                  </a:schemeClr>
+                </a:solidFill>
+              </a:rPr>
+              <a:t>* Calculate inflation</a:t>
+            </a:r>
+          </a:p>
+          <a:p>
+            <a:r>
+              <a:rPr lang="en-US" sz="1400" dirty="0">
+                <a:solidFill>
+                  <a:schemeClr val="tx1">
+                    <a:lumMod val="75000"/>
+                    <a:lumOff val="25000"/>
+                  </a:schemeClr>
+                </a:solidFill>
+              </a:rPr>
+              <a:t>* Calculate COLA(s)</a:t>
+            </a:r>
+          </a:p>
+          <a:p>
+            <a:r>
+              <a:rPr lang="en-US" sz="1400" dirty="0">
+                <a:solidFill>
+                  <a:schemeClr val="tx1">
+                    <a:lumMod val="75000"/>
+                    <a:lumOff val="25000"/>
+                  </a:schemeClr>
+                </a:solidFill>
+              </a:rPr>
+              <a:t>* Calculate R-o-R</a:t>
+            </a:r>
+          </a:p>
+        </p:txBody>
+      </p:sp>
+      <p:cxnSp>
+        <p:nvCxnSpPr>
+          <p:cNvPr id="142" name="Elbow Connector 141">
+            <a:extLst>
+              <a:ext uri="{FF2B5EF4-FFF2-40B4-BE49-F238E27FC236}">
+                <a16:creationId xmlns:a16="http://schemas.microsoft.com/office/drawing/2014/main" id="{B9A3F178-CC48-0D9D-B958-78EF2B1A7A47}"/>
+              </a:ext>
+            </a:extLst>
+          </p:cNvPr>
+          <p:cNvCxnSpPr>
+            <a:cxnSpLocks/>
+            <a:stCxn id="141" idx="2"/>
+            <a:endCxn id="33" idx="0"/>
+          </p:cNvCxnSpPr>
+          <p:nvPr/>
+        </p:nvCxnSpPr>
+        <p:spPr>
+          <a:xfrm rot="5400000" flipH="1">
+            <a:off x="5603733" y="-531108"/>
+            <a:ext cx="3453360" cy="6968192"/>
+          </a:xfrm>
+          <a:prstGeom prst="bentConnector5">
+            <a:avLst>
+              <a:gd name="adj1" fmla="val -6620"/>
+              <a:gd name="adj2" fmla="val -16847"/>
+              <a:gd name="adj3" fmla="val 110047"/>
+            </a:avLst>
+          </a:prstGeom>
+          <a:ln>
+            <a:solidFill>
+              <a:schemeClr val="tx1">
+                <a:lumMod val="75000"/>
+                <a:lumOff val="25000"/>
+              </a:schemeClr>
+            </a:solidFill>
+            <a:tailEnd type="triangle"/>
+          </a:ln>
+        </p:spPr>
+        <p:style>
+          <a:lnRef idx="1">
+            <a:schemeClr val="accent1"/>
+          </a:lnRef>
+          <a:fillRef idx="0">
+            <a:schemeClr val="accent1"/>
+          </a:fillRef>
+          <a:effectRef idx="0">
+            <a:schemeClr val="accent1"/>
+          </a:effectRef>
+          <a:fontRef idx="minor">
+            <a:schemeClr val="tx1"/>
+          </a:fontRef>
+        </p:style>
+      </p:cxnSp>
+      <p:sp>
+        <p:nvSpPr>
+          <p:cNvPr id="153" name="TextBox 152">
+            <a:extLst>
+              <a:ext uri="{FF2B5EF4-FFF2-40B4-BE49-F238E27FC236}">
+                <a16:creationId xmlns:a16="http://schemas.microsoft.com/office/drawing/2014/main" id="{1D4989AA-F75D-0768-D67A-0BF2465C7EE2}"/>
+              </a:ext>
+            </a:extLst>
+          </p:cNvPr>
+          <p:cNvSpPr txBox="1"/>
+          <p:nvPr/>
+        </p:nvSpPr>
+        <p:spPr>
+          <a:xfrm>
+            <a:off x="494363" y="363803"/>
+            <a:ext cx="1270156" cy="369332"/>
+          </a:xfrm>
+          <a:prstGeom prst="rect">
+            <a:avLst/>
+          </a:prstGeom>
+          <a:noFill/>
+        </p:spPr>
+        <p:txBody>
+          <a:bodyPr wrap="none" rtlCol="0">
+            <a:spAutoFit/>
+          </a:bodyPr>
+          <a:lstStyle/>
+          <a:p>
+            <a:r>
+              <a:rPr lang="en-US" dirty="0">
+                <a:solidFill>
+                  <a:schemeClr val="tx1">
+                    <a:lumMod val="75000"/>
+                    <a:lumOff val="25000"/>
+                  </a:schemeClr>
+                </a:solidFill>
+              </a:rPr>
+              <a:t>Icon clicked</a:t>
+            </a:r>
+          </a:p>
+        </p:txBody>
+      </p:sp>
+      <p:cxnSp>
+        <p:nvCxnSpPr>
+          <p:cNvPr id="156" name="Straight Connector 155">
+            <a:extLst>
+              <a:ext uri="{FF2B5EF4-FFF2-40B4-BE49-F238E27FC236}">
+                <a16:creationId xmlns:a16="http://schemas.microsoft.com/office/drawing/2014/main" id="{2020C37D-1E2E-B21A-C3FC-9816D22BAAFF}"/>
+              </a:ext>
+            </a:extLst>
+          </p:cNvPr>
+          <p:cNvCxnSpPr>
+            <a:cxnSpLocks/>
+            <a:stCxn id="140" idx="2"/>
+            <a:endCxn id="141" idx="0"/>
+          </p:cNvCxnSpPr>
+          <p:nvPr/>
+        </p:nvCxnSpPr>
+        <p:spPr>
+          <a:xfrm flipH="1">
+            <a:off x="10814509" y="3093390"/>
+            <a:ext cx="6383" cy="366913"/>
+          </a:xfrm>
+          <a:prstGeom prst="line">
+            <a:avLst/>
+          </a:prstGeom>
+          <a:ln>
+            <a:solidFill>
+              <a:schemeClr val="tx1">
+                <a:lumMod val="75000"/>
+                <a:lumOff val="25000"/>
+              </a:schemeClr>
+            </a:solidFill>
+            <a:tailEnd type="triangle"/>
+          </a:ln>
+        </p:spPr>
+        <p:style>
+          <a:lnRef idx="1">
+            <a:schemeClr val="accent1"/>
+          </a:lnRef>
+          <a:fillRef idx="0">
+            <a:schemeClr val="accent1"/>
+          </a:fillRef>
+          <a:effectRef idx="0">
+            <a:schemeClr val="accent1"/>
+          </a:effectRef>
+          <a:fontRef idx="minor">
+            <a:schemeClr val="tx1"/>
+          </a:fontRef>
+        </p:style>
+      </p:cxnSp>
+      <p:pic>
+        <p:nvPicPr>
+          <p:cNvPr id="172" name="Picture 171">
+            <a:extLst>
+              <a:ext uri="{FF2B5EF4-FFF2-40B4-BE49-F238E27FC236}">
+                <a16:creationId xmlns:a16="http://schemas.microsoft.com/office/drawing/2014/main" id="{45B39A0E-17C5-7BA3-0057-2D43A69B425B}"/>
+              </a:ext>
+            </a:extLst>
+          </p:cNvPr>
+          <p:cNvPicPr>
+            <a:picLocks noChangeAspect="1"/>
+          </p:cNvPicPr>
+          <p:nvPr/>
+        </p:nvPicPr>
+        <p:blipFill>
+          <a:blip r:embed="rId3"/>
+          <a:stretch>
+            <a:fillRect/>
+          </a:stretch>
+        </p:blipFill>
+        <p:spPr>
+          <a:xfrm>
+            <a:off x="932003" y="1123681"/>
+            <a:ext cx="469900" cy="647700"/>
+          </a:xfrm>
+          <a:prstGeom prst="rect">
+            <a:avLst/>
+          </a:prstGeom>
+        </p:spPr>
+      </p:pic>
+    </p:spTree>
+    <p:extLst>
+      <p:ext uri="{BB962C8B-B14F-4D97-AF65-F5344CB8AC3E}">
+        <p14:creationId xmlns:p14="http://schemas.microsoft.com/office/powerpoint/2010/main" val="4240576997"/>
+      </p:ext>
+    </p:extLst>
+  </p:cSld>
+  <p:clrMapOvr>
+    <a:masterClrMapping/>
+  </p:clrMapOvr>
+</p:sld>
+</file>
+
 <file path=ppt/slides/slide4.xml><?xml version="1.0" encoding="utf-8"?>
 <p:sld xmlns:a="http://schemas.openxmlformats.org/drawingml/2006/main" xmlns:r="http://schemas.openxmlformats.org/officeDocument/2006/relationships" xmlns:p="http://schemas.openxmlformats.org/presentationml/2006/main">
   <p:cSld>
@@ -8414,10 +9646,10 @@
       </p:grpSpPr>
       <p:sp>
         <p:nvSpPr>
-          <p:cNvPr id="25" name="Rounded Rectangle 24">
-            <a:extLst>
-              <a:ext uri="{FF2B5EF4-FFF2-40B4-BE49-F238E27FC236}">
-                <a16:creationId xmlns:a16="http://schemas.microsoft.com/office/drawing/2014/main" id="{BBF79DD9-234A-DB34-EC7E-8454738C5505}"/>
+          <p:cNvPr id="12" name="Rounded Rectangle 11">
+            <a:extLst>
+              <a:ext uri="{FF2B5EF4-FFF2-40B4-BE49-F238E27FC236}">
+                <a16:creationId xmlns:a16="http://schemas.microsoft.com/office/drawing/2014/main" id="{31EDAC5A-BF78-089A-F954-630563A51F5A}"/>
               </a:ext>
             </a:extLst>
           </p:cNvPr>
@@ -8426,23 +9658,19 @@
         </p:nvSpPr>
         <p:spPr>
           <a:xfrm>
-            <a:off x="373913" y="2690253"/>
-            <a:ext cx="1511057" cy="532899"/>
+            <a:off x="538154" y="1882339"/>
+            <a:ext cx="1787159" cy="1768907"/>
           </a:xfrm>
           <a:prstGeom prst="roundRect">
             <a:avLst>
-              <a:gd name="adj" fmla="val 19245"/>
+              <a:gd name="adj" fmla="val 0"/>
             </a:avLst>
           </a:prstGeom>
           <a:solidFill>
-            <a:srgbClr val="ECE6FF"/>
+            <a:schemeClr val="tx1"/>
           </a:solidFill>
-          <a:ln w="25400">
-            <a:solidFill>
-              <a:schemeClr val="bg1">
-                <a:lumMod val="65000"/>
-              </a:schemeClr>
-            </a:solidFill>
+          <a:ln w="50800">
+            <a:noFill/>
           </a:ln>
         </p:spPr>
         <p:style>
@@ -8466,40 +9694,88 @@
           <a:lstStyle/>
           <a:p>
             <a:pPr algn="ctr"/>
-            <a:r>
-              <a:rPr lang="en-US" sz="1400" dirty="0">
-                <a:solidFill>
-                  <a:schemeClr val="tx1">
-                    <a:lumMod val="75000"/>
-                    <a:lumOff val="25000"/>
-                  </a:schemeClr>
-                </a:solidFill>
-              </a:rPr>
-              <a:t>Annual Budget </a:t>
-            </a:r>
-          </a:p>
-          <a:p>
-            <a:pPr algn="ctr"/>
-            <a:r>
-              <a:rPr lang="en-US" sz="1400" dirty="0">
-                <a:solidFill>
-                  <a:schemeClr val="tx1">
-                    <a:lumMod val="75000"/>
-                    <a:lumOff val="25000"/>
-                  </a:schemeClr>
-                </a:solidFill>
-              </a:rPr>
-              <a:t>Total $</a:t>
-            </a:r>
-          </a:p>
-        </p:txBody>
-      </p:sp>
-      <p:sp>
-        <p:nvSpPr>
-          <p:cNvPr id="26" name="Rounded Rectangle 25">
-            <a:extLst>
-              <a:ext uri="{FF2B5EF4-FFF2-40B4-BE49-F238E27FC236}">
-                <a16:creationId xmlns:a16="http://schemas.microsoft.com/office/drawing/2014/main" id="{91342409-0C8D-A490-2C4D-B740056D2680}"/>
+            <a:endParaRPr lang="en-US"/>
+          </a:p>
+        </p:txBody>
+      </p:sp>
+      <p:pic>
+        <p:nvPicPr>
+          <p:cNvPr id="3" name="Graphic 2" descr="Checklist outline">
+            <a:extLst>
+              <a:ext uri="{FF2B5EF4-FFF2-40B4-BE49-F238E27FC236}">
+                <a16:creationId xmlns:a16="http://schemas.microsoft.com/office/drawing/2014/main" id="{887517C5-0284-4498-8E83-05EE8F560CA1}"/>
+              </a:ext>
+            </a:extLst>
+          </p:cNvPr>
+          <p:cNvPicPr>
+            <a:picLocks noChangeAspect="1"/>
+          </p:cNvPicPr>
+          <p:nvPr/>
+        </p:nvPicPr>
+        <p:blipFill>
+          <a:blip r:embed="rId2">
+            <a:extLst>
+              <a:ext uri="{96DAC541-7B7A-43D3-8B79-37D633B846F1}">
+                <asvg:svgBlip xmlns:asvg="http://schemas.microsoft.com/office/drawing/2016/SVG/main" r:embed="rId3"/>
+              </a:ext>
+            </a:extLst>
+          </a:blip>
+          <a:stretch>
+            <a:fillRect/>
+          </a:stretch>
+        </p:blipFill>
+        <p:spPr>
+          <a:xfrm>
+            <a:off x="2550070" y="635615"/>
+            <a:ext cx="914400" cy="914400"/>
+          </a:xfrm>
+          <a:prstGeom prst="rect">
+            <a:avLst/>
+          </a:prstGeom>
+        </p:spPr>
+      </p:pic>
+      <p:pic>
+        <p:nvPicPr>
+          <p:cNvPr id="5" name="Graphic 4" descr="Checklist with solid fill">
+            <a:extLst>
+              <a:ext uri="{FF2B5EF4-FFF2-40B4-BE49-F238E27FC236}">
+                <a16:creationId xmlns:a16="http://schemas.microsoft.com/office/drawing/2014/main" id="{AC0839DB-36EE-8C79-748A-5A5BAA85AF65}"/>
+              </a:ext>
+            </a:extLst>
+          </p:cNvPr>
+          <p:cNvPicPr>
+            <a:picLocks noChangeAspect="1"/>
+          </p:cNvPicPr>
+          <p:nvPr/>
+        </p:nvPicPr>
+        <p:blipFill>
+          <a:blip r:embed="rId4">
+            <a:extLst>
+              <a:ext uri="{96DAC541-7B7A-43D3-8B79-37D633B846F1}">
+                <asvg:svgBlip xmlns:asvg="http://schemas.microsoft.com/office/drawing/2016/SVG/main" r:embed="rId5"/>
+              </a:ext>
+            </a:extLst>
+          </a:blip>
+          <a:stretch>
+            <a:fillRect/>
+          </a:stretch>
+        </p:blipFill>
+        <p:spPr>
+          <a:xfrm>
+            <a:off x="1161494" y="635615"/>
+            <a:ext cx="914400" cy="914400"/>
+          </a:xfrm>
+          <a:prstGeom prst="rect">
+            <a:avLst/>
+          </a:prstGeom>
+        </p:spPr>
+      </p:pic>
+      <p:sp>
+        <p:nvSpPr>
+          <p:cNvPr id="11" name="Rounded Rectangle 10">
+            <a:extLst>
+              <a:ext uri="{FF2B5EF4-FFF2-40B4-BE49-F238E27FC236}">
+                <a16:creationId xmlns:a16="http://schemas.microsoft.com/office/drawing/2014/main" id="{B5E72C34-FFA7-6C08-F24F-62B22109F1F1}"/>
               </a:ext>
             </a:extLst>
           </p:cNvPr>
@@ -8508,22 +9784,18 @@
         </p:nvSpPr>
         <p:spPr>
           <a:xfrm>
-            <a:off x="373913" y="3448120"/>
-            <a:ext cx="1511057" cy="681803"/>
+            <a:off x="798461" y="2137243"/>
+            <a:ext cx="1266547" cy="1259100"/>
           </a:xfrm>
           <a:prstGeom prst="roundRect">
-            <a:avLst>
-              <a:gd name="adj" fmla="val 19245"/>
-            </a:avLst>
+            <a:avLst/>
           </a:prstGeom>
           <a:solidFill>
-            <a:srgbClr val="ECE6FF"/>
+            <a:schemeClr val="bg1"/>
           </a:solidFill>
-          <a:ln w="25400">
+          <a:ln w="50800">
             <a:solidFill>
-              <a:schemeClr val="bg1">
-                <a:lumMod val="65000"/>
-              </a:schemeClr>
+              <a:srgbClr val="00B050"/>
             </a:solidFill>
           </a:ln>
         </p:spPr>
@@ -8548,2359 +9820,16 @@
           <a:lstStyle/>
           <a:p>
             <a:pPr algn="ctr"/>
-            <a:r>
-              <a:rPr lang="en-US" sz="1400" dirty="0">
-                <a:solidFill>
-                  <a:schemeClr val="tx1">
-                    <a:lumMod val="75000"/>
-                    <a:lumOff val="25000"/>
-                  </a:schemeClr>
-                </a:solidFill>
-              </a:rPr>
-              <a:t>Investment </a:t>
-            </a:r>
-          </a:p>
-          <a:p>
-            <a:pPr algn="ctr"/>
-            <a:r>
-              <a:rPr lang="en-US" sz="1400" dirty="0">
-                <a:solidFill>
-                  <a:schemeClr val="tx1">
-                    <a:lumMod val="75000"/>
-                    <a:lumOff val="25000"/>
-                  </a:schemeClr>
-                </a:solidFill>
-              </a:rPr>
-              <a:t>Before Tax</a:t>
-            </a:r>
-          </a:p>
-          <a:p>
-            <a:pPr algn="ctr"/>
-            <a:r>
-              <a:rPr lang="en-US" sz="1400" dirty="0">
-                <a:solidFill>
-                  <a:schemeClr val="tx1">
-                    <a:lumMod val="75000"/>
-                    <a:lumOff val="25000"/>
-                  </a:schemeClr>
-                </a:solidFill>
-              </a:rPr>
-              <a:t>Total $</a:t>
-            </a:r>
-          </a:p>
-        </p:txBody>
-      </p:sp>
-      <p:sp>
-        <p:nvSpPr>
-          <p:cNvPr id="27" name="Rounded Rectangle 26">
-            <a:extLst>
-              <a:ext uri="{FF2B5EF4-FFF2-40B4-BE49-F238E27FC236}">
-                <a16:creationId xmlns:a16="http://schemas.microsoft.com/office/drawing/2014/main" id="{18C59AB4-2DB1-C9BC-516A-176287535484}"/>
-              </a:ext>
-            </a:extLst>
-          </p:cNvPr>
-          <p:cNvSpPr/>
-          <p:nvPr/>
-        </p:nvSpPr>
-        <p:spPr>
-          <a:xfrm>
-            <a:off x="373913" y="4354890"/>
-            <a:ext cx="1511057" cy="681803"/>
-          </a:xfrm>
-          <a:prstGeom prst="roundRect">
-            <a:avLst>
-              <a:gd name="adj" fmla="val 19245"/>
-            </a:avLst>
-          </a:prstGeom>
-          <a:solidFill>
-            <a:srgbClr val="ECE6FF"/>
-          </a:solidFill>
-          <a:ln w="25400">
-            <a:solidFill>
-              <a:schemeClr val="bg1">
-                <a:lumMod val="65000"/>
-              </a:schemeClr>
-            </a:solidFill>
-          </a:ln>
-        </p:spPr>
-        <p:style>
-          <a:lnRef idx="2">
-            <a:schemeClr val="accent1">
-              <a:shade val="50000"/>
-            </a:schemeClr>
-          </a:lnRef>
-          <a:fillRef idx="1">
-            <a:schemeClr val="accent1"/>
-          </a:fillRef>
-          <a:effectRef idx="0">
-            <a:schemeClr val="accent1"/>
-          </a:effectRef>
-          <a:fontRef idx="minor">
-            <a:schemeClr val="lt1"/>
-          </a:fontRef>
-        </p:style>
-        <p:txBody>
-          <a:bodyPr rtlCol="0" anchor="ctr"/>
-          <a:lstStyle/>
-          <a:p>
-            <a:pPr algn="ctr"/>
-            <a:r>
-              <a:rPr lang="en-US" sz="1400" dirty="0">
-                <a:solidFill>
-                  <a:schemeClr val="tx1">
-                    <a:lumMod val="75000"/>
-                    <a:lumOff val="25000"/>
-                  </a:schemeClr>
-                </a:solidFill>
-              </a:rPr>
-              <a:t>Investment </a:t>
-            </a:r>
-          </a:p>
-          <a:p>
-            <a:pPr algn="ctr"/>
-            <a:r>
-              <a:rPr lang="en-US" sz="1400" dirty="0">
-                <a:solidFill>
-                  <a:schemeClr val="tx1">
-                    <a:lumMod val="75000"/>
-                    <a:lumOff val="25000"/>
-                  </a:schemeClr>
-                </a:solidFill>
-              </a:rPr>
-              <a:t>After Tax</a:t>
-            </a:r>
-          </a:p>
-          <a:p>
-            <a:pPr algn="ctr"/>
-            <a:r>
-              <a:rPr lang="en-US" sz="1400" dirty="0">
-                <a:solidFill>
-                  <a:schemeClr val="tx1">
-                    <a:lumMod val="75000"/>
-                    <a:lumOff val="25000"/>
-                  </a:schemeClr>
-                </a:solidFill>
-              </a:rPr>
-              <a:t>Total $</a:t>
-            </a:r>
-          </a:p>
-        </p:txBody>
-      </p:sp>
-      <p:cxnSp>
-        <p:nvCxnSpPr>
-          <p:cNvPr id="6" name="Straight Connector 5">
-            <a:extLst>
-              <a:ext uri="{FF2B5EF4-FFF2-40B4-BE49-F238E27FC236}">
-                <a16:creationId xmlns:a16="http://schemas.microsoft.com/office/drawing/2014/main" id="{2B5C5E4B-5E07-0629-2170-30A824CC966A}"/>
-              </a:ext>
-            </a:extLst>
-          </p:cNvPr>
-          <p:cNvCxnSpPr>
-            <a:cxnSpLocks/>
-          </p:cNvCxnSpPr>
-          <p:nvPr/>
-        </p:nvCxnSpPr>
-        <p:spPr>
-          <a:xfrm>
-            <a:off x="2119261" y="548469"/>
-            <a:ext cx="0" cy="5884604"/>
-          </a:xfrm>
-          <a:prstGeom prst="line">
-            <a:avLst/>
-          </a:prstGeom>
-          <a:ln>
-            <a:solidFill>
-              <a:schemeClr val="bg2">
-                <a:lumMod val="50000"/>
-              </a:schemeClr>
-            </a:solidFill>
-          </a:ln>
-        </p:spPr>
-        <p:style>
-          <a:lnRef idx="1">
-            <a:schemeClr val="accent1"/>
-          </a:lnRef>
-          <a:fillRef idx="0">
-            <a:schemeClr val="accent1"/>
-          </a:fillRef>
-          <a:effectRef idx="0">
-            <a:schemeClr val="accent1"/>
-          </a:effectRef>
-          <a:fontRef idx="minor">
-            <a:schemeClr val="tx1"/>
-          </a:fontRef>
-        </p:style>
-      </p:cxnSp>
-      <p:sp>
-        <p:nvSpPr>
-          <p:cNvPr id="9" name="TextBox 8">
-            <a:extLst>
-              <a:ext uri="{FF2B5EF4-FFF2-40B4-BE49-F238E27FC236}">
-                <a16:creationId xmlns:a16="http://schemas.microsoft.com/office/drawing/2014/main" id="{F87156C1-F280-9CEB-0910-AA75444B091E}"/>
-              </a:ext>
-            </a:extLst>
-          </p:cNvPr>
-          <p:cNvSpPr txBox="1"/>
-          <p:nvPr/>
-        </p:nvSpPr>
-        <p:spPr>
-          <a:xfrm>
-            <a:off x="422139" y="2092957"/>
-            <a:ext cx="1414604" cy="523220"/>
-          </a:xfrm>
-          <a:prstGeom prst="rect">
-            <a:avLst/>
-          </a:prstGeom>
-          <a:noFill/>
-        </p:spPr>
-        <p:txBody>
-          <a:bodyPr wrap="square" rtlCol="0">
-            <a:spAutoFit/>
-          </a:bodyPr>
-          <a:lstStyle/>
-          <a:p>
-            <a:pPr algn="ctr"/>
-            <a:r>
-              <a:rPr lang="en-US" sz="1400" dirty="0">
-                <a:solidFill>
-                  <a:schemeClr val="tx1">
-                    <a:lumMod val="75000"/>
-                    <a:lumOff val="25000"/>
-                  </a:schemeClr>
-                </a:solidFill>
-              </a:rPr>
-              <a:t>Use retirement start year values</a:t>
-            </a:r>
-          </a:p>
-        </p:txBody>
-      </p:sp>
-      <p:sp>
-        <p:nvSpPr>
-          <p:cNvPr id="28" name="TextBox 27">
-            <a:extLst>
-              <a:ext uri="{FF2B5EF4-FFF2-40B4-BE49-F238E27FC236}">
-                <a16:creationId xmlns:a16="http://schemas.microsoft.com/office/drawing/2014/main" id="{2B774553-20AB-D60E-DB3C-C22A5660F79F}"/>
-              </a:ext>
-            </a:extLst>
-          </p:cNvPr>
-          <p:cNvSpPr txBox="1"/>
-          <p:nvPr/>
-        </p:nvSpPr>
-        <p:spPr>
-          <a:xfrm>
-            <a:off x="5953417" y="363803"/>
-            <a:ext cx="3667286" cy="369332"/>
-          </a:xfrm>
-          <a:prstGeom prst="rect">
-            <a:avLst/>
-          </a:prstGeom>
-          <a:noFill/>
-        </p:spPr>
-        <p:txBody>
-          <a:bodyPr wrap="none" rtlCol="0">
-            <a:spAutoFit/>
-          </a:bodyPr>
-          <a:lstStyle/>
-          <a:p>
-            <a:r>
-              <a:rPr lang="en-US" dirty="0">
-                <a:solidFill>
-                  <a:schemeClr val="tx1">
-                    <a:lumMod val="75000"/>
-                    <a:lumOff val="25000"/>
-                  </a:schemeClr>
-                </a:solidFill>
-              </a:rPr>
-              <a:t>Calculate for each year of retirement</a:t>
-            </a:r>
-          </a:p>
-        </p:txBody>
-      </p:sp>
-      <p:sp>
-        <p:nvSpPr>
-          <p:cNvPr id="31" name="Rounded Rectangle 30">
-            <a:extLst>
-              <a:ext uri="{FF2B5EF4-FFF2-40B4-BE49-F238E27FC236}">
-                <a16:creationId xmlns:a16="http://schemas.microsoft.com/office/drawing/2014/main" id="{E690320B-CEC3-38E5-B659-2DA18988F2AB}"/>
-              </a:ext>
-            </a:extLst>
-          </p:cNvPr>
-          <p:cNvSpPr/>
-          <p:nvPr/>
-        </p:nvSpPr>
-        <p:spPr>
-          <a:xfrm>
-            <a:off x="3184273" y="4089383"/>
-            <a:ext cx="1324086" cy="590304"/>
-          </a:xfrm>
-          <a:prstGeom prst="roundRect">
-            <a:avLst>
-              <a:gd name="adj" fmla="val 19245"/>
-            </a:avLst>
-          </a:prstGeom>
-          <a:solidFill>
-            <a:srgbClr val="B8D8BE"/>
-          </a:solidFill>
-          <a:ln w="25400">
-            <a:solidFill>
-              <a:schemeClr val="bg1">
-                <a:lumMod val="65000"/>
-              </a:schemeClr>
-            </a:solidFill>
-          </a:ln>
-        </p:spPr>
-        <p:style>
-          <a:lnRef idx="2">
-            <a:schemeClr val="accent1">
-              <a:shade val="50000"/>
-            </a:schemeClr>
-          </a:lnRef>
-          <a:fillRef idx="1">
-            <a:schemeClr val="accent1"/>
-          </a:fillRef>
-          <a:effectRef idx="0">
-            <a:schemeClr val="accent1"/>
-          </a:effectRef>
-          <a:fontRef idx="minor">
-            <a:schemeClr val="lt1"/>
-          </a:fontRef>
-        </p:style>
-        <p:txBody>
-          <a:bodyPr rtlCol="0" anchor="ctr"/>
-          <a:lstStyle/>
-          <a:p>
-            <a:pPr algn="ctr"/>
-            <a:r>
-              <a:rPr lang="en-US" sz="1400" dirty="0">
-                <a:solidFill>
-                  <a:schemeClr val="tx1">
-                    <a:lumMod val="75000"/>
-                    <a:lumOff val="25000"/>
-                  </a:schemeClr>
-                </a:solidFill>
-              </a:rPr>
-              <a:t>Calculate</a:t>
-            </a:r>
-          </a:p>
-          <a:p>
-            <a:pPr algn="ctr"/>
-            <a:r>
-              <a:rPr lang="en-US" sz="1400" dirty="0">
-                <a:solidFill>
-                  <a:schemeClr val="tx1">
-                    <a:lumMod val="75000"/>
-                    <a:lumOff val="25000"/>
-                  </a:schemeClr>
-                </a:solidFill>
-              </a:rPr>
-              <a:t>income taxes</a:t>
-            </a:r>
-          </a:p>
-        </p:txBody>
-      </p:sp>
-      <p:sp>
-        <p:nvSpPr>
-          <p:cNvPr id="32" name="Rounded Rectangle 31">
-            <a:extLst>
-              <a:ext uri="{FF2B5EF4-FFF2-40B4-BE49-F238E27FC236}">
-                <a16:creationId xmlns:a16="http://schemas.microsoft.com/office/drawing/2014/main" id="{B6B28515-58E3-721C-3B88-5043066D1CCF}"/>
-              </a:ext>
-            </a:extLst>
-          </p:cNvPr>
-          <p:cNvSpPr/>
-          <p:nvPr/>
-        </p:nvSpPr>
-        <p:spPr>
-          <a:xfrm>
-            <a:off x="3184273" y="3138541"/>
-            <a:ext cx="1324086" cy="590304"/>
-          </a:xfrm>
-          <a:prstGeom prst="roundRect">
-            <a:avLst>
-              <a:gd name="adj" fmla="val 19245"/>
-            </a:avLst>
-          </a:prstGeom>
-          <a:solidFill>
-            <a:srgbClr val="B8D8BE"/>
-          </a:solidFill>
-          <a:ln w="25400">
-            <a:solidFill>
-              <a:schemeClr val="bg1">
-                <a:lumMod val="65000"/>
-              </a:schemeClr>
-            </a:solidFill>
-          </a:ln>
-        </p:spPr>
-        <p:style>
-          <a:lnRef idx="2">
-            <a:schemeClr val="accent1">
-              <a:shade val="50000"/>
-            </a:schemeClr>
-          </a:lnRef>
-          <a:fillRef idx="1">
-            <a:schemeClr val="accent1"/>
-          </a:fillRef>
-          <a:effectRef idx="0">
-            <a:schemeClr val="accent1"/>
-          </a:effectRef>
-          <a:fontRef idx="minor">
-            <a:schemeClr val="lt1"/>
-          </a:fontRef>
-        </p:style>
-        <p:txBody>
-          <a:bodyPr rtlCol="0" anchor="ctr"/>
-          <a:lstStyle/>
-          <a:p>
-            <a:pPr algn="ctr"/>
-            <a:r>
-              <a:rPr lang="en-US" sz="1400" dirty="0">
-                <a:solidFill>
-                  <a:schemeClr val="tx1">
-                    <a:lumMod val="75000"/>
-                    <a:lumOff val="25000"/>
-                  </a:schemeClr>
-                </a:solidFill>
-              </a:rPr>
-              <a:t>Calculate</a:t>
-            </a:r>
-          </a:p>
-          <a:p>
-            <a:pPr algn="ctr"/>
-            <a:r>
-              <a:rPr lang="en-US" sz="1400" dirty="0">
-                <a:solidFill>
-                  <a:schemeClr val="tx1">
-                    <a:lumMod val="75000"/>
-                    <a:lumOff val="25000"/>
-                  </a:schemeClr>
-                </a:solidFill>
-              </a:rPr>
-              <a:t>withdrawal</a:t>
-            </a:r>
-          </a:p>
-        </p:txBody>
-      </p:sp>
-      <p:sp>
-        <p:nvSpPr>
-          <p:cNvPr id="33" name="Rounded Rectangle 32">
-            <a:extLst>
-              <a:ext uri="{FF2B5EF4-FFF2-40B4-BE49-F238E27FC236}">
-                <a16:creationId xmlns:a16="http://schemas.microsoft.com/office/drawing/2014/main" id="{06C434A7-615D-0D5E-761F-40FF4F8E41D7}"/>
-              </a:ext>
-            </a:extLst>
-          </p:cNvPr>
-          <p:cNvSpPr/>
-          <p:nvPr/>
-        </p:nvSpPr>
-        <p:spPr>
-          <a:xfrm>
-            <a:off x="3184274" y="1226308"/>
-            <a:ext cx="1324086" cy="590304"/>
-          </a:xfrm>
-          <a:prstGeom prst="roundRect">
-            <a:avLst>
-              <a:gd name="adj" fmla="val 19245"/>
-            </a:avLst>
-          </a:prstGeom>
-          <a:solidFill>
-            <a:srgbClr val="B8D8BE"/>
-          </a:solidFill>
-          <a:ln w="25400">
-            <a:solidFill>
-              <a:schemeClr val="bg1">
-                <a:lumMod val="65000"/>
-              </a:schemeClr>
-            </a:solidFill>
-          </a:ln>
-        </p:spPr>
-        <p:style>
-          <a:lnRef idx="2">
-            <a:schemeClr val="accent1">
-              <a:shade val="50000"/>
-            </a:schemeClr>
-          </a:lnRef>
-          <a:fillRef idx="1">
-            <a:schemeClr val="accent1"/>
-          </a:fillRef>
-          <a:effectRef idx="0">
-            <a:schemeClr val="accent1"/>
-          </a:effectRef>
-          <a:fontRef idx="minor">
-            <a:schemeClr val="lt1"/>
-          </a:fontRef>
-        </p:style>
-        <p:txBody>
-          <a:bodyPr rtlCol="0" anchor="ctr"/>
-          <a:lstStyle/>
-          <a:p>
-            <a:pPr algn="ctr"/>
-            <a:r>
-              <a:rPr lang="en-US" sz="1400" dirty="0">
-                <a:solidFill>
-                  <a:schemeClr val="tx1">
-                    <a:lumMod val="75000"/>
-                    <a:lumOff val="25000"/>
-                  </a:schemeClr>
-                </a:solidFill>
-              </a:rPr>
-              <a:t>Calculate</a:t>
-            </a:r>
-          </a:p>
-          <a:p>
-            <a:pPr algn="ctr"/>
-            <a:r>
-              <a:rPr lang="en-US" sz="1400" dirty="0">
-                <a:solidFill>
-                  <a:schemeClr val="tx1">
-                    <a:lumMod val="75000"/>
-                    <a:lumOff val="25000"/>
-                  </a:schemeClr>
-                </a:solidFill>
-              </a:rPr>
-              <a:t>income</a:t>
-            </a:r>
-          </a:p>
-        </p:txBody>
-      </p:sp>
-      <p:sp>
-        <p:nvSpPr>
-          <p:cNvPr id="34" name="Rounded Rectangle 33">
-            <a:extLst>
-              <a:ext uri="{FF2B5EF4-FFF2-40B4-BE49-F238E27FC236}">
-                <a16:creationId xmlns:a16="http://schemas.microsoft.com/office/drawing/2014/main" id="{1DB9B9F1-D77F-86BA-6C0E-B49D949CE354}"/>
-              </a:ext>
-            </a:extLst>
-          </p:cNvPr>
-          <p:cNvSpPr/>
-          <p:nvPr/>
-        </p:nvSpPr>
-        <p:spPr>
-          <a:xfrm>
-            <a:off x="3184274" y="2155641"/>
-            <a:ext cx="1324086" cy="590304"/>
-          </a:xfrm>
-          <a:prstGeom prst="roundRect">
-            <a:avLst>
-              <a:gd name="adj" fmla="val 19245"/>
-            </a:avLst>
-          </a:prstGeom>
-          <a:solidFill>
-            <a:srgbClr val="B8D8BE"/>
-          </a:solidFill>
-          <a:ln w="25400">
-            <a:solidFill>
-              <a:schemeClr val="bg1">
-                <a:lumMod val="65000"/>
-              </a:schemeClr>
-            </a:solidFill>
-          </a:ln>
-        </p:spPr>
-        <p:style>
-          <a:lnRef idx="2">
-            <a:schemeClr val="accent1">
-              <a:shade val="50000"/>
-            </a:schemeClr>
-          </a:lnRef>
-          <a:fillRef idx="1">
-            <a:schemeClr val="accent1"/>
-          </a:fillRef>
-          <a:effectRef idx="0">
-            <a:schemeClr val="accent1"/>
-          </a:effectRef>
-          <a:fontRef idx="minor">
-            <a:schemeClr val="lt1"/>
-          </a:fontRef>
-        </p:style>
-        <p:txBody>
-          <a:bodyPr rtlCol="0" anchor="ctr"/>
-          <a:lstStyle/>
-          <a:p>
-            <a:pPr algn="ctr"/>
-            <a:r>
-              <a:rPr lang="en-US" sz="1400" dirty="0">
-                <a:solidFill>
-                  <a:schemeClr val="tx1">
-                    <a:lumMod val="75000"/>
-                    <a:lumOff val="25000"/>
-                  </a:schemeClr>
-                </a:solidFill>
-              </a:rPr>
-              <a:t>Calculate</a:t>
-            </a:r>
-          </a:p>
-          <a:p>
-            <a:pPr algn="ctr"/>
-            <a:r>
-              <a:rPr lang="en-US" sz="1400" dirty="0">
-                <a:solidFill>
-                  <a:schemeClr val="tx1">
-                    <a:lumMod val="75000"/>
-                    <a:lumOff val="25000"/>
-                  </a:schemeClr>
-                </a:solidFill>
-              </a:rPr>
-              <a:t>budget</a:t>
-            </a:r>
-          </a:p>
-        </p:txBody>
-      </p:sp>
-      <p:cxnSp>
-        <p:nvCxnSpPr>
-          <p:cNvPr id="36" name="Straight Connector 35">
-            <a:extLst>
-              <a:ext uri="{FF2B5EF4-FFF2-40B4-BE49-F238E27FC236}">
-                <a16:creationId xmlns:a16="http://schemas.microsoft.com/office/drawing/2014/main" id="{C80AF081-41C7-3DF7-E714-B319AD899B26}"/>
-              </a:ext>
-            </a:extLst>
-          </p:cNvPr>
-          <p:cNvCxnSpPr>
-            <a:cxnSpLocks/>
-          </p:cNvCxnSpPr>
-          <p:nvPr/>
-        </p:nvCxnSpPr>
-        <p:spPr>
-          <a:xfrm>
-            <a:off x="7565546" y="1981363"/>
-            <a:ext cx="0" cy="1640444"/>
-          </a:xfrm>
-          <a:prstGeom prst="line">
-            <a:avLst/>
-          </a:prstGeom>
-          <a:ln>
-            <a:solidFill>
-              <a:schemeClr val="bg2">
-                <a:lumMod val="50000"/>
-              </a:schemeClr>
-            </a:solidFill>
-          </a:ln>
-        </p:spPr>
-        <p:style>
-          <a:lnRef idx="1">
-            <a:schemeClr val="accent1"/>
-          </a:lnRef>
-          <a:fillRef idx="0">
-            <a:schemeClr val="accent1"/>
-          </a:fillRef>
-          <a:effectRef idx="0">
-            <a:schemeClr val="accent1"/>
-          </a:effectRef>
-          <a:fontRef idx="minor">
-            <a:schemeClr val="tx1"/>
-          </a:fontRef>
-        </p:style>
-      </p:cxnSp>
-      <p:sp>
-        <p:nvSpPr>
-          <p:cNvPr id="38" name="TextBox 37">
-            <a:extLst>
-              <a:ext uri="{FF2B5EF4-FFF2-40B4-BE49-F238E27FC236}">
-                <a16:creationId xmlns:a16="http://schemas.microsoft.com/office/drawing/2014/main" id="{5FE43BAC-9AB7-F8B0-BBDB-4EC829239285}"/>
-              </a:ext>
-            </a:extLst>
-          </p:cNvPr>
-          <p:cNvSpPr txBox="1"/>
-          <p:nvPr/>
-        </p:nvSpPr>
-        <p:spPr>
-          <a:xfrm>
-            <a:off x="3136315" y="5838021"/>
-            <a:ext cx="1485889" cy="738664"/>
-          </a:xfrm>
-          <a:prstGeom prst="rect">
-            <a:avLst/>
-          </a:prstGeom>
-          <a:noFill/>
-        </p:spPr>
-        <p:txBody>
-          <a:bodyPr wrap="square" rtlCol="0">
-            <a:spAutoFit/>
-          </a:bodyPr>
-          <a:lstStyle/>
-          <a:p>
-            <a:pPr algn="ctr"/>
-            <a:r>
-              <a:rPr lang="en-US" sz="1400" dirty="0">
-                <a:solidFill>
-                  <a:schemeClr val="tx1">
-                    <a:lumMod val="75000"/>
-                    <a:lumOff val="25000"/>
-                  </a:schemeClr>
-                </a:solidFill>
-              </a:rPr>
-              <a:t>Does income plus withdrawal satisfy budget?</a:t>
-            </a:r>
-          </a:p>
-        </p:txBody>
-      </p:sp>
-      <p:sp>
-        <p:nvSpPr>
-          <p:cNvPr id="40" name="Diamond 39">
-            <a:extLst>
-              <a:ext uri="{FF2B5EF4-FFF2-40B4-BE49-F238E27FC236}">
-                <a16:creationId xmlns:a16="http://schemas.microsoft.com/office/drawing/2014/main" id="{4649B3AE-E695-9891-453D-75910FB29D71}"/>
-              </a:ext>
-            </a:extLst>
-          </p:cNvPr>
-          <p:cNvSpPr/>
-          <p:nvPr/>
-        </p:nvSpPr>
-        <p:spPr>
-          <a:xfrm>
-            <a:off x="3448277" y="5040665"/>
-            <a:ext cx="796066" cy="753036"/>
-          </a:xfrm>
-          <a:prstGeom prst="diamond">
-            <a:avLst/>
-          </a:prstGeom>
-          <a:solidFill>
-            <a:schemeClr val="bg1">
-              <a:lumMod val="95000"/>
-            </a:schemeClr>
-          </a:solidFill>
-        </p:spPr>
-        <p:style>
-          <a:lnRef idx="2">
-            <a:schemeClr val="accent1">
-              <a:shade val="50000"/>
-            </a:schemeClr>
-          </a:lnRef>
-          <a:fillRef idx="1">
-            <a:schemeClr val="accent1"/>
-          </a:fillRef>
-          <a:effectRef idx="0">
-            <a:schemeClr val="accent1"/>
-          </a:effectRef>
-          <a:fontRef idx="minor">
-            <a:schemeClr val="lt1"/>
-          </a:fontRef>
-        </p:style>
-        <p:txBody>
-          <a:bodyPr rtlCol="0" anchor="ctr"/>
-          <a:lstStyle/>
-          <a:p>
-            <a:pPr algn="ctr"/>
-            <a:r>
-              <a:rPr lang="en-US" sz="2400" dirty="0">
-                <a:solidFill>
-                  <a:schemeClr val="tx1">
-                    <a:lumMod val="75000"/>
-                    <a:lumOff val="25000"/>
-                  </a:schemeClr>
-                </a:solidFill>
-              </a:rPr>
-              <a:t>?</a:t>
-            </a:r>
-          </a:p>
-        </p:txBody>
-      </p:sp>
-      <p:sp>
-        <p:nvSpPr>
-          <p:cNvPr id="41" name="TextBox 40">
-            <a:extLst>
-              <a:ext uri="{FF2B5EF4-FFF2-40B4-BE49-F238E27FC236}">
-                <a16:creationId xmlns:a16="http://schemas.microsoft.com/office/drawing/2014/main" id="{22EE7008-43A1-6CCE-51D2-9449C976CAA7}"/>
-              </a:ext>
-            </a:extLst>
-          </p:cNvPr>
-          <p:cNvSpPr txBox="1"/>
-          <p:nvPr/>
-        </p:nvSpPr>
-        <p:spPr>
-          <a:xfrm>
-            <a:off x="4288512" y="5478153"/>
-            <a:ext cx="516802" cy="307777"/>
-          </a:xfrm>
-          <a:prstGeom prst="rect">
-            <a:avLst/>
-          </a:prstGeom>
-          <a:noFill/>
-        </p:spPr>
-        <p:txBody>
-          <a:bodyPr wrap="square" rtlCol="0">
-            <a:spAutoFit/>
-          </a:bodyPr>
-          <a:lstStyle/>
-          <a:p>
-            <a:pPr algn="ctr"/>
-            <a:r>
-              <a:rPr lang="en-US" sz="1400" dirty="0">
-                <a:solidFill>
-                  <a:schemeClr val="tx1">
-                    <a:lumMod val="75000"/>
-                    <a:lumOff val="25000"/>
-                  </a:schemeClr>
-                </a:solidFill>
-              </a:rPr>
-              <a:t>YES</a:t>
-            </a:r>
-          </a:p>
-        </p:txBody>
-      </p:sp>
-      <p:sp>
-        <p:nvSpPr>
-          <p:cNvPr id="42" name="TextBox 41">
-            <a:extLst>
-              <a:ext uri="{FF2B5EF4-FFF2-40B4-BE49-F238E27FC236}">
-                <a16:creationId xmlns:a16="http://schemas.microsoft.com/office/drawing/2014/main" id="{D696F909-E8F2-223B-7F34-32832F83AA3E}"/>
-              </a:ext>
-            </a:extLst>
-          </p:cNvPr>
-          <p:cNvSpPr txBox="1"/>
-          <p:nvPr/>
-        </p:nvSpPr>
-        <p:spPr>
-          <a:xfrm>
-            <a:off x="2970258" y="5470202"/>
-            <a:ext cx="516802" cy="307777"/>
-          </a:xfrm>
-          <a:prstGeom prst="rect">
-            <a:avLst/>
-          </a:prstGeom>
-          <a:noFill/>
-        </p:spPr>
-        <p:txBody>
-          <a:bodyPr wrap="square" rtlCol="0">
-            <a:spAutoFit/>
-          </a:bodyPr>
-          <a:lstStyle/>
-          <a:p>
-            <a:pPr algn="ctr"/>
-            <a:r>
-              <a:rPr lang="en-US" sz="1400" dirty="0">
-                <a:solidFill>
-                  <a:schemeClr val="tx1">
-                    <a:lumMod val="75000"/>
-                    <a:lumOff val="25000"/>
-                  </a:schemeClr>
-                </a:solidFill>
-              </a:rPr>
-              <a:t>NO</a:t>
-            </a:r>
-          </a:p>
-        </p:txBody>
-      </p:sp>
-      <p:cxnSp>
-        <p:nvCxnSpPr>
-          <p:cNvPr id="45" name="Elbow Connector 44">
-            <a:extLst>
-              <a:ext uri="{FF2B5EF4-FFF2-40B4-BE49-F238E27FC236}">
-                <a16:creationId xmlns:a16="http://schemas.microsoft.com/office/drawing/2014/main" id="{72331EC4-C885-A0D9-5B66-BFF37EE3C1D2}"/>
-              </a:ext>
-            </a:extLst>
-          </p:cNvPr>
-          <p:cNvCxnSpPr>
-            <a:cxnSpLocks/>
-            <a:stCxn id="40" idx="1"/>
-            <a:endCxn id="32" idx="1"/>
-          </p:cNvCxnSpPr>
-          <p:nvPr/>
-        </p:nvCxnSpPr>
-        <p:spPr>
-          <a:xfrm rot="10800000">
-            <a:off x="3184273" y="3433693"/>
-            <a:ext cx="264004" cy="1983490"/>
-          </a:xfrm>
-          <a:prstGeom prst="bentConnector3">
-            <a:avLst>
-              <a:gd name="adj1" fmla="val 186590"/>
-            </a:avLst>
-          </a:prstGeom>
-          <a:ln>
-            <a:solidFill>
-              <a:schemeClr val="tx1">
-                <a:lumMod val="75000"/>
-                <a:lumOff val="25000"/>
-              </a:schemeClr>
-            </a:solidFill>
-            <a:tailEnd type="triangle"/>
-          </a:ln>
-        </p:spPr>
-        <p:style>
-          <a:lnRef idx="1">
-            <a:schemeClr val="accent1"/>
-          </a:lnRef>
-          <a:fillRef idx="0">
-            <a:schemeClr val="accent1"/>
-          </a:fillRef>
-          <a:effectRef idx="0">
-            <a:schemeClr val="accent1"/>
-          </a:effectRef>
-          <a:fontRef idx="minor">
-            <a:schemeClr val="tx1"/>
-          </a:fontRef>
-        </p:style>
-      </p:cxnSp>
-      <p:cxnSp>
-        <p:nvCxnSpPr>
-          <p:cNvPr id="48" name="Straight Connector 47">
-            <a:extLst>
-              <a:ext uri="{FF2B5EF4-FFF2-40B4-BE49-F238E27FC236}">
-                <a16:creationId xmlns:a16="http://schemas.microsoft.com/office/drawing/2014/main" id="{23C30A22-C44D-7BBA-53DF-C46C45416FA0}"/>
-              </a:ext>
-            </a:extLst>
-          </p:cNvPr>
-          <p:cNvCxnSpPr>
-            <a:cxnSpLocks/>
-            <a:stCxn id="32" idx="2"/>
-            <a:endCxn id="31" idx="0"/>
-          </p:cNvCxnSpPr>
-          <p:nvPr/>
-        </p:nvCxnSpPr>
-        <p:spPr>
-          <a:xfrm>
-            <a:off x="3846316" y="3728845"/>
-            <a:ext cx="0" cy="360538"/>
-          </a:xfrm>
-          <a:prstGeom prst="line">
-            <a:avLst/>
-          </a:prstGeom>
-          <a:ln>
-            <a:solidFill>
-              <a:schemeClr val="tx1">
-                <a:lumMod val="75000"/>
-                <a:lumOff val="25000"/>
-              </a:schemeClr>
-            </a:solidFill>
-            <a:tailEnd type="triangle"/>
-          </a:ln>
-        </p:spPr>
-        <p:style>
-          <a:lnRef idx="1">
-            <a:schemeClr val="accent1"/>
-          </a:lnRef>
-          <a:fillRef idx="0">
-            <a:schemeClr val="accent1"/>
-          </a:fillRef>
-          <a:effectRef idx="0">
-            <a:schemeClr val="accent1"/>
-          </a:effectRef>
-          <a:fontRef idx="minor">
-            <a:schemeClr val="tx1"/>
-          </a:fontRef>
-        </p:style>
-      </p:cxnSp>
-      <p:cxnSp>
-        <p:nvCxnSpPr>
-          <p:cNvPr id="54" name="Straight Connector 53">
-            <a:extLst>
-              <a:ext uri="{FF2B5EF4-FFF2-40B4-BE49-F238E27FC236}">
-                <a16:creationId xmlns:a16="http://schemas.microsoft.com/office/drawing/2014/main" id="{2AF86C14-F408-14A5-C3DB-A38C02D5EBBA}"/>
-              </a:ext>
-            </a:extLst>
-          </p:cNvPr>
-          <p:cNvCxnSpPr>
-            <a:cxnSpLocks/>
-            <a:stCxn id="31" idx="2"/>
-            <a:endCxn id="40" idx="0"/>
-          </p:cNvCxnSpPr>
-          <p:nvPr/>
-        </p:nvCxnSpPr>
-        <p:spPr>
-          <a:xfrm flipH="1">
-            <a:off x="3846310" y="4679687"/>
-            <a:ext cx="6" cy="360978"/>
-          </a:xfrm>
-          <a:prstGeom prst="line">
-            <a:avLst/>
-          </a:prstGeom>
-          <a:ln>
-            <a:solidFill>
-              <a:schemeClr val="tx1">
-                <a:lumMod val="75000"/>
-                <a:lumOff val="25000"/>
-              </a:schemeClr>
-            </a:solidFill>
-            <a:tailEnd type="triangle"/>
-          </a:ln>
-        </p:spPr>
-        <p:style>
-          <a:lnRef idx="1">
-            <a:schemeClr val="accent1"/>
-          </a:lnRef>
-          <a:fillRef idx="0">
-            <a:schemeClr val="accent1"/>
-          </a:fillRef>
-          <a:effectRef idx="0">
-            <a:schemeClr val="accent1"/>
-          </a:effectRef>
-          <a:fontRef idx="minor">
-            <a:schemeClr val="tx1"/>
-          </a:fontRef>
-        </p:style>
-      </p:cxnSp>
-      <p:cxnSp>
-        <p:nvCxnSpPr>
-          <p:cNvPr id="57" name="Straight Connector 56">
-            <a:extLst>
-              <a:ext uri="{FF2B5EF4-FFF2-40B4-BE49-F238E27FC236}">
-                <a16:creationId xmlns:a16="http://schemas.microsoft.com/office/drawing/2014/main" id="{B8095C7B-0E7B-C65D-A4DD-F21D732EBFF8}"/>
-              </a:ext>
-            </a:extLst>
-          </p:cNvPr>
-          <p:cNvCxnSpPr>
-            <a:cxnSpLocks/>
-            <a:stCxn id="33" idx="2"/>
-            <a:endCxn id="34" idx="0"/>
-          </p:cNvCxnSpPr>
-          <p:nvPr/>
-        </p:nvCxnSpPr>
-        <p:spPr>
-          <a:xfrm>
-            <a:off x="3846317" y="1816612"/>
-            <a:ext cx="0" cy="339029"/>
-          </a:xfrm>
-          <a:prstGeom prst="line">
-            <a:avLst/>
-          </a:prstGeom>
-          <a:ln>
-            <a:solidFill>
-              <a:schemeClr val="tx1">
-                <a:lumMod val="75000"/>
-                <a:lumOff val="25000"/>
-              </a:schemeClr>
-            </a:solidFill>
-            <a:tailEnd type="triangle"/>
-          </a:ln>
-        </p:spPr>
-        <p:style>
-          <a:lnRef idx="1">
-            <a:schemeClr val="accent1"/>
-          </a:lnRef>
-          <a:fillRef idx="0">
-            <a:schemeClr val="accent1"/>
-          </a:fillRef>
-          <a:effectRef idx="0">
-            <a:schemeClr val="accent1"/>
-          </a:effectRef>
-          <a:fontRef idx="minor">
-            <a:schemeClr val="tx1"/>
-          </a:fontRef>
-        </p:style>
-      </p:cxnSp>
-      <p:cxnSp>
-        <p:nvCxnSpPr>
-          <p:cNvPr id="60" name="Straight Connector 59">
-            <a:extLst>
-              <a:ext uri="{FF2B5EF4-FFF2-40B4-BE49-F238E27FC236}">
-                <a16:creationId xmlns:a16="http://schemas.microsoft.com/office/drawing/2014/main" id="{F9D47658-74C7-9513-743D-77A01DED68F1}"/>
-              </a:ext>
-            </a:extLst>
-          </p:cNvPr>
-          <p:cNvCxnSpPr>
-            <a:cxnSpLocks/>
-            <a:stCxn id="34" idx="2"/>
-            <a:endCxn id="32" idx="0"/>
-          </p:cNvCxnSpPr>
-          <p:nvPr/>
-        </p:nvCxnSpPr>
-        <p:spPr>
-          <a:xfrm flipH="1">
-            <a:off x="3846316" y="2745945"/>
-            <a:ext cx="1" cy="392596"/>
-          </a:xfrm>
-          <a:prstGeom prst="line">
-            <a:avLst/>
-          </a:prstGeom>
-          <a:ln>
-            <a:solidFill>
-              <a:schemeClr val="tx1">
-                <a:lumMod val="75000"/>
-                <a:lumOff val="25000"/>
-              </a:schemeClr>
-            </a:solidFill>
-            <a:tailEnd type="triangle"/>
-          </a:ln>
-        </p:spPr>
-        <p:style>
-          <a:lnRef idx="1">
-            <a:schemeClr val="accent1"/>
-          </a:lnRef>
-          <a:fillRef idx="0">
-            <a:schemeClr val="accent1"/>
-          </a:fillRef>
-          <a:effectRef idx="0">
-            <a:schemeClr val="accent1"/>
-          </a:effectRef>
-          <a:fontRef idx="minor">
-            <a:schemeClr val="tx1"/>
-          </a:fontRef>
-        </p:style>
-      </p:cxnSp>
-      <p:sp>
-        <p:nvSpPr>
-          <p:cNvPr id="63" name="Rounded Rectangle 62">
-            <a:extLst>
-              <a:ext uri="{FF2B5EF4-FFF2-40B4-BE49-F238E27FC236}">
-                <a16:creationId xmlns:a16="http://schemas.microsoft.com/office/drawing/2014/main" id="{8A257E54-3E25-FC17-D406-B95D4E69A7F1}"/>
-              </a:ext>
-            </a:extLst>
-          </p:cNvPr>
-          <p:cNvSpPr/>
-          <p:nvPr/>
-        </p:nvSpPr>
-        <p:spPr>
-          <a:xfrm>
-            <a:off x="5365148" y="2846789"/>
-            <a:ext cx="1324086" cy="590304"/>
-          </a:xfrm>
-          <a:prstGeom prst="roundRect">
-            <a:avLst>
-              <a:gd name="adj" fmla="val 19245"/>
-            </a:avLst>
-          </a:prstGeom>
-          <a:solidFill>
-            <a:srgbClr val="B8D8BE"/>
-          </a:solidFill>
-          <a:ln w="25400">
-            <a:solidFill>
-              <a:schemeClr val="bg1">
-                <a:lumMod val="65000"/>
-              </a:schemeClr>
-            </a:solidFill>
-          </a:ln>
-        </p:spPr>
-        <p:style>
-          <a:lnRef idx="2">
-            <a:schemeClr val="accent1">
-              <a:shade val="50000"/>
-            </a:schemeClr>
-          </a:lnRef>
-          <a:fillRef idx="1">
-            <a:schemeClr val="accent1"/>
-          </a:fillRef>
-          <a:effectRef idx="0">
-            <a:schemeClr val="accent1"/>
-          </a:effectRef>
-          <a:fontRef idx="minor">
-            <a:schemeClr val="lt1"/>
-          </a:fontRef>
-        </p:style>
-        <p:txBody>
-          <a:bodyPr rtlCol="0" anchor="ctr"/>
-          <a:lstStyle/>
-          <a:p>
-            <a:pPr algn="ctr"/>
-            <a:r>
-              <a:rPr lang="en-US" sz="1400" dirty="0">
-                <a:solidFill>
-                  <a:schemeClr val="tx1">
-                    <a:lumMod val="75000"/>
-                    <a:lumOff val="25000"/>
-                  </a:schemeClr>
-                </a:solidFill>
-              </a:rPr>
-              <a:t>Calculate</a:t>
-            </a:r>
-          </a:p>
-          <a:p>
-            <a:pPr algn="ctr"/>
-            <a:r>
-              <a:rPr lang="en-US" sz="1400" dirty="0">
-                <a:solidFill>
-                  <a:schemeClr val="tx1">
-                    <a:lumMod val="75000"/>
-                    <a:lumOff val="25000"/>
-                  </a:schemeClr>
-                </a:solidFill>
-              </a:rPr>
-              <a:t>RMD </a:t>
-            </a:r>
-          </a:p>
-        </p:txBody>
-      </p:sp>
-      <p:sp>
-        <p:nvSpPr>
-          <p:cNvPr id="64" name="Diamond 63">
-            <a:extLst>
-              <a:ext uri="{FF2B5EF4-FFF2-40B4-BE49-F238E27FC236}">
-                <a16:creationId xmlns:a16="http://schemas.microsoft.com/office/drawing/2014/main" id="{0FB07181-D55D-9B7E-5293-31B6BB68B2B6}"/>
-              </a:ext>
-            </a:extLst>
-          </p:cNvPr>
-          <p:cNvSpPr/>
-          <p:nvPr/>
-        </p:nvSpPr>
-        <p:spPr>
-          <a:xfrm>
-            <a:off x="5635655" y="1764195"/>
-            <a:ext cx="796066" cy="753036"/>
-          </a:xfrm>
-          <a:prstGeom prst="diamond">
-            <a:avLst/>
-          </a:prstGeom>
-          <a:solidFill>
-            <a:schemeClr val="bg1">
-              <a:lumMod val="95000"/>
-            </a:schemeClr>
-          </a:solidFill>
-        </p:spPr>
-        <p:style>
-          <a:lnRef idx="2">
-            <a:schemeClr val="accent1">
-              <a:shade val="50000"/>
-            </a:schemeClr>
-          </a:lnRef>
-          <a:fillRef idx="1">
-            <a:schemeClr val="accent1"/>
-          </a:fillRef>
-          <a:effectRef idx="0">
-            <a:schemeClr val="accent1"/>
-          </a:effectRef>
-          <a:fontRef idx="minor">
-            <a:schemeClr val="lt1"/>
-          </a:fontRef>
-        </p:style>
-        <p:txBody>
-          <a:bodyPr rtlCol="0" anchor="ctr"/>
-          <a:lstStyle/>
-          <a:p>
-            <a:pPr algn="ctr"/>
-            <a:r>
-              <a:rPr lang="en-US" sz="2400" dirty="0">
-                <a:solidFill>
-                  <a:schemeClr val="tx1">
-                    <a:lumMod val="75000"/>
-                    <a:lumOff val="25000"/>
-                  </a:schemeClr>
-                </a:solidFill>
-              </a:rPr>
-              <a:t>?</a:t>
-            </a:r>
-          </a:p>
-        </p:txBody>
-      </p:sp>
-      <p:sp>
-        <p:nvSpPr>
-          <p:cNvPr id="65" name="TextBox 64">
-            <a:extLst>
-              <a:ext uri="{FF2B5EF4-FFF2-40B4-BE49-F238E27FC236}">
-                <a16:creationId xmlns:a16="http://schemas.microsoft.com/office/drawing/2014/main" id="{3FEDD8C4-A3AA-90EC-7BB2-2B799EDB8EF7}"/>
-              </a:ext>
-            </a:extLst>
-          </p:cNvPr>
-          <p:cNvSpPr txBox="1"/>
-          <p:nvPr/>
-        </p:nvSpPr>
-        <p:spPr>
-          <a:xfrm>
-            <a:off x="5238424" y="1014686"/>
-            <a:ext cx="1485889" cy="738664"/>
-          </a:xfrm>
-          <a:prstGeom prst="rect">
-            <a:avLst/>
-          </a:prstGeom>
-          <a:noFill/>
-        </p:spPr>
-        <p:txBody>
-          <a:bodyPr wrap="square" rtlCol="0">
-            <a:spAutoFit/>
-          </a:bodyPr>
-          <a:lstStyle/>
-          <a:p>
-            <a:pPr algn="ctr"/>
-            <a:r>
-              <a:rPr lang="en-US" sz="1400" dirty="0">
-                <a:solidFill>
-                  <a:schemeClr val="tx1">
-                    <a:lumMod val="75000"/>
-                    <a:lumOff val="25000"/>
-                  </a:schemeClr>
-                </a:solidFill>
-              </a:rPr>
-              <a:t>Does withdrawal meet RMD amount?</a:t>
-            </a:r>
-          </a:p>
-        </p:txBody>
-      </p:sp>
-      <p:sp>
-        <p:nvSpPr>
-          <p:cNvPr id="66" name="TextBox 65">
-            <a:extLst>
-              <a:ext uri="{FF2B5EF4-FFF2-40B4-BE49-F238E27FC236}">
-                <a16:creationId xmlns:a16="http://schemas.microsoft.com/office/drawing/2014/main" id="{A90DA50C-5ACC-149A-05DE-95F5C2188805}"/>
-              </a:ext>
-            </a:extLst>
-          </p:cNvPr>
-          <p:cNvSpPr txBox="1"/>
-          <p:nvPr/>
-        </p:nvSpPr>
-        <p:spPr>
-          <a:xfrm>
-            <a:off x="6651147" y="2140713"/>
-            <a:ext cx="516802" cy="307777"/>
-          </a:xfrm>
-          <a:prstGeom prst="rect">
-            <a:avLst/>
-          </a:prstGeom>
-          <a:noFill/>
-        </p:spPr>
-        <p:txBody>
-          <a:bodyPr wrap="square" rtlCol="0">
-            <a:spAutoFit/>
-          </a:bodyPr>
-          <a:lstStyle/>
-          <a:p>
-            <a:pPr algn="ctr"/>
-            <a:r>
-              <a:rPr lang="en-US" sz="1400" dirty="0">
-                <a:solidFill>
-                  <a:schemeClr val="tx1">
-                    <a:lumMod val="75000"/>
-                    <a:lumOff val="25000"/>
-                  </a:schemeClr>
-                </a:solidFill>
-              </a:rPr>
-              <a:t>YES</a:t>
-            </a:r>
-          </a:p>
-        </p:txBody>
-      </p:sp>
-      <p:sp>
-        <p:nvSpPr>
-          <p:cNvPr id="67" name="TextBox 66">
-            <a:extLst>
-              <a:ext uri="{FF2B5EF4-FFF2-40B4-BE49-F238E27FC236}">
-                <a16:creationId xmlns:a16="http://schemas.microsoft.com/office/drawing/2014/main" id="{D6FF5438-5BBF-2222-4FE2-5BA18F8C85F7}"/>
-              </a:ext>
-            </a:extLst>
-          </p:cNvPr>
-          <p:cNvSpPr txBox="1"/>
-          <p:nvPr/>
-        </p:nvSpPr>
-        <p:spPr>
-          <a:xfrm>
-            <a:off x="5516878" y="2481099"/>
-            <a:ext cx="516802" cy="307777"/>
-          </a:xfrm>
-          <a:prstGeom prst="rect">
-            <a:avLst/>
-          </a:prstGeom>
-          <a:noFill/>
-        </p:spPr>
-        <p:txBody>
-          <a:bodyPr wrap="square" rtlCol="0">
-            <a:spAutoFit/>
-          </a:bodyPr>
-          <a:lstStyle/>
-          <a:p>
-            <a:pPr algn="ctr"/>
-            <a:r>
-              <a:rPr lang="en-US" sz="1400" dirty="0">
-                <a:solidFill>
-                  <a:schemeClr val="tx1">
-                    <a:lumMod val="75000"/>
-                    <a:lumOff val="25000"/>
-                  </a:schemeClr>
-                </a:solidFill>
-              </a:rPr>
-              <a:t>NO</a:t>
-            </a:r>
-          </a:p>
-        </p:txBody>
-      </p:sp>
-      <p:cxnSp>
-        <p:nvCxnSpPr>
-          <p:cNvPr id="68" name="Elbow Connector 67">
-            <a:extLst>
-              <a:ext uri="{FF2B5EF4-FFF2-40B4-BE49-F238E27FC236}">
-                <a16:creationId xmlns:a16="http://schemas.microsoft.com/office/drawing/2014/main" id="{4D947F34-2B89-F6B5-0969-3E821760E454}"/>
-              </a:ext>
-            </a:extLst>
-          </p:cNvPr>
-          <p:cNvCxnSpPr>
-            <a:cxnSpLocks/>
-            <a:stCxn id="40" idx="3"/>
-            <a:endCxn id="64" idx="1"/>
-          </p:cNvCxnSpPr>
-          <p:nvPr/>
-        </p:nvCxnSpPr>
-        <p:spPr>
-          <a:xfrm flipV="1">
-            <a:off x="4244343" y="2140713"/>
-            <a:ext cx="1391312" cy="3276470"/>
-          </a:xfrm>
-          <a:prstGeom prst="bentConnector3">
-            <a:avLst>
-              <a:gd name="adj1" fmla="val 50000"/>
-            </a:avLst>
-          </a:prstGeom>
-          <a:ln>
-            <a:solidFill>
-              <a:schemeClr val="tx1">
-                <a:lumMod val="75000"/>
-                <a:lumOff val="25000"/>
-              </a:schemeClr>
-            </a:solidFill>
-            <a:tailEnd type="triangle"/>
-          </a:ln>
-        </p:spPr>
-        <p:style>
-          <a:lnRef idx="1">
-            <a:schemeClr val="accent1"/>
-          </a:lnRef>
-          <a:fillRef idx="0">
-            <a:schemeClr val="accent1"/>
-          </a:fillRef>
-          <a:effectRef idx="0">
-            <a:schemeClr val="accent1"/>
-          </a:effectRef>
-          <a:fontRef idx="minor">
-            <a:schemeClr val="tx1"/>
-          </a:fontRef>
-        </p:style>
-      </p:cxnSp>
-      <p:sp>
-        <p:nvSpPr>
-          <p:cNvPr id="72" name="Rounded Rectangle 71">
-            <a:extLst>
-              <a:ext uri="{FF2B5EF4-FFF2-40B4-BE49-F238E27FC236}">
-                <a16:creationId xmlns:a16="http://schemas.microsoft.com/office/drawing/2014/main" id="{CE5C0DE1-9CA4-0EF6-9B91-98577E7AB875}"/>
-              </a:ext>
-            </a:extLst>
-          </p:cNvPr>
-          <p:cNvSpPr/>
-          <p:nvPr/>
-        </p:nvSpPr>
-        <p:spPr>
-          <a:xfrm>
-            <a:off x="5365148" y="3806522"/>
-            <a:ext cx="1324086" cy="590304"/>
-          </a:xfrm>
-          <a:prstGeom prst="roundRect">
-            <a:avLst>
-              <a:gd name="adj" fmla="val 19245"/>
-            </a:avLst>
-          </a:prstGeom>
-          <a:solidFill>
-            <a:srgbClr val="B8D8BE"/>
-          </a:solidFill>
-          <a:ln w="25400">
-            <a:solidFill>
-              <a:schemeClr val="bg1">
-                <a:lumMod val="65000"/>
-              </a:schemeClr>
-            </a:solidFill>
-          </a:ln>
-        </p:spPr>
-        <p:style>
-          <a:lnRef idx="2">
-            <a:schemeClr val="accent1">
-              <a:shade val="50000"/>
-            </a:schemeClr>
-          </a:lnRef>
-          <a:fillRef idx="1">
-            <a:schemeClr val="accent1"/>
-          </a:fillRef>
-          <a:effectRef idx="0">
-            <a:schemeClr val="accent1"/>
-          </a:effectRef>
-          <a:fontRef idx="minor">
-            <a:schemeClr val="lt1"/>
-          </a:fontRef>
-        </p:style>
-        <p:txBody>
-          <a:bodyPr rtlCol="0" anchor="ctr"/>
-          <a:lstStyle/>
-          <a:p>
-            <a:pPr algn="ctr"/>
-            <a:r>
-              <a:rPr lang="en-US" sz="1400" dirty="0">
-                <a:solidFill>
-                  <a:schemeClr val="tx1">
-                    <a:lumMod val="75000"/>
-                    <a:lumOff val="25000"/>
-                  </a:schemeClr>
-                </a:solidFill>
-              </a:rPr>
-              <a:t>Adjust budget</a:t>
-            </a:r>
-          </a:p>
-        </p:txBody>
-      </p:sp>
-      <p:sp>
-        <p:nvSpPr>
-          <p:cNvPr id="73" name="Rounded Rectangle 72">
-            <a:extLst>
-              <a:ext uri="{FF2B5EF4-FFF2-40B4-BE49-F238E27FC236}">
-                <a16:creationId xmlns:a16="http://schemas.microsoft.com/office/drawing/2014/main" id="{AB1A9409-41CE-F7ED-6E8C-67BA669029AE}"/>
-              </a:ext>
-            </a:extLst>
-          </p:cNvPr>
-          <p:cNvSpPr/>
-          <p:nvPr/>
-        </p:nvSpPr>
-        <p:spPr>
-          <a:xfrm>
-            <a:off x="5365148" y="5716135"/>
-            <a:ext cx="1324086" cy="590304"/>
-          </a:xfrm>
-          <a:prstGeom prst="roundRect">
-            <a:avLst>
-              <a:gd name="adj" fmla="val 19245"/>
-            </a:avLst>
-          </a:prstGeom>
-          <a:solidFill>
-            <a:srgbClr val="B8D8BE"/>
-          </a:solidFill>
-          <a:ln w="25400">
-            <a:solidFill>
-              <a:schemeClr val="bg1">
-                <a:lumMod val="65000"/>
-              </a:schemeClr>
-            </a:solidFill>
-          </a:ln>
-        </p:spPr>
-        <p:style>
-          <a:lnRef idx="2">
-            <a:schemeClr val="accent1">
-              <a:shade val="50000"/>
-            </a:schemeClr>
-          </a:lnRef>
-          <a:fillRef idx="1">
-            <a:schemeClr val="accent1"/>
-          </a:fillRef>
-          <a:effectRef idx="0">
-            <a:schemeClr val="accent1"/>
-          </a:effectRef>
-          <a:fontRef idx="minor">
-            <a:schemeClr val="lt1"/>
-          </a:fontRef>
-        </p:style>
-        <p:txBody>
-          <a:bodyPr rtlCol="0" anchor="ctr"/>
-          <a:lstStyle/>
-          <a:p>
-            <a:pPr algn="ctr"/>
-            <a:r>
-              <a:rPr lang="en-US" sz="1400" dirty="0">
-                <a:solidFill>
-                  <a:schemeClr val="tx1">
-                    <a:lumMod val="75000"/>
-                    <a:lumOff val="25000"/>
-                  </a:schemeClr>
-                </a:solidFill>
-              </a:rPr>
-              <a:t>Calculate</a:t>
-            </a:r>
-          </a:p>
-          <a:p>
-            <a:pPr algn="ctr"/>
-            <a:r>
-              <a:rPr lang="en-US" sz="1400" dirty="0">
-                <a:solidFill>
-                  <a:schemeClr val="tx1">
-                    <a:lumMod val="75000"/>
-                    <a:lumOff val="25000"/>
-                  </a:schemeClr>
-                </a:solidFill>
-              </a:rPr>
-              <a:t>income taxes</a:t>
-            </a:r>
-          </a:p>
-        </p:txBody>
-      </p:sp>
-      <p:sp>
-        <p:nvSpPr>
-          <p:cNvPr id="74" name="Rounded Rectangle 73">
-            <a:extLst>
-              <a:ext uri="{FF2B5EF4-FFF2-40B4-BE49-F238E27FC236}">
-                <a16:creationId xmlns:a16="http://schemas.microsoft.com/office/drawing/2014/main" id="{207019B4-1661-12A0-8265-58CFE613237B}"/>
-              </a:ext>
-            </a:extLst>
-          </p:cNvPr>
-          <p:cNvSpPr/>
-          <p:nvPr/>
-        </p:nvSpPr>
-        <p:spPr>
-          <a:xfrm>
-            <a:off x="5365148" y="4765293"/>
-            <a:ext cx="1324086" cy="590304"/>
-          </a:xfrm>
-          <a:prstGeom prst="roundRect">
-            <a:avLst>
-              <a:gd name="adj" fmla="val 19245"/>
-            </a:avLst>
-          </a:prstGeom>
-          <a:solidFill>
-            <a:srgbClr val="B8D8BE"/>
-          </a:solidFill>
-          <a:ln w="25400">
-            <a:solidFill>
-              <a:schemeClr val="bg1">
-                <a:lumMod val="65000"/>
-              </a:schemeClr>
-            </a:solidFill>
-          </a:ln>
-        </p:spPr>
-        <p:style>
-          <a:lnRef idx="2">
-            <a:schemeClr val="accent1">
-              <a:shade val="50000"/>
-            </a:schemeClr>
-          </a:lnRef>
-          <a:fillRef idx="1">
-            <a:schemeClr val="accent1"/>
-          </a:fillRef>
-          <a:effectRef idx="0">
-            <a:schemeClr val="accent1"/>
-          </a:effectRef>
-          <a:fontRef idx="minor">
-            <a:schemeClr val="lt1"/>
-          </a:fontRef>
-        </p:style>
-        <p:txBody>
-          <a:bodyPr rtlCol="0" anchor="ctr"/>
-          <a:lstStyle/>
-          <a:p>
-            <a:pPr algn="ctr"/>
-            <a:r>
-              <a:rPr lang="en-US" sz="1400" dirty="0">
-                <a:solidFill>
-                  <a:schemeClr val="tx1">
-                    <a:lumMod val="75000"/>
-                    <a:lumOff val="25000"/>
-                  </a:schemeClr>
-                </a:solidFill>
-              </a:rPr>
-              <a:t>Calculate</a:t>
-            </a:r>
-          </a:p>
-          <a:p>
-            <a:pPr algn="ctr"/>
-            <a:r>
-              <a:rPr lang="en-US" sz="1400" dirty="0">
-                <a:solidFill>
-                  <a:schemeClr val="tx1">
-                    <a:lumMod val="75000"/>
-                    <a:lumOff val="25000"/>
-                  </a:schemeClr>
-                </a:solidFill>
-              </a:rPr>
-              <a:t>withdrawal</a:t>
-            </a:r>
-          </a:p>
-        </p:txBody>
-      </p:sp>
-      <p:cxnSp>
-        <p:nvCxnSpPr>
-          <p:cNvPr id="75" name="Straight Connector 74">
-            <a:extLst>
-              <a:ext uri="{FF2B5EF4-FFF2-40B4-BE49-F238E27FC236}">
-                <a16:creationId xmlns:a16="http://schemas.microsoft.com/office/drawing/2014/main" id="{896683DF-7BA2-D650-F3B7-6762565F75B8}"/>
-              </a:ext>
-            </a:extLst>
-          </p:cNvPr>
-          <p:cNvCxnSpPr>
-            <a:cxnSpLocks/>
-          </p:cNvCxnSpPr>
-          <p:nvPr/>
-        </p:nvCxnSpPr>
-        <p:spPr>
-          <a:xfrm>
-            <a:off x="6027191" y="5355597"/>
-            <a:ext cx="0" cy="360538"/>
-          </a:xfrm>
-          <a:prstGeom prst="line">
-            <a:avLst/>
-          </a:prstGeom>
-          <a:ln>
-            <a:solidFill>
-              <a:schemeClr val="tx1">
-                <a:lumMod val="75000"/>
-                <a:lumOff val="25000"/>
-              </a:schemeClr>
-            </a:solidFill>
-            <a:tailEnd type="triangle"/>
-          </a:ln>
-        </p:spPr>
-        <p:style>
-          <a:lnRef idx="1">
-            <a:schemeClr val="accent1"/>
-          </a:lnRef>
-          <a:fillRef idx="0">
-            <a:schemeClr val="accent1"/>
-          </a:fillRef>
-          <a:effectRef idx="0">
-            <a:schemeClr val="accent1"/>
-          </a:effectRef>
-          <a:fontRef idx="minor">
-            <a:schemeClr val="tx1"/>
-          </a:fontRef>
-        </p:style>
-      </p:cxnSp>
-      <p:cxnSp>
-        <p:nvCxnSpPr>
-          <p:cNvPr id="76" name="Straight Connector 75">
-            <a:extLst>
-              <a:ext uri="{FF2B5EF4-FFF2-40B4-BE49-F238E27FC236}">
-                <a16:creationId xmlns:a16="http://schemas.microsoft.com/office/drawing/2014/main" id="{87139CD7-2F25-943F-BA68-A660429E5AD6}"/>
-              </a:ext>
-            </a:extLst>
-          </p:cNvPr>
-          <p:cNvCxnSpPr>
-            <a:cxnSpLocks/>
-            <a:stCxn id="64" idx="2"/>
-            <a:endCxn id="63" idx="0"/>
-          </p:cNvCxnSpPr>
-          <p:nvPr/>
-        </p:nvCxnSpPr>
-        <p:spPr>
-          <a:xfrm flipH="1">
-            <a:off x="6027191" y="2517231"/>
-            <a:ext cx="6497" cy="329558"/>
-          </a:xfrm>
-          <a:prstGeom prst="line">
-            <a:avLst/>
-          </a:prstGeom>
-          <a:ln>
-            <a:solidFill>
-              <a:schemeClr val="tx1">
-                <a:lumMod val="75000"/>
-                <a:lumOff val="25000"/>
-              </a:schemeClr>
-            </a:solidFill>
-            <a:tailEnd type="triangle"/>
-          </a:ln>
-        </p:spPr>
-        <p:style>
-          <a:lnRef idx="1">
-            <a:schemeClr val="accent1"/>
-          </a:lnRef>
-          <a:fillRef idx="0">
-            <a:schemeClr val="accent1"/>
-          </a:fillRef>
-          <a:effectRef idx="0">
-            <a:schemeClr val="accent1"/>
-          </a:effectRef>
-          <a:fontRef idx="minor">
-            <a:schemeClr val="tx1"/>
-          </a:fontRef>
-        </p:style>
-      </p:cxnSp>
-      <p:cxnSp>
-        <p:nvCxnSpPr>
-          <p:cNvPr id="79" name="Straight Connector 78">
-            <a:extLst>
-              <a:ext uri="{FF2B5EF4-FFF2-40B4-BE49-F238E27FC236}">
-                <a16:creationId xmlns:a16="http://schemas.microsoft.com/office/drawing/2014/main" id="{939D0C88-968E-5186-90D5-6AAA26E8D65F}"/>
-              </a:ext>
-            </a:extLst>
-          </p:cNvPr>
-          <p:cNvCxnSpPr>
-            <a:cxnSpLocks/>
-          </p:cNvCxnSpPr>
-          <p:nvPr/>
-        </p:nvCxnSpPr>
-        <p:spPr>
-          <a:xfrm>
-            <a:off x="6027191" y="3437093"/>
-            <a:ext cx="0" cy="369429"/>
-          </a:xfrm>
-          <a:prstGeom prst="line">
-            <a:avLst/>
-          </a:prstGeom>
-          <a:ln>
-            <a:solidFill>
-              <a:schemeClr val="tx1">
-                <a:lumMod val="75000"/>
-                <a:lumOff val="25000"/>
-              </a:schemeClr>
-            </a:solidFill>
-            <a:tailEnd type="triangle"/>
-          </a:ln>
-        </p:spPr>
-        <p:style>
-          <a:lnRef idx="1">
-            <a:schemeClr val="accent1"/>
-          </a:lnRef>
-          <a:fillRef idx="0">
-            <a:schemeClr val="accent1"/>
-          </a:fillRef>
-          <a:effectRef idx="0">
-            <a:schemeClr val="accent1"/>
-          </a:effectRef>
-          <a:fontRef idx="minor">
-            <a:schemeClr val="tx1"/>
-          </a:fontRef>
-        </p:style>
-      </p:cxnSp>
-      <p:cxnSp>
-        <p:nvCxnSpPr>
-          <p:cNvPr id="82" name="Straight Connector 81">
-            <a:extLst>
-              <a:ext uri="{FF2B5EF4-FFF2-40B4-BE49-F238E27FC236}">
-                <a16:creationId xmlns:a16="http://schemas.microsoft.com/office/drawing/2014/main" id="{DBA1F7E4-9FF6-D043-9994-E47F83F14A97}"/>
-              </a:ext>
-            </a:extLst>
-          </p:cNvPr>
-          <p:cNvCxnSpPr>
-            <a:cxnSpLocks/>
-          </p:cNvCxnSpPr>
-          <p:nvPr/>
-        </p:nvCxnSpPr>
-        <p:spPr>
-          <a:xfrm flipH="1">
-            <a:off x="6027191" y="4422868"/>
-            <a:ext cx="6489" cy="342425"/>
-          </a:xfrm>
-          <a:prstGeom prst="line">
-            <a:avLst/>
-          </a:prstGeom>
-          <a:ln>
-            <a:solidFill>
-              <a:schemeClr val="tx1">
-                <a:lumMod val="75000"/>
-                <a:lumOff val="25000"/>
-              </a:schemeClr>
-            </a:solidFill>
-            <a:tailEnd type="triangle"/>
-          </a:ln>
-        </p:spPr>
-        <p:style>
-          <a:lnRef idx="1">
-            <a:schemeClr val="accent1"/>
-          </a:lnRef>
-          <a:fillRef idx="0">
-            <a:schemeClr val="accent1"/>
-          </a:fillRef>
-          <a:effectRef idx="0">
-            <a:schemeClr val="accent1"/>
-          </a:effectRef>
-          <a:fontRef idx="minor">
-            <a:schemeClr val="tx1"/>
-          </a:fontRef>
-        </p:style>
-      </p:cxnSp>
-      <p:sp>
-        <p:nvSpPr>
-          <p:cNvPr id="85" name="Diamond 84">
-            <a:extLst>
-              <a:ext uri="{FF2B5EF4-FFF2-40B4-BE49-F238E27FC236}">
-                <a16:creationId xmlns:a16="http://schemas.microsoft.com/office/drawing/2014/main" id="{D2ED4E96-7F4D-CDE4-6288-8C4072820A5C}"/>
-              </a:ext>
-            </a:extLst>
-          </p:cNvPr>
-          <p:cNvSpPr/>
-          <p:nvPr/>
-        </p:nvSpPr>
-        <p:spPr>
-          <a:xfrm>
-            <a:off x="8152272" y="2423115"/>
-            <a:ext cx="796066" cy="753036"/>
-          </a:xfrm>
-          <a:prstGeom prst="diamond">
-            <a:avLst/>
-          </a:prstGeom>
-          <a:solidFill>
-            <a:schemeClr val="bg1">
-              <a:lumMod val="95000"/>
-            </a:schemeClr>
-          </a:solidFill>
-        </p:spPr>
-        <p:style>
-          <a:lnRef idx="2">
-            <a:schemeClr val="accent1">
-              <a:shade val="50000"/>
-            </a:schemeClr>
-          </a:lnRef>
-          <a:fillRef idx="1">
-            <a:schemeClr val="accent1"/>
-          </a:fillRef>
-          <a:effectRef idx="0">
-            <a:schemeClr val="accent1"/>
-          </a:effectRef>
-          <a:fontRef idx="minor">
-            <a:schemeClr val="lt1"/>
-          </a:fontRef>
-        </p:style>
-        <p:txBody>
-          <a:bodyPr rtlCol="0" anchor="ctr"/>
-          <a:lstStyle/>
-          <a:p>
-            <a:pPr algn="ctr"/>
-            <a:r>
-              <a:rPr lang="en-US" sz="2400" dirty="0">
-                <a:solidFill>
-                  <a:schemeClr val="tx1">
-                    <a:lumMod val="75000"/>
-                    <a:lumOff val="25000"/>
-                  </a:schemeClr>
-                </a:solidFill>
-              </a:rPr>
-              <a:t>?</a:t>
-            </a:r>
-          </a:p>
-        </p:txBody>
-      </p:sp>
-      <p:sp>
-        <p:nvSpPr>
-          <p:cNvPr id="86" name="TextBox 85">
-            <a:extLst>
-              <a:ext uri="{FF2B5EF4-FFF2-40B4-BE49-F238E27FC236}">
-                <a16:creationId xmlns:a16="http://schemas.microsoft.com/office/drawing/2014/main" id="{AFDBBF5F-D89E-06E4-3F8D-1A0DD3CB31DE}"/>
-              </a:ext>
-            </a:extLst>
-          </p:cNvPr>
-          <p:cNvSpPr txBox="1"/>
-          <p:nvPr/>
-        </p:nvSpPr>
-        <p:spPr>
-          <a:xfrm>
-            <a:off x="7955181" y="1014686"/>
-            <a:ext cx="1210344" cy="1169551"/>
-          </a:xfrm>
-          <a:prstGeom prst="rect">
-            <a:avLst/>
-          </a:prstGeom>
-          <a:noFill/>
-        </p:spPr>
-        <p:txBody>
-          <a:bodyPr wrap="square" rtlCol="0">
-            <a:spAutoFit/>
-          </a:bodyPr>
-          <a:lstStyle/>
-          <a:p>
-            <a:pPr algn="ctr"/>
-            <a:r>
-              <a:rPr lang="en-US" sz="1400" dirty="0">
-                <a:solidFill>
-                  <a:schemeClr val="tx1">
-                    <a:lumMod val="75000"/>
-                    <a:lumOff val="25000"/>
-                  </a:schemeClr>
-                </a:solidFill>
-              </a:rPr>
-              <a:t>Does withdrawal exceed investment balance?</a:t>
-            </a:r>
-          </a:p>
-        </p:txBody>
-      </p:sp>
-      <p:cxnSp>
-        <p:nvCxnSpPr>
-          <p:cNvPr id="104" name="Straight Arrow Connector 103">
-            <a:extLst>
-              <a:ext uri="{FF2B5EF4-FFF2-40B4-BE49-F238E27FC236}">
-                <a16:creationId xmlns:a16="http://schemas.microsoft.com/office/drawing/2014/main" id="{D3108B98-8E5A-67D6-1135-CBECEC89B17C}"/>
-              </a:ext>
-            </a:extLst>
-          </p:cNvPr>
-          <p:cNvCxnSpPr>
-            <a:cxnSpLocks/>
-            <a:stCxn id="64" idx="3"/>
-          </p:cNvCxnSpPr>
-          <p:nvPr/>
-        </p:nvCxnSpPr>
-        <p:spPr>
-          <a:xfrm>
-            <a:off x="6431721" y="2140713"/>
-            <a:ext cx="1133825" cy="0"/>
-          </a:xfrm>
-          <a:prstGeom prst="straightConnector1">
-            <a:avLst/>
-          </a:prstGeom>
-          <a:ln>
-            <a:solidFill>
-              <a:schemeClr val="tx1">
-                <a:lumMod val="75000"/>
-                <a:lumOff val="25000"/>
-              </a:schemeClr>
-            </a:solidFill>
-            <a:tailEnd type="triangle"/>
-          </a:ln>
-        </p:spPr>
-        <p:style>
-          <a:lnRef idx="1">
-            <a:schemeClr val="accent1"/>
-          </a:lnRef>
-          <a:fillRef idx="0">
-            <a:schemeClr val="accent1"/>
-          </a:fillRef>
-          <a:effectRef idx="0">
-            <a:schemeClr val="accent1"/>
-          </a:effectRef>
-          <a:fontRef idx="minor">
-            <a:schemeClr val="tx1"/>
-          </a:fontRef>
-        </p:style>
-      </p:cxnSp>
-      <p:cxnSp>
-        <p:nvCxnSpPr>
-          <p:cNvPr id="105" name="Straight Arrow Connector 104">
-            <a:extLst>
-              <a:ext uri="{FF2B5EF4-FFF2-40B4-BE49-F238E27FC236}">
-                <a16:creationId xmlns:a16="http://schemas.microsoft.com/office/drawing/2014/main" id="{D184DC4D-1ACB-4391-218B-6B365C49419E}"/>
-              </a:ext>
-            </a:extLst>
-          </p:cNvPr>
-          <p:cNvCxnSpPr>
-            <a:cxnSpLocks/>
-          </p:cNvCxnSpPr>
-          <p:nvPr/>
-        </p:nvCxnSpPr>
-        <p:spPr>
-          <a:xfrm>
-            <a:off x="2119261" y="1488907"/>
-            <a:ext cx="850997" cy="0"/>
-          </a:xfrm>
-          <a:prstGeom prst="straightConnector1">
-            <a:avLst/>
-          </a:prstGeom>
-          <a:ln>
-            <a:solidFill>
-              <a:schemeClr val="tx1">
-                <a:lumMod val="75000"/>
-                <a:lumOff val="25000"/>
-              </a:schemeClr>
-            </a:solidFill>
-            <a:tailEnd type="triangle"/>
-          </a:ln>
-        </p:spPr>
-        <p:style>
-          <a:lnRef idx="1">
-            <a:schemeClr val="accent1"/>
-          </a:lnRef>
-          <a:fillRef idx="0">
-            <a:schemeClr val="accent1"/>
-          </a:fillRef>
-          <a:effectRef idx="0">
-            <a:schemeClr val="accent1"/>
-          </a:effectRef>
-          <a:fontRef idx="minor">
-            <a:schemeClr val="tx1"/>
-          </a:fontRef>
-        </p:style>
-      </p:cxnSp>
-      <p:cxnSp>
-        <p:nvCxnSpPr>
-          <p:cNvPr id="108" name="Straight Arrow Connector 107">
-            <a:extLst>
-              <a:ext uri="{FF2B5EF4-FFF2-40B4-BE49-F238E27FC236}">
-                <a16:creationId xmlns:a16="http://schemas.microsoft.com/office/drawing/2014/main" id="{88582AD9-A44F-0161-0E52-DE7BF1C285F2}"/>
-              </a:ext>
-            </a:extLst>
-          </p:cNvPr>
-          <p:cNvCxnSpPr>
-            <a:cxnSpLocks/>
-          </p:cNvCxnSpPr>
-          <p:nvPr/>
-        </p:nvCxnSpPr>
-        <p:spPr>
-          <a:xfrm>
-            <a:off x="7038063" y="3458609"/>
-            <a:ext cx="527483" cy="5333"/>
-          </a:xfrm>
-          <a:prstGeom prst="straightConnector1">
-            <a:avLst/>
-          </a:prstGeom>
-          <a:ln>
-            <a:solidFill>
-              <a:schemeClr val="tx1">
-                <a:lumMod val="75000"/>
-                <a:lumOff val="25000"/>
-              </a:schemeClr>
-            </a:solidFill>
-            <a:tailEnd type="triangle"/>
-          </a:ln>
-        </p:spPr>
-        <p:style>
-          <a:lnRef idx="1">
-            <a:schemeClr val="accent1"/>
-          </a:lnRef>
-          <a:fillRef idx="0">
-            <a:schemeClr val="accent1"/>
-          </a:fillRef>
-          <a:effectRef idx="0">
-            <a:schemeClr val="accent1"/>
-          </a:effectRef>
-          <a:fontRef idx="minor">
-            <a:schemeClr val="tx1"/>
-          </a:fontRef>
-        </p:style>
-      </p:cxnSp>
-      <p:cxnSp>
-        <p:nvCxnSpPr>
-          <p:cNvPr id="112" name="Elbow Connector 111">
-            <a:extLst>
-              <a:ext uri="{FF2B5EF4-FFF2-40B4-BE49-F238E27FC236}">
-                <a16:creationId xmlns:a16="http://schemas.microsoft.com/office/drawing/2014/main" id="{334480F1-A5BB-29DA-C20A-82F0207C305C}"/>
-              </a:ext>
-            </a:extLst>
-          </p:cNvPr>
-          <p:cNvCxnSpPr>
-            <a:cxnSpLocks/>
-            <a:stCxn id="73" idx="2"/>
-          </p:cNvCxnSpPr>
-          <p:nvPr/>
-        </p:nvCxnSpPr>
-        <p:spPr>
-          <a:xfrm rot="5400000" flipH="1" flipV="1">
-            <a:off x="5111378" y="4379754"/>
-            <a:ext cx="2842497" cy="1010873"/>
-          </a:xfrm>
-          <a:prstGeom prst="bentConnector3">
-            <a:avLst>
-              <a:gd name="adj1" fmla="val -8042"/>
-            </a:avLst>
-          </a:prstGeom>
-          <a:ln>
-            <a:solidFill>
-              <a:schemeClr val="tx1">
-                <a:lumMod val="75000"/>
-                <a:lumOff val="25000"/>
-              </a:schemeClr>
-            </a:solidFill>
-          </a:ln>
-        </p:spPr>
-        <p:style>
-          <a:lnRef idx="1">
-            <a:schemeClr val="accent1"/>
-          </a:lnRef>
-          <a:fillRef idx="0">
-            <a:schemeClr val="accent1"/>
-          </a:fillRef>
-          <a:effectRef idx="0">
-            <a:schemeClr val="accent1"/>
-          </a:effectRef>
-          <a:fontRef idx="minor">
-            <a:schemeClr val="tx1"/>
-          </a:fontRef>
-        </p:style>
-      </p:cxnSp>
-      <p:cxnSp>
-        <p:nvCxnSpPr>
-          <p:cNvPr id="115" name="Straight Arrow Connector 114">
-            <a:extLst>
-              <a:ext uri="{FF2B5EF4-FFF2-40B4-BE49-F238E27FC236}">
-                <a16:creationId xmlns:a16="http://schemas.microsoft.com/office/drawing/2014/main" id="{C129A787-4DE2-C4D5-4FEA-838C171F2D76}"/>
-              </a:ext>
-            </a:extLst>
-          </p:cNvPr>
-          <p:cNvCxnSpPr>
-            <a:cxnSpLocks/>
-          </p:cNvCxnSpPr>
-          <p:nvPr/>
-        </p:nvCxnSpPr>
-        <p:spPr>
-          <a:xfrm flipV="1">
-            <a:off x="7565546" y="2792066"/>
-            <a:ext cx="585185" cy="5049"/>
-          </a:xfrm>
-          <a:prstGeom prst="straightConnector1">
-            <a:avLst/>
-          </a:prstGeom>
-          <a:ln>
-            <a:solidFill>
-              <a:schemeClr val="tx1">
-                <a:lumMod val="75000"/>
-                <a:lumOff val="25000"/>
-              </a:schemeClr>
-            </a:solidFill>
-            <a:tailEnd type="triangle"/>
-          </a:ln>
-        </p:spPr>
-        <p:style>
-          <a:lnRef idx="1">
-            <a:schemeClr val="accent1"/>
-          </a:lnRef>
-          <a:fillRef idx="0">
-            <a:schemeClr val="accent1"/>
-          </a:fillRef>
-          <a:effectRef idx="0">
-            <a:schemeClr val="accent1"/>
-          </a:effectRef>
-          <a:fontRef idx="minor">
-            <a:schemeClr val="tx1"/>
-          </a:fontRef>
-        </p:style>
-      </p:cxnSp>
-      <p:sp>
-        <p:nvSpPr>
-          <p:cNvPr id="121" name="TextBox 120">
-            <a:extLst>
-              <a:ext uri="{FF2B5EF4-FFF2-40B4-BE49-F238E27FC236}">
-                <a16:creationId xmlns:a16="http://schemas.microsoft.com/office/drawing/2014/main" id="{F44F74E6-06AF-7EAE-EC70-AAB6AFA78B4F}"/>
-              </a:ext>
-            </a:extLst>
-          </p:cNvPr>
-          <p:cNvSpPr txBox="1"/>
-          <p:nvPr/>
-        </p:nvSpPr>
-        <p:spPr>
-          <a:xfrm>
-            <a:off x="8043551" y="3251055"/>
-            <a:ext cx="516802" cy="307777"/>
-          </a:xfrm>
-          <a:prstGeom prst="rect">
-            <a:avLst/>
-          </a:prstGeom>
-          <a:noFill/>
-        </p:spPr>
-        <p:txBody>
-          <a:bodyPr wrap="square" rtlCol="0">
-            <a:spAutoFit/>
-          </a:bodyPr>
-          <a:lstStyle/>
-          <a:p>
-            <a:pPr algn="ctr"/>
-            <a:r>
-              <a:rPr lang="en-US" sz="1400" dirty="0">
-                <a:solidFill>
-                  <a:schemeClr val="tx1">
-                    <a:lumMod val="75000"/>
-                    <a:lumOff val="25000"/>
-                  </a:schemeClr>
-                </a:solidFill>
-              </a:rPr>
-              <a:t>YES</a:t>
-            </a:r>
-          </a:p>
-        </p:txBody>
-      </p:sp>
-      <p:cxnSp>
-        <p:nvCxnSpPr>
-          <p:cNvPr id="122" name="Straight Arrow Connector 121">
-            <a:extLst>
-              <a:ext uri="{FF2B5EF4-FFF2-40B4-BE49-F238E27FC236}">
-                <a16:creationId xmlns:a16="http://schemas.microsoft.com/office/drawing/2014/main" id="{95A513CB-E4E5-9562-616D-64C508F7F6ED}"/>
-              </a:ext>
-            </a:extLst>
-          </p:cNvPr>
-          <p:cNvCxnSpPr>
-            <a:cxnSpLocks/>
-          </p:cNvCxnSpPr>
-          <p:nvPr/>
-        </p:nvCxnSpPr>
-        <p:spPr>
-          <a:xfrm>
-            <a:off x="8934324" y="2797115"/>
-            <a:ext cx="950945" cy="0"/>
-          </a:xfrm>
-          <a:prstGeom prst="straightConnector1">
-            <a:avLst/>
-          </a:prstGeom>
-          <a:ln>
-            <a:solidFill>
-              <a:schemeClr val="tx1">
-                <a:lumMod val="75000"/>
-                <a:lumOff val="25000"/>
-              </a:schemeClr>
-            </a:solidFill>
-            <a:tailEnd type="triangle"/>
-          </a:ln>
-        </p:spPr>
-        <p:style>
-          <a:lnRef idx="1">
-            <a:schemeClr val="accent1"/>
-          </a:lnRef>
-          <a:fillRef idx="0">
-            <a:schemeClr val="accent1"/>
-          </a:fillRef>
-          <a:effectRef idx="0">
-            <a:schemeClr val="accent1"/>
-          </a:effectRef>
-          <a:fontRef idx="minor">
-            <a:schemeClr val="tx1"/>
-          </a:fontRef>
-        </p:style>
-      </p:cxnSp>
-      <p:sp>
-        <p:nvSpPr>
-          <p:cNvPr id="123" name="TextBox 122">
-            <a:extLst>
-              <a:ext uri="{FF2B5EF4-FFF2-40B4-BE49-F238E27FC236}">
-                <a16:creationId xmlns:a16="http://schemas.microsoft.com/office/drawing/2014/main" id="{34389312-315B-6617-B200-0A0D7DFE382F}"/>
-              </a:ext>
-            </a:extLst>
-          </p:cNvPr>
-          <p:cNvSpPr txBox="1"/>
-          <p:nvPr/>
-        </p:nvSpPr>
-        <p:spPr>
-          <a:xfrm>
-            <a:off x="9103901" y="2803614"/>
-            <a:ext cx="516802" cy="307777"/>
-          </a:xfrm>
-          <a:prstGeom prst="rect">
-            <a:avLst/>
-          </a:prstGeom>
-          <a:noFill/>
-        </p:spPr>
-        <p:txBody>
-          <a:bodyPr wrap="square" rtlCol="0">
-            <a:spAutoFit/>
-          </a:bodyPr>
-          <a:lstStyle/>
-          <a:p>
-            <a:pPr algn="ctr"/>
-            <a:r>
-              <a:rPr lang="en-US" sz="1400" dirty="0">
-                <a:solidFill>
-                  <a:schemeClr val="tx1">
-                    <a:lumMod val="75000"/>
-                    <a:lumOff val="25000"/>
-                  </a:schemeClr>
-                </a:solidFill>
-              </a:rPr>
-              <a:t>NO</a:t>
-            </a:r>
-          </a:p>
-        </p:txBody>
-      </p:sp>
-      <p:cxnSp>
-        <p:nvCxnSpPr>
-          <p:cNvPr id="124" name="Straight Connector 123">
-            <a:extLst>
-              <a:ext uri="{FF2B5EF4-FFF2-40B4-BE49-F238E27FC236}">
-                <a16:creationId xmlns:a16="http://schemas.microsoft.com/office/drawing/2014/main" id="{B53483C3-17F6-8993-778C-CC0944AA715C}"/>
-              </a:ext>
-            </a:extLst>
-          </p:cNvPr>
-          <p:cNvCxnSpPr>
-            <a:cxnSpLocks/>
-            <a:stCxn id="85" idx="2"/>
-            <a:endCxn id="135" idx="0"/>
-          </p:cNvCxnSpPr>
-          <p:nvPr/>
-        </p:nvCxnSpPr>
-        <p:spPr>
-          <a:xfrm>
-            <a:off x="8550305" y="3176151"/>
-            <a:ext cx="4335" cy="751865"/>
-          </a:xfrm>
-          <a:prstGeom prst="line">
-            <a:avLst/>
-          </a:prstGeom>
-          <a:ln>
-            <a:solidFill>
-              <a:schemeClr val="tx1">
-                <a:lumMod val="75000"/>
-                <a:lumOff val="25000"/>
-              </a:schemeClr>
-            </a:solidFill>
-            <a:tailEnd type="triangle"/>
-          </a:ln>
-        </p:spPr>
-        <p:style>
-          <a:lnRef idx="1">
-            <a:schemeClr val="accent1"/>
-          </a:lnRef>
-          <a:fillRef idx="0">
-            <a:schemeClr val="accent1"/>
-          </a:fillRef>
-          <a:effectRef idx="0">
-            <a:schemeClr val="accent1"/>
-          </a:effectRef>
-          <a:fontRef idx="minor">
-            <a:schemeClr val="tx1"/>
-          </a:fontRef>
-        </p:style>
-      </p:cxnSp>
+            <a:endParaRPr lang="en-US"/>
+          </a:p>
+        </p:txBody>
+      </p:sp>
       <p:pic>
         <p:nvPicPr>
-          <p:cNvPr id="135" name="Picture 134">
-            <a:extLst>
-              <a:ext uri="{FF2B5EF4-FFF2-40B4-BE49-F238E27FC236}">
-                <a16:creationId xmlns:a16="http://schemas.microsoft.com/office/drawing/2014/main" id="{57938DCB-17AA-5A67-30EE-5980AD100EB2}"/>
+          <p:cNvPr id="7" name="Graphic 6" descr="Dollar with solid fill">
+            <a:extLst>
+              <a:ext uri="{FF2B5EF4-FFF2-40B4-BE49-F238E27FC236}">
+                <a16:creationId xmlns:a16="http://schemas.microsoft.com/office/drawing/2014/main" id="{B3D6E388-39E5-0013-6356-D278D23B8707}"/>
               </a:ext>
             </a:extLst>
           </p:cNvPr>
@@ -10910,395 +9839,33 @@
           <p:nvPr/>
         </p:nvPicPr>
         <p:blipFill>
-          <a:blip r:embed="rId2"/>
+          <a:blip r:embed="rId6">
+            <a:extLst>
+              <a:ext uri="{96DAC541-7B7A-43D3-8B79-37D633B846F1}">
+                <asvg:svgBlip xmlns:asvg="http://schemas.microsoft.com/office/drawing/2016/SVG/main" r:embed="rId7"/>
+              </a:ext>
+            </a:extLst>
+          </a:blip>
           <a:stretch>
             <a:fillRect/>
           </a:stretch>
         </p:blipFill>
         <p:spPr>
           <a:xfrm>
-            <a:off x="7730311" y="3928016"/>
-            <a:ext cx="1648657" cy="1086265"/>
+            <a:off x="719744" y="2237958"/>
+            <a:ext cx="701185" cy="701185"/>
           </a:xfrm>
           <a:prstGeom prst="rect">
             <a:avLst/>
           </a:prstGeom>
-          <a:ln>
-            <a:solidFill>
-              <a:schemeClr val="bg2">
-                <a:lumMod val="50000"/>
-              </a:schemeClr>
-            </a:solidFill>
-          </a:ln>
         </p:spPr>
       </p:pic>
-      <p:sp>
-        <p:nvSpPr>
-          <p:cNvPr id="139" name="TextBox 138">
-            <a:extLst>
-              <a:ext uri="{FF2B5EF4-FFF2-40B4-BE49-F238E27FC236}">
-                <a16:creationId xmlns:a16="http://schemas.microsoft.com/office/drawing/2014/main" id="{4EF2CBFC-D420-8460-70D3-ED33316EDEFD}"/>
-              </a:ext>
-            </a:extLst>
-          </p:cNvPr>
-          <p:cNvSpPr txBox="1"/>
-          <p:nvPr/>
-        </p:nvSpPr>
-        <p:spPr>
-          <a:xfrm>
-            <a:off x="7611458" y="5116805"/>
-            <a:ext cx="1897790" cy="523220"/>
-          </a:xfrm>
-          <a:prstGeom prst="rect">
-            <a:avLst/>
-          </a:prstGeom>
-          <a:noFill/>
-        </p:spPr>
-        <p:txBody>
-          <a:bodyPr wrap="square" rtlCol="0">
-            <a:spAutoFit/>
-          </a:bodyPr>
-          <a:lstStyle/>
-          <a:p>
-            <a:pPr algn="ctr"/>
-            <a:r>
-              <a:rPr lang="en-US" sz="1400" dirty="0">
-                <a:solidFill>
-                  <a:schemeClr val="tx1">
-                    <a:lumMod val="75000"/>
-                    <a:lumOff val="25000"/>
-                  </a:schemeClr>
-                </a:solidFill>
-              </a:rPr>
-              <a:t>Display message and stop calculations?</a:t>
-            </a:r>
-          </a:p>
-        </p:txBody>
-      </p:sp>
-      <p:sp>
-        <p:nvSpPr>
-          <p:cNvPr id="140" name="Rounded Rectangle 139">
-            <a:extLst>
-              <a:ext uri="{FF2B5EF4-FFF2-40B4-BE49-F238E27FC236}">
-                <a16:creationId xmlns:a16="http://schemas.microsoft.com/office/drawing/2014/main" id="{F3A8ABA6-CAA7-5B3C-D9CC-345DC189F35A}"/>
-              </a:ext>
-            </a:extLst>
-          </p:cNvPr>
-          <p:cNvSpPr/>
-          <p:nvPr/>
-        </p:nvSpPr>
-        <p:spPr>
-          <a:xfrm>
-            <a:off x="9943660" y="2503086"/>
-            <a:ext cx="1754463" cy="590304"/>
-          </a:xfrm>
-          <a:prstGeom prst="roundRect">
-            <a:avLst>
-              <a:gd name="adj" fmla="val 19245"/>
-            </a:avLst>
-          </a:prstGeom>
-          <a:solidFill>
-            <a:srgbClr val="B8D8BE"/>
-          </a:solidFill>
-          <a:ln w="25400">
-            <a:solidFill>
-              <a:schemeClr val="bg1">
-                <a:lumMod val="65000"/>
-              </a:schemeClr>
-            </a:solidFill>
-          </a:ln>
-        </p:spPr>
-        <p:style>
-          <a:lnRef idx="2">
-            <a:schemeClr val="accent1">
-              <a:shade val="50000"/>
-            </a:schemeClr>
-          </a:lnRef>
-          <a:fillRef idx="1">
-            <a:schemeClr val="accent1"/>
-          </a:fillRef>
-          <a:effectRef idx="0">
-            <a:schemeClr val="accent1"/>
-          </a:effectRef>
-          <a:fontRef idx="minor">
-            <a:schemeClr val="lt1"/>
-          </a:fontRef>
-        </p:style>
-        <p:txBody>
-          <a:bodyPr rtlCol="0" anchor="ctr"/>
-          <a:lstStyle/>
-          <a:p>
-            <a:pPr algn="ctr"/>
-            <a:r>
-              <a:rPr lang="en-US" sz="1400" dirty="0">
-                <a:solidFill>
-                  <a:schemeClr val="tx1">
-                    <a:lumMod val="75000"/>
-                    <a:lumOff val="25000"/>
-                  </a:schemeClr>
-                </a:solidFill>
-              </a:rPr>
-              <a:t>Update retirement plan </a:t>
-            </a:r>
-          </a:p>
-        </p:txBody>
-      </p:sp>
-      <p:sp>
-        <p:nvSpPr>
-          <p:cNvPr id="141" name="Rounded Rectangle 140">
-            <a:extLst>
-              <a:ext uri="{FF2B5EF4-FFF2-40B4-BE49-F238E27FC236}">
-                <a16:creationId xmlns:a16="http://schemas.microsoft.com/office/drawing/2014/main" id="{99C4E8BD-CF58-7AFF-DA64-44077054D87D}"/>
-              </a:ext>
-            </a:extLst>
-          </p:cNvPr>
-          <p:cNvSpPr/>
-          <p:nvPr/>
-        </p:nvSpPr>
-        <p:spPr>
-          <a:xfrm>
-            <a:off x="9937277" y="3460303"/>
-            <a:ext cx="1754463" cy="1219365"/>
-          </a:xfrm>
-          <a:prstGeom prst="roundRect">
-            <a:avLst>
-              <a:gd name="adj" fmla="val 9540"/>
-            </a:avLst>
-          </a:prstGeom>
-          <a:solidFill>
-            <a:srgbClr val="B8D8BE"/>
-          </a:solidFill>
-          <a:ln w="25400">
-            <a:solidFill>
-              <a:schemeClr val="bg1">
-                <a:lumMod val="65000"/>
-              </a:schemeClr>
-            </a:solidFill>
-          </a:ln>
-        </p:spPr>
-        <p:style>
-          <a:lnRef idx="2">
-            <a:schemeClr val="accent1">
-              <a:shade val="50000"/>
-            </a:schemeClr>
-          </a:lnRef>
-          <a:fillRef idx="1">
-            <a:schemeClr val="accent1"/>
-          </a:fillRef>
-          <a:effectRef idx="0">
-            <a:schemeClr val="accent1"/>
-          </a:effectRef>
-          <a:fontRef idx="minor">
-            <a:schemeClr val="lt1"/>
-          </a:fontRef>
-        </p:style>
-        <p:txBody>
-          <a:bodyPr rtlCol="0" anchor="ctr"/>
-          <a:lstStyle/>
-          <a:p>
-            <a:r>
-              <a:rPr lang="en-US" sz="1400" dirty="0">
-                <a:solidFill>
-                  <a:schemeClr val="tx1">
-                    <a:lumMod val="75000"/>
-                    <a:lumOff val="25000"/>
-                  </a:schemeClr>
-                </a:solidFill>
-              </a:rPr>
-              <a:t>* Increment year </a:t>
-            </a:r>
-          </a:p>
-          <a:p>
-            <a:r>
-              <a:rPr lang="en-US" sz="1400" dirty="0">
-                <a:solidFill>
-                  <a:schemeClr val="tx1">
-                    <a:lumMod val="75000"/>
-                    <a:lumOff val="25000"/>
-                  </a:schemeClr>
-                </a:solidFill>
-              </a:rPr>
-              <a:t>* Calculate inflation</a:t>
-            </a:r>
-          </a:p>
-          <a:p>
-            <a:r>
-              <a:rPr lang="en-US" sz="1400" dirty="0">
-                <a:solidFill>
-                  <a:schemeClr val="tx1">
-                    <a:lumMod val="75000"/>
-                    <a:lumOff val="25000"/>
-                  </a:schemeClr>
-                </a:solidFill>
-              </a:rPr>
-              <a:t>* Calculate COLA(s)</a:t>
-            </a:r>
-          </a:p>
-          <a:p>
-            <a:r>
-              <a:rPr lang="en-US" sz="1400" dirty="0">
-                <a:solidFill>
-                  <a:schemeClr val="tx1">
-                    <a:lumMod val="75000"/>
-                    <a:lumOff val="25000"/>
-                  </a:schemeClr>
-                </a:solidFill>
-              </a:rPr>
-              <a:t>* Calculate R-o-R</a:t>
-            </a:r>
-          </a:p>
-        </p:txBody>
-      </p:sp>
-      <p:cxnSp>
-        <p:nvCxnSpPr>
-          <p:cNvPr id="142" name="Elbow Connector 141">
-            <a:extLst>
-              <a:ext uri="{FF2B5EF4-FFF2-40B4-BE49-F238E27FC236}">
-                <a16:creationId xmlns:a16="http://schemas.microsoft.com/office/drawing/2014/main" id="{B9A3F178-CC48-0D9D-B958-78EF2B1A7A47}"/>
-              </a:ext>
-            </a:extLst>
-          </p:cNvPr>
-          <p:cNvCxnSpPr>
-            <a:cxnSpLocks/>
-            <a:stCxn id="141" idx="2"/>
-            <a:endCxn id="33" idx="0"/>
-          </p:cNvCxnSpPr>
-          <p:nvPr/>
-        </p:nvCxnSpPr>
-        <p:spPr>
-          <a:xfrm rot="5400000" flipH="1">
-            <a:off x="5603733" y="-531108"/>
-            <a:ext cx="3453360" cy="6968192"/>
-          </a:xfrm>
-          <a:prstGeom prst="bentConnector5">
-            <a:avLst>
-              <a:gd name="adj1" fmla="val -6620"/>
-              <a:gd name="adj2" fmla="val -16847"/>
-              <a:gd name="adj3" fmla="val 110047"/>
-            </a:avLst>
-          </a:prstGeom>
-          <a:ln>
-            <a:solidFill>
-              <a:schemeClr val="tx1">
-                <a:lumMod val="75000"/>
-                <a:lumOff val="25000"/>
-              </a:schemeClr>
-            </a:solidFill>
-            <a:tailEnd type="triangle"/>
-          </a:ln>
-        </p:spPr>
-        <p:style>
-          <a:lnRef idx="1">
-            <a:schemeClr val="accent1"/>
-          </a:lnRef>
-          <a:fillRef idx="0">
-            <a:schemeClr val="accent1"/>
-          </a:fillRef>
-          <a:effectRef idx="0">
-            <a:schemeClr val="accent1"/>
-          </a:effectRef>
-          <a:fontRef idx="minor">
-            <a:schemeClr val="tx1"/>
-          </a:fontRef>
-        </p:style>
-      </p:cxnSp>
-      <p:sp>
-        <p:nvSpPr>
-          <p:cNvPr id="153" name="TextBox 152">
-            <a:extLst>
-              <a:ext uri="{FF2B5EF4-FFF2-40B4-BE49-F238E27FC236}">
-                <a16:creationId xmlns:a16="http://schemas.microsoft.com/office/drawing/2014/main" id="{1D4989AA-F75D-0768-D67A-0BF2465C7EE2}"/>
-              </a:ext>
-            </a:extLst>
-          </p:cNvPr>
-          <p:cNvSpPr txBox="1"/>
-          <p:nvPr/>
-        </p:nvSpPr>
-        <p:spPr>
-          <a:xfrm>
-            <a:off x="494363" y="363803"/>
-            <a:ext cx="1270156" cy="369332"/>
-          </a:xfrm>
-          <a:prstGeom prst="rect">
-            <a:avLst/>
-          </a:prstGeom>
-          <a:noFill/>
-        </p:spPr>
-        <p:txBody>
-          <a:bodyPr wrap="none" rtlCol="0">
-            <a:spAutoFit/>
-          </a:bodyPr>
-          <a:lstStyle/>
-          <a:p>
-            <a:r>
-              <a:rPr lang="en-US" dirty="0">
-                <a:solidFill>
-                  <a:schemeClr val="tx1">
-                    <a:lumMod val="75000"/>
-                    <a:lumOff val="25000"/>
-                  </a:schemeClr>
-                </a:solidFill>
-              </a:rPr>
-              <a:t>Icon clicked</a:t>
-            </a:r>
-          </a:p>
-        </p:txBody>
-      </p:sp>
-      <p:cxnSp>
-        <p:nvCxnSpPr>
-          <p:cNvPr id="156" name="Straight Connector 155">
-            <a:extLst>
-              <a:ext uri="{FF2B5EF4-FFF2-40B4-BE49-F238E27FC236}">
-                <a16:creationId xmlns:a16="http://schemas.microsoft.com/office/drawing/2014/main" id="{2020C37D-1E2E-B21A-C3FC-9816D22BAAFF}"/>
-              </a:ext>
-            </a:extLst>
-          </p:cNvPr>
-          <p:cNvCxnSpPr>
-            <a:cxnSpLocks/>
-            <a:stCxn id="140" idx="2"/>
-            <a:endCxn id="141" idx="0"/>
-          </p:cNvCxnSpPr>
-          <p:nvPr/>
-        </p:nvCxnSpPr>
-        <p:spPr>
-          <a:xfrm flipH="1">
-            <a:off x="10814509" y="3093390"/>
-            <a:ext cx="6383" cy="366913"/>
-          </a:xfrm>
-          <a:prstGeom prst="line">
-            <a:avLst/>
-          </a:prstGeom>
-          <a:ln>
-            <a:solidFill>
-              <a:schemeClr val="tx1">
-                <a:lumMod val="75000"/>
-                <a:lumOff val="25000"/>
-              </a:schemeClr>
-            </a:solidFill>
-            <a:tailEnd type="triangle"/>
-          </a:ln>
-        </p:spPr>
-        <p:style>
-          <a:lnRef idx="1">
-            <a:schemeClr val="accent1"/>
-          </a:lnRef>
-          <a:fillRef idx="0">
-            <a:schemeClr val="accent1"/>
-          </a:fillRef>
-          <a:effectRef idx="0">
-            <a:schemeClr val="accent1"/>
-          </a:effectRef>
-          <a:fontRef idx="minor">
-            <a:schemeClr val="tx1"/>
-          </a:fontRef>
-        </p:style>
-      </p:cxnSp>
       <p:pic>
         <p:nvPicPr>
-          <p:cNvPr id="172" name="Picture 171">
-            <a:extLst>
-              <a:ext uri="{FF2B5EF4-FFF2-40B4-BE49-F238E27FC236}">
-                <a16:creationId xmlns:a16="http://schemas.microsoft.com/office/drawing/2014/main" id="{45B39A0E-17C5-7BA3-0057-2D43A69B425B}"/>
+          <p:cNvPr id="10" name="Graphic 9" descr="Checklist with solid fill">
+            <a:extLst>
+              <a:ext uri="{FF2B5EF4-FFF2-40B4-BE49-F238E27FC236}">
+                <a16:creationId xmlns:a16="http://schemas.microsoft.com/office/drawing/2014/main" id="{C6360AE0-324E-3381-BE8E-CFC3305F0FB2}"/>
               </a:ext>
             </a:extLst>
           </p:cNvPr>
@@ -11308,15 +9875,21 @@
           <p:nvPr/>
         </p:nvPicPr>
         <p:blipFill>
-          <a:blip r:embed="rId3"/>
+          <a:blip r:embed="rId4">
+            <a:extLst>
+              <a:ext uri="{96DAC541-7B7A-43D3-8B79-37D633B846F1}">
+                <asvg:svgBlip xmlns:asvg="http://schemas.microsoft.com/office/drawing/2016/SVG/main" r:embed="rId5"/>
+              </a:ext>
+            </a:extLst>
+          </a:blip>
           <a:stretch>
             <a:fillRect/>
           </a:stretch>
         </p:blipFill>
         <p:spPr>
           <a:xfrm>
-            <a:off x="932003" y="1123681"/>
-            <a:ext cx="469900" cy="647700"/>
+            <a:off x="1183266" y="2405209"/>
+            <a:ext cx="808820" cy="808820"/>
           </a:xfrm>
           <a:prstGeom prst="rect">
             <a:avLst/>
@@ -11326,7 +9899,7 @@
     </p:spTree>
     <p:extLst>
       <p:ext uri="{BB962C8B-B14F-4D97-AF65-F5344CB8AC3E}">
-        <p14:creationId xmlns:p14="http://schemas.microsoft.com/office/powerpoint/2010/main" val="4240576997"/>
+        <p14:creationId xmlns:p14="http://schemas.microsoft.com/office/powerpoint/2010/main" val="3203424994"/>
       </p:ext>
     </p:extLst>
   </p:cSld>
@@ -11357,288 +9930,6 @@
     <p:extLst>
       <p:ext uri="{BB962C8B-B14F-4D97-AF65-F5344CB8AC3E}">
         <p14:creationId xmlns:p14="http://schemas.microsoft.com/office/powerpoint/2010/main" val="1331880368"/>
-      </p:ext>
-    </p:extLst>
-  </p:cSld>
-  <p:clrMapOvr>
-    <a:masterClrMapping/>
-  </p:clrMapOvr>
-</p:sld>
-</file>
-
-<file path=ppt/slides/slide6.xml><?xml version="1.0" encoding="utf-8"?>
-<p:sld xmlns:a="http://schemas.openxmlformats.org/drawingml/2006/main" xmlns:r="http://schemas.openxmlformats.org/officeDocument/2006/relationships" xmlns:p="http://schemas.openxmlformats.org/presentationml/2006/main">
-  <p:cSld>
-    <p:spTree>
-      <p:nvGrpSpPr>
-        <p:cNvPr id="1" name=""/>
-        <p:cNvGrpSpPr/>
-        <p:nvPr/>
-      </p:nvGrpSpPr>
-      <p:grpSpPr>
-        <a:xfrm>
-          <a:off x="0" y="0"/>
-          <a:ext cx="0" cy="0"/>
-          <a:chOff x="0" y="0"/>
-          <a:chExt cx="0" cy="0"/>
-        </a:xfrm>
-      </p:grpSpPr>
-      <p:sp>
-        <p:nvSpPr>
-          <p:cNvPr id="12" name="Rounded Rectangle 11">
-            <a:extLst>
-              <a:ext uri="{FF2B5EF4-FFF2-40B4-BE49-F238E27FC236}">
-                <a16:creationId xmlns:a16="http://schemas.microsoft.com/office/drawing/2014/main" id="{31EDAC5A-BF78-089A-F954-630563A51F5A}"/>
-              </a:ext>
-            </a:extLst>
-          </p:cNvPr>
-          <p:cNvSpPr/>
-          <p:nvPr/>
-        </p:nvSpPr>
-        <p:spPr>
-          <a:xfrm>
-            <a:off x="538154" y="1882339"/>
-            <a:ext cx="1787159" cy="1768907"/>
-          </a:xfrm>
-          <a:prstGeom prst="roundRect">
-            <a:avLst>
-              <a:gd name="adj" fmla="val 0"/>
-            </a:avLst>
-          </a:prstGeom>
-          <a:solidFill>
-            <a:schemeClr val="tx1"/>
-          </a:solidFill>
-          <a:ln w="50800">
-            <a:noFill/>
-          </a:ln>
-        </p:spPr>
-        <p:style>
-          <a:lnRef idx="2">
-            <a:schemeClr val="accent1">
-              <a:shade val="50000"/>
-            </a:schemeClr>
-          </a:lnRef>
-          <a:fillRef idx="1">
-            <a:schemeClr val="accent1"/>
-          </a:fillRef>
-          <a:effectRef idx="0">
-            <a:schemeClr val="accent1"/>
-          </a:effectRef>
-          <a:fontRef idx="minor">
-            <a:schemeClr val="lt1"/>
-          </a:fontRef>
-        </p:style>
-        <p:txBody>
-          <a:bodyPr rtlCol="0" anchor="ctr"/>
-          <a:lstStyle/>
-          <a:p>
-            <a:pPr algn="ctr"/>
-            <a:endParaRPr lang="en-US"/>
-          </a:p>
-        </p:txBody>
-      </p:sp>
-      <p:pic>
-        <p:nvPicPr>
-          <p:cNvPr id="3" name="Graphic 2" descr="Checklist outline">
-            <a:extLst>
-              <a:ext uri="{FF2B5EF4-FFF2-40B4-BE49-F238E27FC236}">
-                <a16:creationId xmlns:a16="http://schemas.microsoft.com/office/drawing/2014/main" id="{887517C5-0284-4498-8E83-05EE8F560CA1}"/>
-              </a:ext>
-            </a:extLst>
-          </p:cNvPr>
-          <p:cNvPicPr>
-            <a:picLocks noChangeAspect="1"/>
-          </p:cNvPicPr>
-          <p:nvPr/>
-        </p:nvPicPr>
-        <p:blipFill>
-          <a:blip r:embed="rId2">
-            <a:extLst>
-              <a:ext uri="{96DAC541-7B7A-43D3-8B79-37D633B846F1}">
-                <asvg:svgBlip xmlns:asvg="http://schemas.microsoft.com/office/drawing/2016/SVG/main" r:embed="rId3"/>
-              </a:ext>
-            </a:extLst>
-          </a:blip>
-          <a:stretch>
-            <a:fillRect/>
-          </a:stretch>
-        </p:blipFill>
-        <p:spPr>
-          <a:xfrm>
-            <a:off x="9546771" y="2169900"/>
-            <a:ext cx="914400" cy="914400"/>
-          </a:xfrm>
-          <a:prstGeom prst="rect">
-            <a:avLst/>
-          </a:prstGeom>
-        </p:spPr>
-      </p:pic>
-      <p:pic>
-        <p:nvPicPr>
-          <p:cNvPr id="5" name="Graphic 4" descr="Checklist with solid fill">
-            <a:extLst>
-              <a:ext uri="{FF2B5EF4-FFF2-40B4-BE49-F238E27FC236}">
-                <a16:creationId xmlns:a16="http://schemas.microsoft.com/office/drawing/2014/main" id="{AC0839DB-36EE-8C79-748A-5A5BAA85AF65}"/>
-              </a:ext>
-            </a:extLst>
-          </p:cNvPr>
-          <p:cNvPicPr>
-            <a:picLocks noChangeAspect="1"/>
-          </p:cNvPicPr>
-          <p:nvPr/>
-        </p:nvPicPr>
-        <p:blipFill>
-          <a:blip r:embed="rId4">
-            <a:extLst>
-              <a:ext uri="{96DAC541-7B7A-43D3-8B79-37D633B846F1}">
-                <asvg:svgBlip xmlns:asvg="http://schemas.microsoft.com/office/drawing/2016/SVG/main" r:embed="rId5"/>
-              </a:ext>
-            </a:extLst>
-          </a:blip>
-          <a:stretch>
-            <a:fillRect/>
-          </a:stretch>
-        </p:blipFill>
-        <p:spPr>
-          <a:xfrm>
-            <a:off x="1161494" y="635615"/>
-            <a:ext cx="914400" cy="914400"/>
-          </a:xfrm>
-          <a:prstGeom prst="rect">
-            <a:avLst/>
-          </a:prstGeom>
-        </p:spPr>
-      </p:pic>
-      <p:sp>
-        <p:nvSpPr>
-          <p:cNvPr id="11" name="Rounded Rectangle 10">
-            <a:extLst>
-              <a:ext uri="{FF2B5EF4-FFF2-40B4-BE49-F238E27FC236}">
-                <a16:creationId xmlns:a16="http://schemas.microsoft.com/office/drawing/2014/main" id="{B5E72C34-FFA7-6C08-F24F-62B22109F1F1}"/>
-              </a:ext>
-            </a:extLst>
-          </p:cNvPr>
-          <p:cNvSpPr/>
-          <p:nvPr/>
-        </p:nvSpPr>
-        <p:spPr>
-          <a:xfrm>
-            <a:off x="798461" y="2137243"/>
-            <a:ext cx="1266547" cy="1259100"/>
-          </a:xfrm>
-          <a:prstGeom prst="roundRect">
-            <a:avLst/>
-          </a:prstGeom>
-          <a:solidFill>
-            <a:schemeClr val="bg1"/>
-          </a:solidFill>
-          <a:ln w="50800">
-            <a:solidFill>
-              <a:srgbClr val="00B050"/>
-            </a:solidFill>
-          </a:ln>
-        </p:spPr>
-        <p:style>
-          <a:lnRef idx="2">
-            <a:schemeClr val="accent1">
-              <a:shade val="50000"/>
-            </a:schemeClr>
-          </a:lnRef>
-          <a:fillRef idx="1">
-            <a:schemeClr val="accent1"/>
-          </a:fillRef>
-          <a:effectRef idx="0">
-            <a:schemeClr val="accent1"/>
-          </a:effectRef>
-          <a:fontRef idx="minor">
-            <a:schemeClr val="lt1"/>
-          </a:fontRef>
-        </p:style>
-        <p:txBody>
-          <a:bodyPr rtlCol="0" anchor="ctr"/>
-          <a:lstStyle/>
-          <a:p>
-            <a:pPr algn="ctr"/>
-            <a:endParaRPr lang="en-US"/>
-          </a:p>
-        </p:txBody>
-      </p:sp>
-      <p:pic>
-        <p:nvPicPr>
-          <p:cNvPr id="7" name="Graphic 6" descr="Dollar with solid fill">
-            <a:extLst>
-              <a:ext uri="{FF2B5EF4-FFF2-40B4-BE49-F238E27FC236}">
-                <a16:creationId xmlns:a16="http://schemas.microsoft.com/office/drawing/2014/main" id="{B3D6E388-39E5-0013-6356-D278D23B8707}"/>
-              </a:ext>
-            </a:extLst>
-          </p:cNvPr>
-          <p:cNvPicPr>
-            <a:picLocks noChangeAspect="1"/>
-          </p:cNvPicPr>
-          <p:nvPr/>
-        </p:nvPicPr>
-        <p:blipFill>
-          <a:blip r:embed="rId6">
-            <a:extLst>
-              <a:ext uri="{96DAC541-7B7A-43D3-8B79-37D633B846F1}">
-                <asvg:svgBlip xmlns:asvg="http://schemas.microsoft.com/office/drawing/2016/SVG/main" r:embed="rId7"/>
-              </a:ext>
-            </a:extLst>
-          </a:blip>
-          <a:stretch>
-            <a:fillRect/>
-          </a:stretch>
-        </p:blipFill>
-        <p:spPr>
-          <a:xfrm>
-            <a:off x="719744" y="2237958"/>
-            <a:ext cx="701185" cy="701185"/>
-          </a:xfrm>
-          <a:prstGeom prst="rect">
-            <a:avLst/>
-          </a:prstGeom>
-        </p:spPr>
-      </p:pic>
-      <p:pic>
-        <p:nvPicPr>
-          <p:cNvPr id="10" name="Graphic 9" descr="Checklist with solid fill">
-            <a:extLst>
-              <a:ext uri="{FF2B5EF4-FFF2-40B4-BE49-F238E27FC236}">
-                <a16:creationId xmlns:a16="http://schemas.microsoft.com/office/drawing/2014/main" id="{C6360AE0-324E-3381-BE8E-CFC3305F0FB2}"/>
-              </a:ext>
-            </a:extLst>
-          </p:cNvPr>
-          <p:cNvPicPr>
-            <a:picLocks noChangeAspect="1"/>
-          </p:cNvPicPr>
-          <p:nvPr/>
-        </p:nvPicPr>
-        <p:blipFill>
-          <a:blip r:embed="rId4">
-            <a:extLst>
-              <a:ext uri="{96DAC541-7B7A-43D3-8B79-37D633B846F1}">
-                <asvg:svgBlip xmlns:asvg="http://schemas.microsoft.com/office/drawing/2016/SVG/main" r:embed="rId5"/>
-              </a:ext>
-            </a:extLst>
-          </a:blip>
-          <a:stretch>
-            <a:fillRect/>
-          </a:stretch>
-        </p:blipFill>
-        <p:spPr>
-          <a:xfrm>
-            <a:off x="1183266" y="2405209"/>
-            <a:ext cx="808820" cy="808820"/>
-          </a:xfrm>
-          <a:prstGeom prst="rect">
-            <a:avLst/>
-          </a:prstGeom>
-        </p:spPr>
-      </p:pic>
-    </p:spTree>
-    <p:extLst>
-      <p:ext uri="{BB962C8B-B14F-4D97-AF65-F5344CB8AC3E}">
-        <p14:creationId xmlns:p14="http://schemas.microsoft.com/office/powerpoint/2010/main" val="3203424994"/>
       </p:ext>
     </p:extLst>
   </p:cSld>

--- a/diagrams.pptx
+++ b/diagrams.pptx
@@ -6,10 +6,11 @@
   </p:sldMasterIdLst>
   <p:sldIdLst>
     <p:sldId id="256" r:id="rId2"/>
-    <p:sldId id="257" r:id="rId3"/>
-    <p:sldId id="258" r:id="rId4"/>
-    <p:sldId id="260" r:id="rId5"/>
+    <p:sldId id="261" r:id="rId3"/>
+    <p:sldId id="257" r:id="rId4"/>
+    <p:sldId id="258" r:id="rId5"/>
     <p:sldId id="259" r:id="rId6"/>
+    <p:sldId id="260" r:id="rId7"/>
   </p:sldIdLst>
   <p:sldSz cx="12192000" cy="6858000"/>
   <p:notesSz cx="6858000" cy="9144000"/>
@@ -263,7 +264,7 @@
           <a:p>
             <a:fld id="{EA228B7D-56B8-5848-9C59-6C63FE1FC0E6}" type="datetimeFigureOut">
               <a:rPr lang="en-US" smtClean="0"/>
-              <a:t>7/14/22</a:t>
+              <a:t>7/13/22</a:t>
             </a:fld>
             <a:endParaRPr lang="en-US"/>
           </a:p>
@@ -461,7 +462,7 @@
           <a:p>
             <a:fld id="{EA228B7D-56B8-5848-9C59-6C63FE1FC0E6}" type="datetimeFigureOut">
               <a:rPr lang="en-US" smtClean="0"/>
-              <a:t>7/14/22</a:t>
+              <a:t>7/13/22</a:t>
             </a:fld>
             <a:endParaRPr lang="en-US"/>
           </a:p>
@@ -669,7 +670,7 @@
           <a:p>
             <a:fld id="{EA228B7D-56B8-5848-9C59-6C63FE1FC0E6}" type="datetimeFigureOut">
               <a:rPr lang="en-US" smtClean="0"/>
-              <a:t>7/14/22</a:t>
+              <a:t>7/13/22</a:t>
             </a:fld>
             <a:endParaRPr lang="en-US"/>
           </a:p>
@@ -867,7 +868,7 @@
           <a:p>
             <a:fld id="{EA228B7D-56B8-5848-9C59-6C63FE1FC0E6}" type="datetimeFigureOut">
               <a:rPr lang="en-US" smtClean="0"/>
-              <a:t>7/14/22</a:t>
+              <a:t>7/13/22</a:t>
             </a:fld>
             <a:endParaRPr lang="en-US"/>
           </a:p>
@@ -1142,7 +1143,7 @@
           <a:p>
             <a:fld id="{EA228B7D-56B8-5848-9C59-6C63FE1FC0E6}" type="datetimeFigureOut">
               <a:rPr lang="en-US" smtClean="0"/>
-              <a:t>7/14/22</a:t>
+              <a:t>7/13/22</a:t>
             </a:fld>
             <a:endParaRPr lang="en-US"/>
           </a:p>
@@ -1407,7 +1408,7 @@
           <a:p>
             <a:fld id="{EA228B7D-56B8-5848-9C59-6C63FE1FC0E6}" type="datetimeFigureOut">
               <a:rPr lang="en-US" smtClean="0"/>
-              <a:t>7/14/22</a:t>
+              <a:t>7/13/22</a:t>
             </a:fld>
             <a:endParaRPr lang="en-US"/>
           </a:p>
@@ -1819,7 +1820,7 @@
           <a:p>
             <a:fld id="{EA228B7D-56B8-5848-9C59-6C63FE1FC0E6}" type="datetimeFigureOut">
               <a:rPr lang="en-US" smtClean="0"/>
-              <a:t>7/14/22</a:t>
+              <a:t>7/13/22</a:t>
             </a:fld>
             <a:endParaRPr lang="en-US"/>
           </a:p>
@@ -1960,7 +1961,7 @@
           <a:p>
             <a:fld id="{EA228B7D-56B8-5848-9C59-6C63FE1FC0E6}" type="datetimeFigureOut">
               <a:rPr lang="en-US" smtClean="0"/>
-              <a:t>7/14/22</a:t>
+              <a:t>7/13/22</a:t>
             </a:fld>
             <a:endParaRPr lang="en-US"/>
           </a:p>
@@ -2073,7 +2074,7 @@
           <a:p>
             <a:fld id="{EA228B7D-56B8-5848-9C59-6C63FE1FC0E6}" type="datetimeFigureOut">
               <a:rPr lang="en-US" smtClean="0"/>
-              <a:t>7/14/22</a:t>
+              <a:t>7/13/22</a:t>
             </a:fld>
             <a:endParaRPr lang="en-US"/>
           </a:p>
@@ -2384,7 +2385,7 @@
           <a:p>
             <a:fld id="{EA228B7D-56B8-5848-9C59-6C63FE1FC0E6}" type="datetimeFigureOut">
               <a:rPr lang="en-US" smtClean="0"/>
-              <a:t>7/14/22</a:t>
+              <a:t>7/13/22</a:t>
             </a:fld>
             <a:endParaRPr lang="en-US"/>
           </a:p>
@@ -2672,7 +2673,7 @@
           <a:p>
             <a:fld id="{EA228B7D-56B8-5848-9C59-6C63FE1FC0E6}" type="datetimeFigureOut">
               <a:rPr lang="en-US" smtClean="0"/>
-              <a:t>7/14/22</a:t>
+              <a:t>7/13/22</a:t>
             </a:fld>
             <a:endParaRPr lang="en-US"/>
           </a:p>
@@ -2913,7 +2914,7 @@
           <a:p>
             <a:fld id="{EA228B7D-56B8-5848-9C59-6C63FE1FC0E6}" type="datetimeFigureOut">
               <a:rPr lang="en-US" smtClean="0"/>
-              <a:t>7/14/22</a:t>
+              <a:t>7/13/22</a:t>
             </a:fld>
             <a:endParaRPr lang="en-US"/>
           </a:p>
@@ -5134,6 +5135,1714 @@
           <a:chExt cx="0" cy="0"/>
         </a:xfrm>
       </p:grpSpPr>
+      <p:grpSp>
+        <p:nvGrpSpPr>
+          <p:cNvPr id="115" name="Group 114">
+            <a:extLst>
+              <a:ext uri="{FF2B5EF4-FFF2-40B4-BE49-F238E27FC236}">
+                <a16:creationId xmlns:a16="http://schemas.microsoft.com/office/drawing/2014/main" id="{DE4214EC-3825-B118-ED94-8C7276522F8F}"/>
+              </a:ext>
+            </a:extLst>
+          </p:cNvPr>
+          <p:cNvGrpSpPr/>
+          <p:nvPr/>
+        </p:nvGrpSpPr>
+        <p:grpSpPr>
+          <a:xfrm>
+            <a:off x="3442101" y="1031507"/>
+            <a:ext cx="5279787" cy="5279787"/>
+            <a:chOff x="2809964" y="1101056"/>
+            <a:chExt cx="5279787" cy="5279787"/>
+          </a:xfrm>
+        </p:grpSpPr>
+        <p:grpSp>
+          <p:nvGrpSpPr>
+            <p:cNvPr id="88" name="Group 87">
+              <a:extLst>
+                <a:ext uri="{FF2B5EF4-FFF2-40B4-BE49-F238E27FC236}">
+                  <a16:creationId xmlns:a16="http://schemas.microsoft.com/office/drawing/2014/main" id="{8F7C41AA-5539-99E7-29E1-563EE37A34A9}"/>
+                </a:ext>
+              </a:extLst>
+            </p:cNvPr>
+            <p:cNvGrpSpPr/>
+            <p:nvPr/>
+          </p:nvGrpSpPr>
+          <p:grpSpPr>
+            <a:xfrm>
+              <a:off x="2809964" y="1101056"/>
+              <a:ext cx="5279787" cy="5279787"/>
+              <a:chOff x="2809964" y="1101056"/>
+              <a:chExt cx="5279787" cy="5279787"/>
+            </a:xfrm>
+          </p:grpSpPr>
+          <p:sp>
+            <p:nvSpPr>
+              <p:cNvPr id="86" name="Oval 85">
+                <a:extLst>
+                  <a:ext uri="{FF2B5EF4-FFF2-40B4-BE49-F238E27FC236}">
+                    <a16:creationId xmlns:a16="http://schemas.microsoft.com/office/drawing/2014/main" id="{38164E3A-9AD1-8E7A-E755-53CBBDF7F0E2}"/>
+                  </a:ext>
+                </a:extLst>
+              </p:cNvPr>
+              <p:cNvSpPr/>
+              <p:nvPr/>
+            </p:nvSpPr>
+            <p:spPr>
+              <a:xfrm>
+                <a:off x="2809964" y="1101056"/>
+                <a:ext cx="5279787" cy="5279787"/>
+              </a:xfrm>
+              <a:prstGeom prst="ellipse">
+                <a:avLst/>
+              </a:prstGeom>
+              <a:solidFill>
+                <a:schemeClr val="bg1"/>
+              </a:solidFill>
+            </p:spPr>
+            <p:style>
+              <a:lnRef idx="2">
+                <a:schemeClr val="accent1">
+                  <a:shade val="50000"/>
+                </a:schemeClr>
+              </a:lnRef>
+              <a:fillRef idx="1">
+                <a:schemeClr val="accent1"/>
+              </a:fillRef>
+              <a:effectRef idx="0">
+                <a:schemeClr val="accent1"/>
+              </a:effectRef>
+              <a:fontRef idx="minor">
+                <a:schemeClr val="lt1"/>
+              </a:fontRef>
+            </p:style>
+            <p:txBody>
+              <a:bodyPr rtlCol="0" anchor="ctr"/>
+              <a:lstStyle/>
+              <a:p>
+                <a:pPr algn="ctr"/>
+                <a:endParaRPr lang="en-US"/>
+              </a:p>
+            </p:txBody>
+          </p:sp>
+          <p:sp>
+            <p:nvSpPr>
+              <p:cNvPr id="87" name="5-Point Star 86">
+                <a:extLst>
+                  <a:ext uri="{FF2B5EF4-FFF2-40B4-BE49-F238E27FC236}">
+                    <a16:creationId xmlns:a16="http://schemas.microsoft.com/office/drawing/2014/main" id="{5F81800C-7F6D-618C-15AE-6006F4B92C28}"/>
+                  </a:ext>
+                </a:extLst>
+              </p:cNvPr>
+              <p:cNvSpPr/>
+              <p:nvPr/>
+            </p:nvSpPr>
+            <p:spPr>
+              <a:xfrm>
+                <a:off x="4533178" y="2860694"/>
+                <a:ext cx="1833358" cy="1760510"/>
+              </a:xfrm>
+              <a:prstGeom prst="star5">
+                <a:avLst>
+                  <a:gd name="adj" fmla="val 40653"/>
+                  <a:gd name="hf" fmla="val 105146"/>
+                  <a:gd name="vf" fmla="val 110557"/>
+                </a:avLst>
+              </a:prstGeom>
+              <a:solidFill>
+                <a:schemeClr val="bg1"/>
+              </a:solidFill>
+              <a:ln w="12700">
+                <a:solidFill>
+                  <a:schemeClr val="accent1">
+                    <a:shade val="50000"/>
+                  </a:schemeClr>
+                </a:solidFill>
+              </a:ln>
+            </p:spPr>
+            <p:style>
+              <a:lnRef idx="2">
+                <a:schemeClr val="accent1">
+                  <a:shade val="50000"/>
+                </a:schemeClr>
+              </a:lnRef>
+              <a:fillRef idx="1">
+                <a:schemeClr val="accent1"/>
+              </a:fillRef>
+              <a:effectRef idx="0">
+                <a:schemeClr val="accent1"/>
+              </a:effectRef>
+              <a:fontRef idx="minor">
+                <a:schemeClr val="lt1"/>
+              </a:fontRef>
+            </p:style>
+            <p:txBody>
+              <a:bodyPr rtlCol="0" anchor="ctr"/>
+              <a:lstStyle/>
+              <a:p>
+                <a:pPr algn="ctr"/>
+                <a:endParaRPr lang="en-US"/>
+              </a:p>
+            </p:txBody>
+          </p:sp>
+        </p:grpSp>
+        <p:cxnSp>
+          <p:nvCxnSpPr>
+            <p:cNvPr id="94" name="Straight Connector 93">
+              <a:extLst>
+                <a:ext uri="{FF2B5EF4-FFF2-40B4-BE49-F238E27FC236}">
+                  <a16:creationId xmlns:a16="http://schemas.microsoft.com/office/drawing/2014/main" id="{D5AD5CFF-1D92-7329-0C98-755E2FDAABBF}"/>
+                </a:ext>
+              </a:extLst>
+            </p:cNvPr>
+            <p:cNvCxnSpPr>
+              <a:cxnSpLocks/>
+              <a:stCxn id="86" idx="0"/>
+              <a:endCxn id="87" idx="0"/>
+            </p:cNvCxnSpPr>
+            <p:nvPr/>
+          </p:nvCxnSpPr>
+          <p:spPr>
+            <a:xfrm flipH="1">
+              <a:off x="5449857" y="1101056"/>
+              <a:ext cx="1" cy="1759638"/>
+            </a:xfrm>
+            <a:prstGeom prst="line">
+              <a:avLst/>
+            </a:prstGeom>
+          </p:spPr>
+          <p:style>
+            <a:lnRef idx="1">
+              <a:schemeClr val="accent1"/>
+            </a:lnRef>
+            <a:fillRef idx="0">
+              <a:schemeClr val="accent1"/>
+            </a:fillRef>
+            <a:effectRef idx="0">
+              <a:schemeClr val="accent1"/>
+            </a:effectRef>
+            <a:fontRef idx="minor">
+              <a:schemeClr val="tx1"/>
+            </a:fontRef>
+          </p:style>
+        </p:cxnSp>
+        <p:cxnSp>
+          <p:nvCxnSpPr>
+            <p:cNvPr id="95" name="Straight Connector 94">
+              <a:extLst>
+                <a:ext uri="{FF2B5EF4-FFF2-40B4-BE49-F238E27FC236}">
+                  <a16:creationId xmlns:a16="http://schemas.microsoft.com/office/drawing/2014/main" id="{C8D77E6F-9A28-DFC6-AE71-B848DC2D2E7B}"/>
+                </a:ext>
+              </a:extLst>
+            </p:cNvPr>
+            <p:cNvCxnSpPr>
+              <a:cxnSpLocks/>
+              <a:stCxn id="87" idx="3"/>
+            </p:cNvCxnSpPr>
+            <p:nvPr/>
+          </p:nvCxnSpPr>
+          <p:spPr>
+            <a:xfrm>
+              <a:off x="6016395" y="4621200"/>
+              <a:ext cx="935543" cy="1295506"/>
+            </a:xfrm>
+            <a:prstGeom prst="line">
+              <a:avLst/>
+            </a:prstGeom>
+          </p:spPr>
+          <p:style>
+            <a:lnRef idx="1">
+              <a:schemeClr val="accent1"/>
+            </a:lnRef>
+            <a:fillRef idx="0">
+              <a:schemeClr val="accent1"/>
+            </a:fillRef>
+            <a:effectRef idx="0">
+              <a:schemeClr val="accent1"/>
+            </a:effectRef>
+            <a:fontRef idx="minor">
+              <a:schemeClr val="tx1"/>
+            </a:fontRef>
+          </p:style>
+        </p:cxnSp>
+        <p:cxnSp>
+          <p:nvCxnSpPr>
+            <p:cNvPr id="101" name="Straight Connector 100">
+              <a:extLst>
+                <a:ext uri="{FF2B5EF4-FFF2-40B4-BE49-F238E27FC236}">
+                  <a16:creationId xmlns:a16="http://schemas.microsoft.com/office/drawing/2014/main" id="{6910D301-4C90-BEA8-183E-7E07F1CA3A8E}"/>
+                </a:ext>
+              </a:extLst>
+            </p:cNvPr>
+            <p:cNvCxnSpPr>
+              <a:cxnSpLocks/>
+              <a:endCxn id="87" idx="4"/>
+            </p:cNvCxnSpPr>
+            <p:nvPr/>
+          </p:nvCxnSpPr>
+          <p:spPr>
+            <a:xfrm flipH="1">
+              <a:off x="6366534" y="3003046"/>
+              <a:ext cx="1601340" cy="530101"/>
+            </a:xfrm>
+            <a:prstGeom prst="line">
+              <a:avLst/>
+            </a:prstGeom>
+          </p:spPr>
+          <p:style>
+            <a:lnRef idx="1">
+              <a:schemeClr val="accent1"/>
+            </a:lnRef>
+            <a:fillRef idx="0">
+              <a:schemeClr val="accent1"/>
+            </a:fillRef>
+            <a:effectRef idx="0">
+              <a:schemeClr val="accent1"/>
+            </a:effectRef>
+            <a:fontRef idx="minor">
+              <a:schemeClr val="tx1"/>
+            </a:fontRef>
+          </p:style>
+        </p:cxnSp>
+        <p:cxnSp>
+          <p:nvCxnSpPr>
+            <p:cNvPr id="113" name="Straight Connector 112">
+              <a:extLst>
+                <a:ext uri="{FF2B5EF4-FFF2-40B4-BE49-F238E27FC236}">
+                  <a16:creationId xmlns:a16="http://schemas.microsoft.com/office/drawing/2014/main" id="{D2C999CA-55A2-5FF7-9B51-07E35452FB33}"/>
+                </a:ext>
+              </a:extLst>
+            </p:cNvPr>
+            <p:cNvCxnSpPr>
+              <a:cxnSpLocks/>
+            </p:cNvCxnSpPr>
+            <p:nvPr/>
+          </p:nvCxnSpPr>
+          <p:spPr>
+            <a:xfrm flipH="1">
+              <a:off x="3941958" y="4622988"/>
+              <a:ext cx="935543" cy="1295506"/>
+            </a:xfrm>
+            <a:prstGeom prst="line">
+              <a:avLst/>
+            </a:prstGeom>
+          </p:spPr>
+          <p:style>
+            <a:lnRef idx="1">
+              <a:schemeClr val="accent1"/>
+            </a:lnRef>
+            <a:fillRef idx="0">
+              <a:schemeClr val="accent1"/>
+            </a:fillRef>
+            <a:effectRef idx="0">
+              <a:schemeClr val="accent1"/>
+            </a:effectRef>
+            <a:fontRef idx="minor">
+              <a:schemeClr val="tx1"/>
+            </a:fontRef>
+          </p:style>
+        </p:cxnSp>
+        <p:cxnSp>
+          <p:nvCxnSpPr>
+            <p:cNvPr id="114" name="Straight Connector 113">
+              <a:extLst>
+                <a:ext uri="{FF2B5EF4-FFF2-40B4-BE49-F238E27FC236}">
+                  <a16:creationId xmlns:a16="http://schemas.microsoft.com/office/drawing/2014/main" id="{2E181F20-2433-3E46-E41A-10E05C77D267}"/>
+                </a:ext>
+              </a:extLst>
+            </p:cNvPr>
+            <p:cNvCxnSpPr>
+              <a:cxnSpLocks/>
+            </p:cNvCxnSpPr>
+            <p:nvPr/>
+          </p:nvCxnSpPr>
+          <p:spPr>
+            <a:xfrm>
+              <a:off x="2936628" y="3016578"/>
+              <a:ext cx="1583367" cy="518357"/>
+            </a:xfrm>
+            <a:prstGeom prst="line">
+              <a:avLst/>
+            </a:prstGeom>
+          </p:spPr>
+          <p:style>
+            <a:lnRef idx="1">
+              <a:schemeClr val="accent1"/>
+            </a:lnRef>
+            <a:fillRef idx="0">
+              <a:schemeClr val="accent1"/>
+            </a:fillRef>
+            <a:effectRef idx="0">
+              <a:schemeClr val="accent1"/>
+            </a:effectRef>
+            <a:fontRef idx="minor">
+              <a:schemeClr val="tx1"/>
+            </a:fontRef>
+          </p:style>
+        </p:cxnSp>
+      </p:grpSp>
+      <p:pic>
+        <p:nvPicPr>
+          <p:cNvPr id="59" name="Graphic 58" descr="Head with gears outline">
+            <a:extLst>
+              <a:ext uri="{FF2B5EF4-FFF2-40B4-BE49-F238E27FC236}">
+                <a16:creationId xmlns:a16="http://schemas.microsoft.com/office/drawing/2014/main" id="{454FA4BA-D8A7-EC69-D04D-F58F66EDCA54}"/>
+              </a:ext>
+            </a:extLst>
+          </p:cNvPr>
+          <p:cNvPicPr>
+            <a:picLocks noChangeAspect="1"/>
+          </p:cNvPicPr>
+          <p:nvPr/>
+        </p:nvPicPr>
+        <p:blipFill>
+          <a:blip r:embed="rId2">
+            <a:extLst>
+              <a:ext uri="{96DAC541-7B7A-43D3-8B79-37D633B846F1}">
+                <asvg:svgBlip xmlns:asvg="http://schemas.microsoft.com/office/drawing/2016/SVG/main" r:embed="rId3"/>
+              </a:ext>
+            </a:extLst>
+          </a:blip>
+          <a:stretch>
+            <a:fillRect/>
+          </a:stretch>
+        </p:blipFill>
+        <p:spPr>
+          <a:xfrm flipH="1">
+            <a:off x="10837117" y="6000689"/>
+            <a:ext cx="627670" cy="627670"/>
+          </a:xfrm>
+          <a:prstGeom prst="rect">
+            <a:avLst/>
+          </a:prstGeom>
+        </p:spPr>
+      </p:pic>
+      <p:grpSp>
+        <p:nvGrpSpPr>
+          <p:cNvPr id="80" name="Group 79">
+            <a:extLst>
+              <a:ext uri="{FF2B5EF4-FFF2-40B4-BE49-F238E27FC236}">
+                <a16:creationId xmlns:a16="http://schemas.microsoft.com/office/drawing/2014/main" id="{55678357-2A36-1BAC-A76C-558F1B3B3884}"/>
+              </a:ext>
+            </a:extLst>
+          </p:cNvPr>
+          <p:cNvGrpSpPr/>
+          <p:nvPr/>
+        </p:nvGrpSpPr>
+        <p:grpSpPr>
+          <a:xfrm>
+            <a:off x="6190007" y="1342979"/>
+            <a:ext cx="1618147" cy="1839982"/>
+            <a:chOff x="3720381" y="1641157"/>
+            <a:chExt cx="1618147" cy="1839982"/>
+          </a:xfrm>
+        </p:grpSpPr>
+        <p:pic>
+          <p:nvPicPr>
+            <p:cNvPr id="25" name="Graphic 24" descr="Medicine outline">
+              <a:extLst>
+                <a:ext uri="{FF2B5EF4-FFF2-40B4-BE49-F238E27FC236}">
+                  <a16:creationId xmlns:a16="http://schemas.microsoft.com/office/drawing/2014/main" id="{96C62015-3CAA-7396-903F-533E70C10029}"/>
+                </a:ext>
+              </a:extLst>
+            </p:cNvPr>
+            <p:cNvPicPr>
+              <a:picLocks noChangeAspect="1"/>
+            </p:cNvPicPr>
+            <p:nvPr/>
+          </p:nvPicPr>
+          <p:blipFill>
+            <a:blip r:embed="rId4">
+              <a:extLst>
+                <a:ext uri="{96DAC541-7B7A-43D3-8B79-37D633B846F1}">
+                  <asvg:svgBlip xmlns:asvg="http://schemas.microsoft.com/office/drawing/2016/SVG/main" r:embed="rId5"/>
+                </a:ext>
+              </a:extLst>
+            </a:blip>
+            <a:stretch>
+              <a:fillRect/>
+            </a:stretch>
+          </p:blipFill>
+          <p:spPr>
+            <a:xfrm>
+              <a:off x="4266772" y="2848387"/>
+              <a:ext cx="632752" cy="632752"/>
+            </a:xfrm>
+            <a:prstGeom prst="rect">
+              <a:avLst/>
+            </a:prstGeom>
+          </p:spPr>
+        </p:pic>
+        <p:pic>
+          <p:nvPicPr>
+            <p:cNvPr id="51" name="Graphic 50" descr="Medical outline">
+              <a:extLst>
+                <a:ext uri="{FF2B5EF4-FFF2-40B4-BE49-F238E27FC236}">
+                  <a16:creationId xmlns:a16="http://schemas.microsoft.com/office/drawing/2014/main" id="{C3B9B582-8180-E0A2-F10D-59E8123FF40E}"/>
+                </a:ext>
+              </a:extLst>
+            </p:cNvPr>
+            <p:cNvPicPr>
+              <a:picLocks noChangeAspect="1"/>
+            </p:cNvPicPr>
+            <p:nvPr/>
+          </p:nvPicPr>
+          <p:blipFill>
+            <a:blip r:embed="rId6">
+              <a:extLst>
+                <a:ext uri="{96DAC541-7B7A-43D3-8B79-37D633B846F1}">
+                  <asvg:svgBlip xmlns:asvg="http://schemas.microsoft.com/office/drawing/2016/SVG/main" r:embed="rId7"/>
+                </a:ext>
+              </a:extLst>
+            </a:blip>
+            <a:stretch>
+              <a:fillRect/>
+            </a:stretch>
+          </p:blipFill>
+          <p:spPr>
+            <a:xfrm>
+              <a:off x="4232127" y="1641157"/>
+              <a:ext cx="632753" cy="632753"/>
+            </a:xfrm>
+            <a:prstGeom prst="rect">
+              <a:avLst/>
+            </a:prstGeom>
+          </p:spPr>
+        </p:pic>
+        <p:pic>
+          <p:nvPicPr>
+            <p:cNvPr id="53" name="Graphic 52" descr="Heart with pulse outline">
+              <a:extLst>
+                <a:ext uri="{FF2B5EF4-FFF2-40B4-BE49-F238E27FC236}">
+                  <a16:creationId xmlns:a16="http://schemas.microsoft.com/office/drawing/2014/main" id="{B4431002-9418-3A62-6470-B1E09BD7D647}"/>
+                </a:ext>
+              </a:extLst>
+            </p:cNvPr>
+            <p:cNvPicPr>
+              <a:picLocks noChangeAspect="1"/>
+            </p:cNvPicPr>
+            <p:nvPr/>
+          </p:nvPicPr>
+          <p:blipFill>
+            <a:blip r:embed="rId8">
+              <a:extLst>
+                <a:ext uri="{96DAC541-7B7A-43D3-8B79-37D633B846F1}">
+                  <asvg:svgBlip xmlns:asvg="http://schemas.microsoft.com/office/drawing/2016/SVG/main" r:embed="rId9"/>
+                </a:ext>
+              </a:extLst>
+            </a:blip>
+            <a:stretch>
+              <a:fillRect/>
+            </a:stretch>
+          </p:blipFill>
+          <p:spPr>
+            <a:xfrm>
+              <a:off x="3720381" y="2188466"/>
+              <a:ext cx="737670" cy="737670"/>
+            </a:xfrm>
+            <a:prstGeom prst="rect">
+              <a:avLst/>
+            </a:prstGeom>
+          </p:spPr>
+        </p:pic>
+        <p:pic>
+          <p:nvPicPr>
+            <p:cNvPr id="61" name="Graphic 60" descr="Needle outline">
+              <a:extLst>
+                <a:ext uri="{FF2B5EF4-FFF2-40B4-BE49-F238E27FC236}">
+                  <a16:creationId xmlns:a16="http://schemas.microsoft.com/office/drawing/2014/main" id="{0713AB2B-6494-9803-C7C6-890B64BDED53}"/>
+                </a:ext>
+              </a:extLst>
+            </p:cNvPr>
+            <p:cNvPicPr>
+              <a:picLocks noChangeAspect="1"/>
+            </p:cNvPicPr>
+            <p:nvPr/>
+          </p:nvPicPr>
+          <p:blipFill>
+            <a:blip r:embed="rId10">
+              <a:extLst>
+                <a:ext uri="{96DAC541-7B7A-43D3-8B79-37D633B846F1}">
+                  <asvg:svgBlip xmlns:asvg="http://schemas.microsoft.com/office/drawing/2016/SVG/main" r:embed="rId11"/>
+                </a:ext>
+              </a:extLst>
+            </a:blip>
+            <a:stretch>
+              <a:fillRect/>
+            </a:stretch>
+          </p:blipFill>
+          <p:spPr>
+            <a:xfrm>
+              <a:off x="4731861" y="2021883"/>
+              <a:ext cx="606667" cy="606667"/>
+            </a:xfrm>
+            <a:prstGeom prst="rect">
+              <a:avLst/>
+            </a:prstGeom>
+          </p:spPr>
+        </p:pic>
+      </p:grpSp>
+      <p:pic>
+        <p:nvPicPr>
+          <p:cNvPr id="63" name="Graphic 62" descr="Caret Up with solid fill">
+            <a:extLst>
+              <a:ext uri="{FF2B5EF4-FFF2-40B4-BE49-F238E27FC236}">
+                <a16:creationId xmlns:a16="http://schemas.microsoft.com/office/drawing/2014/main" id="{9DAE8ECE-6F87-9FA0-6DBF-203F83B1CC46}"/>
+              </a:ext>
+            </a:extLst>
+          </p:cNvPr>
+          <p:cNvPicPr>
+            <a:picLocks noChangeAspect="1"/>
+          </p:cNvPicPr>
+          <p:nvPr/>
+        </p:nvPicPr>
+        <p:blipFill>
+          <a:blip r:embed="rId12">
+            <a:extLst>
+              <a:ext uri="{96DAC541-7B7A-43D3-8B79-37D633B846F1}">
+                <asvg:svgBlip xmlns:asvg="http://schemas.microsoft.com/office/drawing/2016/SVG/main" r:embed="rId13"/>
+              </a:ext>
+            </a:extLst>
+          </a:blip>
+          <a:stretch>
+            <a:fillRect/>
+          </a:stretch>
+        </p:blipFill>
+        <p:spPr>
+          <a:xfrm>
+            <a:off x="404760" y="148382"/>
+            <a:ext cx="914400" cy="914400"/>
+          </a:xfrm>
+          <a:prstGeom prst="rect">
+            <a:avLst/>
+          </a:prstGeom>
+        </p:spPr>
+      </p:pic>
+      <p:pic>
+        <p:nvPicPr>
+          <p:cNvPr id="66" name="Graphic 65" descr="Caret Up with solid fill">
+            <a:extLst>
+              <a:ext uri="{FF2B5EF4-FFF2-40B4-BE49-F238E27FC236}">
+                <a16:creationId xmlns:a16="http://schemas.microsoft.com/office/drawing/2014/main" id="{86DE5B95-EB89-0C4E-DA75-6B36FE850027}"/>
+              </a:ext>
+            </a:extLst>
+          </p:cNvPr>
+          <p:cNvPicPr>
+            <a:picLocks noChangeAspect="1"/>
+          </p:cNvPicPr>
+          <p:nvPr/>
+        </p:nvPicPr>
+        <p:blipFill>
+          <a:blip r:embed="rId14">
+            <a:extLst>
+              <a:ext uri="{96DAC541-7B7A-43D3-8B79-37D633B846F1}">
+                <asvg:svgBlip xmlns:asvg="http://schemas.microsoft.com/office/drawing/2016/SVG/main" r:embed="rId15"/>
+              </a:ext>
+            </a:extLst>
+          </a:blip>
+          <a:stretch>
+            <a:fillRect/>
+          </a:stretch>
+        </p:blipFill>
+        <p:spPr>
+          <a:xfrm rot="10800000">
+            <a:off x="1078306" y="148382"/>
+            <a:ext cx="914400" cy="914400"/>
+          </a:xfrm>
+          <a:prstGeom prst="rect">
+            <a:avLst/>
+          </a:prstGeom>
+        </p:spPr>
+      </p:pic>
+      <p:pic>
+        <p:nvPicPr>
+          <p:cNvPr id="29" name="Graphic 28" descr="Female Profile outline">
+            <a:extLst>
+              <a:ext uri="{FF2B5EF4-FFF2-40B4-BE49-F238E27FC236}">
+                <a16:creationId xmlns:a16="http://schemas.microsoft.com/office/drawing/2014/main" id="{4E788C9A-02C2-29A7-4479-2CAFBAA099CB}"/>
+              </a:ext>
+            </a:extLst>
+          </p:cNvPr>
+          <p:cNvPicPr>
+            <a:picLocks noChangeAspect="1"/>
+          </p:cNvPicPr>
+          <p:nvPr/>
+        </p:nvPicPr>
+        <p:blipFill>
+          <a:blip r:embed="rId16">
+            <a:extLst>
+              <a:ext uri="{96DAC541-7B7A-43D3-8B79-37D633B846F1}">
+                <asvg:svgBlip xmlns:asvg="http://schemas.microsoft.com/office/drawing/2016/SVG/main" r:embed="rId17"/>
+              </a:ext>
+            </a:extLst>
+          </a:blip>
+          <a:stretch>
+            <a:fillRect/>
+          </a:stretch>
+        </p:blipFill>
+        <p:spPr>
+          <a:xfrm>
+            <a:off x="4136822" y="1695824"/>
+            <a:ext cx="773319" cy="746153"/>
+          </a:xfrm>
+          <a:prstGeom prst="rect">
+            <a:avLst/>
+          </a:prstGeom>
+        </p:spPr>
+      </p:pic>
+      <p:pic>
+        <p:nvPicPr>
+          <p:cNvPr id="31" name="Graphic 30" descr="Male profile outline">
+            <a:extLst>
+              <a:ext uri="{FF2B5EF4-FFF2-40B4-BE49-F238E27FC236}">
+                <a16:creationId xmlns:a16="http://schemas.microsoft.com/office/drawing/2014/main" id="{3518ED4E-4103-03D2-E358-332A19D4E993}"/>
+              </a:ext>
+            </a:extLst>
+          </p:cNvPr>
+          <p:cNvPicPr>
+            <a:picLocks noChangeAspect="1"/>
+          </p:cNvPicPr>
+          <p:nvPr/>
+        </p:nvPicPr>
+        <p:blipFill>
+          <a:blip r:embed="rId18">
+            <a:extLst>
+              <a:ext uri="{96DAC541-7B7A-43D3-8B79-37D633B846F1}">
+                <asvg:svgBlip xmlns:asvg="http://schemas.microsoft.com/office/drawing/2016/SVG/main" r:embed="rId19"/>
+              </a:ext>
+            </a:extLst>
+          </a:blip>
+          <a:stretch>
+            <a:fillRect/>
+          </a:stretch>
+        </p:blipFill>
+        <p:spPr>
+          <a:xfrm>
+            <a:off x="4855582" y="2198354"/>
+            <a:ext cx="844170" cy="814515"/>
+          </a:xfrm>
+          <a:prstGeom prst="rect">
+            <a:avLst/>
+          </a:prstGeom>
+        </p:spPr>
+      </p:pic>
+      <p:pic>
+        <p:nvPicPr>
+          <p:cNvPr id="70" name="Graphic 69" descr="Cat outline">
+            <a:extLst>
+              <a:ext uri="{FF2B5EF4-FFF2-40B4-BE49-F238E27FC236}">
+                <a16:creationId xmlns:a16="http://schemas.microsoft.com/office/drawing/2014/main" id="{535943A2-3F7B-C0B7-CD34-A2D260FECDD4}"/>
+              </a:ext>
+            </a:extLst>
+          </p:cNvPr>
+          <p:cNvPicPr>
+            <a:picLocks noChangeAspect="1"/>
+          </p:cNvPicPr>
+          <p:nvPr/>
+        </p:nvPicPr>
+        <p:blipFill>
+          <a:blip r:embed="rId20">
+            <a:extLst>
+              <a:ext uri="{96DAC541-7B7A-43D3-8B79-37D633B846F1}">
+                <asvg:svgBlip xmlns:asvg="http://schemas.microsoft.com/office/drawing/2016/SVG/main" r:embed="rId21"/>
+              </a:ext>
+            </a:extLst>
+          </a:blip>
+          <a:stretch>
+            <a:fillRect/>
+          </a:stretch>
+        </p:blipFill>
+        <p:spPr>
+          <a:xfrm>
+            <a:off x="4805152" y="1457925"/>
+            <a:ext cx="533550" cy="514807"/>
+          </a:xfrm>
+          <a:prstGeom prst="rect">
+            <a:avLst/>
+          </a:prstGeom>
+        </p:spPr>
+      </p:pic>
+      <p:pic>
+        <p:nvPicPr>
+          <p:cNvPr id="72" name="Graphic 71" descr="Dog outline">
+            <a:extLst>
+              <a:ext uri="{FF2B5EF4-FFF2-40B4-BE49-F238E27FC236}">
+                <a16:creationId xmlns:a16="http://schemas.microsoft.com/office/drawing/2014/main" id="{F5BB6E20-76F3-B840-8608-6F16C1AB387C}"/>
+              </a:ext>
+            </a:extLst>
+          </p:cNvPr>
+          <p:cNvPicPr>
+            <a:picLocks noChangeAspect="1"/>
+          </p:cNvPicPr>
+          <p:nvPr/>
+        </p:nvPicPr>
+        <p:blipFill>
+          <a:blip r:embed="rId22">
+            <a:extLst>
+              <a:ext uri="{96DAC541-7B7A-43D3-8B79-37D633B846F1}">
+                <asvg:svgBlip xmlns:asvg="http://schemas.microsoft.com/office/drawing/2016/SVG/main" r:embed="rId23"/>
+              </a:ext>
+            </a:extLst>
+          </a:blip>
+          <a:stretch>
+            <a:fillRect/>
+          </a:stretch>
+        </p:blipFill>
+        <p:spPr>
+          <a:xfrm flipH="1">
+            <a:off x="5225566" y="1621663"/>
+            <a:ext cx="688968" cy="664765"/>
+          </a:xfrm>
+          <a:prstGeom prst="rect">
+            <a:avLst/>
+          </a:prstGeom>
+        </p:spPr>
+      </p:pic>
+      <p:pic>
+        <p:nvPicPr>
+          <p:cNvPr id="74" name="Graphic 73" descr="Scroll outline">
+            <a:extLst>
+              <a:ext uri="{FF2B5EF4-FFF2-40B4-BE49-F238E27FC236}">
+                <a16:creationId xmlns:a16="http://schemas.microsoft.com/office/drawing/2014/main" id="{DFFEA3B4-B1FA-637F-83F3-786EAEE058CF}"/>
+              </a:ext>
+            </a:extLst>
+          </p:cNvPr>
+          <p:cNvPicPr>
+            <a:picLocks noChangeAspect="1"/>
+          </p:cNvPicPr>
+          <p:nvPr/>
+        </p:nvPicPr>
+        <p:blipFill>
+          <a:blip r:embed="rId24">
+            <a:extLst>
+              <a:ext uri="{96DAC541-7B7A-43D3-8B79-37D633B846F1}">
+                <asvg:svgBlip xmlns:asvg="http://schemas.microsoft.com/office/drawing/2016/SVG/main" r:embed="rId25"/>
+              </a:ext>
+            </a:extLst>
+          </a:blip>
+          <a:stretch>
+            <a:fillRect/>
+          </a:stretch>
+        </p:blipFill>
+        <p:spPr>
+          <a:xfrm>
+            <a:off x="11499080" y="6024052"/>
+            <a:ext cx="664671" cy="664671"/>
+          </a:xfrm>
+          <a:prstGeom prst="rect">
+            <a:avLst/>
+          </a:prstGeom>
+        </p:spPr>
+      </p:pic>
+      <p:pic>
+        <p:nvPicPr>
+          <p:cNvPr id="7" name="Graphic 6" descr="Monthly calendar outline">
+            <a:extLst>
+              <a:ext uri="{FF2B5EF4-FFF2-40B4-BE49-F238E27FC236}">
+                <a16:creationId xmlns:a16="http://schemas.microsoft.com/office/drawing/2014/main" id="{643DE1E1-FE09-FE97-805F-A88095AE2837}"/>
+              </a:ext>
+            </a:extLst>
+          </p:cNvPr>
+          <p:cNvPicPr>
+            <a:picLocks noChangeAspect="1"/>
+          </p:cNvPicPr>
+          <p:nvPr/>
+        </p:nvPicPr>
+        <p:blipFill>
+          <a:blip r:embed="rId26">
+            <a:extLst>
+              <a:ext uri="{96DAC541-7B7A-43D3-8B79-37D633B846F1}">
+                <asvg:svgBlip xmlns:asvg="http://schemas.microsoft.com/office/drawing/2016/SVG/main" r:embed="rId27"/>
+              </a:ext>
+            </a:extLst>
+          </a:blip>
+          <a:stretch>
+            <a:fillRect/>
+          </a:stretch>
+        </p:blipFill>
+        <p:spPr>
+          <a:xfrm>
+            <a:off x="3563552" y="3491672"/>
+            <a:ext cx="737669" cy="737669"/>
+          </a:xfrm>
+          <a:prstGeom prst="rect">
+            <a:avLst/>
+          </a:prstGeom>
+        </p:spPr>
+      </p:pic>
+      <p:pic>
+        <p:nvPicPr>
+          <p:cNvPr id="19" name="Graphic 18" descr="Cake outline">
+            <a:extLst>
+              <a:ext uri="{FF2B5EF4-FFF2-40B4-BE49-F238E27FC236}">
+                <a16:creationId xmlns:a16="http://schemas.microsoft.com/office/drawing/2014/main" id="{B9E0D206-5A1F-897C-693C-ADBF39DDADA7}"/>
+              </a:ext>
+            </a:extLst>
+          </p:cNvPr>
+          <p:cNvPicPr>
+            <a:picLocks noChangeAspect="1"/>
+          </p:cNvPicPr>
+          <p:nvPr/>
+        </p:nvPicPr>
+        <p:blipFill>
+          <a:blip r:embed="rId28">
+            <a:extLst>
+              <a:ext uri="{96DAC541-7B7A-43D3-8B79-37D633B846F1}">
+                <asvg:svgBlip xmlns:asvg="http://schemas.microsoft.com/office/drawing/2016/SVG/main" r:embed="rId29"/>
+              </a:ext>
+            </a:extLst>
+          </a:blip>
+          <a:stretch>
+            <a:fillRect/>
+          </a:stretch>
+        </p:blipFill>
+        <p:spPr>
+          <a:xfrm>
+            <a:off x="4384594" y="4105426"/>
+            <a:ext cx="807244" cy="807244"/>
+          </a:xfrm>
+          <a:prstGeom prst="rect">
+            <a:avLst/>
+          </a:prstGeom>
+        </p:spPr>
+      </p:pic>
+      <p:pic>
+        <p:nvPicPr>
+          <p:cNvPr id="47" name="Graphic 46" descr="Clock outline">
+            <a:extLst>
+              <a:ext uri="{FF2B5EF4-FFF2-40B4-BE49-F238E27FC236}">
+                <a16:creationId xmlns:a16="http://schemas.microsoft.com/office/drawing/2014/main" id="{F7B98F32-8C1F-095F-19CB-CF5461C895F5}"/>
+              </a:ext>
+            </a:extLst>
+          </p:cNvPr>
+          <p:cNvPicPr>
+            <a:picLocks noChangeAspect="1"/>
+          </p:cNvPicPr>
+          <p:nvPr/>
+        </p:nvPicPr>
+        <p:blipFill>
+          <a:blip r:embed="rId30">
+            <a:extLst>
+              <a:ext uri="{96DAC541-7B7A-43D3-8B79-37D633B846F1}">
+                <asvg:svgBlip xmlns:asvg="http://schemas.microsoft.com/office/drawing/2016/SVG/main" r:embed="rId31"/>
+              </a:ext>
+            </a:extLst>
+          </a:blip>
+          <a:stretch>
+            <a:fillRect/>
+          </a:stretch>
+        </p:blipFill>
+        <p:spPr>
+          <a:xfrm>
+            <a:off x="4389650" y="3373884"/>
+            <a:ext cx="632752" cy="632752"/>
+          </a:xfrm>
+          <a:prstGeom prst="rect">
+            <a:avLst/>
+          </a:prstGeom>
+        </p:spPr>
+      </p:pic>
+      <p:pic>
+        <p:nvPicPr>
+          <p:cNvPr id="75" name="Graphic 74" descr="Monthly calendar outline">
+            <a:extLst>
+              <a:ext uri="{FF2B5EF4-FFF2-40B4-BE49-F238E27FC236}">
+                <a16:creationId xmlns:a16="http://schemas.microsoft.com/office/drawing/2014/main" id="{0931DE85-8A34-C9E5-E12A-31FE497FE6A2}"/>
+              </a:ext>
+            </a:extLst>
+          </p:cNvPr>
+          <p:cNvPicPr>
+            <a:picLocks noChangeAspect="1"/>
+          </p:cNvPicPr>
+          <p:nvPr/>
+        </p:nvPicPr>
+        <p:blipFill>
+          <a:blip r:embed="rId26">
+            <a:extLst>
+              <a:ext uri="{96DAC541-7B7A-43D3-8B79-37D633B846F1}">
+                <asvg:svgBlip xmlns:asvg="http://schemas.microsoft.com/office/drawing/2016/SVG/main" r:embed="rId27"/>
+              </a:ext>
+            </a:extLst>
+          </a:blip>
+          <a:stretch>
+            <a:fillRect/>
+          </a:stretch>
+        </p:blipFill>
+        <p:spPr>
+          <a:xfrm rot="19625915">
+            <a:off x="3884389" y="4282285"/>
+            <a:ext cx="410715" cy="410715"/>
+          </a:xfrm>
+          <a:prstGeom prst="rect">
+            <a:avLst/>
+          </a:prstGeom>
+        </p:spPr>
+      </p:pic>
+      <p:pic>
+        <p:nvPicPr>
+          <p:cNvPr id="13" name="Graphic 12" descr="Bank outline">
+            <a:extLst>
+              <a:ext uri="{FF2B5EF4-FFF2-40B4-BE49-F238E27FC236}">
+                <a16:creationId xmlns:a16="http://schemas.microsoft.com/office/drawing/2014/main" id="{FD378578-03D7-0A03-D5C4-7C55F02E3FD0}"/>
+              </a:ext>
+            </a:extLst>
+          </p:cNvPr>
+          <p:cNvPicPr>
+            <a:picLocks noChangeAspect="1"/>
+          </p:cNvPicPr>
+          <p:nvPr/>
+        </p:nvPicPr>
+        <p:blipFill>
+          <a:blip r:embed="rId32">
+            <a:extLst>
+              <a:ext uri="{96DAC541-7B7A-43D3-8B79-37D633B846F1}">
+                <asvg:svgBlip xmlns:asvg="http://schemas.microsoft.com/office/drawing/2016/SVG/main" r:embed="rId33"/>
+              </a:ext>
+            </a:extLst>
+          </a:blip>
+          <a:stretch>
+            <a:fillRect/>
+          </a:stretch>
+        </p:blipFill>
+        <p:spPr>
+          <a:xfrm>
+            <a:off x="7923080" y="3209963"/>
+            <a:ext cx="679631" cy="679631"/>
+          </a:xfrm>
+          <a:prstGeom prst="rect">
+            <a:avLst/>
+          </a:prstGeom>
+        </p:spPr>
+      </p:pic>
+      <p:pic>
+        <p:nvPicPr>
+          <p:cNvPr id="35" name="Graphic 34" descr="Transfer1 outline">
+            <a:extLst>
+              <a:ext uri="{FF2B5EF4-FFF2-40B4-BE49-F238E27FC236}">
+                <a16:creationId xmlns:a16="http://schemas.microsoft.com/office/drawing/2014/main" id="{1D1DF4EB-3972-6287-92AB-6C86F9BC0FC8}"/>
+              </a:ext>
+            </a:extLst>
+          </p:cNvPr>
+          <p:cNvPicPr>
+            <a:picLocks noChangeAspect="1"/>
+          </p:cNvPicPr>
+          <p:nvPr/>
+        </p:nvPicPr>
+        <p:blipFill>
+          <a:blip r:embed="rId34">
+            <a:extLst>
+              <a:ext uri="{96DAC541-7B7A-43D3-8B79-37D633B846F1}">
+                <asvg:svgBlip xmlns:asvg="http://schemas.microsoft.com/office/drawing/2016/SVG/main" r:embed="rId35"/>
+              </a:ext>
+            </a:extLst>
+          </a:blip>
+          <a:stretch>
+            <a:fillRect/>
+          </a:stretch>
+        </p:blipFill>
+        <p:spPr>
+          <a:xfrm>
+            <a:off x="7012294" y="3562104"/>
+            <a:ext cx="679631" cy="679631"/>
+          </a:xfrm>
+          <a:prstGeom prst="rect">
+            <a:avLst/>
+          </a:prstGeom>
+        </p:spPr>
+      </p:pic>
+      <p:pic>
+        <p:nvPicPr>
+          <p:cNvPr id="57" name="Graphic 56" descr="Coins outline">
+            <a:extLst>
+              <a:ext uri="{FF2B5EF4-FFF2-40B4-BE49-F238E27FC236}">
+                <a16:creationId xmlns:a16="http://schemas.microsoft.com/office/drawing/2014/main" id="{F17BF9B8-79DF-9D7C-F4EB-4A854667EDC4}"/>
+              </a:ext>
+            </a:extLst>
+          </p:cNvPr>
+          <p:cNvPicPr>
+            <a:picLocks noChangeAspect="1"/>
+          </p:cNvPicPr>
+          <p:nvPr/>
+        </p:nvPicPr>
+        <p:blipFill>
+          <a:blip r:embed="rId36">
+            <a:extLst>
+              <a:ext uri="{96DAC541-7B7A-43D3-8B79-37D633B846F1}">
+                <asvg:svgBlip xmlns:asvg="http://schemas.microsoft.com/office/drawing/2016/SVG/main" r:embed="rId37"/>
+              </a:ext>
+            </a:extLst>
+          </a:blip>
+          <a:stretch>
+            <a:fillRect/>
+          </a:stretch>
+        </p:blipFill>
+        <p:spPr>
+          <a:xfrm>
+            <a:off x="6906115" y="4154939"/>
+            <a:ext cx="394928" cy="394928"/>
+          </a:xfrm>
+          <a:prstGeom prst="rect">
+            <a:avLst/>
+          </a:prstGeom>
+        </p:spPr>
+      </p:pic>
+      <p:pic>
+        <p:nvPicPr>
+          <p:cNvPr id="77" name="Graphic 76" descr="Open hand outline">
+            <a:extLst>
+              <a:ext uri="{FF2B5EF4-FFF2-40B4-BE49-F238E27FC236}">
+                <a16:creationId xmlns:a16="http://schemas.microsoft.com/office/drawing/2014/main" id="{32B2518E-BF6A-1405-4907-3CAB60B98A3D}"/>
+              </a:ext>
+            </a:extLst>
+          </p:cNvPr>
+          <p:cNvPicPr>
+            <a:picLocks noChangeAspect="1"/>
+          </p:cNvPicPr>
+          <p:nvPr/>
+        </p:nvPicPr>
+        <p:blipFill>
+          <a:blip r:embed="rId38">
+            <a:extLst>
+              <a:ext uri="{96DAC541-7B7A-43D3-8B79-37D633B846F1}">
+                <asvg:svgBlip xmlns:asvg="http://schemas.microsoft.com/office/drawing/2016/SVG/main" r:embed="rId39"/>
+              </a:ext>
+            </a:extLst>
+          </a:blip>
+          <a:stretch>
+            <a:fillRect/>
+          </a:stretch>
+        </p:blipFill>
+        <p:spPr>
+          <a:xfrm>
+            <a:off x="6818320" y="4297992"/>
+            <a:ext cx="598701" cy="598701"/>
+          </a:xfrm>
+          <a:prstGeom prst="rect">
+            <a:avLst/>
+          </a:prstGeom>
+        </p:spPr>
+      </p:pic>
+      <p:pic>
+        <p:nvPicPr>
+          <p:cNvPr id="5" name="Graphic 4" descr="Gantt Chart outline">
+            <a:extLst>
+              <a:ext uri="{FF2B5EF4-FFF2-40B4-BE49-F238E27FC236}">
+                <a16:creationId xmlns:a16="http://schemas.microsoft.com/office/drawing/2014/main" id="{60C8863D-54E9-A0D9-5CB2-0677D736CAAC}"/>
+              </a:ext>
+            </a:extLst>
+          </p:cNvPr>
+          <p:cNvPicPr>
+            <a:picLocks noChangeAspect="1"/>
+          </p:cNvPicPr>
+          <p:nvPr/>
+        </p:nvPicPr>
+        <p:blipFill>
+          <a:blip r:embed="rId40">
+            <a:extLst>
+              <a:ext uri="{96DAC541-7B7A-43D3-8B79-37D633B846F1}">
+                <asvg:svgBlip xmlns:asvg="http://schemas.microsoft.com/office/drawing/2016/SVG/main" r:embed="rId41"/>
+              </a:ext>
+            </a:extLst>
+          </a:blip>
+          <a:stretch>
+            <a:fillRect/>
+          </a:stretch>
+        </p:blipFill>
+        <p:spPr>
+          <a:xfrm>
+            <a:off x="1149423" y="3860506"/>
+            <a:ext cx="607294" cy="607294"/>
+          </a:xfrm>
+          <a:prstGeom prst="rect">
+            <a:avLst/>
+          </a:prstGeom>
+        </p:spPr>
+      </p:pic>
+      <p:pic>
+        <p:nvPicPr>
+          <p:cNvPr id="9" name="Graphic 8" descr="Checklist outline">
+            <a:extLst>
+              <a:ext uri="{FF2B5EF4-FFF2-40B4-BE49-F238E27FC236}">
+                <a16:creationId xmlns:a16="http://schemas.microsoft.com/office/drawing/2014/main" id="{958433A1-0725-D85A-C2C6-793994F0AD12}"/>
+              </a:ext>
+            </a:extLst>
+          </p:cNvPr>
+          <p:cNvPicPr>
+            <a:picLocks noChangeAspect="1"/>
+          </p:cNvPicPr>
+          <p:nvPr/>
+        </p:nvPicPr>
+        <p:blipFill>
+          <a:blip r:embed="rId42">
+            <a:extLst>
+              <a:ext uri="{96DAC541-7B7A-43D3-8B79-37D633B846F1}">
+                <asvg:svgBlip xmlns:asvg="http://schemas.microsoft.com/office/drawing/2016/SVG/main" r:embed="rId43"/>
+              </a:ext>
+            </a:extLst>
+          </a:blip>
+          <a:stretch>
+            <a:fillRect/>
+          </a:stretch>
+        </p:blipFill>
+        <p:spPr>
+          <a:xfrm>
+            <a:off x="913567" y="2143280"/>
+            <a:ext cx="652410" cy="652410"/>
+          </a:xfrm>
+          <a:prstGeom prst="rect">
+            <a:avLst/>
+          </a:prstGeom>
+        </p:spPr>
+      </p:pic>
+      <p:pic>
+        <p:nvPicPr>
+          <p:cNvPr id="79" name="Graphic 78" descr="Badge Question Mark outline">
+            <a:extLst>
+              <a:ext uri="{FF2B5EF4-FFF2-40B4-BE49-F238E27FC236}">
+                <a16:creationId xmlns:a16="http://schemas.microsoft.com/office/drawing/2014/main" id="{F227FC65-188F-9D7A-1976-7B5A5DEBC275}"/>
+              </a:ext>
+            </a:extLst>
+          </p:cNvPr>
+          <p:cNvPicPr>
+            <a:picLocks noChangeAspect="1"/>
+          </p:cNvPicPr>
+          <p:nvPr/>
+        </p:nvPicPr>
+        <p:blipFill>
+          <a:blip r:embed="rId44">
+            <a:extLst>
+              <a:ext uri="{96DAC541-7B7A-43D3-8B79-37D633B846F1}">
+                <asvg:svgBlip xmlns:asvg="http://schemas.microsoft.com/office/drawing/2016/SVG/main" r:embed="rId45"/>
+              </a:ext>
+            </a:extLst>
+          </a:blip>
+          <a:stretch>
+            <a:fillRect/>
+          </a:stretch>
+        </p:blipFill>
+        <p:spPr>
+          <a:xfrm>
+            <a:off x="5246055" y="2945766"/>
+            <a:ext cx="1659970" cy="1659972"/>
+          </a:xfrm>
+          <a:prstGeom prst="rect">
+            <a:avLst/>
+          </a:prstGeom>
+        </p:spPr>
+      </p:pic>
+      <p:grpSp>
+        <p:nvGrpSpPr>
+          <p:cNvPr id="119" name="Group 118">
+            <a:extLst>
+              <a:ext uri="{FF2B5EF4-FFF2-40B4-BE49-F238E27FC236}">
+                <a16:creationId xmlns:a16="http://schemas.microsoft.com/office/drawing/2014/main" id="{2A5558AF-F453-9E06-8051-05054D746267}"/>
+              </a:ext>
+            </a:extLst>
+          </p:cNvPr>
+          <p:cNvGrpSpPr/>
+          <p:nvPr/>
+        </p:nvGrpSpPr>
+        <p:grpSpPr>
+          <a:xfrm>
+            <a:off x="5081927" y="4814779"/>
+            <a:ext cx="2024237" cy="1320862"/>
+            <a:chOff x="5212242" y="4802419"/>
+            <a:chExt cx="2024237" cy="1320862"/>
+          </a:xfrm>
+        </p:grpSpPr>
+        <p:grpSp>
+          <p:nvGrpSpPr>
+            <p:cNvPr id="81" name="Group 80">
+              <a:extLst>
+                <a:ext uri="{FF2B5EF4-FFF2-40B4-BE49-F238E27FC236}">
+                  <a16:creationId xmlns:a16="http://schemas.microsoft.com/office/drawing/2014/main" id="{44E2D85C-F7D0-AE76-4C53-C57C4E97FE10}"/>
+                </a:ext>
+              </a:extLst>
+            </p:cNvPr>
+            <p:cNvGrpSpPr/>
+            <p:nvPr/>
+          </p:nvGrpSpPr>
+          <p:grpSpPr>
+            <a:xfrm>
+              <a:off x="5212242" y="4802419"/>
+              <a:ext cx="1560581" cy="1247483"/>
+              <a:chOff x="6011477" y="656478"/>
+              <a:chExt cx="1560581" cy="1247483"/>
+            </a:xfrm>
+          </p:grpSpPr>
+          <p:pic>
+            <p:nvPicPr>
+              <p:cNvPr id="15" name="Graphic 14" descr="House outline">
+                <a:extLst>
+                  <a:ext uri="{FF2B5EF4-FFF2-40B4-BE49-F238E27FC236}">
+                    <a16:creationId xmlns:a16="http://schemas.microsoft.com/office/drawing/2014/main" id="{9C99A4AF-4F47-B490-E3C1-4F53795E801E}"/>
+                  </a:ext>
+                </a:extLst>
+              </p:cNvPr>
+              <p:cNvPicPr>
+                <a:picLocks noChangeAspect="1"/>
+              </p:cNvPicPr>
+              <p:nvPr/>
+            </p:nvPicPr>
+            <p:blipFill>
+              <a:blip r:embed="rId46">
+                <a:extLst>
+                  <a:ext uri="{96DAC541-7B7A-43D3-8B79-37D633B846F1}">
+                    <asvg:svgBlip xmlns:asvg="http://schemas.microsoft.com/office/drawing/2016/SVG/main" r:embed="rId47"/>
+                  </a:ext>
+                </a:extLst>
+              </a:blip>
+              <a:stretch>
+                <a:fillRect/>
+              </a:stretch>
+            </p:blipFill>
+            <p:spPr>
+              <a:xfrm>
+                <a:off x="6542629" y="656478"/>
+                <a:ext cx="663416" cy="663416"/>
+              </a:xfrm>
+              <a:prstGeom prst="rect">
+                <a:avLst/>
+              </a:prstGeom>
+            </p:spPr>
+          </p:pic>
+          <p:pic>
+            <p:nvPicPr>
+              <p:cNvPr id="27" name="Graphic 26" descr="Car outline">
+                <a:extLst>
+                  <a:ext uri="{FF2B5EF4-FFF2-40B4-BE49-F238E27FC236}">
+                    <a16:creationId xmlns:a16="http://schemas.microsoft.com/office/drawing/2014/main" id="{9E8DD4B9-D5DA-6F6D-FCCD-3D9401E3C2CD}"/>
+                  </a:ext>
+                </a:extLst>
+              </p:cNvPr>
+              <p:cNvPicPr>
+                <a:picLocks noChangeAspect="1"/>
+              </p:cNvPicPr>
+              <p:nvPr/>
+            </p:nvPicPr>
+            <p:blipFill>
+              <a:blip r:embed="rId48">
+                <a:extLst>
+                  <a:ext uri="{96DAC541-7B7A-43D3-8B79-37D633B846F1}">
+                    <asvg:svgBlip xmlns:asvg="http://schemas.microsoft.com/office/drawing/2016/SVG/main" r:embed="rId49"/>
+                  </a:ext>
+                </a:extLst>
+              </a:blip>
+              <a:stretch>
+                <a:fillRect/>
+              </a:stretch>
+            </p:blipFill>
+            <p:spPr>
+              <a:xfrm>
+                <a:off x="6674886" y="1240545"/>
+                <a:ext cx="663416" cy="663416"/>
+              </a:xfrm>
+              <a:prstGeom prst="rect">
+                <a:avLst/>
+              </a:prstGeom>
+            </p:spPr>
+          </p:pic>
+          <p:pic>
+            <p:nvPicPr>
+              <p:cNvPr id="55" name="Graphic 54" descr="Building outline">
+                <a:extLst>
+                  <a:ext uri="{FF2B5EF4-FFF2-40B4-BE49-F238E27FC236}">
+                    <a16:creationId xmlns:a16="http://schemas.microsoft.com/office/drawing/2014/main" id="{FAECE68B-10A4-DC64-86BC-244FA1814BB3}"/>
+                  </a:ext>
+                </a:extLst>
+              </p:cNvPr>
+              <p:cNvPicPr>
+                <a:picLocks noChangeAspect="1"/>
+              </p:cNvPicPr>
+              <p:nvPr/>
+            </p:nvPicPr>
+            <p:blipFill>
+              <a:blip r:embed="rId50">
+                <a:extLst>
+                  <a:ext uri="{96DAC541-7B7A-43D3-8B79-37D633B846F1}">
+                    <asvg:svgBlip xmlns:asvg="http://schemas.microsoft.com/office/drawing/2016/SVG/main" r:embed="rId51"/>
+                  </a:ext>
+                </a:extLst>
+              </a:blip>
+              <a:stretch>
+                <a:fillRect/>
+              </a:stretch>
+            </p:blipFill>
+            <p:spPr>
+              <a:xfrm>
+                <a:off x="6011477" y="1059678"/>
+                <a:ext cx="764933" cy="764933"/>
+              </a:xfrm>
+              <a:prstGeom prst="rect">
+                <a:avLst/>
+              </a:prstGeom>
+            </p:spPr>
+          </p:pic>
+          <p:pic>
+            <p:nvPicPr>
+              <p:cNvPr id="68" name="Graphic 67" descr="Tools outline">
+                <a:extLst>
+                  <a:ext uri="{FF2B5EF4-FFF2-40B4-BE49-F238E27FC236}">
+                    <a16:creationId xmlns:a16="http://schemas.microsoft.com/office/drawing/2014/main" id="{443855CC-689A-66B9-DA01-1ABD939907A5}"/>
+                  </a:ext>
+                </a:extLst>
+              </p:cNvPr>
+              <p:cNvPicPr>
+                <a:picLocks noChangeAspect="1"/>
+              </p:cNvPicPr>
+              <p:nvPr/>
+            </p:nvPicPr>
+            <p:blipFill>
+              <a:blip r:embed="rId52">
+                <a:extLst>
+                  <a:ext uri="{96DAC541-7B7A-43D3-8B79-37D633B846F1}">
+                    <asvg:svgBlip xmlns:asvg="http://schemas.microsoft.com/office/drawing/2016/SVG/main" r:embed="rId53"/>
+                  </a:ext>
+                </a:extLst>
+              </a:blip>
+              <a:stretch>
+                <a:fillRect/>
+              </a:stretch>
+            </p:blipFill>
+            <p:spPr>
+              <a:xfrm>
+                <a:off x="7206045" y="1032571"/>
+                <a:ext cx="366013" cy="366013"/>
+              </a:xfrm>
+              <a:prstGeom prst="rect">
+                <a:avLst/>
+              </a:prstGeom>
+            </p:spPr>
+          </p:pic>
+        </p:grpSp>
+        <p:pic>
+          <p:nvPicPr>
+            <p:cNvPr id="118" name="Graphic 117" descr="Travel outline">
+              <a:extLst>
+                <a:ext uri="{FF2B5EF4-FFF2-40B4-BE49-F238E27FC236}">
+                  <a16:creationId xmlns:a16="http://schemas.microsoft.com/office/drawing/2014/main" id="{2C501110-D795-49C4-1B2D-D39E23F6B0E9}"/>
+                </a:ext>
+              </a:extLst>
+            </p:cNvPr>
+            <p:cNvPicPr>
+              <a:picLocks noChangeAspect="1"/>
+            </p:cNvPicPr>
+            <p:nvPr/>
+          </p:nvPicPr>
+          <p:blipFill>
+            <a:blip r:embed="rId54">
+              <a:extLst>
+                <a:ext uri="{96DAC541-7B7A-43D3-8B79-37D633B846F1}">
+                  <asvg:svgBlip xmlns:asvg="http://schemas.microsoft.com/office/drawing/2016/SVG/main" r:embed="rId55"/>
+                </a:ext>
+              </a:extLst>
+            </a:blip>
+            <a:stretch>
+              <a:fillRect/>
+            </a:stretch>
+          </p:blipFill>
+          <p:spPr>
+            <a:xfrm>
+              <a:off x="6573680" y="5460482"/>
+              <a:ext cx="662799" cy="662799"/>
+            </a:xfrm>
+            <a:prstGeom prst="rect">
+              <a:avLst/>
+            </a:prstGeom>
+          </p:spPr>
+        </p:pic>
+      </p:grpSp>
+      <p:pic>
+        <p:nvPicPr>
+          <p:cNvPr id="121" name="Graphic 120" descr="Connections outline">
+            <a:extLst>
+              <a:ext uri="{FF2B5EF4-FFF2-40B4-BE49-F238E27FC236}">
+                <a16:creationId xmlns:a16="http://schemas.microsoft.com/office/drawing/2014/main" id="{1128AA6B-EC6B-FFCF-DD8D-90A96C53F0CD}"/>
+              </a:ext>
+            </a:extLst>
+          </p:cNvPr>
+          <p:cNvPicPr>
+            <a:picLocks noChangeAspect="1"/>
+          </p:cNvPicPr>
+          <p:nvPr/>
+        </p:nvPicPr>
+        <p:blipFill>
+          <a:blip r:embed="rId56">
+            <a:extLst>
+              <a:ext uri="{96DAC541-7B7A-43D3-8B79-37D633B846F1}">
+                <asvg:svgBlip xmlns:asvg="http://schemas.microsoft.com/office/drawing/2016/SVG/main" r:embed="rId57"/>
+              </a:ext>
+            </a:extLst>
+          </a:blip>
+          <a:stretch>
+            <a:fillRect/>
+          </a:stretch>
+        </p:blipFill>
+        <p:spPr>
+          <a:xfrm>
+            <a:off x="4053092" y="2372915"/>
+            <a:ext cx="773319" cy="773319"/>
+          </a:xfrm>
+          <a:prstGeom prst="rect">
+            <a:avLst/>
+          </a:prstGeom>
+        </p:spPr>
+      </p:pic>
+      <p:pic>
+        <p:nvPicPr>
+          <p:cNvPr id="123" name="Graphic 122" descr="Stethoscope outline">
+            <a:extLst>
+              <a:ext uri="{FF2B5EF4-FFF2-40B4-BE49-F238E27FC236}">
+                <a16:creationId xmlns:a16="http://schemas.microsoft.com/office/drawing/2014/main" id="{E22AD97A-CB9D-C23D-2FF0-8BA1912C0702}"/>
+              </a:ext>
+            </a:extLst>
+          </p:cNvPr>
+          <p:cNvPicPr>
+            <a:picLocks noChangeAspect="1"/>
+          </p:cNvPicPr>
+          <p:nvPr/>
+        </p:nvPicPr>
+        <p:blipFill>
+          <a:blip r:embed="rId58">
+            <a:extLst>
+              <a:ext uri="{96DAC541-7B7A-43D3-8B79-37D633B846F1}">
+                <asvg:svgBlip xmlns:asvg="http://schemas.microsoft.com/office/drawing/2016/SVG/main" r:embed="rId59"/>
+              </a:ext>
+            </a:extLst>
+          </a:blip>
+          <a:stretch>
+            <a:fillRect/>
+          </a:stretch>
+        </p:blipFill>
+        <p:spPr>
+          <a:xfrm>
+            <a:off x="7405783" y="2342871"/>
+            <a:ext cx="596703" cy="596703"/>
+          </a:xfrm>
+          <a:prstGeom prst="rect">
+            <a:avLst/>
+          </a:prstGeom>
+        </p:spPr>
+      </p:pic>
+      <p:pic>
+        <p:nvPicPr>
+          <p:cNvPr id="125" name="Graphic 124" descr="Credit card outline">
+            <a:extLst>
+              <a:ext uri="{FF2B5EF4-FFF2-40B4-BE49-F238E27FC236}">
+                <a16:creationId xmlns:a16="http://schemas.microsoft.com/office/drawing/2014/main" id="{26AE0560-DD5D-8277-BD16-186EEB5F8156}"/>
+              </a:ext>
+            </a:extLst>
+          </p:cNvPr>
+          <p:cNvPicPr>
+            <a:picLocks noChangeAspect="1"/>
+          </p:cNvPicPr>
+          <p:nvPr/>
+        </p:nvPicPr>
+        <p:blipFill>
+          <a:blip r:embed="rId60">
+            <a:extLst>
+              <a:ext uri="{96DAC541-7B7A-43D3-8B79-37D633B846F1}">
+                <asvg:svgBlip xmlns:asvg="http://schemas.microsoft.com/office/drawing/2016/SVG/main" r:embed="rId61"/>
+              </a:ext>
+            </a:extLst>
+          </a:blip>
+          <a:stretch>
+            <a:fillRect/>
+          </a:stretch>
+        </p:blipFill>
+        <p:spPr>
+          <a:xfrm>
+            <a:off x="7273460" y="4508898"/>
+            <a:ext cx="914400" cy="914400"/>
+          </a:xfrm>
+          <a:prstGeom prst="rect">
+            <a:avLst/>
+          </a:prstGeom>
+        </p:spPr>
+      </p:pic>
+      <p:pic>
+        <p:nvPicPr>
+          <p:cNvPr id="127" name="Graphic 126" descr="Dollar outline">
+            <a:extLst>
+              <a:ext uri="{FF2B5EF4-FFF2-40B4-BE49-F238E27FC236}">
+                <a16:creationId xmlns:a16="http://schemas.microsoft.com/office/drawing/2014/main" id="{231D92DE-A25B-B4DB-4239-05BFB0BFBEB0}"/>
+              </a:ext>
+            </a:extLst>
+          </p:cNvPr>
+          <p:cNvPicPr>
+            <a:picLocks noChangeAspect="1"/>
+          </p:cNvPicPr>
+          <p:nvPr/>
+        </p:nvPicPr>
+        <p:blipFill>
+          <a:blip r:embed="rId62">
+            <a:extLst>
+              <a:ext uri="{96DAC541-7B7A-43D3-8B79-37D633B846F1}">
+                <asvg:svgBlip xmlns:asvg="http://schemas.microsoft.com/office/drawing/2016/SVG/main" r:embed="rId63"/>
+              </a:ext>
+            </a:extLst>
+          </a:blip>
+          <a:stretch>
+            <a:fillRect/>
+          </a:stretch>
+        </p:blipFill>
+        <p:spPr>
+          <a:xfrm>
+            <a:off x="7777698" y="3984874"/>
+            <a:ext cx="539155" cy="539155"/>
+          </a:xfrm>
+          <a:prstGeom prst="rect">
+            <a:avLst/>
+          </a:prstGeom>
+        </p:spPr>
+      </p:pic>
+      <p:pic>
+        <p:nvPicPr>
+          <p:cNvPr id="128" name="Graphic 127" descr="Monthly calendar outline">
+            <a:extLst>
+              <a:ext uri="{FF2B5EF4-FFF2-40B4-BE49-F238E27FC236}">
+                <a16:creationId xmlns:a16="http://schemas.microsoft.com/office/drawing/2014/main" id="{C5D860E3-EB29-9DBF-1F0B-960797B060F1}"/>
+              </a:ext>
+            </a:extLst>
+          </p:cNvPr>
+          <p:cNvPicPr>
+            <a:picLocks noChangeAspect="1"/>
+          </p:cNvPicPr>
+          <p:nvPr/>
+        </p:nvPicPr>
+        <p:blipFill>
+          <a:blip r:embed="rId26">
+            <a:extLst>
+              <a:ext uri="{96DAC541-7B7A-43D3-8B79-37D633B846F1}">
+                <asvg:svgBlip xmlns:asvg="http://schemas.microsoft.com/office/drawing/2016/SVG/main" r:embed="rId27"/>
+              </a:ext>
+            </a:extLst>
+          </a:blip>
+          <a:stretch>
+            <a:fillRect/>
+          </a:stretch>
+        </p:blipFill>
+        <p:spPr>
+          <a:xfrm rot="20999935">
+            <a:off x="3942894" y="4700364"/>
+            <a:ext cx="410715" cy="410715"/>
+          </a:xfrm>
+          <a:prstGeom prst="rect">
+            <a:avLst/>
+          </a:prstGeom>
+        </p:spPr>
+      </p:pic>
+      <p:pic>
+        <p:nvPicPr>
+          <p:cNvPr id="129" name="Graphic 128" descr="Monthly calendar outline">
+            <a:extLst>
+              <a:ext uri="{FF2B5EF4-FFF2-40B4-BE49-F238E27FC236}">
+                <a16:creationId xmlns:a16="http://schemas.microsoft.com/office/drawing/2014/main" id="{021DE511-7496-7FEF-9185-4BC9638FF59B}"/>
+              </a:ext>
+            </a:extLst>
+          </p:cNvPr>
+          <p:cNvPicPr>
+            <a:picLocks noChangeAspect="1"/>
+          </p:cNvPicPr>
+          <p:nvPr/>
+        </p:nvPicPr>
+        <p:blipFill>
+          <a:blip r:embed="rId26">
+            <a:extLst>
+              <a:ext uri="{96DAC541-7B7A-43D3-8B79-37D633B846F1}">
+                <asvg:svgBlip xmlns:asvg="http://schemas.microsoft.com/office/drawing/2016/SVG/main" r:embed="rId27"/>
+              </a:ext>
+            </a:extLst>
+          </a:blip>
+          <a:stretch>
+            <a:fillRect/>
+          </a:stretch>
+        </p:blipFill>
+        <p:spPr>
+          <a:xfrm rot="18581573">
+            <a:off x="4239313" y="4971811"/>
+            <a:ext cx="417026" cy="410715"/>
+          </a:xfrm>
+          <a:prstGeom prst="rect">
+            <a:avLst/>
+          </a:prstGeom>
+        </p:spPr>
+      </p:pic>
+      <p:sp>
+        <p:nvSpPr>
+          <p:cNvPr id="130" name="Oval 129">
+            <a:extLst>
+              <a:ext uri="{FF2B5EF4-FFF2-40B4-BE49-F238E27FC236}">
+                <a16:creationId xmlns:a16="http://schemas.microsoft.com/office/drawing/2014/main" id="{69FC0003-2714-F0DC-E277-303D0AE030EB}"/>
+              </a:ext>
+            </a:extLst>
+          </p:cNvPr>
+          <p:cNvSpPr/>
+          <p:nvPr/>
+        </p:nvSpPr>
+        <p:spPr>
+          <a:xfrm>
+            <a:off x="1839787" y="786899"/>
+            <a:ext cx="2013775" cy="2013775"/>
+          </a:xfrm>
+          <a:prstGeom prst="ellipse">
+            <a:avLst/>
+          </a:prstGeom>
+        </p:spPr>
+        <p:style>
+          <a:lnRef idx="2">
+            <a:schemeClr val="accent1">
+              <a:shade val="50000"/>
+            </a:schemeClr>
+          </a:lnRef>
+          <a:fillRef idx="1">
+            <a:schemeClr val="accent1"/>
+          </a:fillRef>
+          <a:effectRef idx="0">
+            <a:schemeClr val="accent1"/>
+          </a:effectRef>
+          <a:fontRef idx="minor">
+            <a:schemeClr val="lt1"/>
+          </a:fontRef>
+        </p:style>
+        <p:txBody>
+          <a:bodyPr rtlCol="0" anchor="ctr"/>
+          <a:lstStyle/>
+          <a:p>
+            <a:pPr algn="ctr"/>
+            <a:endParaRPr lang="en-US"/>
+          </a:p>
+        </p:txBody>
+      </p:sp>
+    </p:spTree>
+    <p:extLst>
+      <p:ext uri="{BB962C8B-B14F-4D97-AF65-F5344CB8AC3E}">
+        <p14:creationId xmlns:p14="http://schemas.microsoft.com/office/powerpoint/2010/main" val="1243840108"/>
+      </p:ext>
+    </p:extLst>
+  </p:cSld>
+  <p:clrMapOvr>
+    <a:masterClrMapping/>
+  </p:clrMapOvr>
+</p:sld>
+</file>
+
+<file path=ppt/slides/slide3.xml><?xml version="1.0" encoding="utf-8"?>
+<p:sld xmlns:a="http://schemas.openxmlformats.org/drawingml/2006/main" xmlns:r="http://schemas.openxmlformats.org/officeDocument/2006/relationships" xmlns:p="http://schemas.openxmlformats.org/presentationml/2006/main">
+  <p:cSld>
+    <p:spTree>
+      <p:nvGrpSpPr>
+        <p:cNvPr id="1" name=""/>
+        <p:cNvGrpSpPr/>
+        <p:nvPr/>
+      </p:nvGrpSpPr>
+      <p:grpSpPr>
+        <a:xfrm>
+          <a:off x="0" y="0"/>
+          <a:ext cx="0" cy="0"/>
+          <a:chOff x="0" y="0"/>
+          <a:chExt cx="0" cy="0"/>
+        </a:xfrm>
+      </p:grpSpPr>
       <p:sp>
         <p:nvSpPr>
           <p:cNvPr id="70" name="Rounded Rectangle 69">
@@ -6686,7 +8395,7 @@
 </p:sld>
 </file>
 
-<file path=ppt/slides/slide3.xml><?xml version="1.0" encoding="utf-8"?>
+<file path=ppt/slides/slide4.xml><?xml version="1.0" encoding="utf-8"?>
 <p:sld xmlns:a="http://schemas.openxmlformats.org/drawingml/2006/main" xmlns:r="http://schemas.openxmlformats.org/officeDocument/2006/relationships" xmlns:p="http://schemas.openxmlformats.org/presentationml/2006/main">
   <p:cSld>
     <p:spTree>
@@ -9618,288 +11327,6 @@
     <p:extLst>
       <p:ext uri="{BB962C8B-B14F-4D97-AF65-F5344CB8AC3E}">
         <p14:creationId xmlns:p14="http://schemas.microsoft.com/office/powerpoint/2010/main" val="4240576997"/>
-      </p:ext>
-    </p:extLst>
-  </p:cSld>
-  <p:clrMapOvr>
-    <a:masterClrMapping/>
-  </p:clrMapOvr>
-</p:sld>
-</file>
-
-<file path=ppt/slides/slide4.xml><?xml version="1.0" encoding="utf-8"?>
-<p:sld xmlns:a="http://schemas.openxmlformats.org/drawingml/2006/main" xmlns:r="http://schemas.openxmlformats.org/officeDocument/2006/relationships" xmlns:p="http://schemas.openxmlformats.org/presentationml/2006/main">
-  <p:cSld>
-    <p:spTree>
-      <p:nvGrpSpPr>
-        <p:cNvPr id="1" name=""/>
-        <p:cNvGrpSpPr/>
-        <p:nvPr/>
-      </p:nvGrpSpPr>
-      <p:grpSpPr>
-        <a:xfrm>
-          <a:off x="0" y="0"/>
-          <a:ext cx="0" cy="0"/>
-          <a:chOff x="0" y="0"/>
-          <a:chExt cx="0" cy="0"/>
-        </a:xfrm>
-      </p:grpSpPr>
-      <p:sp>
-        <p:nvSpPr>
-          <p:cNvPr id="12" name="Rounded Rectangle 11">
-            <a:extLst>
-              <a:ext uri="{FF2B5EF4-FFF2-40B4-BE49-F238E27FC236}">
-                <a16:creationId xmlns:a16="http://schemas.microsoft.com/office/drawing/2014/main" id="{31EDAC5A-BF78-089A-F954-630563A51F5A}"/>
-              </a:ext>
-            </a:extLst>
-          </p:cNvPr>
-          <p:cNvSpPr/>
-          <p:nvPr/>
-        </p:nvSpPr>
-        <p:spPr>
-          <a:xfrm>
-            <a:off x="538154" y="1882339"/>
-            <a:ext cx="1787159" cy="1768907"/>
-          </a:xfrm>
-          <a:prstGeom prst="roundRect">
-            <a:avLst>
-              <a:gd name="adj" fmla="val 0"/>
-            </a:avLst>
-          </a:prstGeom>
-          <a:solidFill>
-            <a:schemeClr val="tx1"/>
-          </a:solidFill>
-          <a:ln w="50800">
-            <a:noFill/>
-          </a:ln>
-        </p:spPr>
-        <p:style>
-          <a:lnRef idx="2">
-            <a:schemeClr val="accent1">
-              <a:shade val="50000"/>
-            </a:schemeClr>
-          </a:lnRef>
-          <a:fillRef idx="1">
-            <a:schemeClr val="accent1"/>
-          </a:fillRef>
-          <a:effectRef idx="0">
-            <a:schemeClr val="accent1"/>
-          </a:effectRef>
-          <a:fontRef idx="minor">
-            <a:schemeClr val="lt1"/>
-          </a:fontRef>
-        </p:style>
-        <p:txBody>
-          <a:bodyPr rtlCol="0" anchor="ctr"/>
-          <a:lstStyle/>
-          <a:p>
-            <a:pPr algn="ctr"/>
-            <a:endParaRPr lang="en-US"/>
-          </a:p>
-        </p:txBody>
-      </p:sp>
-      <p:pic>
-        <p:nvPicPr>
-          <p:cNvPr id="3" name="Graphic 2" descr="Checklist outline">
-            <a:extLst>
-              <a:ext uri="{FF2B5EF4-FFF2-40B4-BE49-F238E27FC236}">
-                <a16:creationId xmlns:a16="http://schemas.microsoft.com/office/drawing/2014/main" id="{887517C5-0284-4498-8E83-05EE8F560CA1}"/>
-              </a:ext>
-            </a:extLst>
-          </p:cNvPr>
-          <p:cNvPicPr>
-            <a:picLocks noChangeAspect="1"/>
-          </p:cNvPicPr>
-          <p:nvPr/>
-        </p:nvPicPr>
-        <p:blipFill>
-          <a:blip r:embed="rId2">
-            <a:extLst>
-              <a:ext uri="{96DAC541-7B7A-43D3-8B79-37D633B846F1}">
-                <asvg:svgBlip xmlns:asvg="http://schemas.microsoft.com/office/drawing/2016/SVG/main" r:embed="rId3"/>
-              </a:ext>
-            </a:extLst>
-          </a:blip>
-          <a:stretch>
-            <a:fillRect/>
-          </a:stretch>
-        </p:blipFill>
-        <p:spPr>
-          <a:xfrm>
-            <a:off x="2550070" y="635615"/>
-            <a:ext cx="914400" cy="914400"/>
-          </a:xfrm>
-          <a:prstGeom prst="rect">
-            <a:avLst/>
-          </a:prstGeom>
-        </p:spPr>
-      </p:pic>
-      <p:pic>
-        <p:nvPicPr>
-          <p:cNvPr id="5" name="Graphic 4" descr="Checklist with solid fill">
-            <a:extLst>
-              <a:ext uri="{FF2B5EF4-FFF2-40B4-BE49-F238E27FC236}">
-                <a16:creationId xmlns:a16="http://schemas.microsoft.com/office/drawing/2014/main" id="{AC0839DB-36EE-8C79-748A-5A5BAA85AF65}"/>
-              </a:ext>
-            </a:extLst>
-          </p:cNvPr>
-          <p:cNvPicPr>
-            <a:picLocks noChangeAspect="1"/>
-          </p:cNvPicPr>
-          <p:nvPr/>
-        </p:nvPicPr>
-        <p:blipFill>
-          <a:blip r:embed="rId4">
-            <a:extLst>
-              <a:ext uri="{96DAC541-7B7A-43D3-8B79-37D633B846F1}">
-                <asvg:svgBlip xmlns:asvg="http://schemas.microsoft.com/office/drawing/2016/SVG/main" r:embed="rId5"/>
-              </a:ext>
-            </a:extLst>
-          </a:blip>
-          <a:stretch>
-            <a:fillRect/>
-          </a:stretch>
-        </p:blipFill>
-        <p:spPr>
-          <a:xfrm>
-            <a:off x="1161494" y="635615"/>
-            <a:ext cx="914400" cy="914400"/>
-          </a:xfrm>
-          <a:prstGeom prst="rect">
-            <a:avLst/>
-          </a:prstGeom>
-        </p:spPr>
-      </p:pic>
-      <p:sp>
-        <p:nvSpPr>
-          <p:cNvPr id="11" name="Rounded Rectangle 10">
-            <a:extLst>
-              <a:ext uri="{FF2B5EF4-FFF2-40B4-BE49-F238E27FC236}">
-                <a16:creationId xmlns:a16="http://schemas.microsoft.com/office/drawing/2014/main" id="{B5E72C34-FFA7-6C08-F24F-62B22109F1F1}"/>
-              </a:ext>
-            </a:extLst>
-          </p:cNvPr>
-          <p:cNvSpPr/>
-          <p:nvPr/>
-        </p:nvSpPr>
-        <p:spPr>
-          <a:xfrm>
-            <a:off x="798461" y="2137243"/>
-            <a:ext cx="1266547" cy="1259100"/>
-          </a:xfrm>
-          <a:prstGeom prst="roundRect">
-            <a:avLst/>
-          </a:prstGeom>
-          <a:solidFill>
-            <a:schemeClr val="bg1"/>
-          </a:solidFill>
-          <a:ln w="50800">
-            <a:solidFill>
-              <a:srgbClr val="00B050"/>
-            </a:solidFill>
-          </a:ln>
-        </p:spPr>
-        <p:style>
-          <a:lnRef idx="2">
-            <a:schemeClr val="accent1">
-              <a:shade val="50000"/>
-            </a:schemeClr>
-          </a:lnRef>
-          <a:fillRef idx="1">
-            <a:schemeClr val="accent1"/>
-          </a:fillRef>
-          <a:effectRef idx="0">
-            <a:schemeClr val="accent1"/>
-          </a:effectRef>
-          <a:fontRef idx="minor">
-            <a:schemeClr val="lt1"/>
-          </a:fontRef>
-        </p:style>
-        <p:txBody>
-          <a:bodyPr rtlCol="0" anchor="ctr"/>
-          <a:lstStyle/>
-          <a:p>
-            <a:pPr algn="ctr"/>
-            <a:endParaRPr lang="en-US"/>
-          </a:p>
-        </p:txBody>
-      </p:sp>
-      <p:pic>
-        <p:nvPicPr>
-          <p:cNvPr id="7" name="Graphic 6" descr="Dollar with solid fill">
-            <a:extLst>
-              <a:ext uri="{FF2B5EF4-FFF2-40B4-BE49-F238E27FC236}">
-                <a16:creationId xmlns:a16="http://schemas.microsoft.com/office/drawing/2014/main" id="{B3D6E388-39E5-0013-6356-D278D23B8707}"/>
-              </a:ext>
-            </a:extLst>
-          </p:cNvPr>
-          <p:cNvPicPr>
-            <a:picLocks noChangeAspect="1"/>
-          </p:cNvPicPr>
-          <p:nvPr/>
-        </p:nvPicPr>
-        <p:blipFill>
-          <a:blip r:embed="rId6">
-            <a:extLst>
-              <a:ext uri="{96DAC541-7B7A-43D3-8B79-37D633B846F1}">
-                <asvg:svgBlip xmlns:asvg="http://schemas.microsoft.com/office/drawing/2016/SVG/main" r:embed="rId7"/>
-              </a:ext>
-            </a:extLst>
-          </a:blip>
-          <a:stretch>
-            <a:fillRect/>
-          </a:stretch>
-        </p:blipFill>
-        <p:spPr>
-          <a:xfrm>
-            <a:off x="719744" y="2237958"/>
-            <a:ext cx="701185" cy="701185"/>
-          </a:xfrm>
-          <a:prstGeom prst="rect">
-            <a:avLst/>
-          </a:prstGeom>
-        </p:spPr>
-      </p:pic>
-      <p:pic>
-        <p:nvPicPr>
-          <p:cNvPr id="10" name="Graphic 9" descr="Checklist with solid fill">
-            <a:extLst>
-              <a:ext uri="{FF2B5EF4-FFF2-40B4-BE49-F238E27FC236}">
-                <a16:creationId xmlns:a16="http://schemas.microsoft.com/office/drawing/2014/main" id="{C6360AE0-324E-3381-BE8E-CFC3305F0FB2}"/>
-              </a:ext>
-            </a:extLst>
-          </p:cNvPr>
-          <p:cNvPicPr>
-            <a:picLocks noChangeAspect="1"/>
-          </p:cNvPicPr>
-          <p:nvPr/>
-        </p:nvPicPr>
-        <p:blipFill>
-          <a:blip r:embed="rId4">
-            <a:extLst>
-              <a:ext uri="{96DAC541-7B7A-43D3-8B79-37D633B846F1}">
-                <asvg:svgBlip xmlns:asvg="http://schemas.microsoft.com/office/drawing/2016/SVG/main" r:embed="rId5"/>
-              </a:ext>
-            </a:extLst>
-          </a:blip>
-          <a:stretch>
-            <a:fillRect/>
-          </a:stretch>
-        </p:blipFill>
-        <p:spPr>
-          <a:xfrm>
-            <a:off x="1183266" y="2405209"/>
-            <a:ext cx="808820" cy="808820"/>
-          </a:xfrm>
-          <a:prstGeom prst="rect">
-            <a:avLst/>
-          </a:prstGeom>
-        </p:spPr>
-      </p:pic>
-    </p:spTree>
-    <p:extLst>
-      <p:ext uri="{BB962C8B-B14F-4D97-AF65-F5344CB8AC3E}">
-        <p14:creationId xmlns:p14="http://schemas.microsoft.com/office/powerpoint/2010/main" val="3203424994"/>
       </p:ext>
     </p:extLst>
   </p:cSld>
@@ -9930,6 +11357,288 @@
     <p:extLst>
       <p:ext uri="{BB962C8B-B14F-4D97-AF65-F5344CB8AC3E}">
         <p14:creationId xmlns:p14="http://schemas.microsoft.com/office/powerpoint/2010/main" val="1331880368"/>
+      </p:ext>
+    </p:extLst>
+  </p:cSld>
+  <p:clrMapOvr>
+    <a:masterClrMapping/>
+  </p:clrMapOvr>
+</p:sld>
+</file>
+
+<file path=ppt/slides/slide6.xml><?xml version="1.0" encoding="utf-8"?>
+<p:sld xmlns:a="http://schemas.openxmlformats.org/drawingml/2006/main" xmlns:r="http://schemas.openxmlformats.org/officeDocument/2006/relationships" xmlns:p="http://schemas.openxmlformats.org/presentationml/2006/main">
+  <p:cSld>
+    <p:spTree>
+      <p:nvGrpSpPr>
+        <p:cNvPr id="1" name=""/>
+        <p:cNvGrpSpPr/>
+        <p:nvPr/>
+      </p:nvGrpSpPr>
+      <p:grpSpPr>
+        <a:xfrm>
+          <a:off x="0" y="0"/>
+          <a:ext cx="0" cy="0"/>
+          <a:chOff x="0" y="0"/>
+          <a:chExt cx="0" cy="0"/>
+        </a:xfrm>
+      </p:grpSpPr>
+      <p:sp>
+        <p:nvSpPr>
+          <p:cNvPr id="12" name="Rounded Rectangle 11">
+            <a:extLst>
+              <a:ext uri="{FF2B5EF4-FFF2-40B4-BE49-F238E27FC236}">
+                <a16:creationId xmlns:a16="http://schemas.microsoft.com/office/drawing/2014/main" id="{31EDAC5A-BF78-089A-F954-630563A51F5A}"/>
+              </a:ext>
+            </a:extLst>
+          </p:cNvPr>
+          <p:cNvSpPr/>
+          <p:nvPr/>
+        </p:nvSpPr>
+        <p:spPr>
+          <a:xfrm>
+            <a:off x="538154" y="1882339"/>
+            <a:ext cx="1787159" cy="1768907"/>
+          </a:xfrm>
+          <a:prstGeom prst="roundRect">
+            <a:avLst>
+              <a:gd name="adj" fmla="val 0"/>
+            </a:avLst>
+          </a:prstGeom>
+          <a:solidFill>
+            <a:schemeClr val="tx1"/>
+          </a:solidFill>
+          <a:ln w="50800">
+            <a:noFill/>
+          </a:ln>
+        </p:spPr>
+        <p:style>
+          <a:lnRef idx="2">
+            <a:schemeClr val="accent1">
+              <a:shade val="50000"/>
+            </a:schemeClr>
+          </a:lnRef>
+          <a:fillRef idx="1">
+            <a:schemeClr val="accent1"/>
+          </a:fillRef>
+          <a:effectRef idx="0">
+            <a:schemeClr val="accent1"/>
+          </a:effectRef>
+          <a:fontRef idx="minor">
+            <a:schemeClr val="lt1"/>
+          </a:fontRef>
+        </p:style>
+        <p:txBody>
+          <a:bodyPr rtlCol="0" anchor="ctr"/>
+          <a:lstStyle/>
+          <a:p>
+            <a:pPr algn="ctr"/>
+            <a:endParaRPr lang="en-US"/>
+          </a:p>
+        </p:txBody>
+      </p:sp>
+      <p:pic>
+        <p:nvPicPr>
+          <p:cNvPr id="3" name="Graphic 2" descr="Checklist outline">
+            <a:extLst>
+              <a:ext uri="{FF2B5EF4-FFF2-40B4-BE49-F238E27FC236}">
+                <a16:creationId xmlns:a16="http://schemas.microsoft.com/office/drawing/2014/main" id="{887517C5-0284-4498-8E83-05EE8F560CA1}"/>
+              </a:ext>
+            </a:extLst>
+          </p:cNvPr>
+          <p:cNvPicPr>
+            <a:picLocks noChangeAspect="1"/>
+          </p:cNvPicPr>
+          <p:nvPr/>
+        </p:nvPicPr>
+        <p:blipFill>
+          <a:blip r:embed="rId2">
+            <a:extLst>
+              <a:ext uri="{96DAC541-7B7A-43D3-8B79-37D633B846F1}">
+                <asvg:svgBlip xmlns:asvg="http://schemas.microsoft.com/office/drawing/2016/SVG/main" r:embed="rId3"/>
+              </a:ext>
+            </a:extLst>
+          </a:blip>
+          <a:stretch>
+            <a:fillRect/>
+          </a:stretch>
+        </p:blipFill>
+        <p:spPr>
+          <a:xfrm>
+            <a:off x="9546771" y="2169900"/>
+            <a:ext cx="914400" cy="914400"/>
+          </a:xfrm>
+          <a:prstGeom prst="rect">
+            <a:avLst/>
+          </a:prstGeom>
+        </p:spPr>
+      </p:pic>
+      <p:pic>
+        <p:nvPicPr>
+          <p:cNvPr id="5" name="Graphic 4" descr="Checklist with solid fill">
+            <a:extLst>
+              <a:ext uri="{FF2B5EF4-FFF2-40B4-BE49-F238E27FC236}">
+                <a16:creationId xmlns:a16="http://schemas.microsoft.com/office/drawing/2014/main" id="{AC0839DB-36EE-8C79-748A-5A5BAA85AF65}"/>
+              </a:ext>
+            </a:extLst>
+          </p:cNvPr>
+          <p:cNvPicPr>
+            <a:picLocks noChangeAspect="1"/>
+          </p:cNvPicPr>
+          <p:nvPr/>
+        </p:nvPicPr>
+        <p:blipFill>
+          <a:blip r:embed="rId4">
+            <a:extLst>
+              <a:ext uri="{96DAC541-7B7A-43D3-8B79-37D633B846F1}">
+                <asvg:svgBlip xmlns:asvg="http://schemas.microsoft.com/office/drawing/2016/SVG/main" r:embed="rId5"/>
+              </a:ext>
+            </a:extLst>
+          </a:blip>
+          <a:stretch>
+            <a:fillRect/>
+          </a:stretch>
+        </p:blipFill>
+        <p:spPr>
+          <a:xfrm>
+            <a:off x="1161494" y="635615"/>
+            <a:ext cx="914400" cy="914400"/>
+          </a:xfrm>
+          <a:prstGeom prst="rect">
+            <a:avLst/>
+          </a:prstGeom>
+        </p:spPr>
+      </p:pic>
+      <p:sp>
+        <p:nvSpPr>
+          <p:cNvPr id="11" name="Rounded Rectangle 10">
+            <a:extLst>
+              <a:ext uri="{FF2B5EF4-FFF2-40B4-BE49-F238E27FC236}">
+                <a16:creationId xmlns:a16="http://schemas.microsoft.com/office/drawing/2014/main" id="{B5E72C34-FFA7-6C08-F24F-62B22109F1F1}"/>
+              </a:ext>
+            </a:extLst>
+          </p:cNvPr>
+          <p:cNvSpPr/>
+          <p:nvPr/>
+        </p:nvSpPr>
+        <p:spPr>
+          <a:xfrm>
+            <a:off x="798461" y="2137243"/>
+            <a:ext cx="1266547" cy="1259100"/>
+          </a:xfrm>
+          <a:prstGeom prst="roundRect">
+            <a:avLst/>
+          </a:prstGeom>
+          <a:solidFill>
+            <a:schemeClr val="bg1"/>
+          </a:solidFill>
+          <a:ln w="50800">
+            <a:solidFill>
+              <a:srgbClr val="00B050"/>
+            </a:solidFill>
+          </a:ln>
+        </p:spPr>
+        <p:style>
+          <a:lnRef idx="2">
+            <a:schemeClr val="accent1">
+              <a:shade val="50000"/>
+            </a:schemeClr>
+          </a:lnRef>
+          <a:fillRef idx="1">
+            <a:schemeClr val="accent1"/>
+          </a:fillRef>
+          <a:effectRef idx="0">
+            <a:schemeClr val="accent1"/>
+          </a:effectRef>
+          <a:fontRef idx="minor">
+            <a:schemeClr val="lt1"/>
+          </a:fontRef>
+        </p:style>
+        <p:txBody>
+          <a:bodyPr rtlCol="0" anchor="ctr"/>
+          <a:lstStyle/>
+          <a:p>
+            <a:pPr algn="ctr"/>
+            <a:endParaRPr lang="en-US"/>
+          </a:p>
+        </p:txBody>
+      </p:sp>
+      <p:pic>
+        <p:nvPicPr>
+          <p:cNvPr id="7" name="Graphic 6" descr="Dollar with solid fill">
+            <a:extLst>
+              <a:ext uri="{FF2B5EF4-FFF2-40B4-BE49-F238E27FC236}">
+                <a16:creationId xmlns:a16="http://schemas.microsoft.com/office/drawing/2014/main" id="{B3D6E388-39E5-0013-6356-D278D23B8707}"/>
+              </a:ext>
+            </a:extLst>
+          </p:cNvPr>
+          <p:cNvPicPr>
+            <a:picLocks noChangeAspect="1"/>
+          </p:cNvPicPr>
+          <p:nvPr/>
+        </p:nvPicPr>
+        <p:blipFill>
+          <a:blip r:embed="rId6">
+            <a:extLst>
+              <a:ext uri="{96DAC541-7B7A-43D3-8B79-37D633B846F1}">
+                <asvg:svgBlip xmlns:asvg="http://schemas.microsoft.com/office/drawing/2016/SVG/main" r:embed="rId7"/>
+              </a:ext>
+            </a:extLst>
+          </a:blip>
+          <a:stretch>
+            <a:fillRect/>
+          </a:stretch>
+        </p:blipFill>
+        <p:spPr>
+          <a:xfrm>
+            <a:off x="719744" y="2237958"/>
+            <a:ext cx="701185" cy="701185"/>
+          </a:xfrm>
+          <a:prstGeom prst="rect">
+            <a:avLst/>
+          </a:prstGeom>
+        </p:spPr>
+      </p:pic>
+      <p:pic>
+        <p:nvPicPr>
+          <p:cNvPr id="10" name="Graphic 9" descr="Checklist with solid fill">
+            <a:extLst>
+              <a:ext uri="{FF2B5EF4-FFF2-40B4-BE49-F238E27FC236}">
+                <a16:creationId xmlns:a16="http://schemas.microsoft.com/office/drawing/2014/main" id="{C6360AE0-324E-3381-BE8E-CFC3305F0FB2}"/>
+              </a:ext>
+            </a:extLst>
+          </p:cNvPr>
+          <p:cNvPicPr>
+            <a:picLocks noChangeAspect="1"/>
+          </p:cNvPicPr>
+          <p:nvPr/>
+        </p:nvPicPr>
+        <p:blipFill>
+          <a:blip r:embed="rId4">
+            <a:extLst>
+              <a:ext uri="{96DAC541-7B7A-43D3-8B79-37D633B846F1}">
+                <asvg:svgBlip xmlns:asvg="http://schemas.microsoft.com/office/drawing/2016/SVG/main" r:embed="rId5"/>
+              </a:ext>
+            </a:extLst>
+          </a:blip>
+          <a:stretch>
+            <a:fillRect/>
+          </a:stretch>
+        </p:blipFill>
+        <p:spPr>
+          <a:xfrm>
+            <a:off x="1183266" y="2405209"/>
+            <a:ext cx="808820" cy="808820"/>
+          </a:xfrm>
+          <a:prstGeom prst="rect">
+            <a:avLst/>
+          </a:prstGeom>
+        </p:spPr>
+      </p:pic>
+    </p:spTree>
+    <p:extLst>
+      <p:ext uri="{BB962C8B-B14F-4D97-AF65-F5344CB8AC3E}">
+        <p14:creationId xmlns:p14="http://schemas.microsoft.com/office/powerpoint/2010/main" val="3203424994"/>
       </p:ext>
     </p:extLst>
   </p:cSld>

--- a/diagrams.pptx
+++ b/diagrams.pptx
@@ -11969,112 +11969,133 @@
           </a:p>
         </p:txBody>
       </p:sp>
-      <p:sp>
-        <p:nvSpPr>
-          <p:cNvPr id="60" name="TextBox 59">
-            <a:extLst>
-              <a:ext uri="{FF2B5EF4-FFF2-40B4-BE49-F238E27FC236}">
-                <a16:creationId xmlns:a16="http://schemas.microsoft.com/office/drawing/2014/main" id="{43DF8E3E-F738-34E0-483B-2B3EDA18B12B}"/>
-              </a:ext>
-            </a:extLst>
-          </p:cNvPr>
-          <p:cNvSpPr txBox="1"/>
-          <p:nvPr/>
-        </p:nvSpPr>
-        <p:spPr>
-          <a:xfrm>
-            <a:off x="2987869" y="2473558"/>
-            <a:ext cx="1187055" cy="769441"/>
-          </a:xfrm>
-          <a:prstGeom prst="rect">
-            <a:avLst/>
-          </a:prstGeom>
-          <a:noFill/>
-        </p:spPr>
-        <p:txBody>
-          <a:bodyPr wrap="square" rtlCol="0">
-            <a:spAutoFit/>
-          </a:bodyPr>
-          <a:lstStyle/>
-          <a:p>
-            <a:r>
-              <a:rPr lang="en-US" sz="1100" dirty="0"/>
-              <a:t>Home tab can navigate to these default tabs:</a:t>
-            </a:r>
-          </a:p>
-          <a:p>
-            <a:endParaRPr lang="en-US" sz="1100" dirty="0"/>
-          </a:p>
-        </p:txBody>
-      </p:sp>
-      <p:sp>
-        <p:nvSpPr>
-          <p:cNvPr id="61" name="TextBox 60">
-            <a:extLst>
-              <a:ext uri="{FF2B5EF4-FFF2-40B4-BE49-F238E27FC236}">
-                <a16:creationId xmlns:a16="http://schemas.microsoft.com/office/drawing/2014/main" id="{AFA9B27B-79E2-E12B-8298-C6F2782AB3F6}"/>
-              </a:ext>
-            </a:extLst>
-          </p:cNvPr>
-          <p:cNvSpPr txBox="1"/>
-          <p:nvPr/>
-        </p:nvSpPr>
-        <p:spPr>
-          <a:xfrm>
-            <a:off x="3118654" y="3062724"/>
-            <a:ext cx="925483" cy="1277273"/>
-          </a:xfrm>
-          <a:prstGeom prst="rect">
-            <a:avLst/>
-          </a:prstGeom>
-          <a:noFill/>
-        </p:spPr>
-        <p:txBody>
-          <a:bodyPr wrap="square" rtlCol="0">
-            <a:spAutoFit/>
-          </a:bodyPr>
-          <a:lstStyle/>
-          <a:p>
-            <a:r>
-              <a:rPr lang="en-US" sz="1100" dirty="0"/>
-              <a:t>-Individuals</a:t>
-            </a:r>
-          </a:p>
-          <a:p>
-            <a:r>
-              <a:rPr lang="en-US" sz="1100" dirty="0"/>
-              <a:t>-Assets</a:t>
-            </a:r>
-          </a:p>
-          <a:p>
-            <a:r>
-              <a:rPr lang="en-US" sz="1100" dirty="0"/>
-              <a:t>-Income</a:t>
-            </a:r>
-          </a:p>
-          <a:p>
-            <a:r>
-              <a:rPr lang="en-US" sz="1100" dirty="0"/>
-              <a:t>-Budget</a:t>
-            </a:r>
-          </a:p>
-          <a:p>
-            <a:r>
-              <a:rPr lang="en-US" sz="1100" dirty="0"/>
-              <a:t>-Retire</a:t>
-            </a:r>
-          </a:p>
-          <a:p>
-            <a:r>
-              <a:rPr lang="en-US" sz="1100" dirty="0"/>
-              <a:t>-Useful Info</a:t>
-            </a:r>
-          </a:p>
-          <a:p>
-            <a:endParaRPr lang="en-US" sz="1100" dirty="0"/>
-          </a:p>
-        </p:txBody>
-      </p:sp>
+      <p:grpSp>
+        <p:nvGrpSpPr>
+          <p:cNvPr id="77" name="Group 76">
+            <a:extLst>
+              <a:ext uri="{FF2B5EF4-FFF2-40B4-BE49-F238E27FC236}">
+                <a16:creationId xmlns:a16="http://schemas.microsoft.com/office/drawing/2014/main" id="{7DDBFA53-BCD6-3D3A-44F9-00DDBF8E7A9C}"/>
+              </a:ext>
+            </a:extLst>
+          </p:cNvPr>
+          <p:cNvGrpSpPr/>
+          <p:nvPr/>
+        </p:nvGrpSpPr>
+        <p:grpSpPr>
+          <a:xfrm>
+            <a:off x="2969021" y="3076797"/>
+            <a:ext cx="1230898" cy="1866439"/>
+            <a:chOff x="2987869" y="2473558"/>
+            <a:chExt cx="1230898" cy="1866439"/>
+          </a:xfrm>
+        </p:grpSpPr>
+        <p:sp>
+          <p:nvSpPr>
+            <p:cNvPr id="60" name="TextBox 59">
+              <a:extLst>
+                <a:ext uri="{FF2B5EF4-FFF2-40B4-BE49-F238E27FC236}">
+                  <a16:creationId xmlns:a16="http://schemas.microsoft.com/office/drawing/2014/main" id="{43DF8E3E-F738-34E0-483B-2B3EDA18B12B}"/>
+                </a:ext>
+              </a:extLst>
+            </p:cNvPr>
+            <p:cNvSpPr txBox="1"/>
+            <p:nvPr/>
+          </p:nvSpPr>
+          <p:spPr>
+            <a:xfrm>
+              <a:off x="2987869" y="2473558"/>
+              <a:ext cx="1230898" cy="769441"/>
+            </a:xfrm>
+            <a:prstGeom prst="rect">
+              <a:avLst/>
+            </a:prstGeom>
+            <a:noFill/>
+          </p:spPr>
+          <p:txBody>
+            <a:bodyPr wrap="square" rtlCol="0">
+              <a:spAutoFit/>
+            </a:bodyPr>
+            <a:lstStyle/>
+            <a:p>
+              <a:r>
+                <a:rPr lang="en-US" sz="1100" dirty="0"/>
+                <a:t>Home tab can also navigate to these default tabs:</a:t>
+              </a:r>
+            </a:p>
+            <a:p>
+              <a:endParaRPr lang="en-US" sz="1100" dirty="0"/>
+            </a:p>
+          </p:txBody>
+        </p:sp>
+        <p:sp>
+          <p:nvSpPr>
+            <p:cNvPr id="61" name="TextBox 60">
+              <a:extLst>
+                <a:ext uri="{FF2B5EF4-FFF2-40B4-BE49-F238E27FC236}">
+                  <a16:creationId xmlns:a16="http://schemas.microsoft.com/office/drawing/2014/main" id="{AFA9B27B-79E2-E12B-8298-C6F2782AB3F6}"/>
+                </a:ext>
+              </a:extLst>
+            </p:cNvPr>
+            <p:cNvSpPr txBox="1"/>
+            <p:nvPr/>
+          </p:nvSpPr>
+          <p:spPr>
+            <a:xfrm>
+              <a:off x="3118654" y="3062724"/>
+              <a:ext cx="925483" cy="1277273"/>
+            </a:xfrm>
+            <a:prstGeom prst="rect">
+              <a:avLst/>
+            </a:prstGeom>
+            <a:noFill/>
+          </p:spPr>
+          <p:txBody>
+            <a:bodyPr wrap="square" rtlCol="0">
+              <a:spAutoFit/>
+            </a:bodyPr>
+            <a:lstStyle/>
+            <a:p>
+              <a:r>
+                <a:rPr lang="en-US" sz="1100" dirty="0"/>
+                <a:t>-Individuals</a:t>
+              </a:r>
+            </a:p>
+            <a:p>
+              <a:r>
+                <a:rPr lang="en-US" sz="1100" dirty="0"/>
+                <a:t>-Assets</a:t>
+              </a:r>
+            </a:p>
+            <a:p>
+              <a:r>
+                <a:rPr lang="en-US" sz="1100" dirty="0"/>
+                <a:t>-Income</a:t>
+              </a:r>
+            </a:p>
+            <a:p>
+              <a:r>
+                <a:rPr lang="en-US" sz="1100" dirty="0"/>
+                <a:t>-Budget</a:t>
+              </a:r>
+            </a:p>
+            <a:p>
+              <a:r>
+                <a:rPr lang="en-US" sz="1100" dirty="0"/>
+                <a:t>-Retire</a:t>
+              </a:r>
+            </a:p>
+            <a:p>
+              <a:r>
+                <a:rPr lang="en-US" sz="1100" dirty="0"/>
+                <a:t>-Useful Info</a:t>
+              </a:r>
+            </a:p>
+            <a:p>
+              <a:endParaRPr lang="en-US" sz="1100" dirty="0"/>
+            </a:p>
+          </p:txBody>
+        </p:sp>
+      </p:grpSp>
       <p:sp>
         <p:nvSpPr>
           <p:cNvPr id="63" name="TextBox 62">
@@ -12767,6 +12788,77 @@
           <a:p>
             <a:pPr algn="ctr"/>
             <a:endParaRPr lang="en-US"/>
+          </a:p>
+        </p:txBody>
+      </p:sp>
+      <p:sp>
+        <p:nvSpPr>
+          <p:cNvPr id="78" name="Rounded Rectangle 77">
+            <a:extLst>
+              <a:ext uri="{FF2B5EF4-FFF2-40B4-BE49-F238E27FC236}">
+                <a16:creationId xmlns:a16="http://schemas.microsoft.com/office/drawing/2014/main" id="{060BCE95-DF4E-88A4-9341-317EB5D6C3A1}"/>
+              </a:ext>
+            </a:extLst>
+          </p:cNvPr>
+          <p:cNvSpPr/>
+          <p:nvPr/>
+        </p:nvSpPr>
+        <p:spPr>
+          <a:xfrm>
+            <a:off x="3024181" y="2540058"/>
+            <a:ext cx="1014532" cy="312691"/>
+          </a:xfrm>
+          <a:prstGeom prst="roundRect">
+            <a:avLst>
+              <a:gd name="adj" fmla="val 13794"/>
+            </a:avLst>
+          </a:prstGeom>
+          <a:solidFill>
+            <a:schemeClr val="bg1">
+              <a:lumMod val="85000"/>
+            </a:schemeClr>
+          </a:solidFill>
+          <a:ln w="12700">
+            <a:solidFill>
+              <a:schemeClr val="tx1">
+                <a:lumMod val="50000"/>
+                <a:lumOff val="50000"/>
+              </a:schemeClr>
+            </a:solidFill>
+          </a:ln>
+        </p:spPr>
+        <p:style>
+          <a:lnRef idx="2">
+            <a:schemeClr val="accent1">
+              <a:shade val="50000"/>
+            </a:schemeClr>
+          </a:lnRef>
+          <a:fillRef idx="1">
+            <a:schemeClr val="accent1"/>
+          </a:fillRef>
+          <a:effectRef idx="0">
+            <a:schemeClr val="accent1"/>
+          </a:effectRef>
+          <a:fontRef idx="minor">
+            <a:schemeClr val="lt1"/>
+          </a:fontRef>
+        </p:style>
+        <p:txBody>
+          <a:bodyPr rtlCol="0" anchor="ctr"/>
+          <a:lstStyle/>
+          <a:p>
+            <a:pPr algn="ctr"/>
+            <a:r>
+              <a:rPr lang="en-US" sz="1100" dirty="0">
+                <a:solidFill>
+                  <a:schemeClr val="tx1">
+                    <a:lumMod val="65000"/>
+                    <a:lumOff val="35000"/>
+                  </a:schemeClr>
+                </a:solidFill>
+              </a:rPr>
+              <a:t>Settings</a:t>
+            </a:r>
           </a:p>
         </p:txBody>
       </p:sp>
